--- a/PROJECT REPORT/Investment Analysis using POWER BI project Report.pptx
+++ b/PROJECT REPORT/Investment Analysis using POWER BI project Report.pptx
@@ -15,14 +15,14 @@
     <p:sldId id="304" r:id="rId6"/>
     <p:sldId id="307" r:id="rId7"/>
     <p:sldId id="281" r:id="rId8"/>
-    <p:sldId id="282" r:id="rId9"/>
-    <p:sldId id="314" r:id="rId10"/>
-    <p:sldId id="315" r:id="rId11"/>
-    <p:sldId id="317" r:id="rId12"/>
-    <p:sldId id="318" r:id="rId13"/>
-    <p:sldId id="319" r:id="rId14"/>
+    <p:sldId id="315" r:id="rId9"/>
+    <p:sldId id="323" r:id="rId10"/>
+    <p:sldId id="325" r:id="rId11"/>
+    <p:sldId id="326" r:id="rId12"/>
+    <p:sldId id="327" r:id="rId13"/>
+    <p:sldId id="328" r:id="rId14"/>
     <p:sldId id="321" r:id="rId15"/>
-    <p:sldId id="322" r:id="rId16"/>
+    <p:sldId id="319" r:id="rId16"/>
     <p:sldId id="297" r:id="rId17"/>
   </p:sldIdLst>
   <p:sldSz cx="12192000" cy="6858000"/>
@@ -634,7 +634,13 @@
   <p:cSld>
     <p:spTree>
       <p:nvGrpSpPr>
-        <p:cNvPr id="1" name=""/>
+        <p:cNvPr id="1" name="">
+          <a:extLst>
+            <a:ext uri="{FF2B5EF4-FFF2-40B4-BE49-F238E27FC236}">
+              <a16:creationId xmlns:a16="http://schemas.microsoft.com/office/drawing/2014/main" id="{15FDFE1A-D603-D874-0AD6-DC62B6A60CA6}"/>
+            </a:ext>
+          </a:extLst>
+        </p:cNvPr>
         <p:cNvGrpSpPr/>
         <p:nvPr/>
       </p:nvGrpSpPr>
@@ -648,7 +654,13 @@
       </p:grpSpPr>
       <p:sp>
         <p:nvSpPr>
-          <p:cNvPr id="2" name="Slide Image Placeholder 1"/>
+          <p:cNvPr id="2" name="Slide Image Placeholder 1">
+            <a:extLst>
+              <a:ext uri="{FF2B5EF4-FFF2-40B4-BE49-F238E27FC236}">
+                <a16:creationId xmlns:a16="http://schemas.microsoft.com/office/drawing/2014/main" id="{269D0BB0-3C6A-086C-7044-25B4564FB84F}"/>
+              </a:ext>
+            </a:extLst>
+          </p:cNvPr>
           <p:cNvSpPr>
             <a:spLocks noGrp="1" noRot="1" noChangeAspect="1"/>
           </p:cNvSpPr>
@@ -674,7 +686,13 @@
       </p:sp>
       <p:sp>
         <p:nvSpPr>
-          <p:cNvPr id="3" name="Notes Placeholder 2"/>
+          <p:cNvPr id="3" name="Notes Placeholder 2">
+            <a:extLst>
+              <a:ext uri="{FF2B5EF4-FFF2-40B4-BE49-F238E27FC236}">
+                <a16:creationId xmlns:a16="http://schemas.microsoft.com/office/drawing/2014/main" id="{62AA62F9-452D-D04E-4BBC-02D829822472}"/>
+              </a:ext>
+            </a:extLst>
+          </p:cNvPr>
           <p:cNvSpPr>
             <a:spLocks noGrp="1"/>
           </p:cNvSpPr>
@@ -702,7 +720,7 @@
     </p:spTree>
     <p:extLst>
       <p:ext uri="{BB962C8B-B14F-4D97-AF65-F5344CB8AC3E}">
-        <p14:creationId xmlns:p14="http://schemas.microsoft.com/office/powerpoint/2010/main" val="4110138705"/>
+        <p14:creationId xmlns:p14="http://schemas.microsoft.com/office/powerpoint/2010/main" val="3220270010"/>
       </p:ext>
     </p:extLst>
   </p:cSld>
@@ -868,7 +886,7 @@
     </p:spTree>
     <p:extLst>
       <p:ext uri="{BB962C8B-B14F-4D97-AF65-F5344CB8AC3E}">
-        <p14:creationId xmlns:p14="http://schemas.microsoft.com/office/powerpoint/2010/main" val="2508814883"/>
+        <p14:creationId xmlns:p14="http://schemas.microsoft.com/office/powerpoint/2010/main" val="4110138705"/>
       </p:ext>
     </p:extLst>
   </p:cSld>
@@ -1283,7 +1301,7 @@
     </p:spTree>
     <p:extLst>
       <p:ext uri="{BB962C8B-B14F-4D97-AF65-F5344CB8AC3E}">
-        <p14:creationId xmlns:p14="http://schemas.microsoft.com/office/powerpoint/2010/main" val="1019397722"/>
+        <p14:creationId xmlns:p14="http://schemas.microsoft.com/office/powerpoint/2010/main" val="1649742202"/>
       </p:ext>
     </p:extLst>
   </p:cSld>
@@ -1298,7 +1316,13 @@
   <p:cSld>
     <p:spTree>
       <p:nvGrpSpPr>
-        <p:cNvPr id="1" name=""/>
+        <p:cNvPr id="1" name="">
+          <a:extLst>
+            <a:ext uri="{FF2B5EF4-FFF2-40B4-BE49-F238E27FC236}">
+              <a16:creationId xmlns:a16="http://schemas.microsoft.com/office/drawing/2014/main" id="{B232E79F-7EA5-48FB-3BBF-D71EC9A2507F}"/>
+            </a:ext>
+          </a:extLst>
+        </p:cNvPr>
         <p:cNvGrpSpPr/>
         <p:nvPr/>
       </p:nvGrpSpPr>
@@ -1312,7 +1336,13 @@
       </p:grpSpPr>
       <p:sp>
         <p:nvSpPr>
-          <p:cNvPr id="2" name="Slide Image Placeholder 1"/>
+          <p:cNvPr id="2" name="Slide Image Placeholder 1">
+            <a:extLst>
+              <a:ext uri="{FF2B5EF4-FFF2-40B4-BE49-F238E27FC236}">
+                <a16:creationId xmlns:a16="http://schemas.microsoft.com/office/drawing/2014/main" id="{1188B66F-BA60-41B4-3B4D-F93BB5BC025D}"/>
+              </a:ext>
+            </a:extLst>
+          </p:cNvPr>
           <p:cNvSpPr>
             <a:spLocks noGrp="1" noRot="1" noChangeAspect="1"/>
           </p:cNvSpPr>
@@ -1338,7 +1368,13 @@
       </p:sp>
       <p:sp>
         <p:nvSpPr>
-          <p:cNvPr id="3" name="Notes Placeholder 2"/>
+          <p:cNvPr id="3" name="Notes Placeholder 2">
+            <a:extLst>
+              <a:ext uri="{FF2B5EF4-FFF2-40B4-BE49-F238E27FC236}">
+                <a16:creationId xmlns:a16="http://schemas.microsoft.com/office/drawing/2014/main" id="{81237F6F-5E76-3165-2B75-C3E5A45CEFBB}"/>
+              </a:ext>
+            </a:extLst>
+          </p:cNvPr>
           <p:cNvSpPr>
             <a:spLocks noGrp="1"/>
           </p:cNvSpPr>
@@ -1366,7 +1402,7 @@
     </p:spTree>
     <p:extLst>
       <p:ext uri="{BB962C8B-B14F-4D97-AF65-F5344CB8AC3E}">
-        <p14:creationId xmlns:p14="http://schemas.microsoft.com/office/powerpoint/2010/main" val="87667087"/>
+        <p14:creationId xmlns:p14="http://schemas.microsoft.com/office/powerpoint/2010/main" val="1433705076"/>
       </p:ext>
     </p:extLst>
   </p:cSld>
@@ -1381,7 +1417,13 @@
   <p:cSld>
     <p:spTree>
       <p:nvGrpSpPr>
-        <p:cNvPr id="1" name=""/>
+        <p:cNvPr id="1" name="">
+          <a:extLst>
+            <a:ext uri="{FF2B5EF4-FFF2-40B4-BE49-F238E27FC236}">
+              <a16:creationId xmlns:a16="http://schemas.microsoft.com/office/drawing/2014/main" id="{ED6E15D7-43FC-E073-9739-D07D49220052}"/>
+            </a:ext>
+          </a:extLst>
+        </p:cNvPr>
         <p:cNvGrpSpPr/>
         <p:nvPr/>
       </p:nvGrpSpPr>
@@ -1395,7 +1437,13 @@
       </p:grpSpPr>
       <p:sp>
         <p:nvSpPr>
-          <p:cNvPr id="2" name="Slide Image Placeholder 1"/>
+          <p:cNvPr id="2" name="Slide Image Placeholder 1">
+            <a:extLst>
+              <a:ext uri="{FF2B5EF4-FFF2-40B4-BE49-F238E27FC236}">
+                <a16:creationId xmlns:a16="http://schemas.microsoft.com/office/drawing/2014/main" id="{1F196952-BD3B-9C90-B3C4-494F7710B320}"/>
+              </a:ext>
+            </a:extLst>
+          </p:cNvPr>
           <p:cNvSpPr>
             <a:spLocks noGrp="1" noRot="1" noChangeAspect="1"/>
           </p:cNvSpPr>
@@ -1421,7 +1469,13 @@
       </p:sp>
       <p:sp>
         <p:nvSpPr>
-          <p:cNvPr id="3" name="Notes Placeholder 2"/>
+          <p:cNvPr id="3" name="Notes Placeholder 2">
+            <a:extLst>
+              <a:ext uri="{FF2B5EF4-FFF2-40B4-BE49-F238E27FC236}">
+                <a16:creationId xmlns:a16="http://schemas.microsoft.com/office/drawing/2014/main" id="{FD583664-0288-C90C-CAD2-A42CF6B88DFD}"/>
+              </a:ext>
+            </a:extLst>
+          </p:cNvPr>
           <p:cNvSpPr>
             <a:spLocks noGrp="1"/>
           </p:cNvSpPr>
@@ -1449,7 +1503,7 @@
     </p:spTree>
     <p:extLst>
       <p:ext uri="{BB962C8B-B14F-4D97-AF65-F5344CB8AC3E}">
-        <p14:creationId xmlns:p14="http://schemas.microsoft.com/office/powerpoint/2010/main" val="1649742202"/>
+        <p14:creationId xmlns:p14="http://schemas.microsoft.com/office/powerpoint/2010/main" val="3666252864"/>
       </p:ext>
     </p:extLst>
   </p:cSld>
@@ -1464,7 +1518,13 @@
   <p:cSld>
     <p:spTree>
       <p:nvGrpSpPr>
-        <p:cNvPr id="1" name=""/>
+        <p:cNvPr id="1" name="">
+          <a:extLst>
+            <a:ext uri="{FF2B5EF4-FFF2-40B4-BE49-F238E27FC236}">
+              <a16:creationId xmlns:a16="http://schemas.microsoft.com/office/drawing/2014/main" id="{6E264998-D288-6D68-7626-D865B12C584F}"/>
+            </a:ext>
+          </a:extLst>
+        </p:cNvPr>
         <p:cNvGrpSpPr/>
         <p:nvPr/>
       </p:nvGrpSpPr>
@@ -1478,7 +1538,13 @@
       </p:grpSpPr>
       <p:sp>
         <p:nvSpPr>
-          <p:cNvPr id="2" name="Slide Image Placeholder 1"/>
+          <p:cNvPr id="2" name="Slide Image Placeholder 1">
+            <a:extLst>
+              <a:ext uri="{FF2B5EF4-FFF2-40B4-BE49-F238E27FC236}">
+                <a16:creationId xmlns:a16="http://schemas.microsoft.com/office/drawing/2014/main" id="{DD74B926-77DE-42E7-11F4-931A5AFA3695}"/>
+              </a:ext>
+            </a:extLst>
+          </p:cNvPr>
           <p:cNvSpPr>
             <a:spLocks noGrp="1" noRot="1" noChangeAspect="1"/>
           </p:cNvSpPr>
@@ -1504,7 +1570,13 @@
       </p:sp>
       <p:sp>
         <p:nvSpPr>
-          <p:cNvPr id="3" name="Notes Placeholder 2"/>
+          <p:cNvPr id="3" name="Notes Placeholder 2">
+            <a:extLst>
+              <a:ext uri="{FF2B5EF4-FFF2-40B4-BE49-F238E27FC236}">
+                <a16:creationId xmlns:a16="http://schemas.microsoft.com/office/drawing/2014/main" id="{13DB40B5-37A9-EE26-64F9-1938F4A086B2}"/>
+              </a:ext>
+            </a:extLst>
+          </p:cNvPr>
           <p:cNvSpPr>
             <a:spLocks noGrp="1"/>
           </p:cNvSpPr>
@@ -1532,7 +1604,7 @@
     </p:spTree>
     <p:extLst>
       <p:ext uri="{BB962C8B-B14F-4D97-AF65-F5344CB8AC3E}">
-        <p14:creationId xmlns:p14="http://schemas.microsoft.com/office/powerpoint/2010/main" val="177914689"/>
+        <p14:creationId xmlns:p14="http://schemas.microsoft.com/office/powerpoint/2010/main" val="4021720303"/>
       </p:ext>
     </p:extLst>
   </p:cSld>
@@ -1547,7 +1619,13 @@
   <p:cSld>
     <p:spTree>
       <p:nvGrpSpPr>
-        <p:cNvPr id="1" name=""/>
+        <p:cNvPr id="1" name="">
+          <a:extLst>
+            <a:ext uri="{FF2B5EF4-FFF2-40B4-BE49-F238E27FC236}">
+              <a16:creationId xmlns:a16="http://schemas.microsoft.com/office/drawing/2014/main" id="{F861AB0B-D53F-FD89-257B-2D82AE6EAF1D}"/>
+            </a:ext>
+          </a:extLst>
+        </p:cNvPr>
         <p:cNvGrpSpPr/>
         <p:nvPr/>
       </p:nvGrpSpPr>
@@ -1561,7 +1639,13 @@
       </p:grpSpPr>
       <p:sp>
         <p:nvSpPr>
-          <p:cNvPr id="2" name="Slide Image Placeholder 1"/>
+          <p:cNvPr id="2" name="Slide Image Placeholder 1">
+            <a:extLst>
+              <a:ext uri="{FF2B5EF4-FFF2-40B4-BE49-F238E27FC236}">
+                <a16:creationId xmlns:a16="http://schemas.microsoft.com/office/drawing/2014/main" id="{8260ACC5-3554-A38C-67B1-8F16DBBA5142}"/>
+              </a:ext>
+            </a:extLst>
+          </p:cNvPr>
           <p:cNvSpPr>
             <a:spLocks noGrp="1" noRot="1" noChangeAspect="1"/>
           </p:cNvSpPr>
@@ -1587,7 +1671,13 @@
       </p:sp>
       <p:sp>
         <p:nvSpPr>
-          <p:cNvPr id="3" name="Notes Placeholder 2"/>
+          <p:cNvPr id="3" name="Notes Placeholder 2">
+            <a:extLst>
+              <a:ext uri="{FF2B5EF4-FFF2-40B4-BE49-F238E27FC236}">
+                <a16:creationId xmlns:a16="http://schemas.microsoft.com/office/drawing/2014/main" id="{F373606B-BCDA-EE67-C73B-B02B22A7A228}"/>
+              </a:ext>
+            </a:extLst>
+          </p:cNvPr>
           <p:cNvSpPr>
             <a:spLocks noGrp="1"/>
           </p:cNvSpPr>
@@ -1615,7 +1705,7 @@
     </p:spTree>
     <p:extLst>
       <p:ext uri="{BB962C8B-B14F-4D97-AF65-F5344CB8AC3E}">
-        <p14:creationId xmlns:p14="http://schemas.microsoft.com/office/powerpoint/2010/main" val="984541709"/>
+        <p14:creationId xmlns:p14="http://schemas.microsoft.com/office/powerpoint/2010/main" val="768020898"/>
       </p:ext>
     </p:extLst>
   </p:cSld>
@@ -2352,7 +2442,7 @@
             <a:fld id="{5923F103-BC34-4FE4-A40E-EDDEECFDA5D0}" type="datetimeFigureOut">
               <a:rPr lang="en-US" smtClean="0"/>
               <a:pPr/>
-              <a:t>6/26/2025</a:t>
+              <a:t>6/28/2025</a:t>
             </a:fld>
             <a:endParaRPr lang="en-US" dirty="0"/>
           </a:p>
@@ -2610,7 +2700,7 @@
           <a:p>
             <a:fld id="{2BE451C3-0FF4-47C4-B829-773ADF60F88C}" type="datetimeFigureOut">
               <a:rPr lang="en-US" smtClean="0"/>
-              <a:t>6/26/2025</a:t>
+              <a:t>6/28/2025</a:t>
             </a:fld>
             <a:endParaRPr lang="en-US" dirty="0"/>
           </a:p>
@@ -2931,7 +3021,7 @@
           <a:p>
             <a:fld id="{2BE451C3-0FF4-47C4-B829-773ADF60F88C}" type="datetimeFigureOut">
               <a:rPr lang="en-US" smtClean="0"/>
-              <a:t>6/26/2025</a:t>
+              <a:t>6/28/2025</a:t>
             </a:fld>
             <a:endParaRPr lang="en-US" dirty="0"/>
           </a:p>
@@ -3265,7 +3355,7 @@
           <a:p>
             <a:fld id="{5C12C299-16B2-4475-990D-751901EACC14}" type="datetimeFigureOut">
               <a:rPr lang="en-US" smtClean="0"/>
-              <a:t>6/26/2025</a:t>
+              <a:t>6/28/2025</a:t>
             </a:fld>
             <a:endParaRPr lang="en-US" dirty="0"/>
           </a:p>
@@ -3586,7 +3676,7 @@
           <a:p>
             <a:fld id="{2BE451C3-0FF4-47C4-B829-773ADF60F88C}" type="datetimeFigureOut">
               <a:rPr lang="en-US" smtClean="0"/>
-              <a:t>6/26/2025</a:t>
+              <a:t>6/28/2025</a:t>
             </a:fld>
             <a:endParaRPr lang="en-US" dirty="0"/>
           </a:p>
@@ -3980,7 +4070,7 @@
           <a:p>
             <a:fld id="{2BE451C3-0FF4-47C4-B829-773ADF60F88C}" type="datetimeFigureOut">
               <a:rPr lang="en-US" smtClean="0"/>
-              <a:t>6/26/2025</a:t>
+              <a:t>6/28/2025</a:t>
             </a:fld>
             <a:endParaRPr lang="en-US" dirty="0"/>
           </a:p>
@@ -4157,7 +4247,7 @@
           <a:p>
             <a:fld id="{53086D93-FCAC-47E0-A2EE-787E62CA814C}" type="datetimeFigureOut">
               <a:rPr lang="en-US" smtClean="0"/>
-              <a:t>6/26/2025</a:t>
+              <a:t>6/28/2025</a:t>
             </a:fld>
             <a:endParaRPr lang="en-US" dirty="0"/>
           </a:p>
@@ -4344,7 +4434,7 @@
           <a:p>
             <a:fld id="{CDA879A6-0FD0-4734-A311-86BFCA472E6E}" type="datetimeFigureOut">
               <a:rPr lang="en-US" smtClean="0"/>
-              <a:t>6/26/2025</a:t>
+              <a:t>6/28/2025</a:t>
             </a:fld>
             <a:endParaRPr lang="en-US" dirty="0"/>
           </a:p>
@@ -6163,7 +6253,7 @@
           <a:p>
             <a:fld id="{19C9CA7B-DFD4-44B5-8C60-D14B8CD1FB59}" type="datetimeFigureOut">
               <a:rPr lang="en-US" smtClean="0"/>
-              <a:t>6/26/2025</a:t>
+              <a:t>6/28/2025</a:t>
             </a:fld>
             <a:endParaRPr lang="en-US" dirty="0"/>
           </a:p>
@@ -6727,2755 +6817,6 @@
 
 <file path=ppt/slideLayouts/slideLayout21.xml><?xml version="1.0" encoding="utf-8"?>
 <p:sldLayout xmlns:a="http://schemas.openxmlformats.org/drawingml/2006/main" xmlns:r="http://schemas.openxmlformats.org/officeDocument/2006/relationships" xmlns:p="http://schemas.openxmlformats.org/presentationml/2006/main" userDrawn="1">
-  <p:cSld name="Quote">
-    <p:spTree>
-      <p:nvGrpSpPr>
-        <p:cNvPr id="1" name=""/>
-        <p:cNvGrpSpPr/>
-        <p:nvPr/>
-      </p:nvGrpSpPr>
-      <p:grpSpPr>
-        <a:xfrm>
-          <a:off x="0" y="0"/>
-          <a:ext cx="0" cy="0"/>
-          <a:chOff x="0" y="0"/>
-          <a:chExt cx="0" cy="0"/>
-        </a:xfrm>
-      </p:grpSpPr>
-      <p:sp>
-        <p:nvSpPr>
-          <p:cNvPr id="32" name="Image 1">
-            <a:extLst>
-              <a:ext uri="{FF2B5EF4-FFF2-40B4-BE49-F238E27FC236}">
-                <a16:creationId xmlns:a16="http://schemas.microsoft.com/office/drawing/2014/main" id="{2A3EC91E-4089-D366-06D3-3E66F93DFAF3}"/>
-              </a:ext>
-              <a:ext uri="{C183D7F6-B498-43B3-948B-1728B52AA6E4}">
-                <adec:decorative xmlns:adec="http://schemas.microsoft.com/office/drawing/2017/decorative" val="1"/>
-              </a:ext>
-            </a:extLst>
-          </p:cNvPr>
-          <p:cNvSpPr/>
-          <p:nvPr/>
-        </p:nvSpPr>
-        <p:spPr>
-          <a:xfrm>
-            <a:off x="-7117" y="0"/>
-            <a:ext cx="2550985" cy="6858000"/>
-          </a:xfrm>
-          <a:custGeom>
-            <a:avLst/>
-            <a:gdLst>
-              <a:gd name="connsiteX0" fmla="*/ 2550985 w 2550985"/>
-              <a:gd name="connsiteY0" fmla="*/ 0 h 6858000"/>
-              <a:gd name="connsiteX1" fmla="*/ 0 w 2550985"/>
-              <a:gd name="connsiteY1" fmla="*/ 0 h 6858000"/>
-              <a:gd name="connsiteX2" fmla="*/ 0 w 2550985"/>
-              <a:gd name="connsiteY2" fmla="*/ 6858000 h 6858000"/>
-              <a:gd name="connsiteX3" fmla="*/ 2550985 w 2550985"/>
-              <a:gd name="connsiteY3" fmla="*/ 6858000 h 6858000"/>
-              <a:gd name="connsiteX4" fmla="*/ 2550985 w 2550985"/>
-              <a:gd name="connsiteY4" fmla="*/ 0 h 6858000"/>
-            </a:gdLst>
-            <a:ahLst/>
-            <a:cxnLst>
-              <a:cxn ang="0">
-                <a:pos x="connsiteX0" y="connsiteY0"/>
-              </a:cxn>
-              <a:cxn ang="0">
-                <a:pos x="connsiteX1" y="connsiteY1"/>
-              </a:cxn>
-              <a:cxn ang="0">
-                <a:pos x="connsiteX2" y="connsiteY2"/>
-              </a:cxn>
-              <a:cxn ang="0">
-                <a:pos x="connsiteX3" y="connsiteY3"/>
-              </a:cxn>
-              <a:cxn ang="0">
-                <a:pos x="connsiteX4" y="connsiteY4"/>
-              </a:cxn>
-            </a:cxnLst>
-            <a:rect l="l" t="t" r="r" b="b"/>
-            <a:pathLst>
-              <a:path w="2550985" h="6858000">
-                <a:moveTo>
-                  <a:pt x="2550985" y="0"/>
-                </a:moveTo>
-                <a:lnTo>
-                  <a:pt x="0" y="0"/>
-                </a:lnTo>
-                <a:lnTo>
-                  <a:pt x="0" y="6858000"/>
-                </a:lnTo>
-                <a:lnTo>
-                  <a:pt x="2550985" y="6858000"/>
-                </a:lnTo>
-                <a:lnTo>
-                  <a:pt x="2550985" y="0"/>
-                </a:lnTo>
-                <a:close/>
-              </a:path>
-            </a:pathLst>
-          </a:custGeom>
-          <a:solidFill>
-            <a:schemeClr val="accent4"/>
-          </a:solidFill>
-          <a:ln w="7045" cap="flat">
-            <a:noFill/>
-            <a:prstDash val="solid"/>
-            <a:miter/>
-          </a:ln>
-        </p:spPr>
-        <p:txBody>
-          <a:bodyPr rtlCol="0" anchor="ctr">
-            <a:noAutofit/>
-          </a:bodyPr>
-          <a:lstStyle/>
-          <a:p>
-            <a:endParaRPr lang="en-US" dirty="0"/>
-          </a:p>
-        </p:txBody>
-      </p:sp>
-      <p:sp>
-        <p:nvSpPr>
-          <p:cNvPr id="53" name="Freeform: Shape 52">
-            <a:extLst>
-              <a:ext uri="{FF2B5EF4-FFF2-40B4-BE49-F238E27FC236}">
-                <a16:creationId xmlns:a16="http://schemas.microsoft.com/office/drawing/2014/main" id="{70F595E1-C910-3710-90E9-AF5FFCE05861}"/>
-              </a:ext>
-              <a:ext uri="{C183D7F6-B498-43B3-948B-1728B52AA6E4}">
-                <adec:decorative xmlns:adec="http://schemas.microsoft.com/office/drawing/2017/decorative" val="1"/>
-              </a:ext>
-            </a:extLst>
-          </p:cNvPr>
-          <p:cNvSpPr/>
-          <p:nvPr userDrawn="1"/>
-        </p:nvSpPr>
-        <p:spPr>
-          <a:xfrm>
-            <a:off x="-9415" y="0"/>
-            <a:ext cx="2548591" cy="2555628"/>
-          </a:xfrm>
-          <a:custGeom>
-            <a:avLst/>
-            <a:gdLst>
-              <a:gd name="connsiteX0" fmla="*/ 138643 w 2548591"/>
-              <a:gd name="connsiteY0" fmla="*/ 1 h 2555628"/>
-              <a:gd name="connsiteX1" fmla="*/ 163874 w 2548591"/>
-              <a:gd name="connsiteY1" fmla="*/ 1 h 2555628"/>
-              <a:gd name="connsiteX2" fmla="*/ 2548463 w 2548591"/>
-              <a:gd name="connsiteY2" fmla="*/ 2391168 h 2555628"/>
-              <a:gd name="connsiteX3" fmla="*/ 2548463 w 2548591"/>
-              <a:gd name="connsiteY3" fmla="*/ 2416472 h 2555628"/>
-              <a:gd name="connsiteX4" fmla="*/ 2548590 w 2548591"/>
-              <a:gd name="connsiteY4" fmla="*/ 2416600 h 2555628"/>
-              <a:gd name="connsiteX5" fmla="*/ 138643 w 2548591"/>
-              <a:gd name="connsiteY5" fmla="*/ 1 h 2555628"/>
-              <a:gd name="connsiteX6" fmla="*/ 0 w 2548591"/>
-              <a:gd name="connsiteY6" fmla="*/ 1 h 2555628"/>
-              <a:gd name="connsiteX7" fmla="*/ 25231 w 2548591"/>
-              <a:gd name="connsiteY7" fmla="*/ 1 h 2555628"/>
-              <a:gd name="connsiteX8" fmla="*/ 2548591 w 2548591"/>
-              <a:gd name="connsiteY8" fmla="*/ 2530324 h 2555628"/>
-              <a:gd name="connsiteX9" fmla="*/ 2548591 w 2548591"/>
-              <a:gd name="connsiteY9" fmla="*/ 2555628 h 2555628"/>
-              <a:gd name="connsiteX10" fmla="*/ 0 w 2548591"/>
-              <a:gd name="connsiteY10" fmla="*/ 1 h 2555628"/>
-              <a:gd name="connsiteX11" fmla="*/ 277411 w 2548591"/>
-              <a:gd name="connsiteY11" fmla="*/ 1 h 2555628"/>
-              <a:gd name="connsiteX12" fmla="*/ 302642 w 2548591"/>
-              <a:gd name="connsiteY12" fmla="*/ 1 h 2555628"/>
-              <a:gd name="connsiteX13" fmla="*/ 2548582 w 2548591"/>
-              <a:gd name="connsiteY13" fmla="*/ 2252147 h 2555628"/>
-              <a:gd name="connsiteX14" fmla="*/ 2548582 w 2548591"/>
-              <a:gd name="connsiteY14" fmla="*/ 2277444 h 2555628"/>
-              <a:gd name="connsiteX15" fmla="*/ 277411 w 2548591"/>
-              <a:gd name="connsiteY15" fmla="*/ 1 h 2555628"/>
-              <a:gd name="connsiteX16" fmla="*/ 416054 w 2548591"/>
-              <a:gd name="connsiteY16" fmla="*/ 1 h 2555628"/>
-              <a:gd name="connsiteX17" fmla="*/ 441285 w 2548591"/>
-              <a:gd name="connsiteY17" fmla="*/ 1 h 2555628"/>
-              <a:gd name="connsiteX18" fmla="*/ 2548589 w 2548591"/>
-              <a:gd name="connsiteY18" fmla="*/ 2113119 h 2555628"/>
-              <a:gd name="connsiteX19" fmla="*/ 2548589 w 2548591"/>
-              <a:gd name="connsiteY19" fmla="*/ 2138423 h 2555628"/>
-              <a:gd name="connsiteX20" fmla="*/ 416054 w 2548591"/>
-              <a:gd name="connsiteY20" fmla="*/ 1 h 2555628"/>
-              <a:gd name="connsiteX21" fmla="*/ 554698 w 2548591"/>
-              <a:gd name="connsiteY21" fmla="*/ 1 h 2555628"/>
-              <a:gd name="connsiteX22" fmla="*/ 579930 w 2548591"/>
-              <a:gd name="connsiteY22" fmla="*/ 1 h 2555628"/>
-              <a:gd name="connsiteX23" fmla="*/ 2548462 w 2548591"/>
-              <a:gd name="connsiteY23" fmla="*/ 1973963 h 2555628"/>
-              <a:gd name="connsiteX24" fmla="*/ 2548462 w 2548591"/>
-              <a:gd name="connsiteY24" fmla="*/ 1999267 h 2555628"/>
-              <a:gd name="connsiteX25" fmla="*/ 2548589 w 2548591"/>
-              <a:gd name="connsiteY25" fmla="*/ 1999394 h 2555628"/>
-              <a:gd name="connsiteX26" fmla="*/ 554698 w 2548591"/>
-              <a:gd name="connsiteY26" fmla="*/ 1 h 2555628"/>
-              <a:gd name="connsiteX27" fmla="*/ 693468 w 2548591"/>
-              <a:gd name="connsiteY27" fmla="*/ 0 h 2555628"/>
-              <a:gd name="connsiteX28" fmla="*/ 718701 w 2548591"/>
-              <a:gd name="connsiteY28" fmla="*/ 0 h 2555628"/>
-              <a:gd name="connsiteX29" fmla="*/ 2548583 w 2548591"/>
-              <a:gd name="connsiteY29" fmla="*/ 1834942 h 2555628"/>
-              <a:gd name="connsiteX30" fmla="*/ 2548583 w 2548591"/>
-              <a:gd name="connsiteY30" fmla="*/ 1860239 h 2555628"/>
-              <a:gd name="connsiteX31" fmla="*/ 693468 w 2548591"/>
-              <a:gd name="connsiteY31" fmla="*/ 0 h 2555628"/>
-              <a:gd name="connsiteX32" fmla="*/ 832112 w 2548591"/>
-              <a:gd name="connsiteY32" fmla="*/ 0 h 2555628"/>
-              <a:gd name="connsiteX33" fmla="*/ 857340 w 2548591"/>
-              <a:gd name="connsiteY33" fmla="*/ 0 h 2555628"/>
-              <a:gd name="connsiteX34" fmla="*/ 2548582 w 2548591"/>
-              <a:gd name="connsiteY34" fmla="*/ 1695913 h 2555628"/>
-              <a:gd name="connsiteX35" fmla="*/ 2548582 w 2548591"/>
-              <a:gd name="connsiteY35" fmla="*/ 1721210 h 2555628"/>
-              <a:gd name="connsiteX36" fmla="*/ 832112 w 2548591"/>
-              <a:gd name="connsiteY36" fmla="*/ 0 h 2555628"/>
-              <a:gd name="connsiteX37" fmla="*/ 970758 w 2548591"/>
-              <a:gd name="connsiteY37" fmla="*/ 0 h 2555628"/>
-              <a:gd name="connsiteX38" fmla="*/ 995986 w 2548591"/>
-              <a:gd name="connsiteY38" fmla="*/ 0 h 2555628"/>
-              <a:gd name="connsiteX39" fmla="*/ 2548463 w 2548591"/>
-              <a:gd name="connsiteY39" fmla="*/ 1556758 h 2555628"/>
-              <a:gd name="connsiteX40" fmla="*/ 2548463 w 2548591"/>
-              <a:gd name="connsiteY40" fmla="*/ 1582062 h 2555628"/>
-              <a:gd name="connsiteX41" fmla="*/ 2548590 w 2548591"/>
-              <a:gd name="connsiteY41" fmla="*/ 1582189 h 2555628"/>
-              <a:gd name="connsiteX42" fmla="*/ 970758 w 2548591"/>
-              <a:gd name="connsiteY42" fmla="*/ 0 h 2555628"/>
-              <a:gd name="connsiteX43" fmla="*/ 1109529 w 2548591"/>
-              <a:gd name="connsiteY43" fmla="*/ 0 h 2555628"/>
-              <a:gd name="connsiteX44" fmla="*/ 1134764 w 2548591"/>
-              <a:gd name="connsiteY44" fmla="*/ 0 h 2555628"/>
-              <a:gd name="connsiteX45" fmla="*/ 2548589 w 2548591"/>
-              <a:gd name="connsiteY45" fmla="*/ 1417736 h 2555628"/>
-              <a:gd name="connsiteX46" fmla="*/ 2548589 w 2548591"/>
-              <a:gd name="connsiteY46" fmla="*/ 1443033 h 2555628"/>
-              <a:gd name="connsiteX47" fmla="*/ 1109529 w 2548591"/>
-              <a:gd name="connsiteY47" fmla="*/ 0 h 2555628"/>
-              <a:gd name="connsiteX48" fmla="*/ 1248168 w 2548591"/>
-              <a:gd name="connsiteY48" fmla="*/ 0 h 2555628"/>
-              <a:gd name="connsiteX49" fmla="*/ 1273396 w 2548591"/>
-              <a:gd name="connsiteY49" fmla="*/ 0 h 2555628"/>
-              <a:gd name="connsiteX50" fmla="*/ 2548583 w 2548591"/>
-              <a:gd name="connsiteY50" fmla="*/ 1278708 h 2555628"/>
-              <a:gd name="connsiteX51" fmla="*/ 2548583 w 2548591"/>
-              <a:gd name="connsiteY51" fmla="*/ 1304005 h 2555628"/>
-              <a:gd name="connsiteX52" fmla="*/ 1248168 w 2548591"/>
-              <a:gd name="connsiteY52" fmla="*/ 0 h 2555628"/>
-              <a:gd name="connsiteX53" fmla="*/ 1386813 w 2548591"/>
-              <a:gd name="connsiteY53" fmla="*/ 0 h 2555628"/>
-              <a:gd name="connsiteX54" fmla="*/ 1412041 w 2548591"/>
-              <a:gd name="connsiteY54" fmla="*/ 0 h 2555628"/>
-              <a:gd name="connsiteX55" fmla="*/ 2548589 w 2548591"/>
-              <a:gd name="connsiteY55" fmla="*/ 1139552 h 2555628"/>
-              <a:gd name="connsiteX56" fmla="*/ 2548589 w 2548591"/>
-              <a:gd name="connsiteY56" fmla="*/ 1164857 h 2555628"/>
-              <a:gd name="connsiteX57" fmla="*/ 2548589 w 2548591"/>
-              <a:gd name="connsiteY57" fmla="*/ 1164984 h 2555628"/>
-              <a:gd name="connsiteX58" fmla="*/ 1386813 w 2548591"/>
-              <a:gd name="connsiteY58" fmla="*/ 0 h 2555628"/>
-              <a:gd name="connsiteX59" fmla="*/ 1525579 w 2548591"/>
-              <a:gd name="connsiteY59" fmla="*/ 0 h 2555628"/>
-              <a:gd name="connsiteX60" fmla="*/ 1550814 w 2548591"/>
-              <a:gd name="connsiteY60" fmla="*/ 0 h 2555628"/>
-              <a:gd name="connsiteX61" fmla="*/ 2548583 w 2548591"/>
-              <a:gd name="connsiteY61" fmla="*/ 1000531 h 2555628"/>
-              <a:gd name="connsiteX62" fmla="*/ 2548583 w 2548591"/>
-              <a:gd name="connsiteY62" fmla="*/ 1025828 h 2555628"/>
-              <a:gd name="connsiteX63" fmla="*/ 1525579 w 2548591"/>
-              <a:gd name="connsiteY63" fmla="*/ 0 h 2555628"/>
-              <a:gd name="connsiteX64" fmla="*/ 1664231 w 2548591"/>
-              <a:gd name="connsiteY64" fmla="*/ 0 h 2555628"/>
-              <a:gd name="connsiteX65" fmla="*/ 1689459 w 2548591"/>
-              <a:gd name="connsiteY65" fmla="*/ 0 h 2555628"/>
-              <a:gd name="connsiteX66" fmla="*/ 2548589 w 2548591"/>
-              <a:gd name="connsiteY66" fmla="*/ 861503 h 2555628"/>
-              <a:gd name="connsiteX67" fmla="*/ 2548589 w 2548591"/>
-              <a:gd name="connsiteY67" fmla="*/ 886800 h 2555628"/>
-              <a:gd name="connsiteX68" fmla="*/ 1664231 w 2548591"/>
-              <a:gd name="connsiteY68" fmla="*/ 0 h 2555628"/>
-              <a:gd name="connsiteX69" fmla="*/ 1802870 w 2548591"/>
-              <a:gd name="connsiteY69" fmla="*/ 0 h 2555628"/>
-              <a:gd name="connsiteX70" fmla="*/ 1828097 w 2548591"/>
-              <a:gd name="connsiteY70" fmla="*/ 0 h 2555628"/>
-              <a:gd name="connsiteX71" fmla="*/ 2548583 w 2548591"/>
-              <a:gd name="connsiteY71" fmla="*/ 722347 h 2555628"/>
-              <a:gd name="connsiteX72" fmla="*/ 2548583 w 2548591"/>
-              <a:gd name="connsiteY72" fmla="*/ 747651 h 2555628"/>
-              <a:gd name="connsiteX73" fmla="*/ 2548583 w 2548591"/>
-              <a:gd name="connsiteY73" fmla="*/ 747778 h 2555628"/>
-              <a:gd name="connsiteX74" fmla="*/ 1802870 w 2548591"/>
-              <a:gd name="connsiteY74" fmla="*/ 0 h 2555628"/>
-              <a:gd name="connsiteX75" fmla="*/ 1941642 w 2548591"/>
-              <a:gd name="connsiteY75" fmla="*/ 0 h 2555628"/>
-              <a:gd name="connsiteX76" fmla="*/ 1966877 w 2548591"/>
-              <a:gd name="connsiteY76" fmla="*/ 0 h 2555628"/>
-              <a:gd name="connsiteX77" fmla="*/ 2548589 w 2548591"/>
-              <a:gd name="connsiteY77" fmla="*/ 583321 h 2555628"/>
-              <a:gd name="connsiteX78" fmla="*/ 2548589 w 2548591"/>
-              <a:gd name="connsiteY78" fmla="*/ 608622 h 2555628"/>
-              <a:gd name="connsiteX79" fmla="*/ 1941642 w 2548591"/>
-              <a:gd name="connsiteY79" fmla="*/ 0 h 2555628"/>
-              <a:gd name="connsiteX80" fmla="*/ 2080281 w 2548591"/>
-              <a:gd name="connsiteY80" fmla="*/ 0 h 2555628"/>
-              <a:gd name="connsiteX81" fmla="*/ 2105508 w 2548591"/>
-              <a:gd name="connsiteY81" fmla="*/ 0 h 2555628"/>
-              <a:gd name="connsiteX82" fmla="*/ 2548582 w 2548591"/>
-              <a:gd name="connsiteY82" fmla="*/ 444296 h 2555628"/>
-              <a:gd name="connsiteX83" fmla="*/ 2548582 w 2548591"/>
-              <a:gd name="connsiteY83" fmla="*/ 469597 h 2555628"/>
-              <a:gd name="connsiteX84" fmla="*/ 2080281 w 2548591"/>
-              <a:gd name="connsiteY84" fmla="*/ 0 h 2555628"/>
-              <a:gd name="connsiteX85" fmla="*/ 2218926 w 2548591"/>
-              <a:gd name="connsiteY85" fmla="*/ 0 h 2555628"/>
-              <a:gd name="connsiteX86" fmla="*/ 2244153 w 2548591"/>
-              <a:gd name="connsiteY86" fmla="*/ 0 h 2555628"/>
-              <a:gd name="connsiteX87" fmla="*/ 2548582 w 2548591"/>
-              <a:gd name="connsiteY87" fmla="*/ 305270 h 2555628"/>
-              <a:gd name="connsiteX88" fmla="*/ 2548582 w 2548591"/>
-              <a:gd name="connsiteY88" fmla="*/ 330570 h 2555628"/>
-              <a:gd name="connsiteX89" fmla="*/ 2218926 w 2548591"/>
-              <a:gd name="connsiteY89" fmla="*/ 0 h 2555628"/>
-            </a:gdLst>
-            <a:ahLst/>
-            <a:cxnLst>
-              <a:cxn ang="0">
-                <a:pos x="connsiteX0" y="connsiteY0"/>
-              </a:cxn>
-              <a:cxn ang="0">
-                <a:pos x="connsiteX1" y="connsiteY1"/>
-              </a:cxn>
-              <a:cxn ang="0">
-                <a:pos x="connsiteX2" y="connsiteY2"/>
-              </a:cxn>
-              <a:cxn ang="0">
-                <a:pos x="connsiteX3" y="connsiteY3"/>
-              </a:cxn>
-              <a:cxn ang="0">
-                <a:pos x="connsiteX4" y="connsiteY4"/>
-              </a:cxn>
-              <a:cxn ang="0">
-                <a:pos x="connsiteX5" y="connsiteY5"/>
-              </a:cxn>
-              <a:cxn ang="0">
-                <a:pos x="connsiteX6" y="connsiteY6"/>
-              </a:cxn>
-              <a:cxn ang="0">
-                <a:pos x="connsiteX7" y="connsiteY7"/>
-              </a:cxn>
-              <a:cxn ang="0">
-                <a:pos x="connsiteX8" y="connsiteY8"/>
-              </a:cxn>
-              <a:cxn ang="0">
-                <a:pos x="connsiteX9" y="connsiteY9"/>
-              </a:cxn>
-              <a:cxn ang="0">
-                <a:pos x="connsiteX10" y="connsiteY10"/>
-              </a:cxn>
-              <a:cxn ang="0">
-                <a:pos x="connsiteX11" y="connsiteY11"/>
-              </a:cxn>
-              <a:cxn ang="0">
-                <a:pos x="connsiteX12" y="connsiteY12"/>
-              </a:cxn>
-              <a:cxn ang="0">
-                <a:pos x="connsiteX13" y="connsiteY13"/>
-              </a:cxn>
-              <a:cxn ang="0">
-                <a:pos x="connsiteX14" y="connsiteY14"/>
-              </a:cxn>
-              <a:cxn ang="0">
-                <a:pos x="connsiteX15" y="connsiteY15"/>
-              </a:cxn>
-              <a:cxn ang="0">
-                <a:pos x="connsiteX16" y="connsiteY16"/>
-              </a:cxn>
-              <a:cxn ang="0">
-                <a:pos x="connsiteX17" y="connsiteY17"/>
-              </a:cxn>
-              <a:cxn ang="0">
-                <a:pos x="connsiteX18" y="connsiteY18"/>
-              </a:cxn>
-              <a:cxn ang="0">
-                <a:pos x="connsiteX19" y="connsiteY19"/>
-              </a:cxn>
-              <a:cxn ang="0">
-                <a:pos x="connsiteX20" y="connsiteY20"/>
-              </a:cxn>
-              <a:cxn ang="0">
-                <a:pos x="connsiteX21" y="connsiteY21"/>
-              </a:cxn>
-              <a:cxn ang="0">
-                <a:pos x="connsiteX22" y="connsiteY22"/>
-              </a:cxn>
-              <a:cxn ang="0">
-                <a:pos x="connsiteX23" y="connsiteY23"/>
-              </a:cxn>
-              <a:cxn ang="0">
-                <a:pos x="connsiteX24" y="connsiteY24"/>
-              </a:cxn>
-              <a:cxn ang="0">
-                <a:pos x="connsiteX25" y="connsiteY25"/>
-              </a:cxn>
-              <a:cxn ang="0">
-                <a:pos x="connsiteX26" y="connsiteY26"/>
-              </a:cxn>
-              <a:cxn ang="0">
-                <a:pos x="connsiteX27" y="connsiteY27"/>
-              </a:cxn>
-              <a:cxn ang="0">
-                <a:pos x="connsiteX28" y="connsiteY28"/>
-              </a:cxn>
-              <a:cxn ang="0">
-                <a:pos x="connsiteX29" y="connsiteY29"/>
-              </a:cxn>
-              <a:cxn ang="0">
-                <a:pos x="connsiteX30" y="connsiteY30"/>
-              </a:cxn>
-              <a:cxn ang="0">
-                <a:pos x="connsiteX31" y="connsiteY31"/>
-              </a:cxn>
-              <a:cxn ang="0">
-                <a:pos x="connsiteX32" y="connsiteY32"/>
-              </a:cxn>
-              <a:cxn ang="0">
-                <a:pos x="connsiteX33" y="connsiteY33"/>
-              </a:cxn>
-              <a:cxn ang="0">
-                <a:pos x="connsiteX34" y="connsiteY34"/>
-              </a:cxn>
-              <a:cxn ang="0">
-                <a:pos x="connsiteX35" y="connsiteY35"/>
-              </a:cxn>
-              <a:cxn ang="0">
-                <a:pos x="connsiteX36" y="connsiteY36"/>
-              </a:cxn>
-              <a:cxn ang="0">
-                <a:pos x="connsiteX37" y="connsiteY37"/>
-              </a:cxn>
-              <a:cxn ang="0">
-                <a:pos x="connsiteX38" y="connsiteY38"/>
-              </a:cxn>
-              <a:cxn ang="0">
-                <a:pos x="connsiteX39" y="connsiteY39"/>
-              </a:cxn>
-              <a:cxn ang="0">
-                <a:pos x="connsiteX40" y="connsiteY40"/>
-              </a:cxn>
-              <a:cxn ang="0">
-                <a:pos x="connsiteX41" y="connsiteY41"/>
-              </a:cxn>
-              <a:cxn ang="0">
-                <a:pos x="connsiteX42" y="connsiteY42"/>
-              </a:cxn>
-              <a:cxn ang="0">
-                <a:pos x="connsiteX43" y="connsiteY43"/>
-              </a:cxn>
-              <a:cxn ang="0">
-                <a:pos x="connsiteX44" y="connsiteY44"/>
-              </a:cxn>
-              <a:cxn ang="0">
-                <a:pos x="connsiteX45" y="connsiteY45"/>
-              </a:cxn>
-              <a:cxn ang="0">
-                <a:pos x="connsiteX46" y="connsiteY46"/>
-              </a:cxn>
-              <a:cxn ang="0">
-                <a:pos x="connsiteX47" y="connsiteY47"/>
-              </a:cxn>
-              <a:cxn ang="0">
-                <a:pos x="connsiteX48" y="connsiteY48"/>
-              </a:cxn>
-              <a:cxn ang="0">
-                <a:pos x="connsiteX49" y="connsiteY49"/>
-              </a:cxn>
-              <a:cxn ang="0">
-                <a:pos x="connsiteX50" y="connsiteY50"/>
-              </a:cxn>
-              <a:cxn ang="0">
-                <a:pos x="connsiteX51" y="connsiteY51"/>
-              </a:cxn>
-              <a:cxn ang="0">
-                <a:pos x="connsiteX52" y="connsiteY52"/>
-              </a:cxn>
-              <a:cxn ang="0">
-                <a:pos x="connsiteX53" y="connsiteY53"/>
-              </a:cxn>
-              <a:cxn ang="0">
-                <a:pos x="connsiteX54" y="connsiteY54"/>
-              </a:cxn>
-              <a:cxn ang="0">
-                <a:pos x="connsiteX55" y="connsiteY55"/>
-              </a:cxn>
-              <a:cxn ang="0">
-                <a:pos x="connsiteX56" y="connsiteY56"/>
-              </a:cxn>
-              <a:cxn ang="0">
-                <a:pos x="connsiteX57" y="connsiteY57"/>
-              </a:cxn>
-              <a:cxn ang="0">
-                <a:pos x="connsiteX58" y="connsiteY58"/>
-              </a:cxn>
-              <a:cxn ang="0">
-                <a:pos x="connsiteX59" y="connsiteY59"/>
-              </a:cxn>
-              <a:cxn ang="0">
-                <a:pos x="connsiteX60" y="connsiteY60"/>
-              </a:cxn>
-              <a:cxn ang="0">
-                <a:pos x="connsiteX61" y="connsiteY61"/>
-              </a:cxn>
-              <a:cxn ang="0">
-                <a:pos x="connsiteX62" y="connsiteY62"/>
-              </a:cxn>
-              <a:cxn ang="0">
-                <a:pos x="connsiteX63" y="connsiteY63"/>
-              </a:cxn>
-              <a:cxn ang="0">
-                <a:pos x="connsiteX64" y="connsiteY64"/>
-              </a:cxn>
-              <a:cxn ang="0">
-                <a:pos x="connsiteX65" y="connsiteY65"/>
-              </a:cxn>
-              <a:cxn ang="0">
-                <a:pos x="connsiteX66" y="connsiteY66"/>
-              </a:cxn>
-              <a:cxn ang="0">
-                <a:pos x="connsiteX67" y="connsiteY67"/>
-              </a:cxn>
-              <a:cxn ang="0">
-                <a:pos x="connsiteX68" y="connsiteY68"/>
-              </a:cxn>
-              <a:cxn ang="0">
-                <a:pos x="connsiteX69" y="connsiteY69"/>
-              </a:cxn>
-              <a:cxn ang="0">
-                <a:pos x="connsiteX70" y="connsiteY70"/>
-              </a:cxn>
-              <a:cxn ang="0">
-                <a:pos x="connsiteX71" y="connsiteY71"/>
-              </a:cxn>
-              <a:cxn ang="0">
-                <a:pos x="connsiteX72" y="connsiteY72"/>
-              </a:cxn>
-              <a:cxn ang="0">
-                <a:pos x="connsiteX73" y="connsiteY73"/>
-              </a:cxn>
-              <a:cxn ang="0">
-                <a:pos x="connsiteX74" y="connsiteY74"/>
-              </a:cxn>
-              <a:cxn ang="0">
-                <a:pos x="connsiteX75" y="connsiteY75"/>
-              </a:cxn>
-              <a:cxn ang="0">
-                <a:pos x="connsiteX76" y="connsiteY76"/>
-              </a:cxn>
-              <a:cxn ang="0">
-                <a:pos x="connsiteX77" y="connsiteY77"/>
-              </a:cxn>
-              <a:cxn ang="0">
-                <a:pos x="connsiteX78" y="connsiteY78"/>
-              </a:cxn>
-              <a:cxn ang="0">
-                <a:pos x="connsiteX79" y="connsiteY79"/>
-              </a:cxn>
-              <a:cxn ang="0">
-                <a:pos x="connsiteX80" y="connsiteY80"/>
-              </a:cxn>
-              <a:cxn ang="0">
-                <a:pos x="connsiteX81" y="connsiteY81"/>
-              </a:cxn>
-              <a:cxn ang="0">
-                <a:pos x="connsiteX82" y="connsiteY82"/>
-              </a:cxn>
-              <a:cxn ang="0">
-                <a:pos x="connsiteX83" y="connsiteY83"/>
-              </a:cxn>
-              <a:cxn ang="0">
-                <a:pos x="connsiteX84" y="connsiteY84"/>
-              </a:cxn>
-              <a:cxn ang="0">
-                <a:pos x="connsiteX85" y="connsiteY85"/>
-              </a:cxn>
-              <a:cxn ang="0">
-                <a:pos x="connsiteX86" y="connsiteY86"/>
-              </a:cxn>
-              <a:cxn ang="0">
-                <a:pos x="connsiteX87" y="connsiteY87"/>
-              </a:cxn>
-              <a:cxn ang="0">
-                <a:pos x="connsiteX88" y="connsiteY88"/>
-              </a:cxn>
-              <a:cxn ang="0">
-                <a:pos x="connsiteX89" y="connsiteY89"/>
-              </a:cxn>
-            </a:cxnLst>
-            <a:rect l="l" t="t" r="r" b="b"/>
-            <a:pathLst>
-              <a:path w="2548591" h="2555628">
-                <a:moveTo>
-                  <a:pt x="138643" y="1"/>
-                </a:moveTo>
-                <a:lnTo>
-                  <a:pt x="163874" y="1"/>
-                </a:lnTo>
-                <a:cubicBezTo>
-                  <a:pt x="163874" y="1318576"/>
-                  <a:pt x="1233644" y="2391168"/>
-                  <a:pt x="2548463" y="2391168"/>
-                </a:cubicBezTo>
-                <a:lnTo>
-                  <a:pt x="2548463" y="2416472"/>
-                </a:lnTo>
-                <a:lnTo>
-                  <a:pt x="2548590" y="2416600"/>
-                </a:lnTo>
-                <a:cubicBezTo>
-                  <a:pt x="1219755" y="2416600"/>
-                  <a:pt x="138643" y="1332503"/>
-                  <a:pt x="138643" y="1"/>
-                </a:cubicBezTo>
-                <a:close/>
-                <a:moveTo>
-                  <a:pt x="0" y="1"/>
-                </a:moveTo>
-                <a:lnTo>
-                  <a:pt x="25231" y="1"/>
-                </a:lnTo>
-                <a:cubicBezTo>
-                  <a:pt x="25231" y="1395244"/>
-                  <a:pt x="1157188" y="2530324"/>
-                  <a:pt x="2548591" y="2530324"/>
-                </a:cubicBezTo>
-                <a:lnTo>
-                  <a:pt x="2548591" y="2555628"/>
-                </a:lnTo>
-                <a:cubicBezTo>
-                  <a:pt x="1143299" y="2555628"/>
-                  <a:pt x="0" y="1409172"/>
-                  <a:pt x="0" y="1"/>
-                </a:cubicBezTo>
-                <a:close/>
-                <a:moveTo>
-                  <a:pt x="277411" y="1"/>
-                </a:moveTo>
-                <a:lnTo>
-                  <a:pt x="302642" y="1"/>
-                </a:lnTo>
-                <a:cubicBezTo>
-                  <a:pt x="302642" y="1241907"/>
-                  <a:pt x="1310229" y="2252147"/>
-                  <a:pt x="2548582" y="2252147"/>
-                </a:cubicBezTo>
-                <a:lnTo>
-                  <a:pt x="2548582" y="2277444"/>
-                </a:lnTo>
-                <a:cubicBezTo>
-                  <a:pt x="1296205" y="2277444"/>
-                  <a:pt x="277411" y="1255835"/>
-                  <a:pt x="277411" y="1"/>
-                </a:cubicBezTo>
-                <a:close/>
-                <a:moveTo>
-                  <a:pt x="416054" y="1"/>
-                </a:moveTo>
-                <a:lnTo>
-                  <a:pt x="441285" y="1"/>
-                </a:lnTo>
-                <a:cubicBezTo>
-                  <a:pt x="441285" y="1165111"/>
-                  <a:pt x="1386559" y="2113119"/>
-                  <a:pt x="2548589" y="2113119"/>
-                </a:cubicBezTo>
-                <a:lnTo>
-                  <a:pt x="2548589" y="2138423"/>
-                </a:lnTo>
-                <a:cubicBezTo>
-                  <a:pt x="1372670" y="2138423"/>
-                  <a:pt x="416054" y="1179166"/>
-                  <a:pt x="416054" y="1"/>
-                </a:cubicBezTo>
-                <a:close/>
-                <a:moveTo>
-                  <a:pt x="554698" y="1"/>
-                </a:moveTo>
-                <a:lnTo>
-                  <a:pt x="579930" y="1"/>
-                </a:lnTo>
-                <a:cubicBezTo>
-                  <a:pt x="579930" y="1088442"/>
-                  <a:pt x="1463017" y="1973963"/>
-                  <a:pt x="2548462" y="1973963"/>
-                </a:cubicBezTo>
-                <a:lnTo>
-                  <a:pt x="2548462" y="1999267"/>
-                </a:lnTo>
-                <a:lnTo>
-                  <a:pt x="2548589" y="1999394"/>
-                </a:lnTo>
-                <a:cubicBezTo>
-                  <a:pt x="1449127" y="1999394"/>
-                  <a:pt x="554698" y="1102497"/>
-                  <a:pt x="554698" y="1"/>
-                </a:cubicBezTo>
-                <a:close/>
-                <a:moveTo>
-                  <a:pt x="693468" y="0"/>
-                </a:moveTo>
-                <a:lnTo>
-                  <a:pt x="718701" y="0"/>
-                </a:lnTo>
-                <a:cubicBezTo>
-                  <a:pt x="718701" y="1011773"/>
-                  <a:pt x="1539602" y="1834942"/>
-                  <a:pt x="2548583" y="1834942"/>
-                </a:cubicBezTo>
-                <a:lnTo>
-                  <a:pt x="2548583" y="1860239"/>
-                </a:lnTo>
-                <a:cubicBezTo>
-                  <a:pt x="1525706" y="1860239"/>
-                  <a:pt x="693468" y="1025701"/>
-                  <a:pt x="693468" y="0"/>
-                </a:cubicBezTo>
-                <a:close/>
-                <a:moveTo>
-                  <a:pt x="832112" y="0"/>
-                </a:moveTo>
-                <a:lnTo>
-                  <a:pt x="857340" y="0"/>
-                </a:lnTo>
-                <a:cubicBezTo>
-                  <a:pt x="857340" y="935105"/>
-                  <a:pt x="1616059" y="1695913"/>
-                  <a:pt x="2548582" y="1695913"/>
-                </a:cubicBezTo>
-                <a:lnTo>
-                  <a:pt x="2548582" y="1721210"/>
-                </a:lnTo>
-                <a:cubicBezTo>
-                  <a:pt x="1602170" y="1721210"/>
-                  <a:pt x="832112" y="949032"/>
-                  <a:pt x="832112" y="0"/>
-                </a:cubicBezTo>
-                <a:close/>
-                <a:moveTo>
-                  <a:pt x="970758" y="0"/>
-                </a:moveTo>
-                <a:lnTo>
-                  <a:pt x="995986" y="0"/>
-                </a:lnTo>
-                <a:cubicBezTo>
-                  <a:pt x="995986" y="858436"/>
-                  <a:pt x="1692391" y="1556758"/>
-                  <a:pt x="2548463" y="1556758"/>
-                </a:cubicBezTo>
-                <a:lnTo>
-                  <a:pt x="2548463" y="1582062"/>
-                </a:lnTo>
-                <a:lnTo>
-                  <a:pt x="2548590" y="1582189"/>
-                </a:lnTo>
-                <a:cubicBezTo>
-                  <a:pt x="1678628" y="1582189"/>
-                  <a:pt x="970758" y="872491"/>
-                  <a:pt x="970758" y="0"/>
-                </a:cubicBezTo>
-                <a:close/>
-                <a:moveTo>
-                  <a:pt x="1109529" y="0"/>
-                </a:moveTo>
-                <a:lnTo>
-                  <a:pt x="1134764" y="0"/>
-                </a:lnTo>
-                <a:cubicBezTo>
-                  <a:pt x="1134764" y="781767"/>
-                  <a:pt x="1768975" y="1417736"/>
-                  <a:pt x="2548589" y="1417736"/>
-                </a:cubicBezTo>
-                <a:lnTo>
-                  <a:pt x="2548589" y="1443033"/>
-                </a:lnTo>
-                <a:cubicBezTo>
-                  <a:pt x="1755086" y="1443033"/>
-                  <a:pt x="1109529" y="795695"/>
-                  <a:pt x="1109529" y="0"/>
-                </a:cubicBezTo>
-                <a:close/>
-                <a:moveTo>
-                  <a:pt x="1248168" y="0"/>
-                </a:moveTo>
-                <a:lnTo>
-                  <a:pt x="1273396" y="0"/>
-                </a:lnTo>
-                <a:cubicBezTo>
-                  <a:pt x="1273396" y="705097"/>
-                  <a:pt x="1845433" y="1278708"/>
-                  <a:pt x="2548583" y="1278708"/>
-                </a:cubicBezTo>
-                <a:lnTo>
-                  <a:pt x="2548583" y="1304005"/>
-                </a:lnTo>
-                <a:cubicBezTo>
-                  <a:pt x="1831537" y="1304005"/>
-                  <a:pt x="1248168" y="719026"/>
-                  <a:pt x="1248168" y="0"/>
-                </a:cubicBezTo>
-                <a:close/>
-                <a:moveTo>
-                  <a:pt x="1386813" y="0"/>
-                </a:moveTo>
-                <a:lnTo>
-                  <a:pt x="1412041" y="0"/>
-                </a:lnTo>
-                <a:cubicBezTo>
-                  <a:pt x="1412041" y="628428"/>
-                  <a:pt x="1921890" y="1139552"/>
-                  <a:pt x="2548589" y="1139552"/>
-                </a:cubicBezTo>
-                <a:lnTo>
-                  <a:pt x="2548589" y="1164857"/>
-                </a:lnTo>
-                <a:lnTo>
-                  <a:pt x="2548589" y="1164984"/>
-                </a:lnTo>
-                <a:cubicBezTo>
-                  <a:pt x="1908001" y="1164984"/>
-                  <a:pt x="1386813" y="642356"/>
-                  <a:pt x="1386813" y="0"/>
-                </a:cubicBezTo>
-                <a:close/>
-                <a:moveTo>
-                  <a:pt x="1525579" y="0"/>
-                </a:moveTo>
-                <a:lnTo>
-                  <a:pt x="1550814" y="0"/>
-                </a:lnTo>
-                <a:cubicBezTo>
-                  <a:pt x="1550814" y="551759"/>
-                  <a:pt x="1998468" y="1000531"/>
-                  <a:pt x="2548583" y="1000531"/>
-                </a:cubicBezTo>
-                <a:lnTo>
-                  <a:pt x="2548583" y="1025828"/>
-                </a:lnTo>
-                <a:cubicBezTo>
-                  <a:pt x="1984452" y="1025828"/>
-                  <a:pt x="1525579" y="565560"/>
-                  <a:pt x="1525579" y="0"/>
-                </a:cubicBezTo>
-                <a:close/>
-                <a:moveTo>
-                  <a:pt x="1664231" y="0"/>
-                </a:moveTo>
-                <a:lnTo>
-                  <a:pt x="1689459" y="0"/>
-                </a:lnTo>
-                <a:cubicBezTo>
-                  <a:pt x="1689459" y="474963"/>
-                  <a:pt x="2074805" y="861503"/>
-                  <a:pt x="2548589" y="861503"/>
-                </a:cubicBezTo>
-                <a:lnTo>
-                  <a:pt x="2548589" y="886800"/>
-                </a:lnTo>
-                <a:cubicBezTo>
-                  <a:pt x="2060916" y="886800"/>
-                  <a:pt x="1664231" y="489019"/>
-                  <a:pt x="1664231" y="0"/>
-                </a:cubicBezTo>
-                <a:close/>
-                <a:moveTo>
-                  <a:pt x="1802870" y="0"/>
-                </a:moveTo>
-                <a:lnTo>
-                  <a:pt x="1828097" y="0"/>
-                </a:lnTo>
-                <a:cubicBezTo>
-                  <a:pt x="1828097" y="398295"/>
-                  <a:pt x="2151263" y="722347"/>
-                  <a:pt x="2548583" y="722347"/>
-                </a:cubicBezTo>
-                <a:lnTo>
-                  <a:pt x="2548583" y="747651"/>
-                </a:lnTo>
-                <a:lnTo>
-                  <a:pt x="2548583" y="747778"/>
-                </a:lnTo>
-                <a:cubicBezTo>
-                  <a:pt x="2137367" y="747778"/>
-                  <a:pt x="1802870" y="412350"/>
-                  <a:pt x="1802870" y="0"/>
-                </a:cubicBezTo>
-                <a:close/>
-                <a:moveTo>
-                  <a:pt x="1941642" y="0"/>
-                </a:moveTo>
-                <a:lnTo>
-                  <a:pt x="1966877" y="0"/>
-                </a:lnTo>
-                <a:cubicBezTo>
-                  <a:pt x="1966877" y="321626"/>
-                  <a:pt x="2227847" y="583321"/>
-                  <a:pt x="2548589" y="583321"/>
-                </a:cubicBezTo>
-                <a:lnTo>
-                  <a:pt x="2548589" y="608622"/>
-                </a:lnTo>
-                <a:cubicBezTo>
-                  <a:pt x="2213831" y="608622"/>
-                  <a:pt x="1941642" y="335553"/>
-                  <a:pt x="1941642" y="0"/>
-                </a:cubicBezTo>
-                <a:close/>
-                <a:moveTo>
-                  <a:pt x="2080281" y="0"/>
-                </a:moveTo>
-                <a:lnTo>
-                  <a:pt x="2105508" y="0"/>
-                </a:lnTo>
-                <a:cubicBezTo>
-                  <a:pt x="2105508" y="244957"/>
-                  <a:pt x="2304298" y="444296"/>
-                  <a:pt x="2548582" y="444296"/>
-                </a:cubicBezTo>
-                <a:lnTo>
-                  <a:pt x="2548582" y="469597"/>
-                </a:lnTo>
-                <a:cubicBezTo>
-                  <a:pt x="2290409" y="469597"/>
-                  <a:pt x="2080281" y="258885"/>
-                  <a:pt x="2080281" y="0"/>
-                </a:cubicBezTo>
-                <a:close/>
-                <a:moveTo>
-                  <a:pt x="2218926" y="0"/>
-                </a:moveTo>
-                <a:lnTo>
-                  <a:pt x="2244153" y="0"/>
-                </a:lnTo>
-                <a:cubicBezTo>
-                  <a:pt x="2244153" y="168288"/>
-                  <a:pt x="2380629" y="305270"/>
-                  <a:pt x="2548582" y="305270"/>
-                </a:cubicBezTo>
-                <a:lnTo>
-                  <a:pt x="2548582" y="330570"/>
-                </a:lnTo>
-                <a:cubicBezTo>
-                  <a:pt x="2366866" y="330570"/>
-                  <a:pt x="2218926" y="182344"/>
-                  <a:pt x="2218926" y="0"/>
-                </a:cubicBezTo>
-                <a:close/>
-              </a:path>
-            </a:pathLst>
-          </a:custGeom>
-          <a:solidFill>
-            <a:schemeClr val="bg1"/>
-          </a:solidFill>
-          <a:ln w="7032" cap="flat">
-            <a:noFill/>
-            <a:prstDash val="solid"/>
-            <a:miter/>
-          </a:ln>
-        </p:spPr>
-        <p:txBody>
-          <a:bodyPr rtlCol="0" anchor="ctr">
-            <a:noAutofit/>
-          </a:bodyPr>
-          <a:lstStyle/>
-          <a:p>
-            <a:endParaRPr lang="en-US" dirty="0"/>
-          </a:p>
-        </p:txBody>
-      </p:sp>
-      <p:sp>
-        <p:nvSpPr>
-          <p:cNvPr id="29" name="Freeform 70">
-            <a:extLst>
-              <a:ext uri="{FF2B5EF4-FFF2-40B4-BE49-F238E27FC236}">
-                <a16:creationId xmlns:a16="http://schemas.microsoft.com/office/drawing/2014/main" id="{AA39EF58-54F1-4AC9-1D83-2E7DEEAAEA6A}"/>
-              </a:ext>
-              <a:ext uri="{C183D7F6-B498-43B3-948B-1728B52AA6E4}">
-                <adec:decorative xmlns:adec="http://schemas.microsoft.com/office/drawing/2017/decorative" val="1"/>
-              </a:ext>
-            </a:extLst>
-          </p:cNvPr>
-          <p:cNvSpPr>
-            <a:spLocks/>
-          </p:cNvSpPr>
-          <p:nvPr userDrawn="1"/>
-        </p:nvSpPr>
-        <p:spPr bwMode="auto">
-          <a:xfrm rot="16200000" flipH="1">
-            <a:off x="-9389" y="4308466"/>
-            <a:ext cx="2550984" cy="2560441"/>
-          </a:xfrm>
-          <a:custGeom>
-            <a:avLst/>
-            <a:gdLst>
-              <a:gd name="T0" fmla="*/ 0 w 1079"/>
-              <a:gd name="T1" fmla="*/ 1083 h 1083"/>
-              <a:gd name="T2" fmla="*/ 1079 w 1079"/>
-              <a:gd name="T3" fmla="*/ 1083 h 1083"/>
-              <a:gd name="T4" fmla="*/ 1079 w 1079"/>
-              <a:gd name="T5" fmla="*/ 0 h 1083"/>
-              <a:gd name="T6" fmla="*/ 0 w 1079"/>
-              <a:gd name="T7" fmla="*/ 1083 h 1083"/>
-            </a:gdLst>
-            <a:ahLst/>
-            <a:cxnLst>
-              <a:cxn ang="0">
-                <a:pos x="T0" y="T1"/>
-              </a:cxn>
-              <a:cxn ang="0">
-                <a:pos x="T2" y="T3"/>
-              </a:cxn>
-              <a:cxn ang="0">
-                <a:pos x="T4" y="T5"/>
-              </a:cxn>
-              <a:cxn ang="0">
-                <a:pos x="T6" y="T7"/>
-              </a:cxn>
-            </a:cxnLst>
-            <a:rect l="0" t="0" r="r" b="b"/>
-            <a:pathLst>
-              <a:path w="1079" h="1083">
-                <a:moveTo>
-                  <a:pt x="0" y="1083"/>
-                </a:moveTo>
-                <a:lnTo>
-                  <a:pt x="1079" y="1083"/>
-                </a:lnTo>
-                <a:lnTo>
-                  <a:pt x="1079" y="0"/>
-                </a:lnTo>
-                <a:lnTo>
-                  <a:pt x="0" y="1083"/>
-                </a:lnTo>
-                <a:close/>
-              </a:path>
-            </a:pathLst>
-          </a:custGeom>
-          <a:solidFill>
-            <a:schemeClr val="accent2">
-              <a:alpha val="50000"/>
-            </a:schemeClr>
-          </a:solidFill>
-          <a:ln>
-            <a:noFill/>
-          </a:ln>
-        </p:spPr>
-        <p:txBody>
-          <a:bodyPr vert="horz" wrap="square" lIns="91440" tIns="45720" rIns="91440" bIns="45720" numCol="1" anchor="t" anchorCtr="0" compatLnSpc="1">
-            <a:prstTxWarp prst="textNoShape">
-              <a:avLst/>
-            </a:prstTxWarp>
-            <a:noAutofit/>
-          </a:bodyPr>
-          <a:lstStyle/>
-          <a:p>
-            <a:endParaRPr lang="en-US" dirty="0"/>
-          </a:p>
-        </p:txBody>
-      </p:sp>
-      <p:sp>
-        <p:nvSpPr>
-          <p:cNvPr id="31" name="Freeform 70">
-            <a:extLst>
-              <a:ext uri="{FF2B5EF4-FFF2-40B4-BE49-F238E27FC236}">
-                <a16:creationId xmlns:a16="http://schemas.microsoft.com/office/drawing/2014/main" id="{0C320934-59CC-4123-C7C1-FEEE89F3045F}"/>
-              </a:ext>
-              <a:ext uri="{C183D7F6-B498-43B3-948B-1728B52AA6E4}">
-                <adec:decorative xmlns:adec="http://schemas.microsoft.com/office/drawing/2017/decorative" val="1"/>
-              </a:ext>
-            </a:extLst>
-          </p:cNvPr>
-          <p:cNvSpPr>
-            <a:spLocks/>
-          </p:cNvSpPr>
-          <p:nvPr userDrawn="1"/>
-        </p:nvSpPr>
-        <p:spPr bwMode="auto">
-          <a:xfrm flipH="1">
-            <a:off x="-10617" y="4308466"/>
-            <a:ext cx="2550984" cy="2560441"/>
-          </a:xfrm>
-          <a:custGeom>
-            <a:avLst/>
-            <a:gdLst>
-              <a:gd name="T0" fmla="*/ 0 w 1079"/>
-              <a:gd name="T1" fmla="*/ 1083 h 1083"/>
-              <a:gd name="T2" fmla="*/ 1079 w 1079"/>
-              <a:gd name="T3" fmla="*/ 1083 h 1083"/>
-              <a:gd name="T4" fmla="*/ 1079 w 1079"/>
-              <a:gd name="T5" fmla="*/ 0 h 1083"/>
-              <a:gd name="T6" fmla="*/ 0 w 1079"/>
-              <a:gd name="T7" fmla="*/ 1083 h 1083"/>
-            </a:gdLst>
-            <a:ahLst/>
-            <a:cxnLst>
-              <a:cxn ang="0">
-                <a:pos x="T0" y="T1"/>
-              </a:cxn>
-              <a:cxn ang="0">
-                <a:pos x="T2" y="T3"/>
-              </a:cxn>
-              <a:cxn ang="0">
-                <a:pos x="T4" y="T5"/>
-              </a:cxn>
-              <a:cxn ang="0">
-                <a:pos x="T6" y="T7"/>
-              </a:cxn>
-            </a:cxnLst>
-            <a:rect l="0" t="0" r="r" b="b"/>
-            <a:pathLst>
-              <a:path w="1079" h="1083">
-                <a:moveTo>
-                  <a:pt x="0" y="1083"/>
-                </a:moveTo>
-                <a:lnTo>
-                  <a:pt x="1079" y="1083"/>
-                </a:lnTo>
-                <a:lnTo>
-                  <a:pt x="1079" y="0"/>
-                </a:lnTo>
-                <a:lnTo>
-                  <a:pt x="0" y="1083"/>
-                </a:lnTo>
-                <a:close/>
-              </a:path>
-            </a:pathLst>
-          </a:custGeom>
-          <a:solidFill>
-            <a:schemeClr val="accent1"/>
-          </a:solidFill>
-          <a:ln>
-            <a:noFill/>
-          </a:ln>
-        </p:spPr>
-        <p:txBody>
-          <a:bodyPr vert="horz" wrap="square" lIns="91440" tIns="45720" rIns="91440" bIns="45720" numCol="1" anchor="t" anchorCtr="0" compatLnSpc="1">
-            <a:prstTxWarp prst="textNoShape">
-              <a:avLst/>
-            </a:prstTxWarp>
-            <a:noAutofit/>
-          </a:bodyPr>
-          <a:lstStyle/>
-          <a:p>
-            <a:endParaRPr lang="en-US" dirty="0"/>
-          </a:p>
-        </p:txBody>
-      </p:sp>
-      <p:sp>
-        <p:nvSpPr>
-          <p:cNvPr id="33" name="Image 4">
-            <a:extLst>
-              <a:ext uri="{FF2B5EF4-FFF2-40B4-BE49-F238E27FC236}">
-                <a16:creationId xmlns:a16="http://schemas.microsoft.com/office/drawing/2014/main" id="{EC46DC71-C12A-96C8-3FE2-AA95AB58B349}"/>
-              </a:ext>
-              <a:ext uri="{C183D7F6-B498-43B3-948B-1728B52AA6E4}">
-                <adec:decorative xmlns:adec="http://schemas.microsoft.com/office/drawing/2017/decorative" val="1"/>
-              </a:ext>
-            </a:extLst>
-          </p:cNvPr>
-          <p:cNvSpPr/>
-          <p:nvPr/>
-        </p:nvSpPr>
-        <p:spPr>
-          <a:xfrm>
-            <a:off x="2543868" y="0"/>
-            <a:ext cx="2560340" cy="2560340"/>
-          </a:xfrm>
-          <a:custGeom>
-            <a:avLst/>
-            <a:gdLst>
-              <a:gd name="connsiteX0" fmla="*/ 0 w 2560340"/>
-              <a:gd name="connsiteY0" fmla="*/ 2560340 h 2560340"/>
-              <a:gd name="connsiteX1" fmla="*/ 2560340 w 2560340"/>
-              <a:gd name="connsiteY1" fmla="*/ 0 h 2560340"/>
-              <a:gd name="connsiteX2" fmla="*/ 0 w 2560340"/>
-              <a:gd name="connsiteY2" fmla="*/ 0 h 2560340"/>
-              <a:gd name="connsiteX3" fmla="*/ 0 w 2560340"/>
-              <a:gd name="connsiteY3" fmla="*/ 2560340 h 2560340"/>
-            </a:gdLst>
-            <a:ahLst/>
-            <a:cxnLst>
-              <a:cxn ang="0">
-                <a:pos x="connsiteX0" y="connsiteY0"/>
-              </a:cxn>
-              <a:cxn ang="0">
-                <a:pos x="connsiteX1" y="connsiteY1"/>
-              </a:cxn>
-              <a:cxn ang="0">
-                <a:pos x="connsiteX2" y="connsiteY2"/>
-              </a:cxn>
-              <a:cxn ang="0">
-                <a:pos x="connsiteX3" y="connsiteY3"/>
-              </a:cxn>
-            </a:cxnLst>
-            <a:rect l="l" t="t" r="r" b="b"/>
-            <a:pathLst>
-              <a:path w="2560340" h="2560340">
-                <a:moveTo>
-                  <a:pt x="0" y="2560340"/>
-                </a:moveTo>
-                <a:cubicBezTo>
-                  <a:pt x="1414079" y="2560340"/>
-                  <a:pt x="2560340" y="1414079"/>
-                  <a:pt x="2560340" y="0"/>
-                </a:cubicBezTo>
-                <a:lnTo>
-                  <a:pt x="0" y="0"/>
-                </a:lnTo>
-                <a:lnTo>
-                  <a:pt x="0" y="2560340"/>
-                </a:lnTo>
-                <a:close/>
-              </a:path>
-            </a:pathLst>
-          </a:custGeom>
-          <a:solidFill>
-            <a:schemeClr val="accent3">
-              <a:lumMod val="40000"/>
-              <a:lumOff val="60000"/>
-              <a:alpha val="50000"/>
-            </a:schemeClr>
-          </a:solidFill>
-          <a:ln w="7052" cap="flat">
-            <a:noFill/>
-            <a:prstDash val="solid"/>
-            <a:miter/>
-          </a:ln>
-        </p:spPr>
-        <p:txBody>
-          <a:bodyPr rtlCol="0" anchor="ctr">
-            <a:noAutofit/>
-          </a:bodyPr>
-          <a:lstStyle/>
-          <a:p>
-            <a:endParaRPr lang="en-US" dirty="0"/>
-          </a:p>
-        </p:txBody>
-      </p:sp>
-      <p:sp>
-        <p:nvSpPr>
-          <p:cNvPr id="2" name="Title 1"/>
-          <p:cNvSpPr>
-            <a:spLocks noGrp="1"/>
-          </p:cNvSpPr>
-          <p:nvPr>
-            <p:ph type="title" hasCustomPrompt="1"/>
-          </p:nvPr>
-        </p:nvSpPr>
-        <p:spPr>
-          <a:xfrm>
-            <a:off x="3460565" y="1057274"/>
-            <a:ext cx="7965461" cy="994164"/>
-          </a:xfrm>
-        </p:spPr>
-        <p:txBody>
-          <a:bodyPr lIns="91440" tIns="0" rIns="91440" bIns="0" anchor="b" anchorCtr="0">
-            <a:noAutofit/>
-          </a:bodyPr>
-          <a:lstStyle>
-            <a:lvl1pPr algn="l">
-              <a:lnSpc>
-                <a:spcPct val="100000"/>
-              </a:lnSpc>
-              <a:defRPr sz="3600" b="1">
-                <a:latin typeface="+mj-lt"/>
-                <a:cs typeface="Arial" panose="020B0604020202020204" pitchFamily="34" charset="0"/>
-              </a:defRPr>
-            </a:lvl1pPr>
-          </a:lstStyle>
-          <a:p>
-            <a:r>
-              <a:rPr lang="en-US" dirty="0"/>
-              <a:t>Click to add title</a:t>
-            </a:r>
-          </a:p>
-        </p:txBody>
-      </p:sp>
-      <p:sp>
-        <p:nvSpPr>
-          <p:cNvPr id="13" name="Content Placeholder 3">
-            <a:extLst>
-              <a:ext uri="{FF2B5EF4-FFF2-40B4-BE49-F238E27FC236}">
-                <a16:creationId xmlns:a16="http://schemas.microsoft.com/office/drawing/2014/main" id="{B20F5EA7-881C-8FB7-EAC9-89C8F2E5865C}"/>
-              </a:ext>
-            </a:extLst>
-          </p:cNvPr>
-          <p:cNvSpPr>
-            <a:spLocks noGrp="1"/>
-          </p:cNvSpPr>
-          <p:nvPr>
-            <p:ph sz="half" idx="2" hasCustomPrompt="1"/>
-          </p:nvPr>
-        </p:nvSpPr>
-        <p:spPr>
-          <a:xfrm>
-            <a:off x="3460565" y="2303029"/>
-            <a:ext cx="7965460" cy="3497698"/>
-          </a:xfrm>
-        </p:spPr>
-        <p:txBody>
-          <a:bodyPr lIns="91440" tIns="0" rIns="91440" bIns="0">
-            <a:normAutofit/>
-          </a:bodyPr>
-          <a:lstStyle>
-            <a:lvl1pPr>
-              <a:spcBef>
-                <a:spcPts val="1000"/>
-              </a:spcBef>
-              <a:defRPr sz="1800"/>
-            </a:lvl1pPr>
-            <a:lvl2pPr>
-              <a:spcBef>
-                <a:spcPts val="1000"/>
-              </a:spcBef>
-              <a:defRPr sz="1800"/>
-            </a:lvl2pPr>
-            <a:lvl3pPr>
-              <a:spcBef>
-                <a:spcPts val="1000"/>
-              </a:spcBef>
-              <a:defRPr sz="1800"/>
-            </a:lvl3pPr>
-            <a:lvl4pPr>
-              <a:spcBef>
-                <a:spcPts val="1000"/>
-              </a:spcBef>
-              <a:defRPr sz="1800"/>
-            </a:lvl4pPr>
-            <a:lvl5pPr>
-              <a:spcBef>
-                <a:spcPts val="1000"/>
-              </a:spcBef>
-              <a:defRPr sz="1800"/>
-            </a:lvl5pPr>
-          </a:lstStyle>
-          <a:p>
-            <a:pPr lvl="0"/>
-            <a:r>
-              <a:rPr lang="en-US" dirty="0"/>
-              <a:t>Click to add text</a:t>
-            </a:r>
-          </a:p>
-          <a:p>
-            <a:pPr lvl="1"/>
-            <a:r>
-              <a:rPr lang="en-US" dirty="0"/>
-              <a:t>Second level</a:t>
-            </a:r>
-          </a:p>
-          <a:p>
-            <a:pPr lvl="2"/>
-            <a:r>
-              <a:rPr lang="en-US" dirty="0"/>
-              <a:t>Third level</a:t>
-            </a:r>
-          </a:p>
-          <a:p>
-            <a:pPr lvl="3"/>
-            <a:r>
-              <a:rPr lang="en-US" dirty="0"/>
-              <a:t>Fourth level</a:t>
-            </a:r>
-          </a:p>
-          <a:p>
-            <a:pPr lvl="4"/>
-            <a:r>
-              <a:rPr lang="en-US" dirty="0"/>
-              <a:t>Fifth level</a:t>
-            </a:r>
-          </a:p>
-        </p:txBody>
-      </p:sp>
-      <p:sp>
-        <p:nvSpPr>
-          <p:cNvPr id="18" name="Slide Number Placeholder 2">
-            <a:extLst>
-              <a:ext uri="{FF2B5EF4-FFF2-40B4-BE49-F238E27FC236}">
-                <a16:creationId xmlns:a16="http://schemas.microsoft.com/office/drawing/2014/main" id="{ED7A50D8-0839-EC58-FFBE-315A20995799}"/>
-              </a:ext>
-            </a:extLst>
-          </p:cNvPr>
-          <p:cNvSpPr>
-            <a:spLocks noGrp="1"/>
-          </p:cNvSpPr>
-          <p:nvPr>
-            <p:ph type="sldNum" sz="quarter" idx="10"/>
-          </p:nvPr>
-        </p:nvSpPr>
-        <p:spPr>
-          <a:xfrm>
-            <a:off x="10358437" y="457199"/>
-            <a:ext cx="1067589" cy="471489"/>
-          </a:xfrm>
-        </p:spPr>
-        <p:txBody>
-          <a:bodyPr/>
-          <a:lstStyle>
-            <a:lvl1pPr>
-              <a:defRPr sz="1600">
-                <a:latin typeface="+mj-lt"/>
-              </a:defRPr>
-            </a:lvl1pPr>
-          </a:lstStyle>
-          <a:p>
-            <a:fld id="{48F63A3B-78C7-47BE-AE5E-E10140E04643}" type="slidenum">
-              <a:rPr lang="en-US" smtClean="0"/>
-              <a:pPr/>
-              <a:t>‹#›</a:t>
-            </a:fld>
-            <a:endParaRPr lang="en-US" dirty="0"/>
-          </a:p>
-        </p:txBody>
-      </p:sp>
-    </p:spTree>
-    <p:extLst>
-      <p:ext uri="{BB962C8B-B14F-4D97-AF65-F5344CB8AC3E}">
-        <p14:creationId xmlns:p14="http://schemas.microsoft.com/office/powerpoint/2010/main" val="1286302573"/>
-      </p:ext>
-    </p:extLst>
-  </p:cSld>
-  <p:clrMapOvr>
-    <a:masterClrMapping/>
-  </p:clrMapOvr>
-</p:sldLayout>
-</file>
-
-<file path=ppt/slideLayouts/slideLayout22.xml><?xml version="1.0" encoding="utf-8"?>
-<p:sldLayout xmlns:a="http://schemas.openxmlformats.org/drawingml/2006/main" xmlns:r="http://schemas.openxmlformats.org/officeDocument/2006/relationships" xmlns:p="http://schemas.openxmlformats.org/presentationml/2006/main" userDrawn="1">
-  <p:cSld name="1_Comparison 1">
-    <p:spTree>
-      <p:nvGrpSpPr>
-        <p:cNvPr id="1" name=""/>
-        <p:cNvGrpSpPr/>
-        <p:nvPr/>
-      </p:nvGrpSpPr>
-      <p:grpSpPr>
-        <a:xfrm>
-          <a:off x="0" y="0"/>
-          <a:ext cx="0" cy="0"/>
-          <a:chOff x="0" y="0"/>
-          <a:chExt cx="0" cy="0"/>
-        </a:xfrm>
-      </p:grpSpPr>
-      <p:sp>
-        <p:nvSpPr>
-          <p:cNvPr id="20" name="Title 19">
-            <a:extLst>
-              <a:ext uri="{FF2B5EF4-FFF2-40B4-BE49-F238E27FC236}">
-                <a16:creationId xmlns:a16="http://schemas.microsoft.com/office/drawing/2014/main" id="{C26B5661-F583-FA44-8353-161B862E69B1}"/>
-              </a:ext>
-            </a:extLst>
-          </p:cNvPr>
-          <p:cNvSpPr>
-            <a:spLocks noGrp="1"/>
-          </p:cNvSpPr>
-          <p:nvPr>
-            <p:ph type="title" hasCustomPrompt="1"/>
-          </p:nvPr>
-        </p:nvSpPr>
-        <p:spPr>
-          <a:xfrm>
-            <a:off x="4364809" y="1057274"/>
-            <a:ext cx="7043617" cy="2520217"/>
-          </a:xfrm>
-        </p:spPr>
-        <p:txBody>
-          <a:bodyPr tIns="0" bIns="0">
-            <a:noAutofit/>
-          </a:bodyPr>
-          <a:lstStyle>
-            <a:lvl1pPr algn="l">
-              <a:lnSpc>
-                <a:spcPct val="100000"/>
-              </a:lnSpc>
-              <a:defRPr sz="3600"/>
-            </a:lvl1pPr>
-          </a:lstStyle>
-          <a:p>
-            <a:r>
-              <a:rPr lang="en-US" dirty="0"/>
-              <a:t>Click to add title</a:t>
-            </a:r>
-          </a:p>
-        </p:txBody>
-      </p:sp>
-      <p:sp>
-        <p:nvSpPr>
-          <p:cNvPr id="11" name="Image 0">
-            <a:extLst>
-              <a:ext uri="{FF2B5EF4-FFF2-40B4-BE49-F238E27FC236}">
-                <a16:creationId xmlns:a16="http://schemas.microsoft.com/office/drawing/2014/main" id="{CD2D664E-6702-6607-A37E-2E996144917C}"/>
-              </a:ext>
-              <a:ext uri="{C183D7F6-B498-43B3-948B-1728B52AA6E4}">
-                <adec:decorative xmlns:adec="http://schemas.microsoft.com/office/drawing/2017/decorative" val="1"/>
-              </a:ext>
-            </a:extLst>
-          </p:cNvPr>
-          <p:cNvSpPr/>
-          <p:nvPr userDrawn="1"/>
-        </p:nvSpPr>
-        <p:spPr>
-          <a:xfrm>
-            <a:off x="-5568" y="-2784"/>
-            <a:ext cx="3443288" cy="6891337"/>
-          </a:xfrm>
-          <a:custGeom>
-            <a:avLst/>
-            <a:gdLst>
-              <a:gd name="connsiteX0" fmla="*/ 3443288 w 3443288"/>
-              <a:gd name="connsiteY0" fmla="*/ 0 h 6891337"/>
-              <a:gd name="connsiteX1" fmla="*/ 0 w 3443288"/>
-              <a:gd name="connsiteY1" fmla="*/ 0 h 6891337"/>
-              <a:gd name="connsiteX2" fmla="*/ 0 w 3443288"/>
-              <a:gd name="connsiteY2" fmla="*/ 6891338 h 6891337"/>
-              <a:gd name="connsiteX3" fmla="*/ 3443288 w 3443288"/>
-              <a:gd name="connsiteY3" fmla="*/ 6891338 h 6891337"/>
-              <a:gd name="connsiteX4" fmla="*/ 3443288 w 3443288"/>
-              <a:gd name="connsiteY4" fmla="*/ 0 h 6891337"/>
-            </a:gdLst>
-            <a:ahLst/>
-            <a:cxnLst>
-              <a:cxn ang="0">
-                <a:pos x="connsiteX0" y="connsiteY0"/>
-              </a:cxn>
-              <a:cxn ang="0">
-                <a:pos x="connsiteX1" y="connsiteY1"/>
-              </a:cxn>
-              <a:cxn ang="0">
-                <a:pos x="connsiteX2" y="connsiteY2"/>
-              </a:cxn>
-              <a:cxn ang="0">
-                <a:pos x="connsiteX3" y="connsiteY3"/>
-              </a:cxn>
-              <a:cxn ang="0">
-                <a:pos x="connsiteX4" y="connsiteY4"/>
-              </a:cxn>
-            </a:cxnLst>
-            <a:rect l="l" t="t" r="r" b="b"/>
-            <a:pathLst>
-              <a:path w="3443288" h="6891337">
-                <a:moveTo>
-                  <a:pt x="3443288" y="0"/>
-                </a:moveTo>
-                <a:lnTo>
-                  <a:pt x="0" y="0"/>
-                </a:lnTo>
-                <a:lnTo>
-                  <a:pt x="0" y="6891338"/>
-                </a:lnTo>
-                <a:lnTo>
-                  <a:pt x="3443288" y="6891338"/>
-                </a:lnTo>
-                <a:lnTo>
-                  <a:pt x="3443288" y="0"/>
-                </a:lnTo>
-                <a:close/>
-              </a:path>
-            </a:pathLst>
-          </a:custGeom>
-          <a:solidFill>
-            <a:schemeClr val="accent3"/>
-          </a:solidFill>
-          <a:ln w="4756" cap="flat">
-            <a:noFill/>
-            <a:prstDash val="solid"/>
-            <a:miter/>
-          </a:ln>
-        </p:spPr>
-        <p:txBody>
-          <a:bodyPr rtlCol="0" anchor="ctr">
-            <a:noAutofit/>
-          </a:bodyPr>
-          <a:lstStyle/>
-          <a:p>
-            <a:endParaRPr lang="en-US" dirty="0"/>
-          </a:p>
-        </p:txBody>
-      </p:sp>
-      <p:pic>
-        <p:nvPicPr>
-          <p:cNvPr id="13" name="Image 1">
-            <a:extLst>
-              <a:ext uri="{FF2B5EF4-FFF2-40B4-BE49-F238E27FC236}">
-                <a16:creationId xmlns:a16="http://schemas.microsoft.com/office/drawing/2014/main" id="{951C5737-DF7E-D671-AC74-9E488335BCA2}"/>
-              </a:ext>
-              <a:ext uri="{C183D7F6-B498-43B3-948B-1728B52AA6E4}">
-                <adec:decorative xmlns:adec="http://schemas.microsoft.com/office/drawing/2017/decorative" val="1"/>
-              </a:ext>
-            </a:extLst>
-          </p:cNvPr>
-          <p:cNvPicPr>
-            <a:picLocks noChangeAspect="1"/>
-          </p:cNvPicPr>
-          <p:nvPr userDrawn="1"/>
-        </p:nvPicPr>
-        <p:blipFill>
-          <a:blip r:embed="rId2" cstate="screen">
-            <a:extLst>
-              <a:ext uri="{28A0092B-C50C-407E-A947-70E740481C1C}">
-                <a14:useLocalDpi xmlns:a14="http://schemas.microsoft.com/office/drawing/2010/main"/>
-              </a:ext>
-              <a:ext uri="{96DAC541-7B7A-43D3-8B79-37D633B846F1}">
-                <asvg:svgBlip xmlns:asvg="http://schemas.microsoft.com/office/drawing/2016/SVG/main" r:embed="rId3"/>
-              </a:ext>
-            </a:extLst>
-          </a:blip>
-          <a:srcRect/>
-          <a:stretch/>
-        </p:blipFill>
-        <p:spPr>
-          <a:xfrm>
-            <a:off x="1703311" y="-2784"/>
-            <a:ext cx="1734410" cy="5167313"/>
-          </a:xfrm>
-          <a:prstGeom prst="rect">
-            <a:avLst/>
-          </a:prstGeom>
-        </p:spPr>
-      </p:pic>
-      <p:sp>
-        <p:nvSpPr>
-          <p:cNvPr id="39" name="Freeform: Shape 38">
-            <a:extLst>
-              <a:ext uri="{FF2B5EF4-FFF2-40B4-BE49-F238E27FC236}">
-                <a16:creationId xmlns:a16="http://schemas.microsoft.com/office/drawing/2014/main" id="{F232A1E1-DD38-15EA-6CA1-A84950EC43F0}"/>
-              </a:ext>
-              <a:ext uri="{C183D7F6-B498-43B3-948B-1728B52AA6E4}">
-                <adec:decorative xmlns:adec="http://schemas.microsoft.com/office/drawing/2017/decorative" val="1"/>
-              </a:ext>
-            </a:extLst>
-          </p:cNvPr>
-          <p:cNvSpPr/>
-          <p:nvPr/>
-        </p:nvSpPr>
-        <p:spPr>
-          <a:xfrm>
-            <a:off x="1721621" y="-2784"/>
-            <a:ext cx="1716115" cy="1720853"/>
-          </a:xfrm>
-          <a:custGeom>
-            <a:avLst/>
-            <a:gdLst>
-              <a:gd name="connsiteX0" fmla="*/ 93358 w 1716115"/>
-              <a:gd name="connsiteY0" fmla="*/ 0 h 1720853"/>
-              <a:gd name="connsiteX1" fmla="*/ 110348 w 1716115"/>
-              <a:gd name="connsiteY1" fmla="*/ 0 h 1720853"/>
-              <a:gd name="connsiteX2" fmla="*/ 1716029 w 1716115"/>
-              <a:gd name="connsiteY2" fmla="*/ 1610112 h 1720853"/>
-              <a:gd name="connsiteX3" fmla="*/ 1716029 w 1716115"/>
-              <a:gd name="connsiteY3" fmla="*/ 1627151 h 1720853"/>
-              <a:gd name="connsiteX4" fmla="*/ 1716115 w 1716115"/>
-              <a:gd name="connsiteY4" fmla="*/ 1627237 h 1720853"/>
-              <a:gd name="connsiteX5" fmla="*/ 93358 w 1716115"/>
-              <a:gd name="connsiteY5" fmla="*/ 0 h 1720853"/>
-              <a:gd name="connsiteX6" fmla="*/ 0 w 1716115"/>
-              <a:gd name="connsiteY6" fmla="*/ 0 h 1720853"/>
-              <a:gd name="connsiteX7" fmla="*/ 16989 w 1716115"/>
-              <a:gd name="connsiteY7" fmla="*/ 0 h 1720853"/>
-              <a:gd name="connsiteX8" fmla="*/ 1716114 w 1716115"/>
-              <a:gd name="connsiteY8" fmla="*/ 1703814 h 1720853"/>
-              <a:gd name="connsiteX9" fmla="*/ 1716114 w 1716115"/>
-              <a:gd name="connsiteY9" fmla="*/ 1720853 h 1720853"/>
-              <a:gd name="connsiteX10" fmla="*/ 0 w 1716115"/>
-              <a:gd name="connsiteY10" fmla="*/ 0 h 1720853"/>
-              <a:gd name="connsiteX11" fmla="*/ 186798 w 1716115"/>
-              <a:gd name="connsiteY11" fmla="*/ 0 h 1720853"/>
-              <a:gd name="connsiteX12" fmla="*/ 203788 w 1716115"/>
-              <a:gd name="connsiteY12" fmla="*/ 0 h 1720853"/>
-              <a:gd name="connsiteX13" fmla="*/ 1716109 w 1716115"/>
-              <a:gd name="connsiteY13" fmla="*/ 1516501 h 1720853"/>
-              <a:gd name="connsiteX14" fmla="*/ 1716109 w 1716115"/>
-              <a:gd name="connsiteY14" fmla="*/ 1533535 h 1720853"/>
-              <a:gd name="connsiteX15" fmla="*/ 186798 w 1716115"/>
-              <a:gd name="connsiteY15" fmla="*/ 0 h 1720853"/>
-              <a:gd name="connsiteX16" fmla="*/ 280155 w 1716115"/>
-              <a:gd name="connsiteY16" fmla="*/ 0 h 1720853"/>
-              <a:gd name="connsiteX17" fmla="*/ 297145 w 1716115"/>
-              <a:gd name="connsiteY17" fmla="*/ 0 h 1720853"/>
-              <a:gd name="connsiteX18" fmla="*/ 1716114 w 1716115"/>
-              <a:gd name="connsiteY18" fmla="*/ 1422885 h 1720853"/>
-              <a:gd name="connsiteX19" fmla="*/ 1716114 w 1716115"/>
-              <a:gd name="connsiteY19" fmla="*/ 1439924 h 1720853"/>
-              <a:gd name="connsiteX20" fmla="*/ 280155 w 1716115"/>
-              <a:gd name="connsiteY20" fmla="*/ 0 h 1720853"/>
-              <a:gd name="connsiteX21" fmla="*/ 373512 w 1716115"/>
-              <a:gd name="connsiteY21" fmla="*/ 0 h 1720853"/>
-              <a:gd name="connsiteX22" fmla="*/ 390502 w 1716115"/>
-              <a:gd name="connsiteY22" fmla="*/ 0 h 1720853"/>
-              <a:gd name="connsiteX23" fmla="*/ 1716029 w 1716115"/>
-              <a:gd name="connsiteY23" fmla="*/ 1329184 h 1720853"/>
-              <a:gd name="connsiteX24" fmla="*/ 1716029 w 1716115"/>
-              <a:gd name="connsiteY24" fmla="*/ 1346223 h 1720853"/>
-              <a:gd name="connsiteX25" fmla="*/ 1716114 w 1716115"/>
-              <a:gd name="connsiteY25" fmla="*/ 1346308 h 1720853"/>
-              <a:gd name="connsiteX26" fmla="*/ 373512 w 1716115"/>
-              <a:gd name="connsiteY26" fmla="*/ 0 h 1720853"/>
-              <a:gd name="connsiteX27" fmla="*/ 466953 w 1716115"/>
-              <a:gd name="connsiteY27" fmla="*/ 0 h 1720853"/>
-              <a:gd name="connsiteX28" fmla="*/ 483944 w 1716115"/>
-              <a:gd name="connsiteY28" fmla="*/ 0 h 1720853"/>
-              <a:gd name="connsiteX29" fmla="*/ 1716110 w 1716115"/>
-              <a:gd name="connsiteY29" fmla="*/ 1235573 h 1720853"/>
-              <a:gd name="connsiteX30" fmla="*/ 1716110 w 1716115"/>
-              <a:gd name="connsiteY30" fmla="*/ 1252607 h 1720853"/>
-              <a:gd name="connsiteX31" fmla="*/ 466953 w 1716115"/>
-              <a:gd name="connsiteY31" fmla="*/ 0 h 1720853"/>
-              <a:gd name="connsiteX32" fmla="*/ 560310 w 1716115"/>
-              <a:gd name="connsiteY32" fmla="*/ 0 h 1720853"/>
-              <a:gd name="connsiteX33" fmla="*/ 577297 w 1716115"/>
-              <a:gd name="connsiteY33" fmla="*/ 0 h 1720853"/>
-              <a:gd name="connsiteX34" fmla="*/ 1716109 w 1716115"/>
-              <a:gd name="connsiteY34" fmla="*/ 1141957 h 1720853"/>
-              <a:gd name="connsiteX35" fmla="*/ 1716109 w 1716115"/>
-              <a:gd name="connsiteY35" fmla="*/ 1158991 h 1720853"/>
-              <a:gd name="connsiteX36" fmla="*/ 560310 w 1716115"/>
-              <a:gd name="connsiteY36" fmla="*/ 0 h 1720853"/>
-              <a:gd name="connsiteX37" fmla="*/ 653668 w 1716115"/>
-              <a:gd name="connsiteY37" fmla="*/ 0 h 1720853"/>
-              <a:gd name="connsiteX38" fmla="*/ 670655 w 1716115"/>
-              <a:gd name="connsiteY38" fmla="*/ 0 h 1720853"/>
-              <a:gd name="connsiteX39" fmla="*/ 1716029 w 1716115"/>
-              <a:gd name="connsiteY39" fmla="*/ 1048255 h 1720853"/>
-              <a:gd name="connsiteX40" fmla="*/ 1716029 w 1716115"/>
-              <a:gd name="connsiteY40" fmla="*/ 1065294 h 1720853"/>
-              <a:gd name="connsiteX41" fmla="*/ 1716114 w 1716115"/>
-              <a:gd name="connsiteY41" fmla="*/ 1065380 h 1720853"/>
-              <a:gd name="connsiteX42" fmla="*/ 653668 w 1716115"/>
-              <a:gd name="connsiteY42" fmla="*/ 0 h 1720853"/>
-              <a:gd name="connsiteX43" fmla="*/ 747112 w 1716115"/>
-              <a:gd name="connsiteY43" fmla="*/ 0 h 1720853"/>
-              <a:gd name="connsiteX44" fmla="*/ 764104 w 1716115"/>
-              <a:gd name="connsiteY44" fmla="*/ 0 h 1720853"/>
-              <a:gd name="connsiteX45" fmla="*/ 1716115 w 1716115"/>
-              <a:gd name="connsiteY45" fmla="*/ 954644 h 1720853"/>
-              <a:gd name="connsiteX46" fmla="*/ 1716115 w 1716115"/>
-              <a:gd name="connsiteY46" fmla="*/ 971678 h 1720853"/>
-              <a:gd name="connsiteX47" fmla="*/ 747112 w 1716115"/>
-              <a:gd name="connsiteY47" fmla="*/ 0 h 1720853"/>
-              <a:gd name="connsiteX48" fmla="*/ 840465 w 1716115"/>
-              <a:gd name="connsiteY48" fmla="*/ 0 h 1720853"/>
-              <a:gd name="connsiteX49" fmla="*/ 857452 w 1716115"/>
-              <a:gd name="connsiteY49" fmla="*/ 0 h 1720853"/>
-              <a:gd name="connsiteX50" fmla="*/ 1716109 w 1716115"/>
-              <a:gd name="connsiteY50" fmla="*/ 861028 h 1720853"/>
-              <a:gd name="connsiteX51" fmla="*/ 1716109 w 1716115"/>
-              <a:gd name="connsiteY51" fmla="*/ 878062 h 1720853"/>
-              <a:gd name="connsiteX52" fmla="*/ 840465 w 1716115"/>
-              <a:gd name="connsiteY52" fmla="*/ 0 h 1720853"/>
-              <a:gd name="connsiteX53" fmla="*/ 933823 w 1716115"/>
-              <a:gd name="connsiteY53" fmla="*/ 0 h 1720853"/>
-              <a:gd name="connsiteX54" fmla="*/ 950810 w 1716115"/>
-              <a:gd name="connsiteY54" fmla="*/ 0 h 1720853"/>
-              <a:gd name="connsiteX55" fmla="*/ 1716114 w 1716115"/>
-              <a:gd name="connsiteY55" fmla="*/ 767327 h 1720853"/>
-              <a:gd name="connsiteX56" fmla="*/ 1716114 w 1716115"/>
-              <a:gd name="connsiteY56" fmla="*/ 784366 h 1720853"/>
-              <a:gd name="connsiteX57" fmla="*/ 1716114 w 1716115"/>
-              <a:gd name="connsiteY57" fmla="*/ 784451 h 1720853"/>
-              <a:gd name="connsiteX58" fmla="*/ 933823 w 1716115"/>
-              <a:gd name="connsiteY58" fmla="*/ 0 h 1720853"/>
-              <a:gd name="connsiteX59" fmla="*/ 1027262 w 1716115"/>
-              <a:gd name="connsiteY59" fmla="*/ 0 h 1720853"/>
-              <a:gd name="connsiteX60" fmla="*/ 1044254 w 1716115"/>
-              <a:gd name="connsiteY60" fmla="*/ 0 h 1720853"/>
-              <a:gd name="connsiteX61" fmla="*/ 1716110 w 1716115"/>
-              <a:gd name="connsiteY61" fmla="*/ 673716 h 1720853"/>
-              <a:gd name="connsiteX62" fmla="*/ 1716110 w 1716115"/>
-              <a:gd name="connsiteY62" fmla="*/ 690750 h 1720853"/>
-              <a:gd name="connsiteX63" fmla="*/ 1027262 w 1716115"/>
-              <a:gd name="connsiteY63" fmla="*/ 0 h 1720853"/>
-              <a:gd name="connsiteX64" fmla="*/ 1120625 w 1716115"/>
-              <a:gd name="connsiteY64" fmla="*/ 0 h 1720853"/>
-              <a:gd name="connsiteX65" fmla="*/ 1137612 w 1716115"/>
-              <a:gd name="connsiteY65" fmla="*/ 0 h 1720853"/>
-              <a:gd name="connsiteX66" fmla="*/ 1716115 w 1716115"/>
-              <a:gd name="connsiteY66" fmla="*/ 580100 h 1720853"/>
-              <a:gd name="connsiteX67" fmla="*/ 1716115 w 1716115"/>
-              <a:gd name="connsiteY67" fmla="*/ 597134 h 1720853"/>
-              <a:gd name="connsiteX68" fmla="*/ 1120625 w 1716115"/>
-              <a:gd name="connsiteY68" fmla="*/ 0 h 1720853"/>
-              <a:gd name="connsiteX69" fmla="*/ 1213978 w 1716115"/>
-              <a:gd name="connsiteY69" fmla="*/ 0 h 1720853"/>
-              <a:gd name="connsiteX70" fmla="*/ 1230965 w 1716115"/>
-              <a:gd name="connsiteY70" fmla="*/ 0 h 1720853"/>
-              <a:gd name="connsiteX71" fmla="*/ 1716109 w 1716115"/>
-              <a:gd name="connsiteY71" fmla="*/ 486398 h 1720853"/>
-              <a:gd name="connsiteX72" fmla="*/ 1716109 w 1716115"/>
-              <a:gd name="connsiteY72" fmla="*/ 503437 h 1720853"/>
-              <a:gd name="connsiteX73" fmla="*/ 1716109 w 1716115"/>
-              <a:gd name="connsiteY73" fmla="*/ 503523 h 1720853"/>
-              <a:gd name="connsiteX74" fmla="*/ 1213978 w 1716115"/>
-              <a:gd name="connsiteY74" fmla="*/ 0 h 1720853"/>
-              <a:gd name="connsiteX75" fmla="*/ 1307422 w 1716115"/>
-              <a:gd name="connsiteY75" fmla="*/ 0 h 1720853"/>
-              <a:gd name="connsiteX76" fmla="*/ 1324414 w 1716115"/>
-              <a:gd name="connsiteY76" fmla="*/ 0 h 1720853"/>
-              <a:gd name="connsiteX77" fmla="*/ 1716115 w 1716115"/>
-              <a:gd name="connsiteY77" fmla="*/ 392784 h 1720853"/>
-              <a:gd name="connsiteX78" fmla="*/ 1716115 w 1716115"/>
-              <a:gd name="connsiteY78" fmla="*/ 409821 h 1720853"/>
-              <a:gd name="connsiteX79" fmla="*/ 1307422 w 1716115"/>
-              <a:gd name="connsiteY79" fmla="*/ 0 h 1720853"/>
-              <a:gd name="connsiteX80" fmla="*/ 1400775 w 1716115"/>
-              <a:gd name="connsiteY80" fmla="*/ 0 h 1720853"/>
-              <a:gd name="connsiteX81" fmla="*/ 1417762 w 1716115"/>
-              <a:gd name="connsiteY81" fmla="*/ 0 h 1720853"/>
-              <a:gd name="connsiteX82" fmla="*/ 1716109 w 1716115"/>
-              <a:gd name="connsiteY82" fmla="*/ 299170 h 1720853"/>
-              <a:gd name="connsiteX83" fmla="*/ 1716109 w 1716115"/>
-              <a:gd name="connsiteY83" fmla="*/ 316207 h 1720853"/>
-              <a:gd name="connsiteX84" fmla="*/ 1400775 w 1716115"/>
-              <a:gd name="connsiteY84" fmla="*/ 0 h 1720853"/>
-              <a:gd name="connsiteX85" fmla="*/ 1494133 w 1716115"/>
-              <a:gd name="connsiteY85" fmla="*/ 0 h 1720853"/>
-              <a:gd name="connsiteX86" fmla="*/ 1511120 w 1716115"/>
-              <a:gd name="connsiteY86" fmla="*/ 0 h 1720853"/>
-              <a:gd name="connsiteX87" fmla="*/ 1716109 w 1716115"/>
-              <a:gd name="connsiteY87" fmla="*/ 205556 h 1720853"/>
-              <a:gd name="connsiteX88" fmla="*/ 1716109 w 1716115"/>
-              <a:gd name="connsiteY88" fmla="*/ 222592 h 1720853"/>
-              <a:gd name="connsiteX89" fmla="*/ 1494133 w 1716115"/>
-              <a:gd name="connsiteY89" fmla="*/ 0 h 1720853"/>
-            </a:gdLst>
-            <a:ahLst/>
-            <a:cxnLst>
-              <a:cxn ang="0">
-                <a:pos x="connsiteX0" y="connsiteY0"/>
-              </a:cxn>
-              <a:cxn ang="0">
-                <a:pos x="connsiteX1" y="connsiteY1"/>
-              </a:cxn>
-              <a:cxn ang="0">
-                <a:pos x="connsiteX2" y="connsiteY2"/>
-              </a:cxn>
-              <a:cxn ang="0">
-                <a:pos x="connsiteX3" y="connsiteY3"/>
-              </a:cxn>
-              <a:cxn ang="0">
-                <a:pos x="connsiteX4" y="connsiteY4"/>
-              </a:cxn>
-              <a:cxn ang="0">
-                <a:pos x="connsiteX5" y="connsiteY5"/>
-              </a:cxn>
-              <a:cxn ang="0">
-                <a:pos x="connsiteX6" y="connsiteY6"/>
-              </a:cxn>
-              <a:cxn ang="0">
-                <a:pos x="connsiteX7" y="connsiteY7"/>
-              </a:cxn>
-              <a:cxn ang="0">
-                <a:pos x="connsiteX8" y="connsiteY8"/>
-              </a:cxn>
-              <a:cxn ang="0">
-                <a:pos x="connsiteX9" y="connsiteY9"/>
-              </a:cxn>
-              <a:cxn ang="0">
-                <a:pos x="connsiteX10" y="connsiteY10"/>
-              </a:cxn>
-              <a:cxn ang="0">
-                <a:pos x="connsiteX11" y="connsiteY11"/>
-              </a:cxn>
-              <a:cxn ang="0">
-                <a:pos x="connsiteX12" y="connsiteY12"/>
-              </a:cxn>
-              <a:cxn ang="0">
-                <a:pos x="connsiteX13" y="connsiteY13"/>
-              </a:cxn>
-              <a:cxn ang="0">
-                <a:pos x="connsiteX14" y="connsiteY14"/>
-              </a:cxn>
-              <a:cxn ang="0">
-                <a:pos x="connsiteX15" y="connsiteY15"/>
-              </a:cxn>
-              <a:cxn ang="0">
-                <a:pos x="connsiteX16" y="connsiteY16"/>
-              </a:cxn>
-              <a:cxn ang="0">
-                <a:pos x="connsiteX17" y="connsiteY17"/>
-              </a:cxn>
-              <a:cxn ang="0">
-                <a:pos x="connsiteX18" y="connsiteY18"/>
-              </a:cxn>
-              <a:cxn ang="0">
-                <a:pos x="connsiteX19" y="connsiteY19"/>
-              </a:cxn>
-              <a:cxn ang="0">
-                <a:pos x="connsiteX20" y="connsiteY20"/>
-              </a:cxn>
-              <a:cxn ang="0">
-                <a:pos x="connsiteX21" y="connsiteY21"/>
-              </a:cxn>
-              <a:cxn ang="0">
-                <a:pos x="connsiteX22" y="connsiteY22"/>
-              </a:cxn>
-              <a:cxn ang="0">
-                <a:pos x="connsiteX23" y="connsiteY23"/>
-              </a:cxn>
-              <a:cxn ang="0">
-                <a:pos x="connsiteX24" y="connsiteY24"/>
-              </a:cxn>
-              <a:cxn ang="0">
-                <a:pos x="connsiteX25" y="connsiteY25"/>
-              </a:cxn>
-              <a:cxn ang="0">
-                <a:pos x="connsiteX26" y="connsiteY26"/>
-              </a:cxn>
-              <a:cxn ang="0">
-                <a:pos x="connsiteX27" y="connsiteY27"/>
-              </a:cxn>
-              <a:cxn ang="0">
-                <a:pos x="connsiteX28" y="connsiteY28"/>
-              </a:cxn>
-              <a:cxn ang="0">
-                <a:pos x="connsiteX29" y="connsiteY29"/>
-              </a:cxn>
-              <a:cxn ang="0">
-                <a:pos x="connsiteX30" y="connsiteY30"/>
-              </a:cxn>
-              <a:cxn ang="0">
-                <a:pos x="connsiteX31" y="connsiteY31"/>
-              </a:cxn>
-              <a:cxn ang="0">
-                <a:pos x="connsiteX32" y="connsiteY32"/>
-              </a:cxn>
-              <a:cxn ang="0">
-                <a:pos x="connsiteX33" y="connsiteY33"/>
-              </a:cxn>
-              <a:cxn ang="0">
-                <a:pos x="connsiteX34" y="connsiteY34"/>
-              </a:cxn>
-              <a:cxn ang="0">
-                <a:pos x="connsiteX35" y="connsiteY35"/>
-              </a:cxn>
-              <a:cxn ang="0">
-                <a:pos x="connsiteX36" y="connsiteY36"/>
-              </a:cxn>
-              <a:cxn ang="0">
-                <a:pos x="connsiteX37" y="connsiteY37"/>
-              </a:cxn>
-              <a:cxn ang="0">
-                <a:pos x="connsiteX38" y="connsiteY38"/>
-              </a:cxn>
-              <a:cxn ang="0">
-                <a:pos x="connsiteX39" y="connsiteY39"/>
-              </a:cxn>
-              <a:cxn ang="0">
-                <a:pos x="connsiteX40" y="connsiteY40"/>
-              </a:cxn>
-              <a:cxn ang="0">
-                <a:pos x="connsiteX41" y="connsiteY41"/>
-              </a:cxn>
-              <a:cxn ang="0">
-                <a:pos x="connsiteX42" y="connsiteY42"/>
-              </a:cxn>
-              <a:cxn ang="0">
-                <a:pos x="connsiteX43" y="connsiteY43"/>
-              </a:cxn>
-              <a:cxn ang="0">
-                <a:pos x="connsiteX44" y="connsiteY44"/>
-              </a:cxn>
-              <a:cxn ang="0">
-                <a:pos x="connsiteX45" y="connsiteY45"/>
-              </a:cxn>
-              <a:cxn ang="0">
-                <a:pos x="connsiteX46" y="connsiteY46"/>
-              </a:cxn>
-              <a:cxn ang="0">
-                <a:pos x="connsiteX47" y="connsiteY47"/>
-              </a:cxn>
-              <a:cxn ang="0">
-                <a:pos x="connsiteX48" y="connsiteY48"/>
-              </a:cxn>
-              <a:cxn ang="0">
-                <a:pos x="connsiteX49" y="connsiteY49"/>
-              </a:cxn>
-              <a:cxn ang="0">
-                <a:pos x="connsiteX50" y="connsiteY50"/>
-              </a:cxn>
-              <a:cxn ang="0">
-                <a:pos x="connsiteX51" y="connsiteY51"/>
-              </a:cxn>
-              <a:cxn ang="0">
-                <a:pos x="connsiteX52" y="connsiteY52"/>
-              </a:cxn>
-              <a:cxn ang="0">
-                <a:pos x="connsiteX53" y="connsiteY53"/>
-              </a:cxn>
-              <a:cxn ang="0">
-                <a:pos x="connsiteX54" y="connsiteY54"/>
-              </a:cxn>
-              <a:cxn ang="0">
-                <a:pos x="connsiteX55" y="connsiteY55"/>
-              </a:cxn>
-              <a:cxn ang="0">
-                <a:pos x="connsiteX56" y="connsiteY56"/>
-              </a:cxn>
-              <a:cxn ang="0">
-                <a:pos x="connsiteX57" y="connsiteY57"/>
-              </a:cxn>
-              <a:cxn ang="0">
-                <a:pos x="connsiteX58" y="connsiteY58"/>
-              </a:cxn>
-              <a:cxn ang="0">
-                <a:pos x="connsiteX59" y="connsiteY59"/>
-              </a:cxn>
-              <a:cxn ang="0">
-                <a:pos x="connsiteX60" y="connsiteY60"/>
-              </a:cxn>
-              <a:cxn ang="0">
-                <a:pos x="connsiteX61" y="connsiteY61"/>
-              </a:cxn>
-              <a:cxn ang="0">
-                <a:pos x="connsiteX62" y="connsiteY62"/>
-              </a:cxn>
-              <a:cxn ang="0">
-                <a:pos x="connsiteX63" y="connsiteY63"/>
-              </a:cxn>
-              <a:cxn ang="0">
-                <a:pos x="connsiteX64" y="connsiteY64"/>
-              </a:cxn>
-              <a:cxn ang="0">
-                <a:pos x="connsiteX65" y="connsiteY65"/>
-              </a:cxn>
-              <a:cxn ang="0">
-                <a:pos x="connsiteX66" y="connsiteY66"/>
-              </a:cxn>
-              <a:cxn ang="0">
-                <a:pos x="connsiteX67" y="connsiteY67"/>
-              </a:cxn>
-              <a:cxn ang="0">
-                <a:pos x="connsiteX68" y="connsiteY68"/>
-              </a:cxn>
-              <a:cxn ang="0">
-                <a:pos x="connsiteX69" y="connsiteY69"/>
-              </a:cxn>
-              <a:cxn ang="0">
-                <a:pos x="connsiteX70" y="connsiteY70"/>
-              </a:cxn>
-              <a:cxn ang="0">
-                <a:pos x="connsiteX71" y="connsiteY71"/>
-              </a:cxn>
-              <a:cxn ang="0">
-                <a:pos x="connsiteX72" y="connsiteY72"/>
-              </a:cxn>
-              <a:cxn ang="0">
-                <a:pos x="connsiteX73" y="connsiteY73"/>
-              </a:cxn>
-              <a:cxn ang="0">
-                <a:pos x="connsiteX74" y="connsiteY74"/>
-              </a:cxn>
-              <a:cxn ang="0">
-                <a:pos x="connsiteX75" y="connsiteY75"/>
-              </a:cxn>
-              <a:cxn ang="0">
-                <a:pos x="connsiteX76" y="connsiteY76"/>
-              </a:cxn>
-              <a:cxn ang="0">
-                <a:pos x="connsiteX77" y="connsiteY77"/>
-              </a:cxn>
-              <a:cxn ang="0">
-                <a:pos x="connsiteX78" y="connsiteY78"/>
-              </a:cxn>
-              <a:cxn ang="0">
-                <a:pos x="connsiteX79" y="connsiteY79"/>
-              </a:cxn>
-              <a:cxn ang="0">
-                <a:pos x="connsiteX80" y="connsiteY80"/>
-              </a:cxn>
-              <a:cxn ang="0">
-                <a:pos x="connsiteX81" y="connsiteY81"/>
-              </a:cxn>
-              <a:cxn ang="0">
-                <a:pos x="connsiteX82" y="connsiteY82"/>
-              </a:cxn>
-              <a:cxn ang="0">
-                <a:pos x="connsiteX83" y="connsiteY83"/>
-              </a:cxn>
-              <a:cxn ang="0">
-                <a:pos x="connsiteX84" y="connsiteY84"/>
-              </a:cxn>
-              <a:cxn ang="0">
-                <a:pos x="connsiteX85" y="connsiteY85"/>
-              </a:cxn>
-              <a:cxn ang="0">
-                <a:pos x="connsiteX86" y="connsiteY86"/>
-              </a:cxn>
-              <a:cxn ang="0">
-                <a:pos x="connsiteX87" y="connsiteY87"/>
-              </a:cxn>
-              <a:cxn ang="0">
-                <a:pos x="connsiteX88" y="connsiteY88"/>
-              </a:cxn>
-              <a:cxn ang="0">
-                <a:pos x="connsiteX89" y="connsiteY89"/>
-              </a:cxn>
-            </a:cxnLst>
-            <a:rect l="l" t="t" r="r" b="b"/>
-            <a:pathLst>
-              <a:path w="1716115" h="1720853">
-                <a:moveTo>
-                  <a:pt x="93358" y="0"/>
-                </a:moveTo>
-                <a:lnTo>
-                  <a:pt x="110348" y="0"/>
-                </a:lnTo>
-                <a:cubicBezTo>
-                  <a:pt x="110348" y="887874"/>
-                  <a:pt x="830686" y="1610112"/>
-                  <a:pt x="1716029" y="1610112"/>
-                </a:cubicBezTo>
-                <a:lnTo>
-                  <a:pt x="1716029" y="1627151"/>
-                </a:lnTo>
-                <a:lnTo>
-                  <a:pt x="1716115" y="1627237"/>
-                </a:lnTo>
-                <a:cubicBezTo>
-                  <a:pt x="821334" y="1627237"/>
-                  <a:pt x="93358" y="897252"/>
-                  <a:pt x="93358" y="0"/>
-                </a:cubicBezTo>
-                <a:close/>
-                <a:moveTo>
-                  <a:pt x="0" y="0"/>
-                </a:moveTo>
-                <a:lnTo>
-                  <a:pt x="16989" y="0"/>
-                </a:lnTo>
-                <a:cubicBezTo>
-                  <a:pt x="16989" y="939499"/>
-                  <a:pt x="779202" y="1703814"/>
-                  <a:pt x="1716114" y="1703814"/>
-                </a:cubicBezTo>
-                <a:lnTo>
-                  <a:pt x="1716114" y="1720853"/>
-                </a:lnTo>
-                <a:cubicBezTo>
-                  <a:pt x="769850" y="1720853"/>
-                  <a:pt x="0" y="948877"/>
-                  <a:pt x="0" y="0"/>
-                </a:cubicBezTo>
-                <a:close/>
-                <a:moveTo>
-                  <a:pt x="186798" y="0"/>
-                </a:moveTo>
-                <a:lnTo>
-                  <a:pt x="203788" y="0"/>
-                </a:lnTo>
-                <a:cubicBezTo>
-                  <a:pt x="203788" y="836248"/>
-                  <a:pt x="882254" y="1516501"/>
-                  <a:pt x="1716109" y="1516501"/>
-                </a:cubicBezTo>
-                <a:lnTo>
-                  <a:pt x="1716109" y="1533535"/>
-                </a:lnTo>
-                <a:cubicBezTo>
-                  <a:pt x="872812" y="1533535"/>
-                  <a:pt x="186798" y="845626"/>
-                  <a:pt x="186798" y="0"/>
-                </a:cubicBezTo>
-                <a:close/>
-                <a:moveTo>
-                  <a:pt x="280155" y="0"/>
-                </a:moveTo>
-                <a:lnTo>
-                  <a:pt x="297145" y="0"/>
-                </a:lnTo>
-                <a:cubicBezTo>
-                  <a:pt x="297145" y="784537"/>
-                  <a:pt x="933652" y="1422885"/>
-                  <a:pt x="1716114" y="1422885"/>
-                </a:cubicBezTo>
-                <a:lnTo>
-                  <a:pt x="1716114" y="1439924"/>
-                </a:lnTo>
-                <a:cubicBezTo>
-                  <a:pt x="924300" y="1439924"/>
-                  <a:pt x="280155" y="794001"/>
-                  <a:pt x="280155" y="0"/>
-                </a:cubicBezTo>
-                <a:close/>
-                <a:moveTo>
-                  <a:pt x="373512" y="0"/>
-                </a:moveTo>
-                <a:lnTo>
-                  <a:pt x="390502" y="0"/>
-                </a:lnTo>
-                <a:cubicBezTo>
-                  <a:pt x="390502" y="732911"/>
-                  <a:pt x="985135" y="1329184"/>
-                  <a:pt x="1716029" y="1329184"/>
-                </a:cubicBezTo>
-                <a:lnTo>
-                  <a:pt x="1716029" y="1346223"/>
-                </a:lnTo>
-                <a:lnTo>
-                  <a:pt x="1716114" y="1346308"/>
-                </a:lnTo>
-                <a:cubicBezTo>
-                  <a:pt x="975783" y="1346308"/>
-                  <a:pt x="373512" y="742375"/>
-                  <a:pt x="373512" y="0"/>
-                </a:cubicBezTo>
-                <a:close/>
-                <a:moveTo>
-                  <a:pt x="466953" y="0"/>
-                </a:moveTo>
-                <a:lnTo>
-                  <a:pt x="483944" y="0"/>
-                </a:lnTo>
-                <a:cubicBezTo>
-                  <a:pt x="483944" y="681286"/>
-                  <a:pt x="1036704" y="1235573"/>
-                  <a:pt x="1716110" y="1235573"/>
-                </a:cubicBezTo>
-                <a:lnTo>
-                  <a:pt x="1716110" y="1252607"/>
-                </a:lnTo>
-                <a:cubicBezTo>
-                  <a:pt x="1027347" y="1252607"/>
-                  <a:pt x="466953" y="690664"/>
-                  <a:pt x="466953" y="0"/>
-                </a:cubicBezTo>
-                <a:close/>
-                <a:moveTo>
-                  <a:pt x="560310" y="0"/>
-                </a:moveTo>
-                <a:lnTo>
-                  <a:pt x="577297" y="0"/>
-                </a:lnTo>
-                <a:cubicBezTo>
-                  <a:pt x="577297" y="629660"/>
-                  <a:pt x="1088188" y="1141957"/>
-                  <a:pt x="1716109" y="1141957"/>
-                </a:cubicBezTo>
-                <a:lnTo>
-                  <a:pt x="1716109" y="1158991"/>
-                </a:lnTo>
-                <a:cubicBezTo>
-                  <a:pt x="1078835" y="1158991"/>
-                  <a:pt x="560310" y="639038"/>
-                  <a:pt x="560310" y="0"/>
-                </a:cubicBezTo>
-                <a:close/>
-                <a:moveTo>
-                  <a:pt x="653668" y="0"/>
-                </a:moveTo>
-                <a:lnTo>
-                  <a:pt x="670655" y="0"/>
-                </a:lnTo>
-                <a:cubicBezTo>
-                  <a:pt x="670655" y="578035"/>
-                  <a:pt x="1139586" y="1048255"/>
-                  <a:pt x="1716029" y="1048255"/>
-                </a:cubicBezTo>
-                <a:lnTo>
-                  <a:pt x="1716029" y="1065294"/>
-                </a:lnTo>
-                <a:lnTo>
-                  <a:pt x="1716114" y="1065380"/>
-                </a:lnTo>
-                <a:cubicBezTo>
-                  <a:pt x="1130319" y="1065380"/>
-                  <a:pt x="653668" y="587499"/>
-                  <a:pt x="653668" y="0"/>
-                </a:cubicBezTo>
-                <a:close/>
-                <a:moveTo>
-                  <a:pt x="747112" y="0"/>
-                </a:moveTo>
-                <a:lnTo>
-                  <a:pt x="764104" y="0"/>
-                </a:lnTo>
-                <a:cubicBezTo>
-                  <a:pt x="764104" y="526409"/>
-                  <a:pt x="1191155" y="954644"/>
-                  <a:pt x="1716115" y="954644"/>
-                </a:cubicBezTo>
-                <a:lnTo>
-                  <a:pt x="1716115" y="971678"/>
-                </a:lnTo>
-                <a:cubicBezTo>
-                  <a:pt x="1181802" y="971678"/>
-                  <a:pt x="747112" y="535787"/>
-                  <a:pt x="747112" y="0"/>
-                </a:cubicBezTo>
-                <a:close/>
-                <a:moveTo>
-                  <a:pt x="840465" y="0"/>
-                </a:moveTo>
-                <a:lnTo>
-                  <a:pt x="857452" y="0"/>
-                </a:lnTo>
-                <a:cubicBezTo>
-                  <a:pt x="857452" y="474783"/>
-                  <a:pt x="1242638" y="861028"/>
-                  <a:pt x="1716109" y="861028"/>
-                </a:cubicBezTo>
-                <a:lnTo>
-                  <a:pt x="1716109" y="878062"/>
-                </a:lnTo>
-                <a:cubicBezTo>
-                  <a:pt x="1233281" y="878062"/>
-                  <a:pt x="840465" y="484162"/>
-                  <a:pt x="840465" y="0"/>
-                </a:cubicBezTo>
-                <a:close/>
-                <a:moveTo>
-                  <a:pt x="933823" y="0"/>
-                </a:moveTo>
-                <a:lnTo>
-                  <a:pt x="950810" y="0"/>
-                </a:lnTo>
-                <a:cubicBezTo>
-                  <a:pt x="950810" y="423157"/>
-                  <a:pt x="1294121" y="767327"/>
-                  <a:pt x="1716114" y="767327"/>
-                </a:cubicBezTo>
-                <a:lnTo>
-                  <a:pt x="1716114" y="784366"/>
-                </a:lnTo>
-                <a:lnTo>
-                  <a:pt x="1716114" y="784451"/>
-                </a:lnTo>
-                <a:cubicBezTo>
-                  <a:pt x="1284769" y="784451"/>
-                  <a:pt x="933823" y="432536"/>
-                  <a:pt x="933823" y="0"/>
-                </a:cubicBezTo>
-                <a:close/>
-                <a:moveTo>
-                  <a:pt x="1027262" y="0"/>
-                </a:moveTo>
-                <a:lnTo>
-                  <a:pt x="1044254" y="0"/>
-                </a:lnTo>
-                <a:cubicBezTo>
-                  <a:pt x="1044254" y="371532"/>
-                  <a:pt x="1345685" y="673716"/>
-                  <a:pt x="1716110" y="673716"/>
-                </a:cubicBezTo>
-                <a:lnTo>
-                  <a:pt x="1716110" y="690750"/>
-                </a:lnTo>
-                <a:cubicBezTo>
-                  <a:pt x="1336248" y="690750"/>
-                  <a:pt x="1027262" y="380824"/>
-                  <a:pt x="1027262" y="0"/>
-                </a:cubicBezTo>
-                <a:close/>
-                <a:moveTo>
-                  <a:pt x="1120625" y="0"/>
-                </a:moveTo>
-                <a:lnTo>
-                  <a:pt x="1137612" y="0"/>
-                </a:lnTo>
-                <a:cubicBezTo>
-                  <a:pt x="1137612" y="319820"/>
-                  <a:pt x="1397088" y="580100"/>
-                  <a:pt x="1716115" y="580100"/>
-                </a:cubicBezTo>
-                <a:lnTo>
-                  <a:pt x="1716115" y="597134"/>
-                </a:lnTo>
-                <a:cubicBezTo>
-                  <a:pt x="1387736" y="597134"/>
-                  <a:pt x="1120625" y="329285"/>
-                  <a:pt x="1120625" y="0"/>
-                </a:cubicBezTo>
-                <a:close/>
-                <a:moveTo>
-                  <a:pt x="1213978" y="0"/>
-                </a:moveTo>
-                <a:lnTo>
-                  <a:pt x="1230965" y="0"/>
-                </a:lnTo>
-                <a:cubicBezTo>
-                  <a:pt x="1230965" y="268195"/>
-                  <a:pt x="1448571" y="486398"/>
-                  <a:pt x="1716109" y="486398"/>
-                </a:cubicBezTo>
-                <a:lnTo>
-                  <a:pt x="1716109" y="503437"/>
-                </a:lnTo>
-                <a:lnTo>
-                  <a:pt x="1716109" y="503523"/>
-                </a:lnTo>
-                <a:cubicBezTo>
-                  <a:pt x="1439214" y="503523"/>
-                  <a:pt x="1213978" y="277659"/>
-                  <a:pt x="1213978" y="0"/>
-                </a:cubicBezTo>
-                <a:close/>
-                <a:moveTo>
-                  <a:pt x="1307422" y="0"/>
-                </a:moveTo>
-                <a:lnTo>
-                  <a:pt x="1324414" y="0"/>
-                </a:lnTo>
-                <a:cubicBezTo>
-                  <a:pt x="1324414" y="216569"/>
-                  <a:pt x="1500141" y="392784"/>
-                  <a:pt x="1716115" y="392784"/>
-                </a:cubicBezTo>
-                <a:lnTo>
-                  <a:pt x="1716115" y="409821"/>
-                </a:lnTo>
-                <a:cubicBezTo>
-                  <a:pt x="1490703" y="409821"/>
-                  <a:pt x="1307422" y="225948"/>
-                  <a:pt x="1307422" y="0"/>
-                </a:cubicBezTo>
-                <a:close/>
-                <a:moveTo>
-                  <a:pt x="1400775" y="0"/>
-                </a:moveTo>
-                <a:lnTo>
-                  <a:pt x="1417762" y="0"/>
-                </a:lnTo>
-                <a:cubicBezTo>
-                  <a:pt x="1417762" y="164944"/>
-                  <a:pt x="1551619" y="299170"/>
-                  <a:pt x="1716109" y="299170"/>
-                </a:cubicBezTo>
-                <a:lnTo>
-                  <a:pt x="1716109" y="316207"/>
-                </a:lnTo>
-                <a:cubicBezTo>
-                  <a:pt x="1542266" y="316207"/>
-                  <a:pt x="1400775" y="174322"/>
-                  <a:pt x="1400775" y="0"/>
-                </a:cubicBezTo>
-                <a:close/>
-                <a:moveTo>
-                  <a:pt x="1494133" y="0"/>
-                </a:moveTo>
-                <a:lnTo>
-                  <a:pt x="1511120" y="0"/>
-                </a:lnTo>
-                <a:cubicBezTo>
-                  <a:pt x="1511120" y="113318"/>
-                  <a:pt x="1603017" y="205556"/>
-                  <a:pt x="1716109" y="205556"/>
-                </a:cubicBezTo>
-                <a:lnTo>
-                  <a:pt x="1716109" y="222592"/>
-                </a:lnTo>
-                <a:cubicBezTo>
-                  <a:pt x="1593750" y="222592"/>
-                  <a:pt x="1494133" y="122783"/>
-                  <a:pt x="1494133" y="0"/>
-                </a:cubicBezTo>
-                <a:close/>
-              </a:path>
-            </a:pathLst>
-          </a:custGeom>
-          <a:solidFill>
-            <a:schemeClr val="bg1">
-              <a:alpha val="99000"/>
-            </a:schemeClr>
-          </a:solidFill>
-          <a:ln w="4723" cap="flat">
-            <a:noFill/>
-            <a:prstDash val="solid"/>
-            <a:miter/>
-          </a:ln>
-        </p:spPr>
-        <p:txBody>
-          <a:bodyPr rtlCol="0" anchor="ctr"/>
-          <a:lstStyle/>
-          <a:p>
-            <a:endParaRPr lang="en-US" dirty="0"/>
-          </a:p>
-        </p:txBody>
-      </p:sp>
-      <p:sp>
-        <p:nvSpPr>
-          <p:cNvPr id="17" name="Image 5">
-            <a:extLst>
-              <a:ext uri="{FF2B5EF4-FFF2-40B4-BE49-F238E27FC236}">
-                <a16:creationId xmlns:a16="http://schemas.microsoft.com/office/drawing/2014/main" id="{B9036D42-A06F-E6EE-BB91-8BAF045198BE}"/>
-              </a:ext>
-              <a:ext uri="{C183D7F6-B498-43B3-948B-1728B52AA6E4}">
-                <adec:decorative xmlns:adec="http://schemas.microsoft.com/office/drawing/2017/decorative" val="1"/>
-              </a:ext>
-            </a:extLst>
-          </p:cNvPr>
-          <p:cNvSpPr/>
-          <p:nvPr userDrawn="1"/>
-        </p:nvSpPr>
-        <p:spPr>
-          <a:xfrm>
-            <a:off x="-5568" y="3440504"/>
-            <a:ext cx="3443288" cy="3448050"/>
-          </a:xfrm>
-          <a:custGeom>
-            <a:avLst/>
-            <a:gdLst>
-              <a:gd name="connsiteX0" fmla="*/ 1721644 w 3443288"/>
-              <a:gd name="connsiteY0" fmla="*/ 3448051 h 3448050"/>
-              <a:gd name="connsiteX1" fmla="*/ 3443288 w 3443288"/>
-              <a:gd name="connsiteY1" fmla="*/ 1724025 h 3448050"/>
-              <a:gd name="connsiteX2" fmla="*/ 1721644 w 3443288"/>
-              <a:gd name="connsiteY2" fmla="*/ 0 h 3448050"/>
-              <a:gd name="connsiteX3" fmla="*/ 0 w 3443288"/>
-              <a:gd name="connsiteY3" fmla="*/ 1724025 h 3448050"/>
-              <a:gd name="connsiteX4" fmla="*/ 1721644 w 3443288"/>
-              <a:gd name="connsiteY4" fmla="*/ 3448051 h 3448050"/>
-            </a:gdLst>
-            <a:ahLst/>
-            <a:cxnLst>
-              <a:cxn ang="0">
-                <a:pos x="connsiteX0" y="connsiteY0"/>
-              </a:cxn>
-              <a:cxn ang="0">
-                <a:pos x="connsiteX1" y="connsiteY1"/>
-              </a:cxn>
-              <a:cxn ang="0">
-                <a:pos x="connsiteX2" y="connsiteY2"/>
-              </a:cxn>
-              <a:cxn ang="0">
-                <a:pos x="connsiteX3" y="connsiteY3"/>
-              </a:cxn>
-              <a:cxn ang="0">
-                <a:pos x="connsiteX4" y="connsiteY4"/>
-              </a:cxn>
-            </a:cxnLst>
-            <a:rect l="l" t="t" r="r" b="b"/>
-            <a:pathLst>
-              <a:path w="3443288" h="3448050">
-                <a:moveTo>
-                  <a:pt x="1721644" y="3448051"/>
-                </a:moveTo>
-                <a:cubicBezTo>
-                  <a:pt x="2672482" y="3448051"/>
-                  <a:pt x="3443288" y="2676178"/>
-                  <a:pt x="3443288" y="1724025"/>
-                </a:cubicBezTo>
-                <a:cubicBezTo>
-                  <a:pt x="3443288" y="771873"/>
-                  <a:pt x="2672482" y="0"/>
-                  <a:pt x="1721644" y="0"/>
-                </a:cubicBezTo>
-                <a:cubicBezTo>
-                  <a:pt x="770806" y="0"/>
-                  <a:pt x="0" y="771873"/>
-                  <a:pt x="0" y="1724025"/>
-                </a:cubicBezTo>
-                <a:cubicBezTo>
-                  <a:pt x="0" y="2676178"/>
-                  <a:pt x="770806" y="3448051"/>
-                  <a:pt x="1721644" y="3448051"/>
-                </a:cubicBezTo>
-                <a:close/>
-              </a:path>
-            </a:pathLst>
-          </a:custGeom>
-          <a:solidFill>
-            <a:schemeClr val="accent6"/>
-          </a:solidFill>
-          <a:ln w="4756" cap="flat">
-            <a:noFill/>
-            <a:prstDash val="solid"/>
-            <a:miter/>
-          </a:ln>
-        </p:spPr>
-        <p:txBody>
-          <a:bodyPr rtlCol="0" anchor="ctr">
-            <a:noAutofit/>
-          </a:bodyPr>
-          <a:lstStyle/>
-          <a:p>
-            <a:endParaRPr lang="en-US" dirty="0"/>
-          </a:p>
-        </p:txBody>
-      </p:sp>
-      <p:pic>
-        <p:nvPicPr>
-          <p:cNvPr id="19" name="Image 6">
-            <a:extLst>
-              <a:ext uri="{FF2B5EF4-FFF2-40B4-BE49-F238E27FC236}">
-                <a16:creationId xmlns:a16="http://schemas.microsoft.com/office/drawing/2014/main" id="{86E0540C-3355-A50D-AC61-047B54B70C64}"/>
-              </a:ext>
-              <a:ext uri="{C183D7F6-B498-43B3-948B-1728B52AA6E4}">
-                <adec:decorative xmlns:adec="http://schemas.microsoft.com/office/drawing/2017/decorative" val="1"/>
-              </a:ext>
-            </a:extLst>
-          </p:cNvPr>
-          <p:cNvPicPr>
-            <a:picLocks noChangeAspect="1"/>
-          </p:cNvPicPr>
-          <p:nvPr userDrawn="1"/>
-        </p:nvPicPr>
-        <p:blipFill>
-          <a:blip r:embed="rId4" cstate="screen">
-            <a:extLst>
-              <a:ext uri="{28A0092B-C50C-407E-A947-70E740481C1C}">
-                <a14:useLocalDpi xmlns:a14="http://schemas.microsoft.com/office/drawing/2010/main"/>
-              </a:ext>
-              <a:ext uri="{96DAC541-7B7A-43D3-8B79-37D633B846F1}">
-                <asvg:svgBlip xmlns:asvg="http://schemas.microsoft.com/office/drawing/2016/SVG/main" r:embed="rId5"/>
-              </a:ext>
-            </a:extLst>
-          </a:blip>
-          <a:srcRect/>
-          <a:stretch/>
-        </p:blipFill>
-        <p:spPr>
-          <a:xfrm>
-            <a:off x="1718457" y="3440504"/>
-            <a:ext cx="1719263" cy="1724025"/>
-          </a:xfrm>
-          <a:prstGeom prst="rect">
-            <a:avLst/>
-          </a:prstGeom>
-        </p:spPr>
-      </p:pic>
-      <p:sp>
-        <p:nvSpPr>
-          <p:cNvPr id="16" name="Slide Number Placeholder 2">
-            <a:extLst>
-              <a:ext uri="{FF2B5EF4-FFF2-40B4-BE49-F238E27FC236}">
-                <a16:creationId xmlns:a16="http://schemas.microsoft.com/office/drawing/2014/main" id="{B00F713C-1CC6-5879-0410-95F179D56AD2}"/>
-              </a:ext>
-            </a:extLst>
-          </p:cNvPr>
-          <p:cNvSpPr>
-            <a:spLocks noGrp="1"/>
-          </p:cNvSpPr>
-          <p:nvPr>
-            <p:ph type="sldNum" sz="quarter" idx="10"/>
-          </p:nvPr>
-        </p:nvSpPr>
-        <p:spPr>
-          <a:xfrm>
-            <a:off x="10438475" y="457199"/>
-            <a:ext cx="987552" cy="471489"/>
-          </a:xfrm>
-        </p:spPr>
-        <p:txBody>
-          <a:bodyPr/>
-          <a:lstStyle>
-            <a:lvl1pPr>
-              <a:defRPr sz="1600">
-                <a:latin typeface="+mj-lt"/>
-              </a:defRPr>
-            </a:lvl1pPr>
-          </a:lstStyle>
-          <a:p>
-            <a:fld id="{48F63A3B-78C7-47BE-AE5E-E10140E04643}" type="slidenum">
-              <a:rPr lang="en-US" smtClean="0"/>
-              <a:pPr/>
-              <a:t>‹#›</a:t>
-            </a:fld>
-            <a:endParaRPr lang="en-US" dirty="0"/>
-          </a:p>
-        </p:txBody>
-      </p:sp>
-      <p:sp>
-        <p:nvSpPr>
-          <p:cNvPr id="2" name="Content Placeholder 2">
-            <a:extLst>
-              <a:ext uri="{FF2B5EF4-FFF2-40B4-BE49-F238E27FC236}">
-                <a16:creationId xmlns:a16="http://schemas.microsoft.com/office/drawing/2014/main" id="{8E40D3F2-4A7A-F909-AC98-0B402B26776E}"/>
-              </a:ext>
-            </a:extLst>
-          </p:cNvPr>
-          <p:cNvSpPr>
-            <a:spLocks noGrp="1"/>
-          </p:cNvSpPr>
-          <p:nvPr>
-            <p:ph idx="11" hasCustomPrompt="1"/>
-          </p:nvPr>
-        </p:nvSpPr>
-        <p:spPr>
-          <a:xfrm>
-            <a:off x="4364808" y="3808750"/>
-            <a:ext cx="7043618" cy="2233233"/>
-          </a:xfrm>
-        </p:spPr>
-        <p:txBody>
-          <a:bodyPr lIns="91440" tIns="0" rIns="91440" bIns="0">
-            <a:normAutofit/>
-          </a:bodyPr>
-          <a:lstStyle>
-            <a:lvl1pPr marL="0" indent="0">
-              <a:lnSpc>
-                <a:spcPct val="100000"/>
-              </a:lnSpc>
-              <a:spcBef>
-                <a:spcPts val="0"/>
-              </a:spcBef>
-              <a:buNone/>
-              <a:defRPr sz="2400"/>
-            </a:lvl1pPr>
-            <a:lvl2pPr marL="347472">
-              <a:lnSpc>
-                <a:spcPct val="100000"/>
-              </a:lnSpc>
-              <a:spcBef>
-                <a:spcPts val="0"/>
-              </a:spcBef>
-              <a:defRPr sz="2400"/>
-            </a:lvl2pPr>
-            <a:lvl3pPr marL="685800">
-              <a:lnSpc>
-                <a:spcPct val="100000"/>
-              </a:lnSpc>
-              <a:spcBef>
-                <a:spcPts val="0"/>
-              </a:spcBef>
-              <a:defRPr sz="2400"/>
-            </a:lvl3pPr>
-          </a:lstStyle>
-          <a:p>
-            <a:pPr lvl="0"/>
-            <a:r>
-              <a:rPr lang="en-US" dirty="0"/>
-              <a:t>Click to add text</a:t>
-            </a:r>
-          </a:p>
-          <a:p>
-            <a:pPr lvl="1"/>
-            <a:r>
-              <a:rPr lang="en-US" dirty="0"/>
-              <a:t>Second level</a:t>
-            </a:r>
-          </a:p>
-          <a:p>
-            <a:pPr lvl="2"/>
-            <a:r>
-              <a:rPr lang="en-US" dirty="0"/>
-              <a:t>Third level</a:t>
-            </a:r>
-          </a:p>
-        </p:txBody>
-      </p:sp>
-    </p:spTree>
-    <p:extLst>
-      <p:ext uri="{BB962C8B-B14F-4D97-AF65-F5344CB8AC3E}">
-        <p14:creationId xmlns:p14="http://schemas.microsoft.com/office/powerpoint/2010/main" val="3205464120"/>
-      </p:ext>
-    </p:extLst>
-  </p:cSld>
-  <p:clrMapOvr>
-    <a:masterClrMapping/>
-  </p:clrMapOvr>
-</p:sldLayout>
-</file>
-
-<file path=ppt/slideLayouts/slideLayout23.xml><?xml version="1.0" encoding="utf-8"?>
-<p:sldLayout xmlns:a="http://schemas.openxmlformats.org/drawingml/2006/main" xmlns:r="http://schemas.openxmlformats.org/officeDocument/2006/relationships" xmlns:p="http://schemas.openxmlformats.org/presentationml/2006/main" userDrawn="1">
   <p:cSld name="Comparison 4">
     <p:spTree>
       <p:nvGrpSpPr>
@@ -10143,1712 +7484,7 @@
 </p:sldLayout>
 </file>
 
-<file path=ppt/slideLayouts/slideLayout24.xml><?xml version="1.0" encoding="utf-8"?>
-<p:sldLayout xmlns:a="http://schemas.openxmlformats.org/drawingml/2006/main" xmlns:r="http://schemas.openxmlformats.org/officeDocument/2006/relationships" xmlns:p="http://schemas.openxmlformats.org/presentationml/2006/main" userDrawn="1">
-  <p:cSld name="Timeline 1">
-    <p:spTree>
-      <p:nvGrpSpPr>
-        <p:cNvPr id="1" name=""/>
-        <p:cNvGrpSpPr/>
-        <p:nvPr/>
-      </p:nvGrpSpPr>
-      <p:grpSpPr>
-        <a:xfrm>
-          <a:off x="0" y="0"/>
-          <a:ext cx="0" cy="0"/>
-          <a:chOff x="0" y="0"/>
-          <a:chExt cx="0" cy="0"/>
-        </a:xfrm>
-      </p:grpSpPr>
-      <p:sp>
-        <p:nvSpPr>
-          <p:cNvPr id="33" name="Rectangle 32">
-            <a:extLst>
-              <a:ext uri="{FF2B5EF4-FFF2-40B4-BE49-F238E27FC236}">
-                <a16:creationId xmlns:a16="http://schemas.microsoft.com/office/drawing/2014/main" id="{376CF4B8-1811-BD21-43A7-560AC4724F3B}"/>
-              </a:ext>
-              <a:ext uri="{C183D7F6-B498-43B3-948B-1728B52AA6E4}">
-                <adec:decorative xmlns:adec="http://schemas.microsoft.com/office/drawing/2017/decorative" val="1"/>
-              </a:ext>
-            </a:extLst>
-          </p:cNvPr>
-          <p:cNvSpPr/>
-          <p:nvPr userDrawn="1"/>
-        </p:nvSpPr>
-        <p:spPr>
-          <a:xfrm>
-            <a:off x="-24064" y="-400"/>
-            <a:ext cx="12216063" cy="3467100"/>
-          </a:xfrm>
-          <a:prstGeom prst="rect">
-            <a:avLst/>
-          </a:prstGeom>
-          <a:solidFill>
-            <a:schemeClr val="accent1"/>
-          </a:solidFill>
-          <a:ln>
-            <a:noFill/>
-          </a:ln>
-        </p:spPr>
-        <p:style>
-          <a:lnRef idx="2">
-            <a:schemeClr val="accent1">
-              <a:shade val="50000"/>
-            </a:schemeClr>
-          </a:lnRef>
-          <a:fillRef idx="1">
-            <a:schemeClr val="accent1"/>
-          </a:fillRef>
-          <a:effectRef idx="0">
-            <a:schemeClr val="accent1"/>
-          </a:effectRef>
-          <a:fontRef idx="minor">
-            <a:schemeClr val="lt1"/>
-          </a:fontRef>
-        </p:style>
-        <p:txBody>
-          <a:bodyPr rtlCol="0" anchor="ctr">
-            <a:noAutofit/>
-          </a:bodyPr>
-          <a:lstStyle/>
-          <a:p>
-            <a:pPr algn="ctr"/>
-            <a:endParaRPr lang="en-US" sz="450" dirty="0"/>
-          </a:p>
-        </p:txBody>
-      </p:sp>
-      <p:sp>
-        <p:nvSpPr>
-          <p:cNvPr id="34" name="Rectangle 33">
-            <a:extLst>
-              <a:ext uri="{FF2B5EF4-FFF2-40B4-BE49-F238E27FC236}">
-                <a16:creationId xmlns:a16="http://schemas.microsoft.com/office/drawing/2014/main" id="{30B7B4F0-D3BC-63DF-6429-F771BE5A3270}"/>
-              </a:ext>
-              <a:ext uri="{C183D7F6-B498-43B3-948B-1728B52AA6E4}">
-                <adec:decorative xmlns:adec="http://schemas.microsoft.com/office/drawing/2017/decorative" val="1"/>
-              </a:ext>
-            </a:extLst>
-          </p:cNvPr>
-          <p:cNvSpPr/>
-          <p:nvPr userDrawn="1"/>
-        </p:nvSpPr>
-        <p:spPr>
-          <a:xfrm>
-            <a:off x="443346" y="420493"/>
-            <a:ext cx="11305309" cy="6026727"/>
-          </a:xfrm>
-          <a:prstGeom prst="rect">
-            <a:avLst/>
-          </a:prstGeom>
-          <a:solidFill>
-            <a:schemeClr val="bg1"/>
-          </a:solidFill>
-          <a:ln>
-            <a:noFill/>
-          </a:ln>
-        </p:spPr>
-        <p:style>
-          <a:lnRef idx="2">
-            <a:schemeClr val="accent1">
-              <a:shade val="15000"/>
-            </a:schemeClr>
-          </a:lnRef>
-          <a:fillRef idx="1">
-            <a:schemeClr val="accent1"/>
-          </a:fillRef>
-          <a:effectRef idx="0">
-            <a:schemeClr val="accent1"/>
-          </a:effectRef>
-          <a:fontRef idx="minor">
-            <a:schemeClr val="lt1"/>
-          </a:fontRef>
-        </p:style>
-        <p:txBody>
-          <a:bodyPr rtlCol="0" anchor="ctr"/>
-          <a:lstStyle/>
-          <a:p>
-            <a:pPr algn="ctr"/>
-            <a:endParaRPr lang="en-US" sz="1600" dirty="0"/>
-          </a:p>
-        </p:txBody>
-      </p:sp>
-      <p:sp>
-        <p:nvSpPr>
-          <p:cNvPr id="2" name="Title 1">
-            <a:extLst>
-              <a:ext uri="{FF2B5EF4-FFF2-40B4-BE49-F238E27FC236}">
-                <a16:creationId xmlns:a16="http://schemas.microsoft.com/office/drawing/2014/main" id="{A65C6DDD-D2BB-0153-0F53-9F7C17BDFD2B}"/>
-              </a:ext>
-            </a:extLst>
-          </p:cNvPr>
-          <p:cNvSpPr>
-            <a:spLocks noGrp="1"/>
-          </p:cNvSpPr>
-          <p:nvPr>
-            <p:ph type="title" hasCustomPrompt="1"/>
-          </p:nvPr>
-        </p:nvSpPr>
-        <p:spPr>
-          <a:xfrm>
-            <a:off x="914400" y="965393"/>
-            <a:ext cx="7631709" cy="1091627"/>
-          </a:xfrm>
-        </p:spPr>
-        <p:txBody>
-          <a:bodyPr tIns="0" bIns="0"/>
-          <a:lstStyle>
-            <a:lvl1pPr algn="l">
-              <a:lnSpc>
-                <a:spcPct val="100000"/>
-              </a:lnSpc>
-              <a:defRPr sz="3600">
-                <a:solidFill>
-                  <a:schemeClr val="accent6"/>
-                </a:solidFill>
-              </a:defRPr>
-            </a:lvl1pPr>
-          </a:lstStyle>
-          <a:p>
-            <a:r>
-              <a:rPr lang="en-US" dirty="0"/>
-              <a:t>Click to add title</a:t>
-            </a:r>
-          </a:p>
-        </p:txBody>
-      </p:sp>
-      <p:sp>
-        <p:nvSpPr>
-          <p:cNvPr id="5" name="Content Placeholder 2">
-            <a:extLst>
-              <a:ext uri="{FF2B5EF4-FFF2-40B4-BE49-F238E27FC236}">
-                <a16:creationId xmlns:a16="http://schemas.microsoft.com/office/drawing/2014/main" id="{0AADE444-940A-5A34-8C49-4F15BC33EEC7}"/>
-              </a:ext>
-            </a:extLst>
-          </p:cNvPr>
-          <p:cNvSpPr>
-            <a:spLocks noGrp="1"/>
-          </p:cNvSpPr>
-          <p:nvPr>
-            <p:ph sz="half" idx="15" hasCustomPrompt="1"/>
-          </p:nvPr>
-        </p:nvSpPr>
-        <p:spPr>
-          <a:xfrm>
-            <a:off x="914400" y="2303028"/>
-            <a:ext cx="3283119" cy="4144192"/>
-          </a:xfrm>
-        </p:spPr>
-        <p:txBody>
-          <a:bodyPr lIns="91440" tIns="0" rIns="91440" bIns="0">
-            <a:normAutofit/>
-          </a:bodyPr>
-          <a:lstStyle>
-            <a:lvl1pPr marL="457200" indent="-457200">
-              <a:spcBef>
-                <a:spcPts val="1000"/>
-              </a:spcBef>
-              <a:buFont typeface="+mj-lt"/>
-              <a:buAutoNum type="arabicPeriod"/>
-              <a:defRPr sz="1800"/>
-            </a:lvl1pPr>
-            <a:lvl2pPr marL="745236" indent="-342900">
-              <a:spcBef>
-                <a:spcPts val="1000"/>
-              </a:spcBef>
-              <a:buFont typeface="+mj-lt"/>
-              <a:buAutoNum type="alphaLcPeriod"/>
-              <a:defRPr sz="1800"/>
-            </a:lvl2pPr>
-            <a:lvl3pPr marL="1202436" indent="-342900">
-              <a:spcBef>
-                <a:spcPts val="1000"/>
-              </a:spcBef>
-              <a:buFont typeface="+mj-lt"/>
-              <a:buAutoNum type="arabicParenR"/>
-              <a:defRPr sz="1800"/>
-            </a:lvl3pPr>
-            <a:lvl4pPr marL="1659636" indent="-342900">
-              <a:spcBef>
-                <a:spcPts val="1000"/>
-              </a:spcBef>
-              <a:buFont typeface="+mj-lt"/>
-              <a:buAutoNum type="alphaLcParenR"/>
-              <a:defRPr sz="1800"/>
-            </a:lvl4pPr>
-            <a:lvl5pPr indent="-283464">
-              <a:spcBef>
-                <a:spcPts val="1000"/>
-              </a:spcBef>
-              <a:defRPr sz="1800"/>
-            </a:lvl5pPr>
-          </a:lstStyle>
-          <a:p>
-            <a:pPr lvl="0"/>
-            <a:r>
-              <a:rPr lang="en-US" dirty="0"/>
-              <a:t>Click to add text</a:t>
-            </a:r>
-          </a:p>
-          <a:p>
-            <a:pPr lvl="1"/>
-            <a:r>
-              <a:rPr lang="en-US" dirty="0"/>
-              <a:t>Second level</a:t>
-            </a:r>
-          </a:p>
-          <a:p>
-            <a:pPr lvl="2"/>
-            <a:r>
-              <a:rPr lang="en-US" dirty="0"/>
-              <a:t>Third level</a:t>
-            </a:r>
-          </a:p>
-          <a:p>
-            <a:pPr lvl="3"/>
-            <a:r>
-              <a:rPr lang="en-US" dirty="0"/>
-              <a:t>Fourth level</a:t>
-            </a:r>
-          </a:p>
-        </p:txBody>
-      </p:sp>
-      <p:sp>
-        <p:nvSpPr>
-          <p:cNvPr id="3" name="Content Placeholder 2">
-            <a:extLst>
-              <a:ext uri="{FF2B5EF4-FFF2-40B4-BE49-F238E27FC236}">
-                <a16:creationId xmlns:a16="http://schemas.microsoft.com/office/drawing/2014/main" id="{97A79FCB-9A9F-6B60-A95C-FCF020598DE3}"/>
-              </a:ext>
-            </a:extLst>
-          </p:cNvPr>
-          <p:cNvSpPr>
-            <a:spLocks noGrp="1"/>
-          </p:cNvSpPr>
-          <p:nvPr>
-            <p:ph sz="half" idx="1" hasCustomPrompt="1"/>
-          </p:nvPr>
-        </p:nvSpPr>
-        <p:spPr>
-          <a:xfrm>
-            <a:off x="4782159" y="2303028"/>
-            <a:ext cx="3763950" cy="4144192"/>
-          </a:xfrm>
-        </p:spPr>
-        <p:txBody>
-          <a:bodyPr lIns="91440" tIns="0" rIns="91440" bIns="0">
-            <a:normAutofit/>
-          </a:bodyPr>
-          <a:lstStyle>
-            <a:lvl1pPr marL="0" indent="0">
-              <a:spcBef>
-                <a:spcPts val="1000"/>
-              </a:spcBef>
-              <a:buNone/>
-              <a:defRPr sz="1800"/>
-            </a:lvl1pPr>
-            <a:lvl2pPr indent="-283464">
-              <a:spcBef>
-                <a:spcPts val="1000"/>
-              </a:spcBef>
-              <a:defRPr sz="1800"/>
-            </a:lvl2pPr>
-            <a:lvl3pPr indent="-283464">
-              <a:spcBef>
-                <a:spcPts val="1000"/>
-              </a:spcBef>
-              <a:defRPr sz="1800"/>
-            </a:lvl3pPr>
-            <a:lvl4pPr indent="-283464">
-              <a:spcBef>
-                <a:spcPts val="1000"/>
-              </a:spcBef>
-              <a:defRPr sz="1800"/>
-            </a:lvl4pPr>
-            <a:lvl5pPr indent="-283464">
-              <a:spcBef>
-                <a:spcPts val="1000"/>
-              </a:spcBef>
-              <a:defRPr sz="1800"/>
-            </a:lvl5pPr>
-          </a:lstStyle>
-          <a:p>
-            <a:pPr lvl="0"/>
-            <a:r>
-              <a:rPr lang="en-US" dirty="0"/>
-              <a:t>Click to add text</a:t>
-            </a:r>
-          </a:p>
-          <a:p>
-            <a:pPr lvl="1"/>
-            <a:r>
-              <a:rPr lang="en-US" dirty="0"/>
-              <a:t>Second level</a:t>
-            </a:r>
-          </a:p>
-          <a:p>
-            <a:pPr lvl="2"/>
-            <a:r>
-              <a:rPr lang="en-US" dirty="0"/>
-              <a:t>Third level</a:t>
-            </a:r>
-          </a:p>
-          <a:p>
-            <a:pPr lvl="3"/>
-            <a:r>
-              <a:rPr lang="en-US" dirty="0"/>
-              <a:t>Fourth level</a:t>
-            </a:r>
-          </a:p>
-          <a:p>
-            <a:pPr lvl="4"/>
-            <a:r>
-              <a:rPr lang="en-US" dirty="0"/>
-              <a:t>Fifth level</a:t>
-            </a:r>
-          </a:p>
-        </p:txBody>
-      </p:sp>
-      <p:sp>
-        <p:nvSpPr>
-          <p:cNvPr id="31" name="Picture Placeholder 30">
-            <a:extLst>
-              <a:ext uri="{FF2B5EF4-FFF2-40B4-BE49-F238E27FC236}">
-                <a16:creationId xmlns:a16="http://schemas.microsoft.com/office/drawing/2014/main" id="{2912B88E-830A-AD4C-378F-46EF5F77950C}"/>
-              </a:ext>
-            </a:extLst>
-          </p:cNvPr>
-          <p:cNvSpPr>
-            <a:spLocks noGrp="1"/>
-          </p:cNvSpPr>
-          <p:nvPr>
-            <p:ph type="pic" sz="quarter" idx="14" hasCustomPrompt="1"/>
-          </p:nvPr>
-        </p:nvSpPr>
-        <p:spPr>
-          <a:xfrm>
-            <a:off x="8989454" y="965393"/>
-            <a:ext cx="3202545" cy="5892607"/>
-          </a:xfrm>
-          <a:custGeom>
-            <a:avLst/>
-            <a:gdLst>
-              <a:gd name="connsiteX0" fmla="*/ 0 w 3202545"/>
-              <a:gd name="connsiteY0" fmla="*/ 0 h 6023366"/>
-              <a:gd name="connsiteX1" fmla="*/ 3202545 w 3202545"/>
-              <a:gd name="connsiteY1" fmla="*/ 0 h 6023366"/>
-              <a:gd name="connsiteX2" fmla="*/ 3202545 w 3202545"/>
-              <a:gd name="connsiteY2" fmla="*/ 3165406 h 6023366"/>
-              <a:gd name="connsiteX3" fmla="*/ 2923656 w 3202545"/>
-              <a:gd name="connsiteY3" fmla="*/ 3179481 h 6023366"/>
-              <a:gd name="connsiteX4" fmla="*/ 364096 w 3202545"/>
-              <a:gd name="connsiteY4" fmla="*/ 6016124 h 6023366"/>
-              <a:gd name="connsiteX5" fmla="*/ 364096 w 3202545"/>
-              <a:gd name="connsiteY5" fmla="*/ 6023364 h 6023366"/>
-              <a:gd name="connsiteX6" fmla="*/ 1231541 w 3202545"/>
-              <a:gd name="connsiteY6" fmla="*/ 6023364 h 6023366"/>
-              <a:gd name="connsiteX7" fmla="*/ 1241636 w 3202545"/>
-              <a:gd name="connsiteY7" fmla="*/ 5822974 h 6023366"/>
-              <a:gd name="connsiteX8" fmla="*/ 3012253 w 3202545"/>
-              <a:gd name="connsiteY8" fmla="*/ 4042481 h 6023366"/>
-              <a:gd name="connsiteX9" fmla="*/ 3202545 w 3202545"/>
-              <a:gd name="connsiteY9" fmla="*/ 4032784 h 6023366"/>
-              <a:gd name="connsiteX10" fmla="*/ 3202545 w 3202545"/>
-              <a:gd name="connsiteY10" fmla="*/ 4033098 h 6023366"/>
-              <a:gd name="connsiteX11" fmla="*/ 3012291 w 3202545"/>
-              <a:gd name="connsiteY11" fmla="*/ 4042794 h 6023366"/>
-              <a:gd name="connsiteX12" fmla="*/ 1242011 w 3202545"/>
-              <a:gd name="connsiteY12" fmla="*/ 5823008 h 6023366"/>
-              <a:gd name="connsiteX13" fmla="*/ 1231918 w 3202545"/>
-              <a:gd name="connsiteY13" fmla="*/ 6023365 h 6023366"/>
-              <a:gd name="connsiteX14" fmla="*/ 3202545 w 3202545"/>
-              <a:gd name="connsiteY14" fmla="*/ 6023365 h 6023366"/>
-              <a:gd name="connsiteX15" fmla="*/ 3202545 w 3202545"/>
-              <a:gd name="connsiteY15" fmla="*/ 6023366 h 6023366"/>
-              <a:gd name="connsiteX16" fmla="*/ 0 w 3202545"/>
-              <a:gd name="connsiteY16" fmla="*/ 6023366 h 6023366"/>
-            </a:gdLst>
-            <a:ahLst/>
-            <a:cxnLst>
-              <a:cxn ang="0">
-                <a:pos x="connsiteX0" y="connsiteY0"/>
-              </a:cxn>
-              <a:cxn ang="0">
-                <a:pos x="connsiteX1" y="connsiteY1"/>
-              </a:cxn>
-              <a:cxn ang="0">
-                <a:pos x="connsiteX2" y="connsiteY2"/>
-              </a:cxn>
-              <a:cxn ang="0">
-                <a:pos x="connsiteX3" y="connsiteY3"/>
-              </a:cxn>
-              <a:cxn ang="0">
-                <a:pos x="connsiteX4" y="connsiteY4"/>
-              </a:cxn>
-              <a:cxn ang="0">
-                <a:pos x="connsiteX5" y="connsiteY5"/>
-              </a:cxn>
-              <a:cxn ang="0">
-                <a:pos x="connsiteX6" y="connsiteY6"/>
-              </a:cxn>
-              <a:cxn ang="0">
-                <a:pos x="connsiteX7" y="connsiteY7"/>
-              </a:cxn>
-              <a:cxn ang="0">
-                <a:pos x="connsiteX8" y="connsiteY8"/>
-              </a:cxn>
-              <a:cxn ang="0">
-                <a:pos x="connsiteX9" y="connsiteY9"/>
-              </a:cxn>
-              <a:cxn ang="0">
-                <a:pos x="connsiteX10" y="connsiteY10"/>
-              </a:cxn>
-              <a:cxn ang="0">
-                <a:pos x="connsiteX11" y="connsiteY11"/>
-              </a:cxn>
-              <a:cxn ang="0">
-                <a:pos x="connsiteX12" y="connsiteY12"/>
-              </a:cxn>
-              <a:cxn ang="0">
-                <a:pos x="connsiteX13" y="connsiteY13"/>
-              </a:cxn>
-              <a:cxn ang="0">
-                <a:pos x="connsiteX14" y="connsiteY14"/>
-              </a:cxn>
-              <a:cxn ang="0">
-                <a:pos x="connsiteX15" y="connsiteY15"/>
-              </a:cxn>
-              <a:cxn ang="0">
-                <a:pos x="connsiteX16" y="connsiteY16"/>
-              </a:cxn>
-            </a:cxnLst>
-            <a:rect l="l" t="t" r="r" b="b"/>
-            <a:pathLst>
-              <a:path w="3202545" h="6023366">
-                <a:moveTo>
-                  <a:pt x="0" y="0"/>
-                </a:moveTo>
-                <a:lnTo>
-                  <a:pt x="3202545" y="0"/>
-                </a:lnTo>
-                <a:lnTo>
-                  <a:pt x="3202545" y="3165406"/>
-                </a:lnTo>
-                <a:lnTo>
-                  <a:pt x="2923656" y="3179481"/>
-                </a:lnTo>
-                <a:cubicBezTo>
-                  <a:pt x="1485615" y="3325450"/>
-                  <a:pt x="364096" y="4539349"/>
-                  <a:pt x="364096" y="6016124"/>
-                </a:cubicBezTo>
-                <a:lnTo>
-                  <a:pt x="364096" y="6023364"/>
-                </a:lnTo>
-                <a:lnTo>
-                  <a:pt x="1231541" y="6023364"/>
-                </a:lnTo>
-                <a:lnTo>
-                  <a:pt x="1241636" y="5822974"/>
-                </a:lnTo>
-                <a:cubicBezTo>
-                  <a:pt x="1336361" y="4887576"/>
-                  <a:pt x="2077946" y="4138236"/>
-                  <a:pt x="3012253" y="4042481"/>
-                </a:cubicBezTo>
-                <a:lnTo>
-                  <a:pt x="3202545" y="4032784"/>
-                </a:lnTo>
-                <a:lnTo>
-                  <a:pt x="3202545" y="4033098"/>
-                </a:lnTo>
-                <a:lnTo>
-                  <a:pt x="3012291" y="4042794"/>
-                </a:lnTo>
-                <a:cubicBezTo>
-                  <a:pt x="2078162" y="4138534"/>
-                  <a:pt x="1336718" y="4887757"/>
-                  <a:pt x="1242011" y="5823008"/>
-                </a:cubicBezTo>
-                <a:lnTo>
-                  <a:pt x="1231918" y="6023365"/>
-                </a:lnTo>
-                <a:lnTo>
-                  <a:pt x="3202545" y="6023365"/>
-                </a:lnTo>
-                <a:lnTo>
-                  <a:pt x="3202545" y="6023366"/>
-                </a:lnTo>
-                <a:lnTo>
-                  <a:pt x="0" y="6023366"/>
-                </a:lnTo>
-                <a:close/>
-              </a:path>
-            </a:pathLst>
-          </a:custGeom>
-          <a:solidFill>
-            <a:schemeClr val="accent4"/>
-          </a:solidFill>
-        </p:spPr>
-        <p:txBody>
-          <a:bodyPr wrap="square">
-            <a:noAutofit/>
-          </a:bodyPr>
-          <a:lstStyle>
-            <a:lvl1pPr marL="0" indent="0">
-              <a:buNone/>
-              <a:defRPr sz="1800"/>
-            </a:lvl1pPr>
-          </a:lstStyle>
-          <a:p>
-            <a:pPr lvl="0"/>
-            <a:r>
-              <a:rPr lang="en-US" dirty="0"/>
-              <a:t>Click to add picture</a:t>
-            </a:r>
-          </a:p>
-        </p:txBody>
-      </p:sp>
-      <p:grpSp>
-        <p:nvGrpSpPr>
-          <p:cNvPr id="32" name="Group 31">
-            <a:extLst>
-              <a:ext uri="{FF2B5EF4-FFF2-40B4-BE49-F238E27FC236}">
-                <a16:creationId xmlns:a16="http://schemas.microsoft.com/office/drawing/2014/main" id="{B9152F76-E42E-3D76-6BDB-2FA0D69216AD}"/>
-              </a:ext>
-              <a:ext uri="{C183D7F6-B498-43B3-948B-1728B52AA6E4}">
-                <adec:decorative xmlns:adec="http://schemas.microsoft.com/office/drawing/2017/decorative" val="1"/>
-              </a:ext>
-            </a:extLst>
-          </p:cNvPr>
-          <p:cNvGrpSpPr/>
-          <p:nvPr userDrawn="1"/>
-        </p:nvGrpSpPr>
-        <p:grpSpPr>
-          <a:xfrm>
-            <a:off x="9353550" y="4000041"/>
-            <a:ext cx="2838450" cy="2857959"/>
-            <a:chOff x="12797096" y="4000041"/>
-            <a:chExt cx="2838450" cy="2857959"/>
-          </a:xfrm>
-        </p:grpSpPr>
-        <p:sp>
-          <p:nvSpPr>
-            <p:cNvPr id="20" name="Freeform: Shape 28">
-              <a:extLst>
-                <a:ext uri="{FF2B5EF4-FFF2-40B4-BE49-F238E27FC236}">
-                  <a16:creationId xmlns:a16="http://schemas.microsoft.com/office/drawing/2014/main" id="{ED0348C7-D83F-0AD7-2539-41219A795693}"/>
-                </a:ext>
-                <a:ext uri="{C183D7F6-B498-43B3-948B-1728B52AA6E4}">
-                  <adec:decorative xmlns:adec="http://schemas.microsoft.com/office/drawing/2017/decorative" val="1"/>
-                </a:ext>
-              </a:extLst>
-            </p:cNvPr>
-            <p:cNvSpPr/>
-            <p:nvPr userDrawn="1"/>
-          </p:nvSpPr>
-          <p:spPr>
-            <a:xfrm rot="10800000">
-              <a:off x="12797096" y="4000041"/>
-              <a:ext cx="2838450" cy="2857958"/>
-            </a:xfrm>
-            <a:custGeom>
-              <a:avLst/>
-              <a:gdLst>
-                <a:gd name="connsiteX0" fmla="*/ 1971005 w 2838450"/>
-                <a:gd name="connsiteY0" fmla="*/ 0 h 2857958"/>
-                <a:gd name="connsiteX1" fmla="*/ 2838450 w 2838450"/>
-                <a:gd name="connsiteY1" fmla="*/ 0 h 2857958"/>
-                <a:gd name="connsiteX2" fmla="*/ 2838450 w 2838450"/>
-                <a:gd name="connsiteY2" fmla="*/ 7240 h 2857958"/>
-                <a:gd name="connsiteX3" fmla="*/ 278890 w 2838450"/>
-                <a:gd name="connsiteY3" fmla="*/ 2843883 h 2857958"/>
-                <a:gd name="connsiteX4" fmla="*/ 0 w 2838450"/>
-                <a:gd name="connsiteY4" fmla="*/ 2857958 h 2857958"/>
-                <a:gd name="connsiteX5" fmla="*/ 0 w 2838450"/>
-                <a:gd name="connsiteY5" fmla="*/ 1990580 h 2857958"/>
-                <a:gd name="connsiteX6" fmla="*/ 190293 w 2838450"/>
-                <a:gd name="connsiteY6" fmla="*/ 1980883 h 2857958"/>
-                <a:gd name="connsiteX7" fmla="*/ 1960910 w 2838450"/>
-                <a:gd name="connsiteY7" fmla="*/ 200390 h 2857958"/>
-              </a:gdLst>
-              <a:ahLst/>
-              <a:cxnLst>
-                <a:cxn ang="0">
-                  <a:pos x="connsiteX0" y="connsiteY0"/>
-                </a:cxn>
-                <a:cxn ang="0">
-                  <a:pos x="connsiteX1" y="connsiteY1"/>
-                </a:cxn>
-                <a:cxn ang="0">
-                  <a:pos x="connsiteX2" y="connsiteY2"/>
-                </a:cxn>
-                <a:cxn ang="0">
-                  <a:pos x="connsiteX3" y="connsiteY3"/>
-                </a:cxn>
-                <a:cxn ang="0">
-                  <a:pos x="connsiteX4" y="connsiteY4"/>
-                </a:cxn>
-                <a:cxn ang="0">
-                  <a:pos x="connsiteX5" y="connsiteY5"/>
-                </a:cxn>
-                <a:cxn ang="0">
-                  <a:pos x="connsiteX6" y="connsiteY6"/>
-                </a:cxn>
-                <a:cxn ang="0">
-                  <a:pos x="connsiteX7" y="connsiteY7"/>
-                </a:cxn>
-              </a:cxnLst>
-              <a:rect l="l" t="t" r="r" b="b"/>
-              <a:pathLst>
-                <a:path w="2838450" h="2857958">
-                  <a:moveTo>
-                    <a:pt x="1971005" y="0"/>
-                  </a:moveTo>
-                  <a:lnTo>
-                    <a:pt x="2838450" y="0"/>
-                  </a:lnTo>
-                  <a:lnTo>
-                    <a:pt x="2838450" y="7240"/>
-                  </a:lnTo>
-                  <a:cubicBezTo>
-                    <a:pt x="2838450" y="1484015"/>
-                    <a:pt x="1716931" y="2697914"/>
-                    <a:pt x="278890" y="2843883"/>
-                  </a:cubicBezTo>
-                  <a:lnTo>
-                    <a:pt x="0" y="2857958"/>
-                  </a:lnTo>
-                  <a:lnTo>
-                    <a:pt x="0" y="1990580"/>
-                  </a:lnTo>
-                  <a:lnTo>
-                    <a:pt x="190293" y="1980883"/>
-                  </a:lnTo>
-                  <a:cubicBezTo>
-                    <a:pt x="1124600" y="1885128"/>
-                    <a:pt x="1866185" y="1135788"/>
-                    <a:pt x="1960910" y="200390"/>
-                  </a:cubicBezTo>
-                  <a:close/>
-                </a:path>
-              </a:pathLst>
-            </a:custGeom>
-            <a:solidFill>
-              <a:schemeClr val="accent3"/>
-            </a:solidFill>
-            <a:ln>
-              <a:noFill/>
-            </a:ln>
-          </p:spPr>
-          <p:txBody>
-            <a:bodyPr vert="horz" wrap="square" lIns="91440" tIns="45720" rIns="91440" bIns="45720" numCol="1" anchor="t" anchorCtr="0" compatLnSpc="1">
-              <a:prstTxWarp prst="textNoShape">
-                <a:avLst/>
-              </a:prstTxWarp>
-              <a:noAutofit/>
-            </a:bodyPr>
-            <a:lstStyle/>
-            <a:p>
-              <a:pPr lvl="0"/>
-              <a:endParaRPr lang="en-US" dirty="0"/>
-            </a:p>
-          </p:txBody>
-        </p:sp>
-        <p:sp>
-          <p:nvSpPr>
-            <p:cNvPr id="21" name="Freeform: Shape 25">
-              <a:extLst>
-                <a:ext uri="{FF2B5EF4-FFF2-40B4-BE49-F238E27FC236}">
-                  <a16:creationId xmlns:a16="http://schemas.microsoft.com/office/drawing/2014/main" id="{E911AA2D-BE77-278D-CD2E-2EB3E180F3B8}"/>
-                </a:ext>
-                <a:ext uri="{C183D7F6-B498-43B3-948B-1728B52AA6E4}">
-                  <adec:decorative xmlns:adec="http://schemas.microsoft.com/office/drawing/2017/decorative" val="1"/>
-                </a:ext>
-              </a:extLst>
-            </p:cNvPr>
-            <p:cNvSpPr/>
-            <p:nvPr userDrawn="1"/>
-          </p:nvSpPr>
-          <p:spPr>
-            <a:xfrm rot="10800000">
-              <a:off x="13664918" y="4867733"/>
-              <a:ext cx="1970627" cy="1990267"/>
-            </a:xfrm>
-            <a:custGeom>
-              <a:avLst/>
-              <a:gdLst>
-                <a:gd name="connsiteX0" fmla="*/ 0 w 1970627"/>
-                <a:gd name="connsiteY0" fmla="*/ 0 h 1990267"/>
-                <a:gd name="connsiteX1" fmla="*/ 1970627 w 1970627"/>
-                <a:gd name="connsiteY1" fmla="*/ 0 h 1990267"/>
-                <a:gd name="connsiteX2" fmla="*/ 1960534 w 1970627"/>
-                <a:gd name="connsiteY2" fmla="*/ 200357 h 1990267"/>
-                <a:gd name="connsiteX3" fmla="*/ 190254 w 1970627"/>
-                <a:gd name="connsiteY3" fmla="*/ 1980571 h 1990267"/>
-                <a:gd name="connsiteX4" fmla="*/ 0 w 1970627"/>
-                <a:gd name="connsiteY4" fmla="*/ 1990267 h 1990267"/>
-              </a:gdLst>
-              <a:ahLst/>
-              <a:cxnLst>
-                <a:cxn ang="0">
-                  <a:pos x="connsiteX0" y="connsiteY0"/>
-                </a:cxn>
-                <a:cxn ang="0">
-                  <a:pos x="connsiteX1" y="connsiteY1"/>
-                </a:cxn>
-                <a:cxn ang="0">
-                  <a:pos x="connsiteX2" y="connsiteY2"/>
-                </a:cxn>
-                <a:cxn ang="0">
-                  <a:pos x="connsiteX3" y="connsiteY3"/>
-                </a:cxn>
-                <a:cxn ang="0">
-                  <a:pos x="connsiteX4" y="connsiteY4"/>
-                </a:cxn>
-              </a:cxnLst>
-              <a:rect l="l" t="t" r="r" b="b"/>
-              <a:pathLst>
-                <a:path w="1970627" h="1990267">
-                  <a:moveTo>
-                    <a:pt x="0" y="0"/>
-                  </a:moveTo>
-                  <a:lnTo>
-                    <a:pt x="1970627" y="0"/>
-                  </a:lnTo>
-                  <a:lnTo>
-                    <a:pt x="1960534" y="200357"/>
-                  </a:lnTo>
-                  <a:cubicBezTo>
-                    <a:pt x="1865827" y="1135608"/>
-                    <a:pt x="1124383" y="1884831"/>
-                    <a:pt x="190254" y="1980571"/>
-                  </a:cubicBezTo>
-                  <a:lnTo>
-                    <a:pt x="0" y="1990267"/>
-                  </a:lnTo>
-                  <a:close/>
-                </a:path>
-              </a:pathLst>
-            </a:custGeom>
-            <a:solidFill>
-              <a:schemeClr val="accent1"/>
-            </a:solidFill>
-            <a:ln>
-              <a:noFill/>
-            </a:ln>
-          </p:spPr>
-          <p:txBody>
-            <a:bodyPr vert="horz" wrap="square" lIns="91440" tIns="45720" rIns="91440" bIns="45720" numCol="1" anchor="t" anchorCtr="0" compatLnSpc="1">
-              <a:prstTxWarp prst="textNoShape">
-                <a:avLst/>
-              </a:prstTxWarp>
-              <a:noAutofit/>
-            </a:bodyPr>
-            <a:lstStyle/>
-            <a:p>
-              <a:pPr lvl="0"/>
-              <a:endParaRPr lang="en-US" dirty="0">
-                <a:solidFill>
-                  <a:schemeClr val="tx1"/>
-                </a:solidFill>
-              </a:endParaRPr>
-            </a:p>
-          </p:txBody>
-        </p:sp>
-        <p:sp>
-          <p:nvSpPr>
-            <p:cNvPr id="22" name="Freeform: Shape 15">
-              <a:extLst>
-                <a:ext uri="{FF2B5EF4-FFF2-40B4-BE49-F238E27FC236}">
-                  <a16:creationId xmlns:a16="http://schemas.microsoft.com/office/drawing/2014/main" id="{B6CE0BA6-C0FD-AC39-6C31-8477E0CAFDB0}"/>
-                </a:ext>
-                <a:ext uri="{C183D7F6-B498-43B3-948B-1728B52AA6E4}">
-                  <adec:decorative xmlns:adec="http://schemas.microsoft.com/office/drawing/2017/decorative" val="1"/>
-                </a:ext>
-              </a:extLst>
-            </p:cNvPr>
-            <p:cNvSpPr/>
-            <p:nvPr userDrawn="1"/>
-          </p:nvSpPr>
-          <p:spPr>
-            <a:xfrm rot="10800000">
-              <a:off x="14632096" y="5844983"/>
-              <a:ext cx="1003449" cy="1013015"/>
-            </a:xfrm>
-            <a:custGeom>
-              <a:avLst/>
-              <a:gdLst>
-                <a:gd name="connsiteX0" fmla="*/ 0 w 1003449"/>
-                <a:gd name="connsiteY0" fmla="*/ 0 h 1013015"/>
-                <a:gd name="connsiteX1" fmla="*/ 1003449 w 1003449"/>
-                <a:gd name="connsiteY1" fmla="*/ 0 h 1013015"/>
-                <a:gd name="connsiteX2" fmla="*/ 998306 w 1003449"/>
-                <a:gd name="connsiteY2" fmla="*/ 100639 h 1013015"/>
-                <a:gd name="connsiteX3" fmla="*/ 90663 w 1003449"/>
-                <a:gd name="connsiteY3" fmla="*/ 1008380 h 1013015"/>
-                <a:gd name="connsiteX4" fmla="*/ 0 w 1003449"/>
-                <a:gd name="connsiteY4" fmla="*/ 1013015 h 1013015"/>
-              </a:gdLst>
-              <a:ahLst/>
-              <a:cxnLst>
-                <a:cxn ang="0">
-                  <a:pos x="connsiteX0" y="connsiteY0"/>
-                </a:cxn>
-                <a:cxn ang="0">
-                  <a:pos x="connsiteX1" y="connsiteY1"/>
-                </a:cxn>
-                <a:cxn ang="0">
-                  <a:pos x="connsiteX2" y="connsiteY2"/>
-                </a:cxn>
-                <a:cxn ang="0">
-                  <a:pos x="connsiteX3" y="connsiteY3"/>
-                </a:cxn>
-                <a:cxn ang="0">
-                  <a:pos x="connsiteX4" y="connsiteY4"/>
-                </a:cxn>
-              </a:cxnLst>
-              <a:rect l="l" t="t" r="r" b="b"/>
-              <a:pathLst>
-                <a:path w="1003449" h="1013015">
-                  <a:moveTo>
-                    <a:pt x="0" y="0"/>
-                  </a:moveTo>
-                  <a:lnTo>
-                    <a:pt x="1003449" y="0"/>
-                  </a:lnTo>
-                  <a:lnTo>
-                    <a:pt x="998306" y="100639"/>
-                  </a:lnTo>
-                  <a:cubicBezTo>
-                    <a:pt x="949402" y="576784"/>
-                    <a:pt x="566756" y="959471"/>
-                    <a:pt x="90663" y="1008380"/>
-                  </a:cubicBezTo>
-                  <a:lnTo>
-                    <a:pt x="0" y="1013015"/>
-                  </a:lnTo>
-                  <a:close/>
-                </a:path>
-              </a:pathLst>
-            </a:custGeom>
-            <a:solidFill>
-              <a:schemeClr val="bg1"/>
-            </a:solidFill>
-            <a:ln>
-              <a:noFill/>
-            </a:ln>
-          </p:spPr>
-          <p:txBody>
-            <a:bodyPr vert="horz" wrap="square" lIns="91440" tIns="45720" rIns="91440" bIns="45720" numCol="1" anchor="t" anchorCtr="0" compatLnSpc="1">
-              <a:prstTxWarp prst="textNoShape">
-                <a:avLst/>
-              </a:prstTxWarp>
-              <a:noAutofit/>
-            </a:bodyPr>
-            <a:lstStyle/>
-            <a:p>
-              <a:pPr lvl="0"/>
-              <a:endParaRPr lang="en-US" dirty="0">
-                <a:solidFill>
-                  <a:schemeClr val="tx1"/>
-                </a:solidFill>
-              </a:endParaRPr>
-            </a:p>
-          </p:txBody>
-        </p:sp>
-        <p:sp>
-          <p:nvSpPr>
-            <p:cNvPr id="23" name="Image 2">
-              <a:extLst>
-                <a:ext uri="{FF2B5EF4-FFF2-40B4-BE49-F238E27FC236}">
-                  <a16:creationId xmlns:a16="http://schemas.microsoft.com/office/drawing/2014/main" id="{666AD1A4-36DE-12F3-BB78-BA678A59572C}"/>
-                </a:ext>
-                <a:ext uri="{C183D7F6-B498-43B3-948B-1728B52AA6E4}">
-                  <adec:decorative xmlns:adec="http://schemas.microsoft.com/office/drawing/2017/decorative" val="1"/>
-                </a:ext>
-              </a:extLst>
-            </p:cNvPr>
-            <p:cNvSpPr/>
-            <p:nvPr userDrawn="1"/>
-          </p:nvSpPr>
-          <p:spPr>
-            <a:xfrm rot="10800000">
-              <a:off x="13402193" y="5492845"/>
-              <a:ext cx="775021" cy="775021"/>
-            </a:xfrm>
-            <a:custGeom>
-              <a:avLst/>
-              <a:gdLst>
-                <a:gd name="connsiteX0" fmla="*/ 387511 w 775021"/>
-                <a:gd name="connsiteY0" fmla="*/ 775021 h 775021"/>
-                <a:gd name="connsiteX1" fmla="*/ 775021 w 775021"/>
-                <a:gd name="connsiteY1" fmla="*/ 387511 h 775021"/>
-                <a:gd name="connsiteX2" fmla="*/ 387511 w 775021"/>
-                <a:gd name="connsiteY2" fmla="*/ 0 h 775021"/>
-                <a:gd name="connsiteX3" fmla="*/ 0 w 775021"/>
-                <a:gd name="connsiteY3" fmla="*/ 387511 h 775021"/>
-                <a:gd name="connsiteX4" fmla="*/ 387511 w 775021"/>
-                <a:gd name="connsiteY4" fmla="*/ 775021 h 775021"/>
-              </a:gdLst>
-              <a:ahLst/>
-              <a:cxnLst>
-                <a:cxn ang="0">
-                  <a:pos x="connsiteX0" y="connsiteY0"/>
-                </a:cxn>
-                <a:cxn ang="0">
-                  <a:pos x="connsiteX1" y="connsiteY1"/>
-                </a:cxn>
-                <a:cxn ang="0">
-                  <a:pos x="connsiteX2" y="connsiteY2"/>
-                </a:cxn>
-                <a:cxn ang="0">
-                  <a:pos x="connsiteX3" y="connsiteY3"/>
-                </a:cxn>
-                <a:cxn ang="0">
-                  <a:pos x="connsiteX4" y="connsiteY4"/>
-                </a:cxn>
-              </a:cxnLst>
-              <a:rect l="l" t="t" r="r" b="b"/>
-              <a:pathLst>
-                <a:path w="775021" h="775021">
-                  <a:moveTo>
-                    <a:pt x="387511" y="775021"/>
-                  </a:moveTo>
-                  <a:cubicBezTo>
-                    <a:pt x="601527" y="775021"/>
-                    <a:pt x="775021" y="601527"/>
-                    <a:pt x="775021" y="387511"/>
-                  </a:cubicBezTo>
-                  <a:cubicBezTo>
-                    <a:pt x="775021" y="173494"/>
-                    <a:pt x="601527" y="0"/>
-                    <a:pt x="387511" y="0"/>
-                  </a:cubicBezTo>
-                  <a:cubicBezTo>
-                    <a:pt x="173494" y="0"/>
-                    <a:pt x="0" y="173494"/>
-                    <a:pt x="0" y="387511"/>
-                  </a:cubicBezTo>
-                  <a:cubicBezTo>
-                    <a:pt x="0" y="601527"/>
-                    <a:pt x="173494" y="775021"/>
-                    <a:pt x="387511" y="775021"/>
-                  </a:cubicBezTo>
-                  <a:close/>
-                </a:path>
-              </a:pathLst>
-            </a:custGeom>
-            <a:solidFill>
-              <a:schemeClr val="accent6"/>
-            </a:solidFill>
-            <a:ln w="3801" cap="flat">
-              <a:noFill/>
-              <a:prstDash val="solid"/>
-              <a:miter/>
-            </a:ln>
-          </p:spPr>
-          <p:txBody>
-            <a:bodyPr rtlCol="0" anchor="ctr"/>
-            <a:lstStyle/>
-            <a:p>
-              <a:endParaRPr lang="en-US" dirty="0"/>
-            </a:p>
-          </p:txBody>
-        </p:sp>
-      </p:grpSp>
-      <p:sp>
-        <p:nvSpPr>
-          <p:cNvPr id="44" name="Slide Number Placeholder 2">
-            <a:extLst>
-              <a:ext uri="{FF2B5EF4-FFF2-40B4-BE49-F238E27FC236}">
-                <a16:creationId xmlns:a16="http://schemas.microsoft.com/office/drawing/2014/main" id="{79071EEC-EAD1-8B22-009A-68E74589AA8D}"/>
-              </a:ext>
-            </a:extLst>
-          </p:cNvPr>
-          <p:cNvSpPr>
-            <a:spLocks noGrp="1"/>
-          </p:cNvSpPr>
-          <p:nvPr>
-            <p:ph type="sldNum" sz="quarter" idx="10"/>
-          </p:nvPr>
-        </p:nvSpPr>
-        <p:spPr>
-          <a:xfrm>
-            <a:off x="10358437" y="457199"/>
-            <a:ext cx="1067589" cy="471489"/>
-          </a:xfrm>
-        </p:spPr>
-        <p:txBody>
-          <a:bodyPr/>
-          <a:lstStyle>
-            <a:lvl1pPr>
-              <a:defRPr sz="1600">
-                <a:latin typeface="+mj-lt"/>
-              </a:defRPr>
-            </a:lvl1pPr>
-          </a:lstStyle>
-          <a:p>
-            <a:fld id="{48F63A3B-78C7-47BE-AE5E-E10140E04643}" type="slidenum">
-              <a:rPr lang="en-US" smtClean="0"/>
-              <a:pPr/>
-              <a:t>‹#›</a:t>
-            </a:fld>
-            <a:endParaRPr lang="en-US" dirty="0"/>
-          </a:p>
-        </p:txBody>
-      </p:sp>
-    </p:spTree>
-    <p:extLst>
-      <p:ext uri="{BB962C8B-B14F-4D97-AF65-F5344CB8AC3E}">
-        <p14:creationId xmlns:p14="http://schemas.microsoft.com/office/powerpoint/2010/main" val="4006574227"/>
-      </p:ext>
-    </p:extLst>
-  </p:cSld>
-  <p:clrMapOvr>
-    <a:masterClrMapping/>
-  </p:clrMapOvr>
-</p:sldLayout>
-</file>
-
-<file path=ppt/slideLayouts/slideLayout25.xml><?xml version="1.0" encoding="utf-8"?>
-<p:sldLayout xmlns:a="http://schemas.openxmlformats.org/drawingml/2006/main" xmlns:r="http://schemas.openxmlformats.org/officeDocument/2006/relationships" xmlns:p="http://schemas.openxmlformats.org/presentationml/2006/main" userDrawn="1">
-  <p:cSld name="Summary 2">
-    <p:spTree>
-      <p:nvGrpSpPr>
-        <p:cNvPr id="1" name=""/>
-        <p:cNvGrpSpPr/>
-        <p:nvPr/>
-      </p:nvGrpSpPr>
-      <p:grpSpPr>
-        <a:xfrm>
-          <a:off x="0" y="0"/>
-          <a:ext cx="0" cy="0"/>
-          <a:chOff x="0" y="0"/>
-          <a:chExt cx="0" cy="0"/>
-        </a:xfrm>
-      </p:grpSpPr>
-      <p:sp>
-        <p:nvSpPr>
-          <p:cNvPr id="5" name="Freeform 4">
-            <a:extLst>
-              <a:ext uri="{FF2B5EF4-FFF2-40B4-BE49-F238E27FC236}">
-                <a16:creationId xmlns:a16="http://schemas.microsoft.com/office/drawing/2014/main" id="{28259CF0-6BC5-3693-6F49-C4489C07C317}"/>
-              </a:ext>
-              <a:ext uri="{C183D7F6-B498-43B3-948B-1728B52AA6E4}">
-                <adec:decorative xmlns:adec="http://schemas.microsoft.com/office/drawing/2017/decorative" val="1"/>
-              </a:ext>
-            </a:extLst>
-          </p:cNvPr>
-          <p:cNvSpPr/>
-          <p:nvPr/>
-        </p:nvSpPr>
-        <p:spPr>
-          <a:xfrm>
-            <a:off x="8989454" y="-2546"/>
-            <a:ext cx="3202546" cy="3441072"/>
-          </a:xfrm>
-          <a:custGeom>
-            <a:avLst/>
-            <a:gdLst>
-              <a:gd name="connsiteX0" fmla="*/ 3202546 w 3202546"/>
-              <a:gd name="connsiteY0" fmla="*/ 0 h 3441072"/>
-              <a:gd name="connsiteX1" fmla="*/ 3202546 w 3202546"/>
-              <a:gd name="connsiteY1" fmla="*/ 3441072 h 3441072"/>
-              <a:gd name="connsiteX2" fmla="*/ 0 w 3202546"/>
-              <a:gd name="connsiteY2" fmla="*/ 3441072 h 3441072"/>
-              <a:gd name="connsiteX3" fmla="*/ 3082686 w 3202546"/>
-              <a:gd name="connsiteY3" fmla="*/ 6086 h 3441072"/>
-            </a:gdLst>
-            <a:ahLst/>
-            <a:cxnLst>
-              <a:cxn ang="0">
-                <a:pos x="connsiteX0" y="connsiteY0"/>
-              </a:cxn>
-              <a:cxn ang="0">
-                <a:pos x="connsiteX1" y="connsiteY1"/>
-              </a:cxn>
-              <a:cxn ang="0">
-                <a:pos x="connsiteX2" y="connsiteY2"/>
-              </a:cxn>
-              <a:cxn ang="0">
-                <a:pos x="connsiteX3" y="connsiteY3"/>
-              </a:cxn>
-            </a:cxnLst>
-            <a:rect l="l" t="t" r="r" b="b"/>
-            <a:pathLst>
-              <a:path w="3202546" h="3441072">
-                <a:moveTo>
-                  <a:pt x="3202546" y="0"/>
-                </a:moveTo>
-                <a:lnTo>
-                  <a:pt x="3202546" y="3441072"/>
-                </a:lnTo>
-                <a:lnTo>
-                  <a:pt x="0" y="3441072"/>
-                </a:lnTo>
-                <a:cubicBezTo>
-                  <a:pt x="0" y="1653352"/>
-                  <a:pt x="1351216" y="182908"/>
-                  <a:pt x="3082686" y="6086"/>
-                </a:cubicBezTo>
-                <a:close/>
-              </a:path>
-            </a:pathLst>
-          </a:custGeom>
-          <a:solidFill>
-            <a:schemeClr val="accent1"/>
-          </a:solidFill>
-          <a:ln w="4756" cap="flat">
-            <a:noFill/>
-            <a:prstDash val="solid"/>
-            <a:miter/>
-          </a:ln>
-        </p:spPr>
-        <p:txBody>
-          <a:bodyPr wrap="square" rtlCol="0" anchor="ctr">
-            <a:noAutofit/>
-          </a:bodyPr>
-          <a:lstStyle/>
-          <a:p>
-            <a:endParaRPr lang="en-US" dirty="0"/>
-          </a:p>
-        </p:txBody>
-      </p:sp>
-      <p:sp>
-        <p:nvSpPr>
-          <p:cNvPr id="26" name="Image 4">
-            <a:extLst>
-              <a:ext uri="{FF2B5EF4-FFF2-40B4-BE49-F238E27FC236}">
-                <a16:creationId xmlns:a16="http://schemas.microsoft.com/office/drawing/2014/main" id="{9019DA73-2516-F3D2-ECDB-620C90483DB3}"/>
-              </a:ext>
-              <a:ext uri="{C183D7F6-B498-43B3-948B-1728B52AA6E4}">
-                <adec:decorative xmlns:adec="http://schemas.microsoft.com/office/drawing/2017/decorative" val="1"/>
-              </a:ext>
-            </a:extLst>
-          </p:cNvPr>
-          <p:cNvSpPr/>
-          <p:nvPr/>
-        </p:nvSpPr>
-        <p:spPr>
-          <a:xfrm flipV="1">
-            <a:off x="9991725" y="1247775"/>
-            <a:ext cx="2200275" cy="2181225"/>
-          </a:xfrm>
-          <a:custGeom>
-            <a:avLst/>
-            <a:gdLst>
-              <a:gd name="connsiteX0" fmla="*/ 0 w 2200275"/>
-              <a:gd name="connsiteY0" fmla="*/ 0 h 2181225"/>
-              <a:gd name="connsiteX1" fmla="*/ 2200275 w 2200275"/>
-              <a:gd name="connsiteY1" fmla="*/ 2181225 h 2181225"/>
-              <a:gd name="connsiteX2" fmla="*/ 2200275 w 2200275"/>
-              <a:gd name="connsiteY2" fmla="*/ 0 h 2181225"/>
-              <a:gd name="connsiteX3" fmla="*/ 0 w 2200275"/>
-              <a:gd name="connsiteY3" fmla="*/ 0 h 2181225"/>
-            </a:gdLst>
-            <a:ahLst/>
-            <a:cxnLst>
-              <a:cxn ang="0">
-                <a:pos x="connsiteX0" y="connsiteY0"/>
-              </a:cxn>
-              <a:cxn ang="0">
-                <a:pos x="connsiteX1" y="connsiteY1"/>
-              </a:cxn>
-              <a:cxn ang="0">
-                <a:pos x="connsiteX2" y="connsiteY2"/>
-              </a:cxn>
-              <a:cxn ang="0">
-                <a:pos x="connsiteX3" y="connsiteY3"/>
-              </a:cxn>
-            </a:cxnLst>
-            <a:rect l="l" t="t" r="r" b="b"/>
-            <a:pathLst>
-              <a:path w="2200275" h="2181225">
-                <a:moveTo>
-                  <a:pt x="0" y="0"/>
-                </a:moveTo>
-                <a:cubicBezTo>
-                  <a:pt x="0" y="1204689"/>
-                  <a:pt x="985061" y="2181225"/>
-                  <a:pt x="2200275" y="2181225"/>
-                </a:cubicBezTo>
-                <a:lnTo>
-                  <a:pt x="2200275" y="0"/>
-                </a:lnTo>
-                <a:lnTo>
-                  <a:pt x="0" y="0"/>
-                </a:lnTo>
-                <a:close/>
-              </a:path>
-            </a:pathLst>
-          </a:custGeom>
-          <a:solidFill>
-            <a:schemeClr val="accent4"/>
-          </a:solidFill>
-          <a:ln w="4763" cap="flat">
-            <a:noFill/>
-            <a:prstDash val="solid"/>
-            <a:miter/>
-          </a:ln>
-        </p:spPr>
-        <p:txBody>
-          <a:bodyPr rtlCol="0" anchor="ctr"/>
-          <a:lstStyle/>
-          <a:p>
-            <a:endParaRPr lang="en-US" dirty="0"/>
-          </a:p>
-        </p:txBody>
-      </p:sp>
-      <p:sp>
-        <p:nvSpPr>
-          <p:cNvPr id="14" name="Freeform 13">
-            <a:extLst>
-              <a:ext uri="{FF2B5EF4-FFF2-40B4-BE49-F238E27FC236}">
-                <a16:creationId xmlns:a16="http://schemas.microsoft.com/office/drawing/2014/main" id="{5665DA82-D253-8EC5-5DFB-F0266ED9FBB4}"/>
-              </a:ext>
-              <a:ext uri="{C183D7F6-B498-43B3-948B-1728B52AA6E4}">
-                <adec:decorative xmlns:adec="http://schemas.microsoft.com/office/drawing/2017/decorative" val="1"/>
-              </a:ext>
-            </a:extLst>
-          </p:cNvPr>
-          <p:cNvSpPr/>
-          <p:nvPr/>
-        </p:nvSpPr>
-        <p:spPr>
-          <a:xfrm flipV="1">
-            <a:off x="-20086" y="5331514"/>
-            <a:ext cx="2148416" cy="1526486"/>
-          </a:xfrm>
-          <a:custGeom>
-            <a:avLst/>
-            <a:gdLst>
-              <a:gd name="connsiteX0" fmla="*/ 0 w 2148416"/>
-              <a:gd name="connsiteY0" fmla="*/ 1526486 h 1526486"/>
-              <a:gd name="connsiteX1" fmla="*/ 2098930 w 2148416"/>
-              <a:gd name="connsiteY1" fmla="*/ 135201 h 1526486"/>
-              <a:gd name="connsiteX2" fmla="*/ 2148416 w 2148416"/>
-              <a:gd name="connsiteY2" fmla="*/ 0 h 1526486"/>
-              <a:gd name="connsiteX3" fmla="*/ 0 w 2148416"/>
-              <a:gd name="connsiteY3" fmla="*/ 0 h 1526486"/>
-            </a:gdLst>
-            <a:ahLst/>
-            <a:cxnLst>
-              <a:cxn ang="0">
-                <a:pos x="connsiteX0" y="connsiteY0"/>
-              </a:cxn>
-              <a:cxn ang="0">
-                <a:pos x="connsiteX1" y="connsiteY1"/>
-              </a:cxn>
-              <a:cxn ang="0">
-                <a:pos x="connsiteX2" y="connsiteY2"/>
-              </a:cxn>
-              <a:cxn ang="0">
-                <a:pos x="connsiteX3" y="connsiteY3"/>
-              </a:cxn>
-            </a:cxnLst>
-            <a:rect l="l" t="t" r="r" b="b"/>
-            <a:pathLst>
-              <a:path w="2148416" h="1526486">
-                <a:moveTo>
-                  <a:pt x="0" y="1526486"/>
-                </a:moveTo>
-                <a:cubicBezTo>
-                  <a:pt x="943526" y="1526486"/>
-                  <a:pt x="1753109" y="952785"/>
-                  <a:pt x="2098930" y="135201"/>
-                </a:cubicBezTo>
-                <a:lnTo>
-                  <a:pt x="2148416" y="0"/>
-                </a:lnTo>
-                <a:lnTo>
-                  <a:pt x="0" y="0"/>
-                </a:lnTo>
-                <a:close/>
-              </a:path>
-            </a:pathLst>
-          </a:custGeom>
-          <a:solidFill>
-            <a:schemeClr val="accent4">
-              <a:alpha val="50000"/>
-            </a:schemeClr>
-          </a:solidFill>
-          <a:ln w="5083" cap="flat">
-            <a:noFill/>
-            <a:prstDash val="solid"/>
-            <a:miter/>
-          </a:ln>
-        </p:spPr>
-        <p:txBody>
-          <a:bodyPr wrap="square" rtlCol="0" anchor="ctr">
-            <a:noAutofit/>
-          </a:bodyPr>
-          <a:lstStyle/>
-          <a:p>
-            <a:endParaRPr lang="en-US" dirty="0"/>
-          </a:p>
-        </p:txBody>
-      </p:sp>
-      <p:pic>
-        <p:nvPicPr>
-          <p:cNvPr id="21" name="Image 2">
-            <a:extLst>
-              <a:ext uri="{FF2B5EF4-FFF2-40B4-BE49-F238E27FC236}">
-                <a16:creationId xmlns:a16="http://schemas.microsoft.com/office/drawing/2014/main" id="{A8B7F1F1-806C-8D65-7340-220A0C4653C8}"/>
-              </a:ext>
-              <a:ext uri="{C183D7F6-B498-43B3-948B-1728B52AA6E4}">
-                <adec:decorative xmlns:adec="http://schemas.microsoft.com/office/drawing/2017/decorative" val="1"/>
-              </a:ext>
-            </a:extLst>
-          </p:cNvPr>
-          <p:cNvPicPr>
-            <a:picLocks noChangeAspect="1"/>
-          </p:cNvPicPr>
-          <p:nvPr userDrawn="1"/>
-        </p:nvPicPr>
-        <p:blipFill>
-          <a:blip r:embed="rId2" cstate="screen">
-            <a:extLst>
-              <a:ext uri="{28A0092B-C50C-407E-A947-70E740481C1C}">
-                <a14:useLocalDpi xmlns:a14="http://schemas.microsoft.com/office/drawing/2010/main"/>
-              </a:ext>
-              <a:ext uri="{96DAC541-7B7A-43D3-8B79-37D633B846F1}">
-                <asvg:svgBlip xmlns:asvg="http://schemas.microsoft.com/office/drawing/2016/SVG/main" r:embed="rId3"/>
-              </a:ext>
-            </a:extLst>
-          </a:blip>
-          <a:srcRect/>
-          <a:stretch/>
-        </p:blipFill>
-        <p:spPr>
-          <a:xfrm rot="5400000">
-            <a:off x="9991886" y="1247775"/>
-            <a:ext cx="2200114" cy="2200114"/>
-          </a:xfrm>
-          <a:prstGeom prst="rect">
-            <a:avLst/>
-          </a:prstGeom>
-        </p:spPr>
-      </p:pic>
-      <p:sp>
-        <p:nvSpPr>
-          <p:cNvPr id="12" name="Freeform 11">
-            <a:extLst>
-              <a:ext uri="{FF2B5EF4-FFF2-40B4-BE49-F238E27FC236}">
-                <a16:creationId xmlns:a16="http://schemas.microsoft.com/office/drawing/2014/main" id="{E76518D4-6149-BA03-3BE5-6A13A792C115}"/>
-              </a:ext>
-              <a:ext uri="{C183D7F6-B498-43B3-948B-1728B52AA6E4}">
-                <adec:decorative xmlns:adec="http://schemas.microsoft.com/office/drawing/2017/decorative" val="1"/>
-              </a:ext>
-            </a:extLst>
-          </p:cNvPr>
-          <p:cNvSpPr/>
-          <p:nvPr/>
-        </p:nvSpPr>
-        <p:spPr>
-          <a:xfrm>
-            <a:off x="1540428" y="6470488"/>
-            <a:ext cx="775021" cy="387513"/>
-          </a:xfrm>
-          <a:custGeom>
-            <a:avLst/>
-            <a:gdLst>
-              <a:gd name="connsiteX0" fmla="*/ 387511 w 775021"/>
-              <a:gd name="connsiteY0" fmla="*/ 0 h 387513"/>
-              <a:gd name="connsiteX1" fmla="*/ 775021 w 775021"/>
-              <a:gd name="connsiteY1" fmla="*/ 387511 h 387513"/>
-              <a:gd name="connsiteX2" fmla="*/ 775021 w 775021"/>
-              <a:gd name="connsiteY2" fmla="*/ 387513 h 387513"/>
-              <a:gd name="connsiteX3" fmla="*/ 1 w 775021"/>
-              <a:gd name="connsiteY3" fmla="*/ 387513 h 387513"/>
-              <a:gd name="connsiteX4" fmla="*/ 0 w 775021"/>
-              <a:gd name="connsiteY4" fmla="*/ 387511 h 387513"/>
-              <a:gd name="connsiteX5" fmla="*/ 387511 w 775021"/>
-              <a:gd name="connsiteY5" fmla="*/ 0 h 387513"/>
-            </a:gdLst>
-            <a:ahLst/>
-            <a:cxnLst>
-              <a:cxn ang="0">
-                <a:pos x="connsiteX0" y="connsiteY0"/>
-              </a:cxn>
-              <a:cxn ang="0">
-                <a:pos x="connsiteX1" y="connsiteY1"/>
-              </a:cxn>
-              <a:cxn ang="0">
-                <a:pos x="connsiteX2" y="connsiteY2"/>
-              </a:cxn>
-              <a:cxn ang="0">
-                <a:pos x="connsiteX3" y="connsiteY3"/>
-              </a:cxn>
-              <a:cxn ang="0">
-                <a:pos x="connsiteX4" y="connsiteY4"/>
-              </a:cxn>
-              <a:cxn ang="0">
-                <a:pos x="connsiteX5" y="connsiteY5"/>
-              </a:cxn>
-            </a:cxnLst>
-            <a:rect l="l" t="t" r="r" b="b"/>
-            <a:pathLst>
-              <a:path w="775021" h="387513">
-                <a:moveTo>
-                  <a:pt x="387511" y="0"/>
-                </a:moveTo>
-                <a:cubicBezTo>
-                  <a:pt x="601527" y="0"/>
-                  <a:pt x="775021" y="173494"/>
-                  <a:pt x="775021" y="387511"/>
-                </a:cubicBezTo>
-                <a:lnTo>
-                  <a:pt x="775021" y="387513"/>
-                </a:lnTo>
-                <a:lnTo>
-                  <a:pt x="1" y="387513"/>
-                </a:lnTo>
-                <a:lnTo>
-                  <a:pt x="0" y="387511"/>
-                </a:lnTo>
-                <a:cubicBezTo>
-                  <a:pt x="0" y="173494"/>
-                  <a:pt x="173494" y="0"/>
-                  <a:pt x="387511" y="0"/>
-                </a:cubicBezTo>
-                <a:close/>
-              </a:path>
-            </a:pathLst>
-          </a:custGeom>
-          <a:solidFill>
-            <a:schemeClr val="accent6"/>
-          </a:solidFill>
-          <a:ln w="3801" cap="flat">
-            <a:noFill/>
-            <a:prstDash val="solid"/>
-            <a:miter/>
-          </a:ln>
-        </p:spPr>
-        <p:txBody>
-          <a:bodyPr wrap="square" rtlCol="0" anchor="ctr">
-            <a:noAutofit/>
-          </a:bodyPr>
-          <a:lstStyle/>
-          <a:p>
-            <a:endParaRPr lang="en-US" dirty="0"/>
-          </a:p>
-        </p:txBody>
-      </p:sp>
-      <p:sp>
-        <p:nvSpPr>
-          <p:cNvPr id="2" name="Title 1"/>
-          <p:cNvSpPr>
-            <a:spLocks noGrp="1"/>
-          </p:cNvSpPr>
-          <p:nvPr>
-            <p:ph type="title"/>
-          </p:nvPr>
-        </p:nvSpPr>
-        <p:spPr>
-          <a:xfrm>
-            <a:off x="914400" y="1057274"/>
-            <a:ext cx="7843837" cy="1012782"/>
-          </a:xfrm>
-        </p:spPr>
-        <p:txBody>
-          <a:bodyPr tIns="0" bIns="0">
-            <a:noAutofit/>
-          </a:bodyPr>
-          <a:lstStyle>
-            <a:lvl1pPr algn="l">
-              <a:lnSpc>
-                <a:spcPct val="100000"/>
-              </a:lnSpc>
-              <a:defRPr sz="3600" b="1"/>
-            </a:lvl1pPr>
-          </a:lstStyle>
-          <a:p>
-            <a:r>
-              <a:rPr lang="en-US"/>
-              <a:t>Click to edit Master title style</a:t>
-            </a:r>
-            <a:endParaRPr lang="en-US" dirty="0"/>
-          </a:p>
-        </p:txBody>
-      </p:sp>
-      <p:sp>
-        <p:nvSpPr>
-          <p:cNvPr id="30" name="Content Placeholder 2">
-            <a:extLst>
-              <a:ext uri="{FF2B5EF4-FFF2-40B4-BE49-F238E27FC236}">
-                <a16:creationId xmlns:a16="http://schemas.microsoft.com/office/drawing/2014/main" id="{58F56A7F-403C-059D-4B58-A8D59888A158}"/>
-              </a:ext>
-            </a:extLst>
-          </p:cNvPr>
-          <p:cNvSpPr>
-            <a:spLocks noGrp="1"/>
-          </p:cNvSpPr>
-          <p:nvPr>
-            <p:ph idx="13" hasCustomPrompt="1"/>
-          </p:nvPr>
-        </p:nvSpPr>
-        <p:spPr>
-          <a:xfrm>
-            <a:off x="914400" y="2331791"/>
-            <a:ext cx="6903076" cy="3721817"/>
-          </a:xfrm>
-        </p:spPr>
-        <p:txBody>
-          <a:bodyPr tIns="0" bIns="0">
-            <a:normAutofit/>
-          </a:bodyPr>
-          <a:lstStyle>
-            <a:lvl1pPr marL="0" indent="0">
-              <a:lnSpc>
-                <a:spcPct val="100000"/>
-              </a:lnSpc>
-              <a:spcBef>
-                <a:spcPts val="0"/>
-              </a:spcBef>
-              <a:buNone/>
-              <a:defRPr sz="2400"/>
-            </a:lvl1pPr>
-            <a:lvl2pPr marL="347472">
-              <a:lnSpc>
-                <a:spcPct val="100000"/>
-              </a:lnSpc>
-              <a:spcBef>
-                <a:spcPts val="0"/>
-              </a:spcBef>
-              <a:defRPr sz="2400"/>
-            </a:lvl2pPr>
-            <a:lvl3pPr marL="685800">
-              <a:lnSpc>
-                <a:spcPct val="100000"/>
-              </a:lnSpc>
-              <a:spcBef>
-                <a:spcPts val="0"/>
-              </a:spcBef>
-              <a:defRPr sz="2400"/>
-            </a:lvl3pPr>
-          </a:lstStyle>
-          <a:p>
-            <a:pPr lvl="0"/>
-            <a:r>
-              <a:rPr lang="en-US" dirty="0"/>
-              <a:t>Click to add text</a:t>
-            </a:r>
-          </a:p>
-          <a:p>
-            <a:pPr lvl="1"/>
-            <a:r>
-              <a:rPr lang="en-US" dirty="0"/>
-              <a:t>Second level</a:t>
-            </a:r>
-          </a:p>
-          <a:p>
-            <a:pPr lvl="2"/>
-            <a:r>
-              <a:rPr lang="en-US" dirty="0"/>
-              <a:t>Third level</a:t>
-            </a:r>
-          </a:p>
-        </p:txBody>
-      </p:sp>
-      <p:sp>
-        <p:nvSpPr>
-          <p:cNvPr id="10" name="Picture Placeholder 9">
-            <a:extLst>
-              <a:ext uri="{FF2B5EF4-FFF2-40B4-BE49-F238E27FC236}">
-                <a16:creationId xmlns:a16="http://schemas.microsoft.com/office/drawing/2014/main" id="{0723BF40-731C-2A5B-FC2F-B59DEF431C66}"/>
-              </a:ext>
-            </a:extLst>
-          </p:cNvPr>
-          <p:cNvSpPr>
-            <a:spLocks noGrp="1"/>
-          </p:cNvSpPr>
-          <p:nvPr>
-            <p:ph type="pic" sz="quarter" idx="14"/>
-          </p:nvPr>
-        </p:nvSpPr>
-        <p:spPr>
-          <a:xfrm>
-            <a:off x="8989454" y="3405189"/>
-            <a:ext cx="3202546" cy="3452811"/>
-          </a:xfrm>
-          <a:solidFill>
-            <a:schemeClr val="accent1"/>
-          </a:solidFill>
-        </p:spPr>
-        <p:txBody>
-          <a:bodyPr>
-            <a:normAutofit/>
-          </a:bodyPr>
-          <a:lstStyle>
-            <a:lvl1pPr marL="0" indent="0">
-              <a:buNone/>
-              <a:defRPr sz="1800"/>
-            </a:lvl1pPr>
-          </a:lstStyle>
-          <a:p>
-            <a:r>
-              <a:rPr lang="en-US"/>
-              <a:t>Click icon to add picture</a:t>
-            </a:r>
-            <a:endParaRPr lang="en-US" dirty="0"/>
-          </a:p>
-        </p:txBody>
-      </p:sp>
-      <p:sp>
-        <p:nvSpPr>
-          <p:cNvPr id="20" name="Slide Number Placeholder 2">
-            <a:extLst>
-              <a:ext uri="{FF2B5EF4-FFF2-40B4-BE49-F238E27FC236}">
-                <a16:creationId xmlns:a16="http://schemas.microsoft.com/office/drawing/2014/main" id="{3ACD3A33-D8A4-7058-9798-30967E3EFD39}"/>
-              </a:ext>
-            </a:extLst>
-          </p:cNvPr>
-          <p:cNvSpPr>
-            <a:spLocks noGrp="1"/>
-          </p:cNvSpPr>
-          <p:nvPr>
-            <p:ph type="sldNum" sz="quarter" idx="10"/>
-          </p:nvPr>
-        </p:nvSpPr>
-        <p:spPr>
-          <a:xfrm>
-            <a:off x="10438475" y="457199"/>
-            <a:ext cx="987552" cy="471489"/>
-          </a:xfrm>
-        </p:spPr>
-        <p:txBody>
-          <a:bodyPr/>
-          <a:lstStyle>
-            <a:lvl1pPr>
-              <a:defRPr sz="1600">
-                <a:latin typeface="+mj-lt"/>
-              </a:defRPr>
-            </a:lvl1pPr>
-          </a:lstStyle>
-          <a:p>
-            <a:fld id="{48F63A3B-78C7-47BE-AE5E-E10140E04643}" type="slidenum">
-              <a:rPr lang="en-US" smtClean="0"/>
-              <a:pPr/>
-              <a:t>‹#›</a:t>
-            </a:fld>
-            <a:endParaRPr lang="en-US" dirty="0"/>
-          </a:p>
-        </p:txBody>
-      </p:sp>
-    </p:spTree>
-    <p:extLst>
-      <p:ext uri="{BB962C8B-B14F-4D97-AF65-F5344CB8AC3E}">
-        <p14:creationId xmlns:p14="http://schemas.microsoft.com/office/powerpoint/2010/main" val="932503213"/>
-      </p:ext>
-    </p:extLst>
-  </p:cSld>
-  <p:clrMapOvr>
-    <a:masterClrMapping/>
-  </p:clrMapOvr>
-</p:sldLayout>
-</file>
-
-<file path=ppt/slideLayouts/slideLayout26.xml><?xml version="1.0" encoding="utf-8"?>
+<file path=ppt/slideLayouts/slideLayout22.xml><?xml version="1.0" encoding="utf-8"?>
 <p:sldLayout xmlns:a="http://schemas.openxmlformats.org/drawingml/2006/main" xmlns:r="http://schemas.openxmlformats.org/officeDocument/2006/relationships" xmlns:p="http://schemas.openxmlformats.org/presentationml/2006/main" userDrawn="1">
   <p:cSld name="Timeline 3">
     <p:spTree>
@@ -12416,7 +8052,7 @@
 </p:sldLayout>
 </file>
 
-<file path=ppt/slideLayouts/slideLayout27.xml><?xml version="1.0" encoding="utf-8"?>
+<file path=ppt/slideLayouts/slideLayout23.xml><?xml version="1.0" encoding="utf-8"?>
 <p:sldLayout xmlns:a="http://schemas.openxmlformats.org/drawingml/2006/main" xmlns:r="http://schemas.openxmlformats.org/officeDocument/2006/relationships" xmlns:p="http://schemas.openxmlformats.org/presentationml/2006/main" userDrawn="1">
   <p:cSld name="Summary 3">
     <p:spTree>
@@ -13151,329 +8787,7 @@
 </p:sldLayout>
 </file>
 
-<file path=ppt/slideLayouts/slideLayout28.xml><?xml version="1.0" encoding="utf-8"?>
-<p:sldLayout xmlns:a="http://schemas.openxmlformats.org/drawingml/2006/main" xmlns:r="http://schemas.openxmlformats.org/officeDocument/2006/relationships" xmlns:p="http://schemas.openxmlformats.org/presentationml/2006/main" userDrawn="1">
-  <p:cSld name="Timeline 2">
-    <p:spTree>
-      <p:nvGrpSpPr>
-        <p:cNvPr id="1" name=""/>
-        <p:cNvGrpSpPr/>
-        <p:nvPr/>
-      </p:nvGrpSpPr>
-      <p:grpSpPr>
-        <a:xfrm>
-          <a:off x="0" y="0"/>
-          <a:ext cx="0" cy="0"/>
-          <a:chOff x="0" y="0"/>
-          <a:chExt cx="0" cy="0"/>
-        </a:xfrm>
-      </p:grpSpPr>
-      <p:sp>
-        <p:nvSpPr>
-          <p:cNvPr id="33" name="Rectangle 32">
-            <a:extLst>
-              <a:ext uri="{FF2B5EF4-FFF2-40B4-BE49-F238E27FC236}">
-                <a16:creationId xmlns:a16="http://schemas.microsoft.com/office/drawing/2014/main" id="{376CF4B8-1811-BD21-43A7-560AC4724F3B}"/>
-              </a:ext>
-              <a:ext uri="{C183D7F6-B498-43B3-948B-1728B52AA6E4}">
-                <adec:decorative xmlns:adec="http://schemas.microsoft.com/office/drawing/2017/decorative" val="1"/>
-              </a:ext>
-            </a:extLst>
-          </p:cNvPr>
-          <p:cNvSpPr/>
-          <p:nvPr userDrawn="1"/>
-        </p:nvSpPr>
-        <p:spPr>
-          <a:xfrm>
-            <a:off x="-24064" y="0"/>
-            <a:ext cx="12216063" cy="3467100"/>
-          </a:xfrm>
-          <a:prstGeom prst="rect">
-            <a:avLst/>
-          </a:prstGeom>
-          <a:solidFill>
-            <a:schemeClr val="accent3"/>
-          </a:solidFill>
-          <a:ln>
-            <a:noFill/>
-          </a:ln>
-        </p:spPr>
-        <p:style>
-          <a:lnRef idx="2">
-            <a:schemeClr val="accent1">
-              <a:shade val="50000"/>
-            </a:schemeClr>
-          </a:lnRef>
-          <a:fillRef idx="1">
-            <a:schemeClr val="accent1"/>
-          </a:fillRef>
-          <a:effectRef idx="0">
-            <a:schemeClr val="accent1"/>
-          </a:effectRef>
-          <a:fontRef idx="minor">
-            <a:schemeClr val="lt1"/>
-          </a:fontRef>
-        </p:style>
-        <p:txBody>
-          <a:bodyPr rtlCol="0" anchor="ctr">
-            <a:noAutofit/>
-          </a:bodyPr>
-          <a:lstStyle/>
-          <a:p>
-            <a:pPr algn="ctr"/>
-            <a:endParaRPr lang="en-US" sz="450" dirty="0"/>
-          </a:p>
-        </p:txBody>
-      </p:sp>
-      <p:sp>
-        <p:nvSpPr>
-          <p:cNvPr id="34" name="Rectangle 33">
-            <a:extLst>
-              <a:ext uri="{FF2B5EF4-FFF2-40B4-BE49-F238E27FC236}">
-                <a16:creationId xmlns:a16="http://schemas.microsoft.com/office/drawing/2014/main" id="{30B7B4F0-D3BC-63DF-6429-F771BE5A3270}"/>
-              </a:ext>
-              <a:ext uri="{C183D7F6-B498-43B3-948B-1728B52AA6E4}">
-                <adec:decorative xmlns:adec="http://schemas.microsoft.com/office/drawing/2017/decorative" val="1"/>
-              </a:ext>
-            </a:extLst>
-          </p:cNvPr>
-          <p:cNvSpPr/>
-          <p:nvPr userDrawn="1"/>
-        </p:nvSpPr>
-        <p:spPr>
-          <a:xfrm>
-            <a:off x="443346" y="420493"/>
-            <a:ext cx="11305309" cy="6026727"/>
-          </a:xfrm>
-          <a:prstGeom prst="rect">
-            <a:avLst/>
-          </a:prstGeom>
-          <a:solidFill>
-            <a:schemeClr val="bg1"/>
-          </a:solidFill>
-          <a:ln>
-            <a:noFill/>
-          </a:ln>
-        </p:spPr>
-        <p:style>
-          <a:lnRef idx="2">
-            <a:schemeClr val="accent1">
-              <a:shade val="15000"/>
-            </a:schemeClr>
-          </a:lnRef>
-          <a:fillRef idx="1">
-            <a:schemeClr val="accent1"/>
-          </a:fillRef>
-          <a:effectRef idx="0">
-            <a:schemeClr val="accent1"/>
-          </a:effectRef>
-          <a:fontRef idx="minor">
-            <a:schemeClr val="lt1"/>
-          </a:fontRef>
-        </p:style>
-        <p:txBody>
-          <a:bodyPr rtlCol="0" anchor="ctr"/>
-          <a:lstStyle/>
-          <a:p>
-            <a:pPr algn="ctr"/>
-            <a:endParaRPr lang="en-US" sz="1600" dirty="0"/>
-          </a:p>
-        </p:txBody>
-      </p:sp>
-      <p:sp>
-        <p:nvSpPr>
-          <p:cNvPr id="2" name="Title 1">
-            <a:extLst>
-              <a:ext uri="{FF2B5EF4-FFF2-40B4-BE49-F238E27FC236}">
-                <a16:creationId xmlns:a16="http://schemas.microsoft.com/office/drawing/2014/main" id="{A65C6DDD-D2BB-0153-0F53-9F7C17BDFD2B}"/>
-              </a:ext>
-            </a:extLst>
-          </p:cNvPr>
-          <p:cNvSpPr>
-            <a:spLocks noGrp="1"/>
-          </p:cNvSpPr>
-          <p:nvPr>
-            <p:ph type="title" hasCustomPrompt="1"/>
-          </p:nvPr>
-        </p:nvSpPr>
-        <p:spPr>
-          <a:xfrm>
-            <a:off x="914400" y="1057274"/>
-            <a:ext cx="10511627" cy="1012785"/>
-          </a:xfrm>
-        </p:spPr>
-        <p:txBody>
-          <a:bodyPr tIns="0" bIns="0"/>
-          <a:lstStyle>
-            <a:lvl1pPr algn="ctr">
-              <a:lnSpc>
-                <a:spcPct val="100000"/>
-              </a:lnSpc>
-              <a:defRPr sz="3600">
-                <a:solidFill>
-                  <a:schemeClr val="accent6"/>
-                </a:solidFill>
-              </a:defRPr>
-            </a:lvl1pPr>
-          </a:lstStyle>
-          <a:p>
-            <a:r>
-              <a:rPr lang="en-US" dirty="0"/>
-              <a:t>Click to add title</a:t>
-            </a:r>
-          </a:p>
-        </p:txBody>
-      </p:sp>
-      <p:sp>
-        <p:nvSpPr>
-          <p:cNvPr id="14" name="Content Placeholder 5">
-            <a:extLst>
-              <a:ext uri="{FF2B5EF4-FFF2-40B4-BE49-F238E27FC236}">
-                <a16:creationId xmlns:a16="http://schemas.microsoft.com/office/drawing/2014/main" id="{4D6DED8E-165F-59D7-F01C-4EF0446E5FC0}"/>
-              </a:ext>
-            </a:extLst>
-          </p:cNvPr>
-          <p:cNvSpPr>
-            <a:spLocks noGrp="1"/>
-          </p:cNvSpPr>
-          <p:nvPr userDrawn="1">
-            <p:ph sz="quarter" idx="4" hasCustomPrompt="1"/>
-          </p:nvPr>
-        </p:nvSpPr>
-        <p:spPr>
-          <a:xfrm>
-            <a:off x="914400" y="2316067"/>
-            <a:ext cx="10511627" cy="3948557"/>
-          </a:xfrm>
-        </p:spPr>
-        <p:txBody>
-          <a:bodyPr lIns="91440" tIns="91440" rIns="91440" bIns="91440">
-            <a:normAutofit/>
-          </a:bodyPr>
-          <a:lstStyle>
-            <a:lvl1pPr>
-              <a:spcBef>
-                <a:spcPts val="1000"/>
-              </a:spcBef>
-              <a:defRPr sz="1800"/>
-            </a:lvl1pPr>
-            <a:lvl2pPr>
-              <a:spcBef>
-                <a:spcPts val="1000"/>
-              </a:spcBef>
-              <a:defRPr sz="1800"/>
-            </a:lvl2pPr>
-            <a:lvl3pPr>
-              <a:spcBef>
-                <a:spcPts val="1000"/>
-              </a:spcBef>
-              <a:defRPr sz="1800"/>
-            </a:lvl3pPr>
-            <a:lvl4pPr>
-              <a:spcBef>
-                <a:spcPts val="1000"/>
-              </a:spcBef>
-              <a:defRPr sz="1800"/>
-            </a:lvl4pPr>
-            <a:lvl5pPr>
-              <a:spcBef>
-                <a:spcPts val="1000"/>
-              </a:spcBef>
-              <a:defRPr sz="1800"/>
-            </a:lvl5pPr>
-          </a:lstStyle>
-          <a:p>
-            <a:pPr lvl="0"/>
-            <a:r>
-              <a:rPr lang="en-US" dirty="0"/>
-              <a:t>Click to add text</a:t>
-            </a:r>
-          </a:p>
-          <a:p>
-            <a:pPr lvl="1"/>
-            <a:r>
-              <a:rPr lang="en-US" dirty="0"/>
-              <a:t>Second level</a:t>
-            </a:r>
-          </a:p>
-          <a:p>
-            <a:pPr lvl="2"/>
-            <a:r>
-              <a:rPr lang="en-US" dirty="0"/>
-              <a:t>Third level</a:t>
-            </a:r>
-          </a:p>
-          <a:p>
-            <a:pPr lvl="3"/>
-            <a:r>
-              <a:rPr lang="en-US" dirty="0"/>
-              <a:t>Fourth level</a:t>
-            </a:r>
-          </a:p>
-          <a:p>
-            <a:pPr lvl="4"/>
-            <a:r>
-              <a:rPr lang="en-US" dirty="0"/>
-              <a:t>Fifth level</a:t>
-            </a:r>
-          </a:p>
-        </p:txBody>
-      </p:sp>
-      <p:sp>
-        <p:nvSpPr>
-          <p:cNvPr id="16" name="Slide Number Placeholder 2">
-            <a:extLst>
-              <a:ext uri="{FF2B5EF4-FFF2-40B4-BE49-F238E27FC236}">
-                <a16:creationId xmlns:a16="http://schemas.microsoft.com/office/drawing/2014/main" id="{2933FDAB-13EE-5F9F-5DFC-A5A60BC63623}"/>
-              </a:ext>
-            </a:extLst>
-          </p:cNvPr>
-          <p:cNvSpPr>
-            <a:spLocks noGrp="1"/>
-          </p:cNvSpPr>
-          <p:nvPr>
-            <p:ph type="sldNum" sz="quarter" idx="10"/>
-          </p:nvPr>
-        </p:nvSpPr>
-        <p:spPr>
-          <a:xfrm>
-            <a:off x="10358437" y="457199"/>
-            <a:ext cx="1067589" cy="471489"/>
-          </a:xfrm>
-        </p:spPr>
-        <p:txBody>
-          <a:bodyPr/>
-          <a:lstStyle>
-            <a:lvl1pPr>
-              <a:defRPr sz="1600">
-                <a:latin typeface="+mj-lt"/>
-              </a:defRPr>
-            </a:lvl1pPr>
-          </a:lstStyle>
-          <a:p>
-            <a:fld id="{48F63A3B-78C7-47BE-AE5E-E10140E04643}" type="slidenum">
-              <a:rPr lang="en-US" smtClean="0"/>
-              <a:pPr/>
-              <a:t>‹#›</a:t>
-            </a:fld>
-            <a:endParaRPr lang="en-US" dirty="0"/>
-          </a:p>
-        </p:txBody>
-      </p:sp>
-    </p:spTree>
-    <p:extLst>
-      <p:ext uri="{BB962C8B-B14F-4D97-AF65-F5344CB8AC3E}">
-        <p14:creationId xmlns:p14="http://schemas.microsoft.com/office/powerpoint/2010/main" val="2378304897"/>
-      </p:ext>
-    </p:extLst>
-  </p:cSld>
-  <p:clrMapOvr>
-    <a:masterClrMapping/>
-  </p:clrMapOvr>
-</p:sldLayout>
-</file>
-
-<file path=ppt/slideLayouts/slideLayout29.xml><?xml version="1.0" encoding="utf-8"?>
+<file path=ppt/slideLayouts/slideLayout24.xml><?xml version="1.0" encoding="utf-8"?>
 <p:sldLayout xmlns:a="http://schemas.openxmlformats.org/drawingml/2006/main" xmlns:r="http://schemas.openxmlformats.org/officeDocument/2006/relationships" xmlns:p="http://schemas.openxmlformats.org/presentationml/2006/main" userDrawn="1">
   <p:cSld name="Closing">
     <p:bg>
@@ -14073,7 +9387,7 @@
           <a:p>
             <a:fld id="{F34E6425-0181-43F2-84FC-787E803FD2F8}" type="datetimeFigureOut">
               <a:rPr lang="en-US" smtClean="0"/>
-              <a:t>6/26/2025</a:t>
+              <a:t>6/28/2025</a:t>
             </a:fld>
             <a:endParaRPr lang="en-US" dirty="0"/>
           </a:p>
@@ -14312,7 +9626,7 @@
           <a:p>
             <a:fld id="{3BDB8791-F1B0-41E7-B7FD-A781E65C4266}" type="datetimeFigureOut">
               <a:rPr lang="en-US" smtClean="0"/>
-              <a:t>6/26/2025</a:t>
+              <a:t>6/28/2025</a:t>
             </a:fld>
             <a:endParaRPr lang="en-US" dirty="0"/>
           </a:p>
@@ -14693,7 +10007,7 @@
           <a:p>
             <a:fld id="{5FDD63B2-E120-4ED8-B27B-C685F510A5FE}" type="datetimeFigureOut">
               <a:rPr lang="en-US" smtClean="0"/>
-              <a:t>6/26/2025</a:t>
+              <a:t>6/28/2025</a:t>
             </a:fld>
             <a:endParaRPr lang="en-US" dirty="0"/>
           </a:p>
@@ -14823,7 +10137,7 @@
           <a:p>
             <a:fld id="{7AA18ACC-A947-437B-A130-35BD54FDF1E9}" type="datetimeFigureOut">
               <a:rPr lang="en-US" smtClean="0"/>
-              <a:t>6/26/2025</a:t>
+              <a:t>6/28/2025</a:t>
             </a:fld>
             <a:endParaRPr lang="en-US" dirty="0"/>
           </a:p>
@@ -16852,7 +12166,7 @@
           <a:p>
             <a:fld id="{7C8D7E02-BCB8-4D50-A234-369438C08659}" type="datetimeFigureOut">
               <a:rPr lang="en-US" smtClean="0"/>
-              <a:t>6/26/2025</a:t>
+              <a:t>6/28/2025</a:t>
             </a:fld>
             <a:endParaRPr lang="en-US" dirty="0"/>
           </a:p>
@@ -19041,7 +14355,7 @@
           <a:p>
             <a:fld id="{76E86A4C-8E40-4F87-A4F0-01A0687C5742}" type="datetimeFigureOut">
               <a:rPr lang="en-US" smtClean="0"/>
-              <a:t>6/26/2025</a:t>
+              <a:t>6/28/2025</a:t>
             </a:fld>
             <a:endParaRPr lang="en-US" dirty="0"/>
           </a:p>
@@ -20274,7 +15588,7 @@
           <a:p>
             <a:fld id="{35E72C73-2D91-4E12-BA25-F0AA0C03599B}" type="datetimeFigureOut">
               <a:rPr lang="en-US" smtClean="0"/>
-              <a:t>6/26/2025</a:t>
+              <a:t>6/28/2025</a:t>
             </a:fld>
             <a:endParaRPr lang="en-US" dirty="0"/>
           </a:p>
@@ -21989,7 +17303,7 @@
           <a:p>
             <a:fld id="{2BE451C3-0FF4-47C4-B829-773ADF60F88C}" type="datetimeFigureOut">
               <a:rPr lang="en-US" smtClean="0"/>
-              <a:t>6/26/2025</a:t>
+              <a:t>6/28/2025</a:t>
             </a:fld>
             <a:endParaRPr lang="en-US" dirty="0"/>
           </a:p>
@@ -22108,15 +17422,10 @@
     <p:sldLayoutId id="2147483956" r:id="rId18"/>
     <p:sldLayoutId id="2147483957" r:id="rId19"/>
     <p:sldLayoutId id="2147483958" r:id="rId20"/>
-    <p:sldLayoutId id="2147483959" r:id="rId21"/>
-    <p:sldLayoutId id="2147483960" r:id="rId22"/>
-    <p:sldLayoutId id="2147483961" r:id="rId23"/>
-    <p:sldLayoutId id="2147483962" r:id="rId24"/>
-    <p:sldLayoutId id="2147483963" r:id="rId25"/>
-    <p:sldLayoutId id="2147483964" r:id="rId26"/>
-    <p:sldLayoutId id="2147483965" r:id="rId27"/>
-    <p:sldLayoutId id="2147483966" r:id="rId28"/>
-    <p:sldLayoutId id="2147483967" r:id="rId29"/>
+    <p:sldLayoutId id="2147483961" r:id="rId21"/>
+    <p:sldLayoutId id="2147483964" r:id="rId22"/>
+    <p:sldLayoutId id="2147483965" r:id="rId23"/>
+    <p:sldLayoutId id="2147483967" r:id="rId24"/>
   </p:sldLayoutIdLst>
   <p:hf hdr="0" ftr="0" dt="0"/>
   <p:txStyles>
@@ -22693,7 +18002,13 @@
   <p:cSld>
     <p:spTree>
       <p:nvGrpSpPr>
-        <p:cNvPr id="1" name=""/>
+        <p:cNvPr id="1" name="">
+          <a:extLst>
+            <a:ext uri="{FF2B5EF4-FFF2-40B4-BE49-F238E27FC236}">
+              <a16:creationId xmlns:a16="http://schemas.microsoft.com/office/drawing/2014/main" id="{E0E3D73B-9F0E-8A97-9F95-BC043970DC0F}"/>
+            </a:ext>
+          </a:extLst>
+        </p:cNvPr>
         <p:cNvGrpSpPr/>
         <p:nvPr/>
       </p:nvGrpSpPr>
@@ -22707,587 +18022,10 @@
       </p:grpSpPr>
       <p:sp>
         <p:nvSpPr>
-          <p:cNvPr id="5" name="Title 4">
+          <p:cNvPr id="3" name="Slide Number Placeholder 2">
             <a:extLst>
               <a:ext uri="{FF2B5EF4-FFF2-40B4-BE49-F238E27FC236}">
-                <a16:creationId xmlns:a16="http://schemas.microsoft.com/office/drawing/2014/main" id="{2136FCF6-982C-CC37-9625-3EBFC7E7DD13}"/>
-              </a:ext>
-            </a:extLst>
-          </p:cNvPr>
-          <p:cNvSpPr>
-            <a:spLocks noGrp="1"/>
-          </p:cNvSpPr>
-          <p:nvPr>
-            <p:ph type="title"/>
-          </p:nvPr>
-        </p:nvSpPr>
-        <p:spPr/>
-        <p:txBody>
-          <a:bodyPr/>
-          <a:lstStyle/>
-          <a:p>
-            <a:r>
-              <a:rPr lang="en-US" dirty="0"/>
-              <a:t>Dynamic delivery</a:t>
-            </a:r>
-          </a:p>
-        </p:txBody>
-      </p:sp>
-      <p:sp>
-        <p:nvSpPr>
-          <p:cNvPr id="4" name="Text Placeholder 3">
-            <a:extLst>
-              <a:ext uri="{FF2B5EF4-FFF2-40B4-BE49-F238E27FC236}">
-                <a16:creationId xmlns:a16="http://schemas.microsoft.com/office/drawing/2014/main" id="{97DCC342-9FD1-7055-EAAC-008DC851B13F}"/>
-              </a:ext>
-            </a:extLst>
-          </p:cNvPr>
-          <p:cNvSpPr>
-            <a:spLocks noGrp="1"/>
-          </p:cNvSpPr>
-          <p:nvPr>
-            <p:ph type="body" sz="quarter" idx="13"/>
-          </p:nvPr>
-        </p:nvSpPr>
-        <p:spPr/>
-        <p:txBody>
-          <a:bodyPr/>
-          <a:lstStyle/>
-          <a:p>
-            <a:r>
-              <a:rPr lang="en-US" dirty="0"/>
-              <a:t>Learn to infuse energy into your delivery to leave a lasting impression</a:t>
-            </a:r>
-          </a:p>
-          <a:p>
-            <a:r>
-              <a:rPr lang="en-US" dirty="0"/>
-              <a:t>One of the goals of effective communication is to motivate your audience</a:t>
-            </a:r>
-          </a:p>
-        </p:txBody>
-      </p:sp>
-      <p:graphicFrame>
-        <p:nvGraphicFramePr>
-          <p:cNvPr id="6" name="Content Placeholder 5">
-            <a:extLst>
-              <a:ext uri="{FF2B5EF4-FFF2-40B4-BE49-F238E27FC236}">
-                <a16:creationId xmlns:a16="http://schemas.microsoft.com/office/drawing/2014/main" id="{4DB3991E-0605-C20E-53AD-D64E13638DA5}"/>
-              </a:ext>
-            </a:extLst>
-          </p:cNvPr>
-          <p:cNvGraphicFramePr>
-            <a:graphicFrameLocks noGrp="1"/>
-          </p:cNvGraphicFramePr>
-          <p:nvPr>
-            <p:ph sz="half" idx="1"/>
-            <p:extLst>
-              <p:ext uri="{D42A27DB-BD31-4B8C-83A1-F6EECF244321}">
-                <p14:modId xmlns:p14="http://schemas.microsoft.com/office/powerpoint/2010/main" val="2133818870"/>
-              </p:ext>
-            </p:extLst>
-          </p:nvPr>
-        </p:nvGraphicFramePr>
-        <p:xfrm>
-          <a:off x="5087938" y="2332038"/>
-          <a:ext cx="6345237" cy="3721100"/>
-        </p:xfrm>
-        <a:graphic>
-          <a:graphicData uri="http://schemas.openxmlformats.org/drawingml/2006/table">
-            <a:tbl>
-              <a:tblPr firstRow="1" bandRow="1">
-                <a:tableStyleId>{3B4B98B0-60AC-42C2-AFA5-B58CD77FA1E5}</a:tableStyleId>
-              </a:tblPr>
-              <a:tblGrid>
-                <a:gridCol w="2227408">
-                  <a:extLst>
-                    <a:ext uri="{9D8B030D-6E8A-4147-A177-3AD203B41FA5}">
-                      <a16:colId xmlns:a16="http://schemas.microsoft.com/office/drawing/2014/main" val="180956085"/>
-                    </a:ext>
-                  </a:extLst>
-                </a:gridCol>
-                <a:gridCol w="2227408">
-                  <a:extLst>
-                    <a:ext uri="{9D8B030D-6E8A-4147-A177-3AD203B41FA5}">
-                      <a16:colId xmlns:a16="http://schemas.microsoft.com/office/drawing/2014/main" val="1180706872"/>
-                    </a:ext>
-                  </a:extLst>
-                </a:gridCol>
-                <a:gridCol w="945210">
-                  <a:extLst>
-                    <a:ext uri="{9D8B030D-6E8A-4147-A177-3AD203B41FA5}">
-                      <a16:colId xmlns:a16="http://schemas.microsoft.com/office/drawing/2014/main" val="2050154702"/>
-                    </a:ext>
-                  </a:extLst>
-                </a:gridCol>
-                <a:gridCol w="945210">
-                  <a:extLst>
-                    <a:ext uri="{9D8B030D-6E8A-4147-A177-3AD203B41FA5}">
-                      <a16:colId xmlns:a16="http://schemas.microsoft.com/office/drawing/2014/main" val="1872764148"/>
-                    </a:ext>
-                  </a:extLst>
-                </a:gridCol>
-              </a:tblGrid>
-              <a:tr h="606129">
-                <a:tc>
-                  <a:txBody>
-                    <a:bodyPr/>
-                    <a:lstStyle/>
-                    <a:p>
-                      <a:r>
-                        <a:rPr lang="en-US" dirty="0">
-                          <a:solidFill>
-                            <a:schemeClr val="accent6"/>
-                          </a:solidFill>
-                        </a:rPr>
-                        <a:t>Metric</a:t>
-                      </a:r>
-                    </a:p>
-                  </a:txBody>
-                  <a:tcPr anchor="ctr"/>
-                </a:tc>
-                <a:tc>
-                  <a:txBody>
-                    <a:bodyPr/>
-                    <a:lstStyle/>
-                    <a:p>
-                      <a:r>
-                        <a:rPr lang="en-US" dirty="0">
-                          <a:solidFill>
-                            <a:schemeClr val="accent6"/>
-                          </a:solidFill>
-                        </a:rPr>
-                        <a:t>Measurement</a:t>
-                      </a:r>
-                    </a:p>
-                  </a:txBody>
-                  <a:tcPr anchor="ctr"/>
-                </a:tc>
-                <a:tc>
-                  <a:txBody>
-                    <a:bodyPr/>
-                    <a:lstStyle/>
-                    <a:p>
-                      <a:r>
-                        <a:rPr lang="en-US" dirty="0">
-                          <a:solidFill>
-                            <a:schemeClr val="accent6"/>
-                          </a:solidFill>
-                        </a:rPr>
-                        <a:t>Target</a:t>
-                      </a:r>
-                    </a:p>
-                  </a:txBody>
-                  <a:tcPr anchor="ctr"/>
-                </a:tc>
-                <a:tc>
-                  <a:txBody>
-                    <a:bodyPr/>
-                    <a:lstStyle/>
-                    <a:p>
-                      <a:r>
-                        <a:rPr lang="en-US" dirty="0">
-                          <a:solidFill>
-                            <a:schemeClr val="accent6"/>
-                          </a:solidFill>
-                        </a:rPr>
-                        <a:t>Actual</a:t>
-                      </a:r>
-                    </a:p>
-                  </a:txBody>
-                  <a:tcPr anchor="ctr"/>
-                </a:tc>
-                <a:extLst>
-                  <a:ext uri="{0D108BD9-81ED-4DB2-BD59-A6C34878D82A}">
-                    <a16:rowId xmlns:a16="http://schemas.microsoft.com/office/drawing/2014/main" val="3059142786"/>
-                  </a:ext>
-                </a:extLst>
-              </a:tr>
-              <a:tr h="606129">
-                <a:tc>
-                  <a:txBody>
-                    <a:bodyPr/>
-                    <a:lstStyle/>
-                    <a:p>
-                      <a:r>
-                        <a:rPr lang="en-US" dirty="0">
-                          <a:solidFill>
-                            <a:schemeClr val="accent6"/>
-                          </a:solidFill>
-                        </a:rPr>
-                        <a:t>Audience attendance</a:t>
-                      </a:r>
-                    </a:p>
-                  </a:txBody>
-                  <a:tcPr anchor="ctr"/>
-                </a:tc>
-                <a:tc>
-                  <a:txBody>
-                    <a:bodyPr/>
-                    <a:lstStyle/>
-                    <a:p>
-                      <a:r>
-                        <a:rPr lang="en-US" dirty="0">
-                          <a:solidFill>
-                            <a:schemeClr val="accent6"/>
-                          </a:solidFill>
-                        </a:rPr>
-                        <a:t># of attendees</a:t>
-                      </a:r>
-                    </a:p>
-                  </a:txBody>
-                  <a:tcPr anchor="ctr"/>
-                </a:tc>
-                <a:tc>
-                  <a:txBody>
-                    <a:bodyPr/>
-                    <a:lstStyle/>
-                    <a:p>
-                      <a:r>
-                        <a:rPr lang="en-US" dirty="0">
-                          <a:solidFill>
-                            <a:schemeClr val="accent6"/>
-                          </a:solidFill>
-                        </a:rPr>
-                        <a:t>150</a:t>
-                      </a:r>
-                    </a:p>
-                  </a:txBody>
-                  <a:tcPr anchor="ctr"/>
-                </a:tc>
-                <a:tc>
-                  <a:txBody>
-                    <a:bodyPr/>
-                    <a:lstStyle/>
-                    <a:p>
-                      <a:r>
-                        <a:rPr lang="en-US" dirty="0">
-                          <a:solidFill>
-                            <a:schemeClr val="accent6"/>
-                          </a:solidFill>
-                        </a:rPr>
-                        <a:t>120</a:t>
-                      </a:r>
-                    </a:p>
-                  </a:txBody>
-                  <a:tcPr anchor="ctr"/>
-                </a:tc>
-                <a:extLst>
-                  <a:ext uri="{0D108BD9-81ED-4DB2-BD59-A6C34878D82A}">
-                    <a16:rowId xmlns:a16="http://schemas.microsoft.com/office/drawing/2014/main" val="3588576737"/>
-                  </a:ext>
-                </a:extLst>
-              </a:tr>
-              <a:tr h="643498">
-                <a:tc>
-                  <a:txBody>
-                    <a:bodyPr/>
-                    <a:lstStyle/>
-                    <a:p>
-                      <a:r>
-                        <a:rPr lang="en-US" dirty="0">
-                          <a:solidFill>
-                            <a:schemeClr val="accent6"/>
-                          </a:solidFill>
-                        </a:rPr>
-                        <a:t>Engagement duration</a:t>
-                      </a:r>
-                    </a:p>
-                  </a:txBody>
-                  <a:tcPr anchor="ctr"/>
-                </a:tc>
-                <a:tc>
-                  <a:txBody>
-                    <a:bodyPr/>
-                    <a:lstStyle/>
-                    <a:p>
-                      <a:r>
-                        <a:rPr lang="en-US" dirty="0">
-                          <a:solidFill>
-                            <a:schemeClr val="accent6"/>
-                          </a:solidFill>
-                        </a:rPr>
-                        <a:t>Minutes</a:t>
-                      </a:r>
-                    </a:p>
-                  </a:txBody>
-                  <a:tcPr anchor="ctr"/>
-                </a:tc>
-                <a:tc>
-                  <a:txBody>
-                    <a:bodyPr/>
-                    <a:lstStyle/>
-                    <a:p>
-                      <a:r>
-                        <a:rPr lang="en-US" dirty="0">
-                          <a:solidFill>
-                            <a:schemeClr val="accent6"/>
-                          </a:solidFill>
-                        </a:rPr>
-                        <a:t>60</a:t>
-                      </a:r>
-                    </a:p>
-                  </a:txBody>
-                  <a:tcPr anchor="ctr"/>
-                </a:tc>
-                <a:tc>
-                  <a:txBody>
-                    <a:bodyPr/>
-                    <a:lstStyle/>
-                    <a:p>
-                      <a:r>
-                        <a:rPr lang="en-US" dirty="0">
-                          <a:solidFill>
-                            <a:schemeClr val="accent6"/>
-                          </a:solidFill>
-                        </a:rPr>
-                        <a:t>75</a:t>
-                      </a:r>
-                    </a:p>
-                  </a:txBody>
-                  <a:tcPr anchor="ctr"/>
-                </a:tc>
-                <a:extLst>
-                  <a:ext uri="{0D108BD9-81ED-4DB2-BD59-A6C34878D82A}">
-                    <a16:rowId xmlns:a16="http://schemas.microsoft.com/office/drawing/2014/main" val="1626410507"/>
-                  </a:ext>
-                </a:extLst>
-              </a:tr>
-              <a:tr h="606129">
-                <a:tc>
-                  <a:txBody>
-                    <a:bodyPr/>
-                    <a:lstStyle/>
-                    <a:p>
-                      <a:r>
-                        <a:rPr lang="en-US" dirty="0">
-                          <a:solidFill>
-                            <a:schemeClr val="accent6"/>
-                          </a:solidFill>
-                        </a:rPr>
-                        <a:t>Q&amp;A interaction</a:t>
-                      </a:r>
-                    </a:p>
-                  </a:txBody>
-                  <a:tcPr anchor="ctr"/>
-                </a:tc>
-                <a:tc>
-                  <a:txBody>
-                    <a:bodyPr/>
-                    <a:lstStyle/>
-                    <a:p>
-                      <a:r>
-                        <a:rPr lang="en-US" dirty="0">
-                          <a:solidFill>
-                            <a:schemeClr val="accent6"/>
-                          </a:solidFill>
-                        </a:rPr>
-                        <a:t># of questions</a:t>
-                      </a:r>
-                    </a:p>
-                  </a:txBody>
-                  <a:tcPr anchor="ctr"/>
-                </a:tc>
-                <a:tc>
-                  <a:txBody>
-                    <a:bodyPr/>
-                    <a:lstStyle/>
-                    <a:p>
-                      <a:r>
-                        <a:rPr lang="en-US" dirty="0">
-                          <a:solidFill>
-                            <a:schemeClr val="accent6"/>
-                          </a:solidFill>
-                        </a:rPr>
-                        <a:t>10</a:t>
-                      </a:r>
-                    </a:p>
-                  </a:txBody>
-                  <a:tcPr anchor="ctr"/>
-                </a:tc>
-                <a:tc>
-                  <a:txBody>
-                    <a:bodyPr/>
-                    <a:lstStyle/>
-                    <a:p>
-                      <a:r>
-                        <a:rPr lang="en-US" dirty="0">
-                          <a:solidFill>
-                            <a:schemeClr val="accent6"/>
-                          </a:solidFill>
-                        </a:rPr>
-                        <a:t>15</a:t>
-                      </a:r>
-                    </a:p>
-                  </a:txBody>
-                  <a:tcPr anchor="ctr"/>
-                </a:tc>
-                <a:extLst>
-                  <a:ext uri="{0D108BD9-81ED-4DB2-BD59-A6C34878D82A}">
-                    <a16:rowId xmlns:a16="http://schemas.microsoft.com/office/drawing/2014/main" val="1888116840"/>
-                  </a:ext>
-                </a:extLst>
-              </a:tr>
-              <a:tr h="606129">
-                <a:tc>
-                  <a:txBody>
-                    <a:bodyPr/>
-                    <a:lstStyle/>
-                    <a:p>
-                      <a:r>
-                        <a:rPr lang="en-US" dirty="0">
-                          <a:solidFill>
-                            <a:schemeClr val="accent6"/>
-                          </a:solidFill>
-                        </a:rPr>
-                        <a:t>Positive feedback</a:t>
-                      </a:r>
-                    </a:p>
-                  </a:txBody>
-                  <a:tcPr anchor="ctr"/>
-                </a:tc>
-                <a:tc>
-                  <a:txBody>
-                    <a:bodyPr/>
-                    <a:lstStyle/>
-                    <a:p>
-                      <a:r>
-                        <a:rPr lang="en-US" dirty="0">
-                          <a:solidFill>
-                            <a:schemeClr val="accent6"/>
-                          </a:solidFill>
-                        </a:rPr>
-                        <a:t>Percentage (%)</a:t>
-                      </a:r>
-                    </a:p>
-                  </a:txBody>
-                  <a:tcPr anchor="ctr"/>
-                </a:tc>
-                <a:tc>
-                  <a:txBody>
-                    <a:bodyPr/>
-                    <a:lstStyle/>
-                    <a:p>
-                      <a:r>
-                        <a:rPr lang="en-US" dirty="0">
-                          <a:solidFill>
-                            <a:schemeClr val="accent6"/>
-                          </a:solidFill>
-                        </a:rPr>
-                        <a:t>90</a:t>
-                      </a:r>
-                    </a:p>
-                  </a:txBody>
-                  <a:tcPr anchor="ctr"/>
-                </a:tc>
-                <a:tc>
-                  <a:txBody>
-                    <a:bodyPr/>
-                    <a:lstStyle/>
-                    <a:p>
-                      <a:r>
-                        <a:rPr lang="en-US" dirty="0">
-                          <a:solidFill>
-                            <a:schemeClr val="accent6"/>
-                          </a:solidFill>
-                        </a:rPr>
-                        <a:t>95</a:t>
-                      </a:r>
-                    </a:p>
-                  </a:txBody>
-                  <a:tcPr anchor="ctr"/>
-                </a:tc>
-                <a:extLst>
-                  <a:ext uri="{0D108BD9-81ED-4DB2-BD59-A6C34878D82A}">
-                    <a16:rowId xmlns:a16="http://schemas.microsoft.com/office/drawing/2014/main" val="4023592559"/>
-                  </a:ext>
-                </a:extLst>
-              </a:tr>
-              <a:tr h="811265">
-                <a:tc>
-                  <a:txBody>
-                    <a:bodyPr/>
-                    <a:lstStyle/>
-                    <a:p>
-                      <a:r>
-                        <a:rPr lang="en-US" dirty="0">
-                          <a:solidFill>
-                            <a:schemeClr val="accent6"/>
-                          </a:solidFill>
-                        </a:rPr>
-                        <a:t>Rate of information retention</a:t>
-                      </a:r>
-                    </a:p>
-                  </a:txBody>
-                  <a:tcPr anchor="ctr"/>
-                </a:tc>
-                <a:tc>
-                  <a:txBody>
-                    <a:bodyPr/>
-                    <a:lstStyle/>
-                    <a:p>
-                      <a:r>
-                        <a:rPr lang="en-US" dirty="0">
-                          <a:solidFill>
-                            <a:schemeClr val="accent6"/>
-                          </a:solidFill>
-                        </a:rPr>
-                        <a:t>Percentage (%)</a:t>
-                      </a:r>
-                    </a:p>
-                  </a:txBody>
-                  <a:tcPr anchor="ctr"/>
-                </a:tc>
-                <a:tc>
-                  <a:txBody>
-                    <a:bodyPr/>
-                    <a:lstStyle/>
-                    <a:p>
-                      <a:r>
-                        <a:rPr lang="en-US" dirty="0">
-                          <a:solidFill>
-                            <a:schemeClr val="accent6"/>
-                          </a:solidFill>
-                        </a:rPr>
-                        <a:t>80</a:t>
-                      </a:r>
-                    </a:p>
-                  </a:txBody>
-                  <a:tcPr anchor="ctr"/>
-                </a:tc>
-                <a:tc>
-                  <a:txBody>
-                    <a:bodyPr/>
-                    <a:lstStyle/>
-                    <a:p>
-                      <a:r>
-                        <a:rPr lang="en-US" dirty="0">
-                          <a:solidFill>
-                            <a:schemeClr val="accent6"/>
-                          </a:solidFill>
-                        </a:rPr>
-                        <a:t>85</a:t>
-                      </a:r>
-                    </a:p>
-                  </a:txBody>
-                  <a:tcPr anchor="ctr"/>
-                </a:tc>
-                <a:extLst>
-                  <a:ext uri="{0D108BD9-81ED-4DB2-BD59-A6C34878D82A}">
-                    <a16:rowId xmlns:a16="http://schemas.microsoft.com/office/drawing/2014/main" val="2426564953"/>
-                  </a:ext>
-                </a:extLst>
-              </a:tr>
-            </a:tbl>
-          </a:graphicData>
-        </a:graphic>
-      </p:graphicFrame>
-      <p:sp>
-        <p:nvSpPr>
-          <p:cNvPr id="2" name="Slide Number Placeholder 1">
-            <a:extLst>
-              <a:ext uri="{FF2B5EF4-FFF2-40B4-BE49-F238E27FC236}">
-                <a16:creationId xmlns:a16="http://schemas.microsoft.com/office/drawing/2014/main" id="{A913EEC9-16E3-6C86-97D0-A7EC7EA09CDA}"/>
+                <a16:creationId xmlns:a16="http://schemas.microsoft.com/office/drawing/2014/main" id="{43BC6262-D08F-C218-DC3B-661EDB22A67B}"/>
               </a:ext>
             </a:extLst>
           </p:cNvPr>
@@ -23312,10 +18050,110 @@
           </a:p>
         </p:txBody>
       </p:sp>
+      <p:sp>
+        <p:nvSpPr>
+          <p:cNvPr id="6" name="TextBox 5">
+            <a:extLst>
+              <a:ext uri="{FF2B5EF4-FFF2-40B4-BE49-F238E27FC236}">
+                <a16:creationId xmlns:a16="http://schemas.microsoft.com/office/drawing/2014/main" id="{E0D8D44D-B76A-872E-777D-7965E66A2216}"/>
+              </a:ext>
+            </a:extLst>
+          </p:cNvPr>
+          <p:cNvSpPr txBox="1"/>
+          <p:nvPr/>
+        </p:nvSpPr>
+        <p:spPr>
+          <a:xfrm>
+            <a:off x="167146" y="73743"/>
+            <a:ext cx="10962969" cy="1846659"/>
+          </a:xfrm>
+          <a:prstGeom prst="rect">
+            <a:avLst/>
+          </a:prstGeom>
+          <a:noFill/>
+        </p:spPr>
+        <p:txBody>
+          <a:bodyPr wrap="square">
+            <a:spAutoFit/>
+          </a:bodyPr>
+          <a:lstStyle/>
+          <a:p>
+            <a:r>
+              <a:rPr lang="en-US" sz="2400" b="1" i="0" u="none" strike="noStrike" dirty="0">
+                <a:solidFill>
+                  <a:schemeClr val="accent3"/>
+                </a:solidFill>
+                <a:effectLst/>
+                <a:latin typeface="+mj-lt"/>
+              </a:rPr>
+              <a:t>Task 7: Combine Insights into Dashboard</a:t>
+            </a:r>
+          </a:p>
+          <a:p>
+            <a:pPr fontAlgn="base"/>
+            <a:r>
+              <a:rPr lang="en-US" b="1" dirty="0"/>
+              <a:t>Dashboard Features:</a:t>
+            </a:r>
+            <a:endParaRPr lang="en-US" dirty="0"/>
+          </a:p>
+          <a:p>
+            <a:pPr fontAlgn="base"/>
+            <a:r>
+              <a:rPr lang="en-US" dirty="0"/>
+              <a:t>Total Investors: 40</a:t>
+            </a:r>
+          </a:p>
+          <a:p>
+            <a:pPr fontAlgn="base"/>
+            <a:r>
+              <a:rPr lang="en-US" dirty="0"/>
+              <a:t>Filters: Age, Gender, Source, Avenue</a:t>
+            </a:r>
+          </a:p>
+          <a:p>
+            <a:pPr fontAlgn="base"/>
+            <a:r>
+              <a:rPr lang="en-US" dirty="0"/>
+              <a:t>Visualizations: Investment Preference by Age Group, Purpose of Investment, Investment Duration, Invest Monitor Frequency, Investment Avenues, Savings Objective, Investors Returns Expectation</a:t>
+            </a:r>
+          </a:p>
+        </p:txBody>
+      </p:sp>
+      <p:pic>
+        <p:nvPicPr>
+          <p:cNvPr id="5" name="Picture 4">
+            <a:extLst>
+              <a:ext uri="{FF2B5EF4-FFF2-40B4-BE49-F238E27FC236}">
+                <a16:creationId xmlns:a16="http://schemas.microsoft.com/office/drawing/2014/main" id="{79F941D9-8992-8912-0085-D960C92F0FAB}"/>
+              </a:ext>
+            </a:extLst>
+          </p:cNvPr>
+          <p:cNvPicPr>
+            <a:picLocks noChangeAspect="1"/>
+          </p:cNvPicPr>
+          <p:nvPr/>
+        </p:nvPicPr>
+        <p:blipFill>
+          <a:blip r:embed="rId3"/>
+          <a:stretch>
+            <a:fillRect/>
+          </a:stretch>
+        </p:blipFill>
+        <p:spPr>
+          <a:xfrm>
+            <a:off x="334296" y="1920402"/>
+            <a:ext cx="11493909" cy="4863855"/>
+          </a:xfrm>
+          <a:prstGeom prst="rect">
+            <a:avLst/>
+          </a:prstGeom>
+        </p:spPr>
+      </p:pic>
     </p:spTree>
     <p:extLst>
       <p:ext uri="{BB962C8B-B14F-4D97-AF65-F5344CB8AC3E}">
-        <p14:creationId xmlns:p14="http://schemas.microsoft.com/office/powerpoint/2010/main" val="3969996159"/>
+        <p14:creationId xmlns:p14="http://schemas.microsoft.com/office/powerpoint/2010/main" val="1101130716"/>
       </p:ext>
     </p:extLst>
   </p:cSld>
@@ -23365,7 +18203,7 @@
           <a:p>
             <a:r>
               <a:rPr lang="en-US" dirty="0"/>
-              <a:t>Final tips &amp; takeaways</a:t>
+              <a:t>Conclusion</a:t>
             </a:r>
           </a:p>
         </p:txBody>
@@ -23386,114 +18224,24 @@
             <p:ph sz="half" idx="2"/>
           </p:nvPr>
         </p:nvSpPr>
-        <p:spPr/>
+        <p:spPr>
+          <a:xfrm>
+            <a:off x="1130710" y="2057020"/>
+            <a:ext cx="8111613" cy="2497953"/>
+          </a:xfrm>
+        </p:spPr>
         <p:txBody>
           <a:bodyPr>
             <a:normAutofit/>
           </a:bodyPr>
           <a:lstStyle/>
           <a:p>
-            <a:r>
-              <a:rPr lang="en-US" dirty="0"/>
-              <a:t>Consistent rehearsal</a:t>
-            </a:r>
-          </a:p>
-          <a:p>
-            <a:pPr lvl="1"/>
-            <a:r>
-              <a:rPr lang="en-US" dirty="0"/>
-              <a:t>Strengthen your familiarity</a:t>
-            </a:r>
-          </a:p>
-          <a:p>
-            <a:r>
-              <a:rPr lang="en-US" dirty="0"/>
-              <a:t>Refine delivery style</a:t>
-            </a:r>
-          </a:p>
-          <a:p>
-            <a:pPr lvl="1"/>
-            <a:r>
-              <a:rPr lang="en-US" dirty="0"/>
-              <a:t>Pacing, tone, and emphasis</a:t>
-            </a:r>
-          </a:p>
-          <a:p>
-            <a:r>
-              <a:rPr lang="en-US" dirty="0"/>
-              <a:t>Timing and transitions</a:t>
-            </a:r>
-          </a:p>
-          <a:p>
-            <a:pPr lvl="1"/>
-            <a:r>
-              <a:rPr lang="en-US" dirty="0"/>
-              <a:t>Aim for seamless, professional delivery</a:t>
-            </a:r>
-          </a:p>
-          <a:p>
-            <a:r>
-              <a:rPr lang="en-US" dirty="0"/>
-              <a:t>Practice audience</a:t>
-            </a:r>
-          </a:p>
-          <a:p>
-            <a:pPr lvl="1"/>
-            <a:r>
-              <a:rPr lang="en-US" dirty="0"/>
-              <a:t>Enlist colleagues to listen &amp; provide feedback</a:t>
-            </a:r>
-          </a:p>
-        </p:txBody>
-      </p:sp>
-      <p:sp>
-        <p:nvSpPr>
-          <p:cNvPr id="13" name="Content Placeholder 7">
-            <a:extLst>
-              <a:ext uri="{FF2B5EF4-FFF2-40B4-BE49-F238E27FC236}">
-                <a16:creationId xmlns:a16="http://schemas.microsoft.com/office/drawing/2014/main" id="{0853098E-C088-D323-4BF2-987893F262F6}"/>
-              </a:ext>
-            </a:extLst>
-          </p:cNvPr>
-          <p:cNvSpPr>
-            <a:spLocks noGrp="1"/>
-          </p:cNvSpPr>
-          <p:nvPr>
-            <p:ph sz="half" idx="15"/>
-          </p:nvPr>
-        </p:nvSpPr>
-        <p:spPr/>
-        <p:txBody>
-          <a:bodyPr/>
-          <a:lstStyle/>
-          <a:p>
-            <a:r>
-              <a:rPr lang="en-US" dirty="0"/>
-              <a:t>Seek feedback</a:t>
-            </a:r>
-          </a:p>
-          <a:p>
-            <a:r>
-              <a:rPr lang="en-US" dirty="0"/>
-              <a:t>Reflect on performance</a:t>
-            </a:r>
-          </a:p>
-          <a:p>
-            <a:r>
-              <a:rPr lang="en-US" dirty="0"/>
-              <a:t>Explore new techniques</a:t>
-            </a:r>
-          </a:p>
-          <a:p>
-            <a:r>
-              <a:rPr lang="en-US" dirty="0"/>
-              <a:t>Set personal goals</a:t>
-            </a:r>
-          </a:p>
-          <a:p>
-            <a:r>
-              <a:rPr lang="en-US" dirty="0"/>
-              <a:t>Iterate and adapt</a:t>
+            <a:pPr marL="0" indent="0" algn="just">
+              <a:buNone/>
+            </a:pPr>
+            <a:r>
+              <a:rPr lang="en-US" sz="2000" dirty="0"/>
+              <a:t>This project provided a comprehensive analysis of investment behavior. Key takeaways include the prevalence of Mutual Funds and Equity, gender-specific investment preferences (males preferring riskier assets, females preferring stable ones), the dominance of Retirement Plans as a savings objective, and the significant role of financial consultants for complex investment avenues. The interactive dashboard serves as a powerful tool for further exploration and understanding of these insights.</a:t>
             </a:r>
           </a:p>
         </p:txBody>
@@ -23520,11 +18268,19 @@
           <a:lstStyle/>
           <a:p>
             <a:fld id="{48F63A3B-78C7-47BE-AE5E-E10140E04643}" type="slidenum">
-              <a:rPr lang="en-US" smtClean="0"/>
+              <a:rPr lang="en-US" smtClean="0">
+                <a:solidFill>
+                  <a:schemeClr val="tx1"/>
+                </a:solidFill>
+              </a:rPr>
               <a:pPr/>
               <a:t>11</a:t>
             </a:fld>
-            <a:endParaRPr lang="en-US" dirty="0"/>
+            <a:endParaRPr lang="en-US" dirty="0">
+              <a:solidFill>
+                <a:schemeClr val="tx1"/>
+              </a:solidFill>
+            </a:endParaRPr>
           </a:p>
         </p:txBody>
       </p:sp>
@@ -23560,10 +18316,10 @@
       </p:grpSpPr>
       <p:sp>
         <p:nvSpPr>
-          <p:cNvPr id="2" name="Title 1">
+          <p:cNvPr id="5" name="Title 4">
             <a:extLst>
               <a:ext uri="{FF2B5EF4-FFF2-40B4-BE49-F238E27FC236}">
-                <a16:creationId xmlns:a16="http://schemas.microsoft.com/office/drawing/2014/main" id="{4730A324-0737-F0DA-1F7D-10CBE06D7C3F}"/>
+                <a16:creationId xmlns:a16="http://schemas.microsoft.com/office/drawing/2014/main" id="{2136FCF6-982C-CC37-9625-3EBFC7E7DD13}"/>
               </a:ext>
             </a:extLst>
           </p:cNvPr>
@@ -23574,443 +18330,148 @@
             <p:ph type="title"/>
           </p:nvPr>
         </p:nvSpPr>
-        <p:spPr/>
+        <p:spPr>
+          <a:xfrm>
+            <a:off x="1550564" y="928688"/>
+            <a:ext cx="5243527" cy="980844"/>
+          </a:xfrm>
+        </p:spPr>
         <p:txBody>
           <a:bodyPr/>
           <a:lstStyle/>
           <a:p>
             <a:r>
-              <a:rPr lang="en-US" dirty="0"/>
-              <a:t>Speaking engagement metrics</a:t>
-            </a:r>
+              <a:rPr lang="en-IN" b="1" dirty="0"/>
+              <a:t>Recommendations</a:t>
+            </a:r>
+            <a:endParaRPr lang="en-US" dirty="0"/>
           </a:p>
         </p:txBody>
       </p:sp>
-      <p:graphicFrame>
-        <p:nvGraphicFramePr>
-          <p:cNvPr id="5" name="Content Placeholder 4">
+      <p:sp>
+        <p:nvSpPr>
+          <p:cNvPr id="4" name="Text Placeholder 3">
             <a:extLst>
               <a:ext uri="{FF2B5EF4-FFF2-40B4-BE49-F238E27FC236}">
-                <a16:creationId xmlns:a16="http://schemas.microsoft.com/office/drawing/2014/main" id="{AC0C7FF8-9CAF-6C67-C1E5-AF40401D0B3D}"/>
+                <a16:creationId xmlns:a16="http://schemas.microsoft.com/office/drawing/2014/main" id="{97DCC342-9FD1-7055-EAAC-008DC851B13F}"/>
               </a:ext>
             </a:extLst>
           </p:cNvPr>
-          <p:cNvGraphicFramePr>
-            <a:graphicFrameLocks noGrp="1"/>
-          </p:cNvGraphicFramePr>
+          <p:cNvSpPr>
+            <a:spLocks noGrp="1"/>
+          </p:cNvSpPr>
           <p:nvPr>
-            <p:ph sz="quarter" idx="4"/>
-            <p:extLst>
-              <p:ext uri="{D42A27DB-BD31-4B8C-83A1-F6EECF244321}">
-                <p14:modId xmlns:p14="http://schemas.microsoft.com/office/powerpoint/2010/main" val="3999503228"/>
-              </p:ext>
-            </p:extLst>
+            <p:ph type="body" sz="quarter" idx="13"/>
           </p:nvPr>
-        </p:nvGraphicFramePr>
-        <p:xfrm>
-          <a:off x="914400" y="2316163"/>
-          <a:ext cx="10510838" cy="3948112"/>
-        </p:xfrm>
-        <a:graphic>
-          <a:graphicData uri="http://schemas.openxmlformats.org/drawingml/2006/table">
-            <a:tbl>
-              <a:tblPr firstRow="1" bandRow="1">
-                <a:tableStyleId>{C083E6E3-FA7D-4D7B-A595-EF9225AFEA82}</a:tableStyleId>
-              </a:tblPr>
-              <a:tblGrid>
-                <a:gridCol w="4080076">
-                  <a:extLst>
-                    <a:ext uri="{9D8B030D-6E8A-4147-A177-3AD203B41FA5}">
-                      <a16:colId xmlns:a16="http://schemas.microsoft.com/office/drawing/2014/main" val="1764027237"/>
-                    </a:ext>
-                  </a:extLst>
-                </a:gridCol>
-                <a:gridCol w="4080076">
-                  <a:extLst>
-                    <a:ext uri="{9D8B030D-6E8A-4147-A177-3AD203B41FA5}">
-                      <a16:colId xmlns:a16="http://schemas.microsoft.com/office/drawing/2014/main" val="778914542"/>
-                    </a:ext>
-                  </a:extLst>
-                </a:gridCol>
-                <a:gridCol w="1175342">
-                  <a:extLst>
-                    <a:ext uri="{9D8B030D-6E8A-4147-A177-3AD203B41FA5}">
-                      <a16:colId xmlns:a16="http://schemas.microsoft.com/office/drawing/2014/main" val="4233386372"/>
-                    </a:ext>
-                  </a:extLst>
-                </a:gridCol>
-                <a:gridCol w="1175342">
-                  <a:extLst>
-                    <a:ext uri="{9D8B030D-6E8A-4147-A177-3AD203B41FA5}">
-                      <a16:colId xmlns:a16="http://schemas.microsoft.com/office/drawing/2014/main" val="1626524931"/>
-                    </a:ext>
-                  </a:extLst>
-                </a:gridCol>
-              </a:tblGrid>
-              <a:tr h="658077">
-                <a:tc>
-                  <a:txBody>
-                    <a:bodyPr/>
-                    <a:lstStyle/>
-                    <a:p>
-                      <a:r>
-                        <a:rPr lang="en-US" dirty="0"/>
-                        <a:t>Impact factor</a:t>
-                      </a:r>
-                    </a:p>
-                  </a:txBody>
-                  <a:tcPr anchor="ctr"/>
-                </a:tc>
-                <a:tc>
-                  <a:txBody>
-                    <a:bodyPr/>
-                    <a:lstStyle/>
-                    <a:p>
-                      <a:r>
-                        <a:rPr lang="en-US" dirty="0"/>
-                        <a:t>Measurement</a:t>
-                      </a:r>
-                    </a:p>
-                  </a:txBody>
-                  <a:tcPr anchor="ctr"/>
-                </a:tc>
-                <a:tc>
-                  <a:txBody>
-                    <a:bodyPr/>
-                    <a:lstStyle/>
-                    <a:p>
-                      <a:r>
-                        <a:rPr lang="en-US" dirty="0"/>
-                        <a:t>Target</a:t>
-                      </a:r>
-                    </a:p>
-                  </a:txBody>
-                  <a:tcPr anchor="ctr"/>
-                </a:tc>
-                <a:tc>
-                  <a:txBody>
-                    <a:bodyPr/>
-                    <a:lstStyle/>
-                    <a:p>
-                      <a:r>
-                        <a:rPr lang="en-US" dirty="0"/>
-                        <a:t>Achieved</a:t>
-                      </a:r>
-                    </a:p>
-                  </a:txBody>
-                  <a:tcPr anchor="ctr"/>
-                </a:tc>
-                <a:extLst>
-                  <a:ext uri="{0D108BD9-81ED-4DB2-BD59-A6C34878D82A}">
-                    <a16:rowId xmlns:a16="http://schemas.microsoft.com/office/drawing/2014/main" val="2865033212"/>
-                  </a:ext>
-                </a:extLst>
-              </a:tr>
-              <a:tr h="658077">
-                <a:tc>
-                  <a:txBody>
-                    <a:bodyPr/>
-                    <a:lstStyle/>
-                    <a:p>
-                      <a:r>
-                        <a:rPr lang="en-US" dirty="0"/>
-                        <a:t>Audience interaction</a:t>
-                      </a:r>
-                    </a:p>
-                  </a:txBody>
-                  <a:tcPr anchor="ctr"/>
-                </a:tc>
-                <a:tc>
-                  <a:txBody>
-                    <a:bodyPr/>
-                    <a:lstStyle/>
-                    <a:p>
-                      <a:r>
-                        <a:rPr lang="en-US" dirty="0"/>
-                        <a:t>Percentage (%)</a:t>
-                      </a:r>
-                    </a:p>
-                  </a:txBody>
-                  <a:tcPr anchor="ctr"/>
-                </a:tc>
-                <a:tc>
-                  <a:txBody>
-                    <a:bodyPr/>
-                    <a:lstStyle/>
-                    <a:p>
-                      <a:r>
-                        <a:rPr lang="en-US" dirty="0"/>
-                        <a:t>85</a:t>
-                      </a:r>
-                    </a:p>
-                  </a:txBody>
-                  <a:tcPr anchor="ctr"/>
-                </a:tc>
-                <a:tc>
-                  <a:txBody>
-                    <a:bodyPr/>
-                    <a:lstStyle/>
-                    <a:p>
-                      <a:r>
-                        <a:rPr lang="en-US" dirty="0"/>
-                        <a:t>88</a:t>
-                      </a:r>
-                    </a:p>
-                  </a:txBody>
-                  <a:tcPr anchor="ctr"/>
-                </a:tc>
-                <a:extLst>
-                  <a:ext uri="{0D108BD9-81ED-4DB2-BD59-A6C34878D82A}">
-                    <a16:rowId xmlns:a16="http://schemas.microsoft.com/office/drawing/2014/main" val="773796761"/>
-                  </a:ext>
-                </a:extLst>
-              </a:tr>
-              <a:tr h="658077">
-                <a:tc>
-                  <a:txBody>
-                    <a:bodyPr/>
-                    <a:lstStyle/>
-                    <a:p>
-                      <a:r>
-                        <a:rPr lang="en-US" dirty="0"/>
-                        <a:t>Knowledge retention</a:t>
-                      </a:r>
-                    </a:p>
-                  </a:txBody>
-                  <a:tcPr anchor="ctr"/>
-                </a:tc>
-                <a:tc>
-                  <a:txBody>
-                    <a:bodyPr/>
-                    <a:lstStyle/>
-                    <a:p>
-                      <a:r>
-                        <a:rPr lang="en-US" dirty="0"/>
-                        <a:t>Percentage (%)</a:t>
-                      </a:r>
-                    </a:p>
-                  </a:txBody>
-                  <a:tcPr anchor="ctr"/>
-                </a:tc>
-                <a:tc>
-                  <a:txBody>
-                    <a:bodyPr/>
-                    <a:lstStyle/>
-                    <a:p>
-                      <a:r>
-                        <a:rPr lang="en-US" dirty="0"/>
-                        <a:t>75</a:t>
-                      </a:r>
-                    </a:p>
-                  </a:txBody>
-                  <a:tcPr anchor="ctr"/>
-                </a:tc>
-                <a:tc>
-                  <a:txBody>
-                    <a:bodyPr/>
-                    <a:lstStyle/>
-                    <a:p>
-                      <a:r>
-                        <a:rPr lang="en-US" dirty="0"/>
-                        <a:t>80</a:t>
-                      </a:r>
-                    </a:p>
-                  </a:txBody>
-                  <a:tcPr anchor="ctr"/>
-                </a:tc>
-                <a:extLst>
-                  <a:ext uri="{0D108BD9-81ED-4DB2-BD59-A6C34878D82A}">
-                    <a16:rowId xmlns:a16="http://schemas.microsoft.com/office/drawing/2014/main" val="1789202252"/>
-                  </a:ext>
-                </a:extLst>
-              </a:tr>
-              <a:tr h="658077">
-                <a:tc>
-                  <a:txBody>
-                    <a:bodyPr/>
-                    <a:lstStyle/>
-                    <a:p>
-                      <a:r>
-                        <a:rPr lang="en-US" dirty="0"/>
-                        <a:t>Post-presentation surveys</a:t>
-                      </a:r>
-                    </a:p>
-                  </a:txBody>
-                  <a:tcPr anchor="ctr"/>
-                </a:tc>
-                <a:tc>
-                  <a:txBody>
-                    <a:bodyPr/>
-                    <a:lstStyle/>
-                    <a:p>
-                      <a:r>
-                        <a:rPr lang="en-US" dirty="0"/>
-                        <a:t>Average rating</a:t>
-                      </a:r>
-                    </a:p>
-                  </a:txBody>
-                  <a:tcPr anchor="ctr"/>
-                </a:tc>
-                <a:tc>
-                  <a:txBody>
-                    <a:bodyPr/>
-                    <a:lstStyle/>
-                    <a:p>
-                      <a:r>
-                        <a:rPr lang="en-US" dirty="0"/>
-                        <a:t>4.2</a:t>
-                      </a:r>
-                    </a:p>
-                  </a:txBody>
-                  <a:tcPr anchor="ctr"/>
-                </a:tc>
-                <a:tc>
-                  <a:txBody>
-                    <a:bodyPr/>
-                    <a:lstStyle/>
-                    <a:p>
-                      <a:r>
-                        <a:rPr lang="en-US" dirty="0"/>
-                        <a:t>4.5</a:t>
-                      </a:r>
-                    </a:p>
-                  </a:txBody>
-                  <a:tcPr anchor="ctr"/>
-                </a:tc>
-                <a:extLst>
-                  <a:ext uri="{0D108BD9-81ED-4DB2-BD59-A6C34878D82A}">
-                    <a16:rowId xmlns:a16="http://schemas.microsoft.com/office/drawing/2014/main" val="2325356481"/>
-                  </a:ext>
-                </a:extLst>
-              </a:tr>
-              <a:tr h="658077">
-                <a:tc>
-                  <a:txBody>
-                    <a:bodyPr/>
-                    <a:lstStyle/>
-                    <a:p>
-                      <a:r>
-                        <a:rPr lang="en-US" dirty="0"/>
-                        <a:t>Referral rate</a:t>
-                      </a:r>
-                    </a:p>
-                  </a:txBody>
-                  <a:tcPr anchor="ctr"/>
-                </a:tc>
-                <a:tc>
-                  <a:txBody>
-                    <a:bodyPr/>
-                    <a:lstStyle/>
-                    <a:p>
-                      <a:r>
-                        <a:rPr lang="en-US" dirty="0"/>
-                        <a:t>Percentage (%)</a:t>
-                      </a:r>
-                    </a:p>
-                  </a:txBody>
-                  <a:tcPr anchor="ctr"/>
-                </a:tc>
-                <a:tc>
-                  <a:txBody>
-                    <a:bodyPr/>
-                    <a:lstStyle/>
-                    <a:p>
-                      <a:r>
-                        <a:rPr lang="en-US" dirty="0"/>
-                        <a:t>10</a:t>
-                      </a:r>
-                    </a:p>
-                  </a:txBody>
-                  <a:tcPr anchor="ctr"/>
-                </a:tc>
-                <a:tc>
-                  <a:txBody>
-                    <a:bodyPr/>
-                    <a:lstStyle/>
-                    <a:p>
-                      <a:r>
-                        <a:rPr lang="en-US" dirty="0"/>
-                        <a:t>12</a:t>
-                      </a:r>
-                    </a:p>
-                  </a:txBody>
-                  <a:tcPr anchor="ctr"/>
-                </a:tc>
-                <a:extLst>
-                  <a:ext uri="{0D108BD9-81ED-4DB2-BD59-A6C34878D82A}">
-                    <a16:rowId xmlns:a16="http://schemas.microsoft.com/office/drawing/2014/main" val="3322085491"/>
-                  </a:ext>
-                </a:extLst>
-              </a:tr>
-              <a:tr h="658077">
-                <a:tc>
-                  <a:txBody>
-                    <a:bodyPr/>
-                    <a:lstStyle/>
-                    <a:p>
-                      <a:r>
-                        <a:rPr lang="en-US" dirty="0"/>
-                        <a:t>Collaboration opportunities</a:t>
-                      </a:r>
-                    </a:p>
-                  </a:txBody>
-                  <a:tcPr anchor="ctr"/>
-                </a:tc>
-                <a:tc>
-                  <a:txBody>
-                    <a:bodyPr/>
-                    <a:lstStyle/>
-                    <a:p>
-                      <a:r>
-                        <a:rPr lang="en-US" dirty="0"/>
-                        <a:t># of opportunities</a:t>
-                      </a:r>
-                    </a:p>
-                  </a:txBody>
-                  <a:tcPr anchor="ctr"/>
-                </a:tc>
-                <a:tc>
-                  <a:txBody>
-                    <a:bodyPr/>
-                    <a:lstStyle/>
-                    <a:p>
-                      <a:r>
-                        <a:rPr lang="en-US" dirty="0"/>
-                        <a:t>8</a:t>
-                      </a:r>
-                    </a:p>
-                  </a:txBody>
-                  <a:tcPr anchor="ctr"/>
-                </a:tc>
-                <a:tc>
-                  <a:txBody>
-                    <a:bodyPr/>
-                    <a:lstStyle/>
-                    <a:p>
-                      <a:r>
-                        <a:rPr lang="en-US" dirty="0"/>
-                        <a:t>10</a:t>
-                      </a:r>
-                    </a:p>
-                  </a:txBody>
-                  <a:tcPr anchor="ctr"/>
-                </a:tc>
-                <a:extLst>
-                  <a:ext uri="{0D108BD9-81ED-4DB2-BD59-A6C34878D82A}">
-                    <a16:rowId xmlns:a16="http://schemas.microsoft.com/office/drawing/2014/main" val="2682318458"/>
-                  </a:ext>
-                </a:extLst>
-              </a:tr>
-            </a:tbl>
-          </a:graphicData>
-        </a:graphic>
-      </p:graphicFrame>
+        </p:nvSpPr>
+        <p:spPr>
+          <a:xfrm>
+            <a:off x="924233" y="1692861"/>
+            <a:ext cx="10343534" cy="4580120"/>
+          </a:xfrm>
+        </p:spPr>
+        <p:txBody>
+          <a:bodyPr/>
+          <a:lstStyle/>
+          <a:p>
+            <a:pPr algn="just"/>
+            <a:r>
+              <a:rPr lang="en-US" sz="1700" dirty="0"/>
+              <a:t>Based on the findings, the following recommendations can be made:</a:t>
+            </a:r>
+          </a:p>
+          <a:p>
+            <a:pPr marL="285750" indent="-285750" algn="just" fontAlgn="base">
+              <a:buFont typeface="Wingdings" panose="05000000000000000000" pitchFamily="2" charset="2"/>
+              <a:buChar char="q"/>
+            </a:pPr>
+            <a:r>
+              <a:rPr lang="en-US" sz="1700" b="1" dirty="0"/>
+              <a:t>Targeted Marketing:</a:t>
+            </a:r>
+            <a:r>
+              <a:rPr lang="en-US" sz="1700" dirty="0"/>
+              <a:t> Investment product marketing can be tailored based on gender and age group, highlighting relevant benefits (e.g., stability for females, growth for males).</a:t>
+            </a:r>
+          </a:p>
+          <a:p>
+            <a:pPr marL="285750" indent="-285750" algn="just" fontAlgn="base">
+              <a:buFont typeface="Wingdings" panose="05000000000000000000" pitchFamily="2" charset="2"/>
+              <a:buChar char="q"/>
+            </a:pPr>
+            <a:r>
+              <a:rPr lang="en-US" sz="1700" b="1" dirty="0"/>
+              <a:t>Educational Initiatives:</a:t>
+            </a:r>
+            <a:r>
+              <a:rPr lang="en-US" sz="1700" dirty="0"/>
+              <a:t> For less popular avenues like Fixed Deposits and PPFs, educational campaigns can emphasize their unique benefits (e.g., assured returns, tax benefits) to broaden investor appeal.</a:t>
+            </a:r>
+          </a:p>
+          <a:p>
+            <a:pPr marL="285750" indent="-285750" algn="just" fontAlgn="base">
+              <a:buFont typeface="Wingdings" panose="05000000000000000000" pitchFamily="2" charset="2"/>
+              <a:buChar char="q"/>
+            </a:pPr>
+            <a:r>
+              <a:rPr lang="en-US" sz="1700" b="1" dirty="0"/>
+              <a:t>Information Dissemination:</a:t>
+            </a:r>
+            <a:r>
+              <a:rPr lang="en-US" sz="1700" dirty="0"/>
+              <a:t> Given the reliance on financial consultants for complex products, partnerships with such professionals can be beneficial. For equity investors, traditional media remains an important channel.</a:t>
+            </a:r>
+          </a:p>
+          <a:p>
+            <a:pPr marL="285750" indent="-285750" algn="just" fontAlgn="base">
+              <a:buFont typeface="Wingdings" panose="05000000000000000000" pitchFamily="2" charset="2"/>
+              <a:buChar char="q"/>
+            </a:pPr>
+            <a:r>
+              <a:rPr lang="en-US" sz="1700" b="1" dirty="0"/>
+              <a:t>Product Development:</a:t>
+            </a:r>
+            <a:r>
+              <a:rPr lang="en-US" sz="1700" dirty="0"/>
+              <a:t> Consider developing products that cater to the most common savings objective (Retirement Plan) and offer flexible duration options to align with investor preferences.</a:t>
+            </a:r>
+          </a:p>
+          <a:p>
+            <a:pPr marL="285750" indent="-285750" algn="just" fontAlgn="base">
+              <a:buFont typeface="Wingdings" panose="05000000000000000000" pitchFamily="2" charset="2"/>
+              <a:buChar char="q"/>
+            </a:pPr>
+            <a:r>
+              <a:rPr lang="en-US" sz="1700" b="1" dirty="0"/>
+              <a:t>Digital Engagement:</a:t>
+            </a:r>
+            <a:r>
+              <a:rPr lang="en-US" sz="1700" dirty="0"/>
+              <a:t> While financial consultants are crucial, increasing online presence and providing accessible digital resources can further support investor information gathering, especially for the younger demographic.</a:t>
+            </a:r>
+          </a:p>
+          <a:p>
+            <a:pPr algn="just"/>
+            <a:r>
+              <a:rPr lang="en-US" sz="1700" dirty="0"/>
+              <a:t>This report serves as a valuable resource for financial institutions, advisors, and investors seeking to understand the dynamics of investment behavior.</a:t>
+            </a:r>
+          </a:p>
+          <a:p>
+            <a:pPr algn="just"/>
+            <a:br>
+              <a:rPr lang="en-US" sz="1600" dirty="0"/>
+            </a:br>
+            <a:endParaRPr lang="en-US" sz="1600" dirty="0"/>
+          </a:p>
+        </p:txBody>
+      </p:sp>
       <p:sp>
         <p:nvSpPr>
-          <p:cNvPr id="3" name="Slide Number Placeholder 2">
+          <p:cNvPr id="2" name="Slide Number Placeholder 1">
             <a:extLst>
               <a:ext uri="{FF2B5EF4-FFF2-40B4-BE49-F238E27FC236}">
-                <a16:creationId xmlns:a16="http://schemas.microsoft.com/office/drawing/2014/main" id="{AC21286A-7B29-3B58-1636-0F45723890AB}"/>
+                <a16:creationId xmlns:a16="http://schemas.microsoft.com/office/drawing/2014/main" id="{A913EEC9-16E3-6C86-97D0-A7EC7EA09CDA}"/>
               </a:ext>
             </a:extLst>
           </p:cNvPr>
@@ -24038,7 +18499,7 @@
     </p:spTree>
     <p:extLst>
       <p:ext uri="{BB962C8B-B14F-4D97-AF65-F5344CB8AC3E}">
-        <p14:creationId xmlns:p14="http://schemas.microsoft.com/office/powerpoint/2010/main" val="1686213229"/>
+        <p14:creationId xmlns:p14="http://schemas.microsoft.com/office/powerpoint/2010/main" val="3969996159"/>
       </p:ext>
     </p:extLst>
   </p:cSld>
@@ -24081,20 +18542,25 @@
             <p:ph type="ctrTitle"/>
           </p:nvPr>
         </p:nvSpPr>
-        <p:spPr/>
+        <p:spPr>
+          <a:xfrm>
+            <a:off x="914401" y="1557705"/>
+            <a:ext cx="5715000" cy="2727709"/>
+          </a:xfrm>
+        </p:spPr>
         <p:txBody>
           <a:bodyPr/>
           <a:lstStyle/>
           <a:p>
             <a:r>
-              <a:rPr lang="en-US" dirty="0"/>
+              <a:rPr lang="en-US" sz="7200" b="1" dirty="0"/>
               <a:t>Thank </a:t>
             </a:r>
             <a:br>
-              <a:rPr lang="en-US" dirty="0"/>
+              <a:rPr lang="en-US" sz="7200" b="1" dirty="0"/>
             </a:br>
             <a:r>
-              <a:rPr lang="en-US" dirty="0"/>
+              <a:rPr lang="en-US" sz="7200" b="1" dirty="0"/>
               <a:t>you</a:t>
             </a:r>
           </a:p>
@@ -24102,46 +18568,297 @@
       </p:sp>
       <p:sp>
         <p:nvSpPr>
-          <p:cNvPr id="3" name="Subtitle 2">
+          <p:cNvPr id="6" name="Subtitle 2">
             <a:extLst>
               <a:ext uri="{FF2B5EF4-FFF2-40B4-BE49-F238E27FC236}">
-                <a16:creationId xmlns:a16="http://schemas.microsoft.com/office/drawing/2014/main" id="{D8B5CEF2-E667-BBB5-2EA6-C06F93B6DE12}"/>
+                <a16:creationId xmlns:a16="http://schemas.microsoft.com/office/drawing/2014/main" id="{3CB678A2-F5E5-B425-DEE6-E4AA61F3C968}"/>
               </a:ext>
             </a:extLst>
           </p:cNvPr>
-          <p:cNvSpPr>
-            <a:spLocks noGrp="1"/>
+          <p:cNvSpPr txBox="1">
+            <a:spLocks/>
           </p:cNvSpPr>
-          <p:nvPr>
-            <p:ph type="subTitle" idx="1"/>
-          </p:nvPr>
+          <p:nvPr/>
         </p:nvSpPr>
-        <p:spPr/>
+        <p:spPr>
+          <a:xfrm>
+            <a:off x="914401" y="4384584"/>
+            <a:ext cx="5715000" cy="1455777"/>
+          </a:xfrm>
+          <a:prstGeom prst="rect">
+            <a:avLst/>
+          </a:prstGeom>
+        </p:spPr>
         <p:txBody>
-          <a:bodyPr/>
-          <a:lstStyle/>
+          <a:bodyPr vert="horz" lIns="91440" tIns="0" rIns="91440" bIns="0" rtlCol="0" anchor="t" anchorCtr="0">
+            <a:normAutofit/>
+          </a:bodyPr>
+          <a:lstStyle>
+            <a:lvl1pPr marL="0" indent="0" algn="l" defTabSz="457200" rtl="0" eaLnBrk="1" latinLnBrk="0" hangingPunct="1">
+              <a:spcBef>
+                <a:spcPts val="576"/>
+              </a:spcBef>
+              <a:spcAft>
+                <a:spcPts val="0"/>
+              </a:spcAft>
+              <a:buClr>
+                <a:schemeClr val="accent1">
+                  <a:lumMod val="75000"/>
+                </a:schemeClr>
+              </a:buClr>
+              <a:buSzPct val="80000"/>
+              <a:buFont typeface="Wingdings 3" charset="2"/>
+              <a:buNone/>
+              <a:defRPr sz="2400" kern="1200">
+                <a:solidFill>
+                  <a:schemeClr val="tx1">
+                    <a:lumMod val="75000"/>
+                    <a:lumOff val="25000"/>
+                  </a:schemeClr>
+                </a:solidFill>
+                <a:latin typeface="+mn-lt"/>
+                <a:ea typeface="+mn-ea"/>
+                <a:cs typeface="+mn-cs"/>
+              </a:defRPr>
+            </a:lvl1pPr>
+            <a:lvl2pPr marL="457200" indent="0" algn="ctr" defTabSz="457200" rtl="0" eaLnBrk="1" latinLnBrk="0" hangingPunct="1">
+              <a:spcBef>
+                <a:spcPts val="1000"/>
+              </a:spcBef>
+              <a:spcAft>
+                <a:spcPts val="0"/>
+              </a:spcAft>
+              <a:buClr>
+                <a:schemeClr val="accent1">
+                  <a:lumMod val="75000"/>
+                </a:schemeClr>
+              </a:buClr>
+              <a:buSzPct val="80000"/>
+              <a:buFont typeface="Wingdings 3" charset="2"/>
+              <a:buNone/>
+              <a:defRPr sz="2000" kern="1200">
+                <a:solidFill>
+                  <a:schemeClr val="tx1">
+                    <a:lumMod val="75000"/>
+                    <a:lumOff val="25000"/>
+                  </a:schemeClr>
+                </a:solidFill>
+                <a:latin typeface="+mn-lt"/>
+                <a:ea typeface="+mn-ea"/>
+                <a:cs typeface="+mn-cs"/>
+              </a:defRPr>
+            </a:lvl2pPr>
+            <a:lvl3pPr marL="914400" indent="0" algn="ctr" defTabSz="457200" rtl="0" eaLnBrk="1" latinLnBrk="0" hangingPunct="1">
+              <a:spcBef>
+                <a:spcPts val="1000"/>
+              </a:spcBef>
+              <a:spcAft>
+                <a:spcPts val="0"/>
+              </a:spcAft>
+              <a:buClr>
+                <a:schemeClr val="accent1">
+                  <a:lumMod val="75000"/>
+                </a:schemeClr>
+              </a:buClr>
+              <a:buSzPct val="80000"/>
+              <a:buFont typeface="Wingdings 3" charset="2"/>
+              <a:buNone/>
+              <a:defRPr sz="1800" kern="1200">
+                <a:solidFill>
+                  <a:schemeClr val="tx1">
+                    <a:lumMod val="75000"/>
+                    <a:lumOff val="25000"/>
+                  </a:schemeClr>
+                </a:solidFill>
+                <a:latin typeface="+mn-lt"/>
+                <a:ea typeface="+mn-ea"/>
+                <a:cs typeface="+mn-cs"/>
+              </a:defRPr>
+            </a:lvl3pPr>
+            <a:lvl4pPr marL="1371600" indent="0" algn="ctr" defTabSz="457200" rtl="0" eaLnBrk="1" latinLnBrk="0" hangingPunct="1">
+              <a:spcBef>
+                <a:spcPts val="1000"/>
+              </a:spcBef>
+              <a:spcAft>
+                <a:spcPts val="0"/>
+              </a:spcAft>
+              <a:buClr>
+                <a:schemeClr val="accent1">
+                  <a:lumMod val="75000"/>
+                </a:schemeClr>
+              </a:buClr>
+              <a:buSzPct val="80000"/>
+              <a:buFont typeface="Wingdings 3" charset="2"/>
+              <a:buNone/>
+              <a:defRPr sz="1600" kern="1200">
+                <a:solidFill>
+                  <a:schemeClr val="tx1">
+                    <a:lumMod val="75000"/>
+                    <a:lumOff val="25000"/>
+                  </a:schemeClr>
+                </a:solidFill>
+                <a:latin typeface="+mn-lt"/>
+                <a:ea typeface="+mn-ea"/>
+                <a:cs typeface="+mn-cs"/>
+              </a:defRPr>
+            </a:lvl4pPr>
+            <a:lvl5pPr marL="1828800" indent="0" algn="ctr" defTabSz="457200" rtl="0" eaLnBrk="1" latinLnBrk="0" hangingPunct="1">
+              <a:spcBef>
+                <a:spcPts val="1000"/>
+              </a:spcBef>
+              <a:spcAft>
+                <a:spcPts val="0"/>
+              </a:spcAft>
+              <a:buClr>
+                <a:schemeClr val="accent1">
+                  <a:lumMod val="75000"/>
+                </a:schemeClr>
+              </a:buClr>
+              <a:buSzPct val="80000"/>
+              <a:buFont typeface="Wingdings 3" charset="2"/>
+              <a:buNone/>
+              <a:defRPr sz="1600" kern="1200">
+                <a:solidFill>
+                  <a:schemeClr val="tx1">
+                    <a:lumMod val="75000"/>
+                    <a:lumOff val="25000"/>
+                  </a:schemeClr>
+                </a:solidFill>
+                <a:latin typeface="+mn-lt"/>
+                <a:ea typeface="+mn-ea"/>
+                <a:cs typeface="+mn-cs"/>
+              </a:defRPr>
+            </a:lvl5pPr>
+            <a:lvl6pPr marL="2286000" indent="0" algn="ctr" defTabSz="457200" rtl="0" eaLnBrk="1" latinLnBrk="0" hangingPunct="1">
+              <a:spcBef>
+                <a:spcPts val="1000"/>
+              </a:spcBef>
+              <a:spcAft>
+                <a:spcPts val="0"/>
+              </a:spcAft>
+              <a:buClr>
+                <a:schemeClr val="accent1">
+                  <a:lumMod val="75000"/>
+                </a:schemeClr>
+              </a:buClr>
+              <a:buSzPct val="80000"/>
+              <a:buFont typeface="Wingdings 3" charset="2"/>
+              <a:buNone/>
+              <a:defRPr sz="1600" kern="1200">
+                <a:solidFill>
+                  <a:schemeClr val="tx1">
+                    <a:lumMod val="75000"/>
+                    <a:lumOff val="25000"/>
+                  </a:schemeClr>
+                </a:solidFill>
+                <a:latin typeface="+mn-lt"/>
+                <a:ea typeface="+mn-ea"/>
+                <a:cs typeface="+mn-cs"/>
+              </a:defRPr>
+            </a:lvl6pPr>
+            <a:lvl7pPr marL="2743200" indent="0" algn="ctr" defTabSz="457200" rtl="0" eaLnBrk="1" latinLnBrk="0" hangingPunct="1">
+              <a:spcBef>
+                <a:spcPts val="1000"/>
+              </a:spcBef>
+              <a:spcAft>
+                <a:spcPts val="0"/>
+              </a:spcAft>
+              <a:buClr>
+                <a:schemeClr val="accent1">
+                  <a:lumMod val="75000"/>
+                </a:schemeClr>
+              </a:buClr>
+              <a:buSzPct val="80000"/>
+              <a:buFont typeface="Wingdings 3" charset="2"/>
+              <a:buNone/>
+              <a:defRPr sz="1600" kern="1200">
+                <a:solidFill>
+                  <a:schemeClr val="tx1">
+                    <a:lumMod val="75000"/>
+                    <a:lumOff val="25000"/>
+                  </a:schemeClr>
+                </a:solidFill>
+                <a:latin typeface="+mn-lt"/>
+                <a:ea typeface="+mn-ea"/>
+                <a:cs typeface="+mn-cs"/>
+              </a:defRPr>
+            </a:lvl7pPr>
+            <a:lvl8pPr marL="3200400" indent="0" algn="ctr" defTabSz="457200" rtl="0" eaLnBrk="1" latinLnBrk="0" hangingPunct="1">
+              <a:spcBef>
+                <a:spcPts val="1000"/>
+              </a:spcBef>
+              <a:spcAft>
+                <a:spcPts val="0"/>
+              </a:spcAft>
+              <a:buClr>
+                <a:schemeClr val="accent1">
+                  <a:lumMod val="75000"/>
+                </a:schemeClr>
+              </a:buClr>
+              <a:buSzPct val="80000"/>
+              <a:buFont typeface="Wingdings 3" charset="2"/>
+              <a:buNone/>
+              <a:defRPr sz="1600" kern="1200">
+                <a:solidFill>
+                  <a:schemeClr val="tx1">
+                    <a:lumMod val="75000"/>
+                    <a:lumOff val="25000"/>
+                  </a:schemeClr>
+                </a:solidFill>
+                <a:latin typeface="+mn-lt"/>
+                <a:ea typeface="+mn-ea"/>
+                <a:cs typeface="+mn-cs"/>
+              </a:defRPr>
+            </a:lvl8pPr>
+            <a:lvl9pPr marL="3657600" indent="0" algn="ctr" defTabSz="457200" rtl="0" eaLnBrk="1" latinLnBrk="0" hangingPunct="1">
+              <a:spcBef>
+                <a:spcPts val="1000"/>
+              </a:spcBef>
+              <a:spcAft>
+                <a:spcPts val="0"/>
+              </a:spcAft>
+              <a:buClr>
+                <a:schemeClr val="accent1">
+                  <a:lumMod val="75000"/>
+                </a:schemeClr>
+              </a:buClr>
+              <a:buSzPct val="80000"/>
+              <a:buFont typeface="Wingdings 3" charset="2"/>
+              <a:buNone/>
+              <a:defRPr sz="1600" kern="1200">
+                <a:solidFill>
+                  <a:schemeClr val="tx1">
+                    <a:lumMod val="75000"/>
+                    <a:lumOff val="25000"/>
+                  </a:schemeClr>
+                </a:solidFill>
+                <a:latin typeface="+mn-lt"/>
+                <a:ea typeface="+mn-ea"/>
+                <a:cs typeface="+mn-cs"/>
+              </a:defRPr>
+            </a:lvl9pPr>
+          </a:lstStyle>
           <a:p>
             <a:r>
               <a:rPr lang="en-US" dirty="0"/>
-              <a:t>Brita Tamm</a:t>
+              <a:t>Paromita Saha</a:t>
             </a:r>
           </a:p>
           <a:p>
             <a:r>
               <a:rPr lang="en-US" dirty="0"/>
-              <a:t>502-555-0152</a:t>
-            </a:r>
+              <a:t>Intern Id: </a:t>
+            </a:r>
+            <a:r>
+              <a:rPr lang="en-IN" b="1" dirty="0"/>
+              <a:t>ITID0902</a:t>
+            </a:r>
+            <a:endParaRPr lang="en-US" dirty="0"/>
           </a:p>
           <a:p>
             <a:r>
               <a:rPr lang="en-US" dirty="0"/>
-              <a:t>brita@firstupconsultants.com </a:t>
-            </a:r>
-          </a:p>
-          <a:p>
-            <a:r>
-              <a:rPr lang="en-US" dirty="0"/>
-              <a:t>www.firstupconsultants.com</a:t>
+              <a:t>paromitasaha0720@gmail.com</a:t>
             </a:r>
           </a:p>
         </p:txBody>
@@ -25070,7 +19787,7 @@
       </p:grpSpPr>
       <p:sp>
         <p:nvSpPr>
-          <p:cNvPr id="2" name="Title 1">
+          <p:cNvPr id="13" name="Title 1">
             <a:extLst>
               <a:ext uri="{FF2B5EF4-FFF2-40B4-BE49-F238E27FC236}">
                 <a16:creationId xmlns:a16="http://schemas.microsoft.com/office/drawing/2014/main" id="{FD5E8954-9BCB-7FD9-A210-38DC54382D45}"/>
@@ -25086,8 +19803,8 @@
         </p:nvSpPr>
         <p:spPr>
           <a:xfrm>
-            <a:off x="2673984" y="195861"/>
-            <a:ext cx="7965461" cy="994164"/>
+            <a:off x="225753" y="186811"/>
+            <a:ext cx="3687486" cy="741878"/>
           </a:xfrm>
         </p:spPr>
         <p:txBody>
@@ -25095,7 +19812,7 @@
           <a:lstStyle/>
           <a:p>
             <a:r>
-              <a:rPr lang="en-US" sz="4000" dirty="0">
+              <a:rPr lang="en-US" sz="4000" b="1" dirty="0">
                 <a:solidFill>
                   <a:schemeClr val="accent6">
                     <a:lumMod val="75000"/>
@@ -25103,42 +19820,6 @@
                 </a:solidFill>
               </a:rPr>
               <a:t>Methodology</a:t>
-            </a:r>
-          </a:p>
-        </p:txBody>
-      </p:sp>
-      <p:sp>
-        <p:nvSpPr>
-          <p:cNvPr id="3" name="Content Placeholder 2">
-            <a:extLst>
-              <a:ext uri="{FF2B5EF4-FFF2-40B4-BE49-F238E27FC236}">
-                <a16:creationId xmlns:a16="http://schemas.microsoft.com/office/drawing/2014/main" id="{75111C33-898C-4414-4665-5136EB6FC126}"/>
-              </a:ext>
-            </a:extLst>
-          </p:cNvPr>
-          <p:cNvSpPr>
-            <a:spLocks noGrp="1"/>
-          </p:cNvSpPr>
-          <p:nvPr>
-            <p:ph sz="half" idx="2"/>
-          </p:nvPr>
-        </p:nvSpPr>
-        <p:spPr>
-          <a:xfrm>
-            <a:off x="2673984" y="1219344"/>
-            <a:ext cx="7207435" cy="994164"/>
-          </a:xfrm>
-        </p:spPr>
-        <p:txBody>
-          <a:bodyPr/>
-          <a:lstStyle/>
-          <a:p>
-            <a:pPr marL="0" indent="0" algn="just">
-              <a:buNone/>
-            </a:pPr>
-            <a:r>
-              <a:rPr lang="en-US" dirty="0"/>
-              <a:t>The project followed a structured approach, utilizing Power BI Desktop for data import, exploration, calculation, and visualization. Each task involved specific steps as outlined below:</a:t>
             </a:r>
           </a:p>
         </p:txBody>
@@ -25159,7 +19840,12 @@
             <p:ph type="sldNum" sz="quarter" idx="10"/>
           </p:nvPr>
         </p:nvSpPr>
-        <p:spPr/>
+        <p:spPr>
+          <a:xfrm>
+            <a:off x="10358437" y="457199"/>
+            <a:ext cx="1067589" cy="471489"/>
+          </a:xfrm>
+        </p:spPr>
         <p:txBody>
           <a:bodyPr/>
           <a:lstStyle/>
@@ -25173,323 +19859,270 @@
           </a:p>
         </p:txBody>
       </p:sp>
-    </p:spTree>
-    <p:extLst>
-      <p:ext uri="{BB962C8B-B14F-4D97-AF65-F5344CB8AC3E}">
-        <p14:creationId xmlns:p14="http://schemas.microsoft.com/office/powerpoint/2010/main" val="685681062"/>
-      </p:ext>
-    </p:extLst>
-  </p:cSld>
-  <p:clrMapOvr>
-    <a:masterClrMapping/>
-  </p:clrMapOvr>
-</p:sld>
-</file>
-
-<file path=ppt/slides/slide6.xml><?xml version="1.0" encoding="utf-8"?>
-<p:sld xmlns:a="http://schemas.openxmlformats.org/drawingml/2006/main" xmlns:r="http://schemas.openxmlformats.org/officeDocument/2006/relationships" xmlns:p="http://schemas.openxmlformats.org/presentationml/2006/main">
-  <p:cSld>
-    <p:spTree>
-      <p:nvGrpSpPr>
-        <p:cNvPr id="1" name=""/>
-        <p:cNvGrpSpPr/>
-        <p:nvPr/>
-      </p:nvGrpSpPr>
-      <p:grpSpPr>
-        <a:xfrm>
-          <a:off x="0" y="0"/>
-          <a:ext cx="0" cy="0"/>
-          <a:chOff x="0" y="0"/>
-          <a:chExt cx="0" cy="0"/>
-        </a:xfrm>
-      </p:grpSpPr>
       <p:sp>
         <p:nvSpPr>
-          <p:cNvPr id="2" name="Title 1">
+          <p:cNvPr id="14" name="TextBox 13">
             <a:extLst>
               <a:ext uri="{FF2B5EF4-FFF2-40B4-BE49-F238E27FC236}">
-                <a16:creationId xmlns:a16="http://schemas.microsoft.com/office/drawing/2014/main" id="{B6210199-C129-11F0-56F2-2D1AED21CB4C}"/>
+                <a16:creationId xmlns:a16="http://schemas.microsoft.com/office/drawing/2014/main" id="{4D830F8A-52D1-9DE8-2541-96160F311284}"/>
               </a:ext>
             </a:extLst>
           </p:cNvPr>
-          <p:cNvSpPr>
-            <a:spLocks noGrp="1"/>
-          </p:cNvSpPr>
-          <p:nvPr>
-            <p:ph type="title"/>
-          </p:nvPr>
+          <p:cNvSpPr txBox="1"/>
+          <p:nvPr/>
         </p:nvSpPr>
-        <p:spPr/>
+        <p:spPr>
+          <a:xfrm>
+            <a:off x="206088" y="2174136"/>
+            <a:ext cx="4808363" cy="3893374"/>
+          </a:xfrm>
+          <a:prstGeom prst="rect">
+            <a:avLst/>
+          </a:prstGeom>
+          <a:noFill/>
+        </p:spPr>
         <p:txBody>
-          <a:bodyPr/>
+          <a:bodyPr wrap="square">
+            <a:spAutoFit/>
+          </a:bodyPr>
           <a:lstStyle/>
           <a:p>
-            <a:r>
-              <a:rPr lang="en-US" dirty="0"/>
-              <a:t>Selecting </a:t>
-            </a:r>
-            <a:br>
-              <a:rPr lang="en-US" dirty="0"/>
-            </a:br>
-            <a:r>
-              <a:rPr lang="en-US" dirty="0"/>
-              <a:t>visual aids</a:t>
-            </a:r>
+            <a:pPr algn="just" rtl="0">
+              <a:spcAft>
+                <a:spcPts val="600"/>
+              </a:spcAft>
+              <a:buNone/>
+            </a:pPr>
+            <a:r>
+              <a:rPr lang="en-US" sz="2400" b="1" i="0" u="none" strike="noStrike" dirty="0">
+                <a:solidFill>
+                  <a:schemeClr val="accent3"/>
+                </a:solidFill>
+                <a:effectLst/>
+              </a:rPr>
+              <a:t>Task 1: Data Exploration and Summary</a:t>
+            </a:r>
+            <a:endParaRPr lang="en-US" sz="2400" b="1" dirty="0">
+              <a:solidFill>
+                <a:schemeClr val="accent3"/>
+              </a:solidFill>
+              <a:effectLst/>
+            </a:endParaRPr>
+          </a:p>
+          <a:p>
+            <a:pPr marL="285750" indent="-285750" algn="just" rtl="0" fontAlgn="base">
+              <a:buFont typeface="Wingdings" panose="05000000000000000000" pitchFamily="2" charset="2"/>
+              <a:buChar char="q"/>
+            </a:pPr>
+            <a:r>
+              <a:rPr lang="en-US" sz="1800" b="1" i="0" u="none" strike="noStrike" dirty="0">
+                <a:solidFill>
+                  <a:srgbClr val="1B1C1D"/>
+                </a:solidFill>
+                <a:effectLst/>
+              </a:rPr>
+              <a:t>Key Findings:</a:t>
+            </a:r>
+            <a:endParaRPr lang="en-US" sz="1600" dirty="0">
+              <a:solidFill>
+                <a:srgbClr val="000000"/>
+              </a:solidFill>
+            </a:endParaRPr>
+          </a:p>
+          <a:p>
+            <a:pPr marL="742950" lvl="1" indent="-285750" algn="just" fontAlgn="base">
+              <a:buFont typeface="Wingdings" panose="05000000000000000000" pitchFamily="2" charset="2"/>
+              <a:buChar char="v"/>
+            </a:pPr>
+            <a:r>
+              <a:rPr lang="en-US" sz="1600" b="1" i="0" u="none" strike="noStrike" dirty="0">
+                <a:solidFill>
+                  <a:srgbClr val="1B1C1D"/>
+                </a:solidFill>
+                <a:effectLst/>
+              </a:rPr>
+              <a:t>Average Age: </a:t>
+            </a:r>
+            <a:r>
+              <a:rPr lang="en-US" sz="1600" b="0" i="0" u="none" strike="noStrike" dirty="0">
+                <a:solidFill>
+                  <a:srgbClr val="1B1C1D"/>
+                </a:solidFill>
+                <a:effectLst/>
+              </a:rPr>
+              <a:t>27.80 years.</a:t>
+            </a:r>
+            <a:endParaRPr lang="en-US" sz="1600" dirty="0">
+              <a:solidFill>
+                <a:srgbClr val="000000"/>
+              </a:solidFill>
+            </a:endParaRPr>
+          </a:p>
+          <a:p>
+            <a:pPr marL="742950" lvl="1" indent="-285750" algn="just" fontAlgn="base">
+              <a:buFont typeface="Wingdings" panose="05000000000000000000" pitchFamily="2" charset="2"/>
+              <a:buChar char="v"/>
+            </a:pPr>
+            <a:r>
+              <a:rPr lang="en-US" sz="1600" b="1" i="0" u="none" strike="noStrike" dirty="0">
+                <a:solidFill>
+                  <a:srgbClr val="1B1C1D"/>
+                </a:solidFill>
+                <a:effectLst/>
+              </a:rPr>
+              <a:t>Percentage of individuals with various investments:</a:t>
+            </a:r>
+            <a:r>
+              <a:rPr lang="en-US" sz="1600" b="0" i="0" u="none" strike="noStrike" dirty="0">
+                <a:solidFill>
+                  <a:srgbClr val="1B1C1D"/>
+                </a:solidFill>
+                <a:effectLst/>
+              </a:rPr>
+              <a:t> Equity (20.54%), Mutual Funds (21.34%), PPFs (12.77%), Fixed Deposits (16.61%), Debentures (7.23%), Gold (9.11%), Govt. Bonds (12.41%).</a:t>
+            </a:r>
+            <a:endParaRPr lang="en-US" sz="1600" dirty="0">
+              <a:solidFill>
+                <a:srgbClr val="000000"/>
+              </a:solidFill>
+            </a:endParaRPr>
+          </a:p>
+          <a:p>
+            <a:pPr marL="742950" lvl="1" indent="-285750" algn="just" fontAlgn="base">
+              <a:buFont typeface="Wingdings" panose="05000000000000000000" pitchFamily="2" charset="2"/>
+              <a:buChar char="v"/>
+            </a:pPr>
+            <a:r>
+              <a:rPr lang="en-US" sz="1600" b="1" i="0" u="none" strike="noStrike" dirty="0">
+                <a:solidFill>
+                  <a:srgbClr val="1B1C1D"/>
+                </a:solidFill>
+                <a:effectLst/>
+              </a:rPr>
+              <a:t>Common Savings Objectives:</a:t>
+            </a:r>
+            <a:r>
+              <a:rPr lang="en-US" sz="1600" b="0" i="0" u="none" strike="noStrike" dirty="0">
+                <a:solidFill>
+                  <a:srgbClr val="1B1C1D"/>
+                </a:solidFill>
+                <a:effectLst/>
+              </a:rPr>
+              <a:t> Retirement Plan (60%), Education (32.5%), Health Care (7.5%).</a:t>
+            </a:r>
+            <a:endParaRPr lang="en-US" sz="1600" dirty="0">
+              <a:solidFill>
+                <a:srgbClr val="000000"/>
+              </a:solidFill>
+            </a:endParaRPr>
+          </a:p>
+          <a:p>
+            <a:pPr marL="742950" lvl="1" indent="-285750" algn="just" fontAlgn="base">
+              <a:buFont typeface="Wingdings" panose="05000000000000000000" pitchFamily="2" charset="2"/>
+              <a:buChar char="v"/>
+            </a:pPr>
+            <a:r>
+              <a:rPr lang="en-US" sz="1600" b="1" i="0" u="none" strike="noStrike" dirty="0">
+                <a:solidFill>
+                  <a:srgbClr val="1B1C1D"/>
+                </a:solidFill>
+                <a:effectLst/>
+              </a:rPr>
+              <a:t>Investment Avenue:</a:t>
+            </a:r>
+            <a:r>
+              <a:rPr lang="en-US" sz="1600" b="0" i="0" u="none" strike="noStrike" dirty="0">
+                <a:solidFill>
+                  <a:srgbClr val="1B1C1D"/>
+                </a:solidFill>
+                <a:effectLst/>
+              </a:rPr>
+              <a:t> Yes (37 investors), No (3 investors).</a:t>
+            </a:r>
+            <a:endParaRPr lang="en-US" sz="1600" b="0" i="0" u="none" strike="noStrike" dirty="0">
+              <a:solidFill>
+                <a:srgbClr val="000000"/>
+              </a:solidFill>
+              <a:effectLst/>
+            </a:endParaRPr>
           </a:p>
         </p:txBody>
       </p:sp>
-      <p:sp>
-        <p:nvSpPr>
-          <p:cNvPr id="3" name="Slide Number Placeholder 2">
+      <p:pic>
+        <p:nvPicPr>
+          <p:cNvPr id="15" name="Picture 14">
             <a:extLst>
               <a:ext uri="{FF2B5EF4-FFF2-40B4-BE49-F238E27FC236}">
-                <a16:creationId xmlns:a16="http://schemas.microsoft.com/office/drawing/2014/main" id="{370AEC4F-E711-8552-9C34-82C1514A1E37}"/>
+                <a16:creationId xmlns:a16="http://schemas.microsoft.com/office/drawing/2014/main" id="{168EE54E-1C5D-DD03-5C9E-39BA28B8BAF5}"/>
               </a:ext>
             </a:extLst>
           </p:cNvPr>
-          <p:cNvSpPr>
-            <a:spLocks noGrp="1"/>
-          </p:cNvSpPr>
-          <p:nvPr>
-            <p:ph type="sldNum" sz="quarter" idx="10"/>
-          </p:nvPr>
-        </p:nvSpPr>
-        <p:spPr/>
-        <p:txBody>
-          <a:bodyPr/>
-          <a:lstStyle/>
-          <a:p>
-            <a:fld id="{48F63A3B-78C7-47BE-AE5E-E10140E04643}" type="slidenum">
-              <a:rPr lang="en-US" smtClean="0"/>
-              <a:pPr/>
-              <a:t>6</a:t>
-            </a:fld>
-            <a:endParaRPr lang="en-US" dirty="0"/>
-          </a:p>
-        </p:txBody>
-      </p:sp>
+          <p:cNvPicPr>
+            <a:picLocks noChangeAspect="1"/>
+          </p:cNvPicPr>
+          <p:nvPr/>
+        </p:nvPicPr>
+        <p:blipFill>
+          <a:blip r:embed="rId3"/>
+          <a:srcRect t="14854"/>
+          <a:stretch>
+            <a:fillRect/>
+          </a:stretch>
+        </p:blipFill>
+        <p:spPr>
+          <a:xfrm>
+            <a:off x="5014452" y="1991996"/>
+            <a:ext cx="7177548" cy="4257655"/>
+          </a:xfrm>
+          <a:prstGeom prst="rect">
+            <a:avLst/>
+          </a:prstGeom>
+          <a:ln w="28575">
+            <a:solidFill>
+              <a:schemeClr val="accent2"/>
+            </a:solidFill>
+          </a:ln>
+        </p:spPr>
+      </p:pic>
       <p:sp>
         <p:nvSpPr>
-          <p:cNvPr id="4" name="Content Placeholder 3">
+          <p:cNvPr id="19" name="TextBox 18">
             <a:extLst>
               <a:ext uri="{FF2B5EF4-FFF2-40B4-BE49-F238E27FC236}">
-                <a16:creationId xmlns:a16="http://schemas.microsoft.com/office/drawing/2014/main" id="{BDDD6BDC-E008-6AB7-55A1-46ED9BCF054F}"/>
+                <a16:creationId xmlns:a16="http://schemas.microsoft.com/office/drawing/2014/main" id="{42F11009-4903-29BD-BFCF-B0BCFFD37B54}"/>
               </a:ext>
             </a:extLst>
           </p:cNvPr>
-          <p:cNvSpPr>
-            <a:spLocks noGrp="1"/>
-          </p:cNvSpPr>
-          <p:nvPr>
-            <p:ph idx="11"/>
-          </p:nvPr>
+          <p:cNvSpPr txBox="1"/>
+          <p:nvPr/>
         </p:nvSpPr>
-        <p:spPr/>
+        <p:spPr>
+          <a:xfrm>
+            <a:off x="225752" y="795162"/>
+            <a:ext cx="8701937" cy="923330"/>
+          </a:xfrm>
+          <a:prstGeom prst="rect">
+            <a:avLst/>
+          </a:prstGeom>
+          <a:noFill/>
+        </p:spPr>
         <p:txBody>
-          <a:bodyPr/>
-          <a:lstStyle/>
-          <a:p>
-            <a:r>
-              <a:rPr lang="en-US" dirty="0"/>
-              <a:t>Enhancing your presentation</a:t>
-            </a:r>
-          </a:p>
-        </p:txBody>
-      </p:sp>
-    </p:spTree>
-    <p:extLst>
-      <p:ext uri="{BB962C8B-B14F-4D97-AF65-F5344CB8AC3E}">
-        <p14:creationId xmlns:p14="http://schemas.microsoft.com/office/powerpoint/2010/main" val="1131718056"/>
-      </p:ext>
-    </p:extLst>
-  </p:cSld>
-  <p:clrMapOvr>
-    <a:masterClrMapping/>
-  </p:clrMapOvr>
-</p:sld>
-</file>
-
-<file path=ppt/slides/slide7.xml><?xml version="1.0" encoding="utf-8"?>
-<p:sld xmlns:a="http://schemas.openxmlformats.org/drawingml/2006/main" xmlns:r="http://schemas.openxmlformats.org/officeDocument/2006/relationships" xmlns:p="http://schemas.openxmlformats.org/presentationml/2006/main">
-  <p:cSld>
-    <p:spTree>
-      <p:nvGrpSpPr>
-        <p:cNvPr id="1" name=""/>
-        <p:cNvGrpSpPr/>
-        <p:nvPr/>
-      </p:nvGrpSpPr>
-      <p:grpSpPr>
-        <a:xfrm>
-          <a:off x="0" y="0"/>
-          <a:ext cx="0" cy="0"/>
-          <a:chOff x="0" y="0"/>
-          <a:chExt cx="0" cy="0"/>
-        </a:xfrm>
-      </p:grpSpPr>
-      <p:sp>
-        <p:nvSpPr>
-          <p:cNvPr id="2" name="Title 1">
-            <a:extLst>
-              <a:ext uri="{FF2B5EF4-FFF2-40B4-BE49-F238E27FC236}">
-                <a16:creationId xmlns:a16="http://schemas.microsoft.com/office/drawing/2014/main" id="{B28A34A6-22BC-27A4-2C79-EE98A4943B14}"/>
-              </a:ext>
-            </a:extLst>
-          </p:cNvPr>
-          <p:cNvSpPr>
-            <a:spLocks noGrp="1"/>
-          </p:cNvSpPr>
-          <p:nvPr>
-            <p:ph type="title"/>
-          </p:nvPr>
-        </p:nvSpPr>
-        <p:spPr/>
-        <p:txBody>
-          <a:bodyPr/>
-          <a:lstStyle/>
-          <a:p>
-            <a:r>
-              <a:rPr lang="en-US" dirty="0"/>
-              <a:t>Effective delivery techniques</a:t>
-            </a:r>
-          </a:p>
-        </p:txBody>
-      </p:sp>
-      <p:sp>
-        <p:nvSpPr>
-          <p:cNvPr id="3" name="Slide Number Placeholder 2">
-            <a:extLst>
-              <a:ext uri="{FF2B5EF4-FFF2-40B4-BE49-F238E27FC236}">
-                <a16:creationId xmlns:a16="http://schemas.microsoft.com/office/drawing/2014/main" id="{7267C004-8B72-C872-98FB-00A2A584D055}"/>
-              </a:ext>
-            </a:extLst>
-          </p:cNvPr>
-          <p:cNvSpPr>
-            <a:spLocks noGrp="1"/>
-          </p:cNvSpPr>
-          <p:nvPr>
-            <p:ph type="sldNum" sz="quarter" idx="10"/>
-          </p:nvPr>
-        </p:nvSpPr>
-        <p:spPr/>
-        <p:txBody>
-          <a:bodyPr/>
-          <a:lstStyle/>
-          <a:p>
-            <a:fld id="{48F63A3B-78C7-47BE-AE5E-E10140E04643}" type="slidenum">
-              <a:rPr lang="en-US" smtClean="0"/>
-              <a:pPr/>
-              <a:t>7</a:t>
-            </a:fld>
-            <a:endParaRPr lang="en-US" dirty="0"/>
-          </a:p>
-        </p:txBody>
-      </p:sp>
-      <p:sp>
-        <p:nvSpPr>
-          <p:cNvPr id="16" name="Content Placeholder 4">
-            <a:extLst>
-              <a:ext uri="{FF2B5EF4-FFF2-40B4-BE49-F238E27FC236}">
-                <a16:creationId xmlns:a16="http://schemas.microsoft.com/office/drawing/2014/main" id="{AEF9954A-E263-8A7E-58B1-4D03F7D1BD9B}"/>
-              </a:ext>
-            </a:extLst>
-          </p:cNvPr>
-          <p:cNvSpPr>
-            <a:spLocks noGrp="1"/>
-          </p:cNvSpPr>
-          <p:nvPr>
-            <p:ph sz="half" idx="2"/>
-          </p:nvPr>
-        </p:nvSpPr>
-        <p:spPr/>
-        <p:txBody>
-          <a:bodyPr>
-            <a:normAutofit/>
+          <a:bodyPr wrap="square">
+            <a:spAutoFit/>
           </a:bodyPr>
           <a:lstStyle/>
           <a:p>
-            <a:r>
-              <a:rPr lang="en-US" dirty="0"/>
-              <a:t>This is a powerful tool in public speaking. It involves varying pitch, tone, and volume to convey emotion, emphasize points, and maintain interest. </a:t>
-            </a:r>
-          </a:p>
-          <a:p>
-            <a:pPr lvl="1"/>
-            <a:r>
-              <a:rPr lang="en-US" dirty="0"/>
-              <a:t>Pitch variation</a:t>
-            </a:r>
-          </a:p>
-          <a:p>
-            <a:pPr lvl="1"/>
-            <a:r>
-              <a:rPr lang="en-US" dirty="0"/>
-              <a:t>Tone inflection</a:t>
-            </a:r>
-          </a:p>
-          <a:p>
-            <a:pPr lvl="1"/>
-            <a:r>
-              <a:rPr lang="en-US" dirty="0"/>
-              <a:t>Volume control</a:t>
-            </a:r>
-          </a:p>
-        </p:txBody>
-      </p:sp>
-      <p:sp>
-        <p:nvSpPr>
-          <p:cNvPr id="17" name="Content Placeholder 6">
-            <a:extLst>
-              <a:ext uri="{FF2B5EF4-FFF2-40B4-BE49-F238E27FC236}">
-                <a16:creationId xmlns:a16="http://schemas.microsoft.com/office/drawing/2014/main" id="{33680A80-5C61-DD02-1119-0565C0AD5372}"/>
-              </a:ext>
-            </a:extLst>
-          </p:cNvPr>
-          <p:cNvSpPr>
-            <a:spLocks noGrp="1"/>
-          </p:cNvSpPr>
-          <p:nvPr>
-            <p:ph sz="quarter" idx="4"/>
-          </p:nvPr>
-        </p:nvSpPr>
-        <p:spPr/>
-        <p:txBody>
-          <a:bodyPr>
-            <a:normAutofit/>
-          </a:bodyPr>
-          <a:lstStyle/>
-          <a:p>
-            <a:r>
-              <a:rPr lang="en-US" dirty="0"/>
-              <a:t>Effective body language enhances your message, making it more impactful and memorable.</a:t>
-            </a:r>
-          </a:p>
-          <a:p>
-            <a:pPr lvl="1"/>
-            <a:r>
-              <a:rPr lang="en-US" dirty="0"/>
-              <a:t>Meaningful eye contact</a:t>
-            </a:r>
-          </a:p>
-          <a:p>
-            <a:pPr lvl="1"/>
-            <a:r>
-              <a:rPr lang="en-US" dirty="0"/>
-              <a:t>Purposeful gestures</a:t>
-            </a:r>
-          </a:p>
-          <a:p>
-            <a:pPr lvl="1"/>
-            <a:r>
-              <a:rPr lang="en-US" dirty="0"/>
-              <a:t>Maintain good posture</a:t>
-            </a:r>
-          </a:p>
-          <a:p>
-            <a:pPr lvl="1"/>
-            <a:r>
-              <a:rPr lang="en-US" dirty="0"/>
-              <a:t>Control your expressions</a:t>
-            </a:r>
+            <a:pPr algn="just"/>
+            <a:r>
+              <a:rPr lang="en-US" sz="1800" b="0" i="0" u="none" strike="noStrike" dirty="0">
+                <a:solidFill>
+                  <a:srgbClr val="1B1C1D"/>
+                </a:solidFill>
+                <a:effectLst/>
+              </a:rPr>
+              <a:t>The project followed a structured approach, utilizing Power BI Desktop for data import, exploration, calculation, and visualization. Each task involved specific steps as outlined below:</a:t>
+            </a:r>
+            <a:endParaRPr lang="en-IN" dirty="0"/>
           </a:p>
         </p:txBody>
       </p:sp>
@@ -25506,12 +20139,18 @@
 </p:sld>
 </file>
 
-<file path=ppt/slides/slide8.xml><?xml version="1.0" encoding="utf-8"?>
+<file path=ppt/slides/slide6.xml><?xml version="1.0" encoding="utf-8"?>
 <p:sld xmlns:a="http://schemas.openxmlformats.org/drawingml/2006/main" xmlns:r="http://schemas.openxmlformats.org/officeDocument/2006/relationships" xmlns:p="http://schemas.openxmlformats.org/presentationml/2006/main">
   <p:cSld>
     <p:spTree>
       <p:nvGrpSpPr>
-        <p:cNvPr id="1" name=""/>
+        <p:cNvPr id="1" name="">
+          <a:extLst>
+            <a:ext uri="{FF2B5EF4-FFF2-40B4-BE49-F238E27FC236}">
+              <a16:creationId xmlns:a16="http://schemas.microsoft.com/office/drawing/2014/main" id="{8F9DADD6-EA0D-EAC7-D348-62498E341C99}"/>
+            </a:ext>
+          </a:extLst>
+        </p:cNvPr>
         <p:cNvGrpSpPr/>
         <p:nvPr/>
       </p:nvGrpSpPr>
@@ -25525,172 +20164,10 @@
       </p:grpSpPr>
       <p:sp>
         <p:nvSpPr>
-          <p:cNvPr id="3" name="Title 2">
+          <p:cNvPr id="3" name="Slide Number Placeholder 2">
             <a:extLst>
               <a:ext uri="{FF2B5EF4-FFF2-40B4-BE49-F238E27FC236}">
-                <a16:creationId xmlns:a16="http://schemas.microsoft.com/office/drawing/2014/main" id="{3D55F2D4-C20E-BEBC-1CCF-4449B0456A7E}"/>
-              </a:ext>
-            </a:extLst>
-          </p:cNvPr>
-          <p:cNvSpPr>
-            <a:spLocks noGrp="1"/>
-          </p:cNvSpPr>
-          <p:nvPr>
-            <p:ph type="title"/>
-          </p:nvPr>
-        </p:nvSpPr>
-        <p:spPr/>
-        <p:txBody>
-          <a:bodyPr>
-            <a:normAutofit fontScale="90000"/>
-          </a:bodyPr>
-          <a:lstStyle/>
-          <a:p>
-            <a:r>
-              <a:rPr lang="en-US" dirty="0"/>
-              <a:t>Navigating Q&amp;A </a:t>
-            </a:r>
-            <a:br>
-              <a:rPr lang="en-US" dirty="0"/>
-            </a:br>
-            <a:r>
-              <a:rPr lang="en-US" dirty="0"/>
-              <a:t>sessions</a:t>
-            </a:r>
-          </a:p>
-        </p:txBody>
-      </p:sp>
-      <p:sp>
-        <p:nvSpPr>
-          <p:cNvPr id="14" name="Content Placeholder 7">
-            <a:extLst>
-              <a:ext uri="{FF2B5EF4-FFF2-40B4-BE49-F238E27FC236}">
-                <a16:creationId xmlns:a16="http://schemas.microsoft.com/office/drawing/2014/main" id="{749C7CD1-A9AA-49E3-6734-AD9546F2DF5B}"/>
-              </a:ext>
-            </a:extLst>
-          </p:cNvPr>
-          <p:cNvSpPr>
-            <a:spLocks noGrp="1"/>
-          </p:cNvSpPr>
-          <p:nvPr>
-            <p:ph sz="half" idx="15"/>
-          </p:nvPr>
-        </p:nvSpPr>
-        <p:spPr/>
-        <p:txBody>
-          <a:bodyPr>
-            <a:normAutofit/>
-          </a:bodyPr>
-          <a:lstStyle/>
-          <a:p>
-            <a:r>
-              <a:rPr lang="en-US" dirty="0"/>
-              <a:t>Maintaining composure during the Q&amp;A session is essential for projecting confidence and authority. Consider the following tips for staying composed:</a:t>
-            </a:r>
-          </a:p>
-          <a:p>
-            <a:r>
-              <a:rPr lang="en-US" dirty="0"/>
-              <a:t>Stay calm</a:t>
-            </a:r>
-          </a:p>
-          <a:p>
-            <a:r>
-              <a:rPr lang="en-US" dirty="0"/>
-              <a:t>Actively listen</a:t>
-            </a:r>
-          </a:p>
-          <a:p>
-            <a:r>
-              <a:rPr lang="en-US" dirty="0"/>
-              <a:t>Pause and reflect</a:t>
-            </a:r>
-          </a:p>
-          <a:p>
-            <a:r>
-              <a:rPr lang="en-US" dirty="0"/>
-              <a:t>Maintain eye contact</a:t>
-            </a:r>
-          </a:p>
-        </p:txBody>
-      </p:sp>
-      <p:sp>
-        <p:nvSpPr>
-          <p:cNvPr id="13" name="Content Placeholder 5">
-            <a:extLst>
-              <a:ext uri="{FF2B5EF4-FFF2-40B4-BE49-F238E27FC236}">
-                <a16:creationId xmlns:a16="http://schemas.microsoft.com/office/drawing/2014/main" id="{58AC0C8B-8A7A-9FAE-2D0F-4D1C3A8C3FA5}"/>
-              </a:ext>
-            </a:extLst>
-          </p:cNvPr>
-          <p:cNvSpPr>
-            <a:spLocks noGrp="1"/>
-          </p:cNvSpPr>
-          <p:nvPr>
-            <p:ph sz="half" idx="1"/>
-          </p:nvPr>
-        </p:nvSpPr>
-        <p:spPr/>
-        <p:txBody>
-          <a:bodyPr/>
-          <a:lstStyle/>
-          <a:p>
-            <a:r>
-              <a:rPr lang="en-US" dirty="0"/>
-              <a:t>Know your material in advance</a:t>
-            </a:r>
-          </a:p>
-          <a:p>
-            <a:r>
-              <a:rPr lang="en-US" dirty="0"/>
-              <a:t>Anticipate common questions</a:t>
-            </a:r>
-          </a:p>
-          <a:p>
-            <a:r>
-              <a:rPr lang="en-US" dirty="0"/>
-              <a:t>Rehearse your responses</a:t>
-            </a:r>
-          </a:p>
-        </p:txBody>
-      </p:sp>
-      <p:pic>
-        <p:nvPicPr>
-          <p:cNvPr id="10" name="Picture Placeholder 9" descr="A person wearing a blue suit and headphones pointing at a computer">
-            <a:extLst>
-              <a:ext uri="{FF2B5EF4-FFF2-40B4-BE49-F238E27FC236}">
-                <a16:creationId xmlns:a16="http://schemas.microsoft.com/office/drawing/2014/main" id="{DD0A0899-5B02-CEB5-E5DD-448B169C2377}"/>
-              </a:ext>
-            </a:extLst>
-          </p:cNvPr>
-          <p:cNvPicPr>
-            <a:picLocks noGrp="1" noChangeAspect="1"/>
-          </p:cNvPicPr>
-          <p:nvPr>
-            <p:ph type="pic" sz="quarter" idx="14"/>
-          </p:nvPr>
-        </p:nvPicPr>
-        <p:blipFill rotWithShape="1">
-          <a:blip r:embed="rId3">
-            <a:duotone>
-              <a:prstClr val="black"/>
-              <a:schemeClr val="accent1">
-                <a:tint val="45000"/>
-                <a:satMod val="400000"/>
-              </a:schemeClr>
-            </a:duotone>
-          </a:blip>
-          <a:srcRect l="31888" r="31888"/>
-          <a:stretch/>
-        </p:blipFill>
-        <p:spPr/>
-      </p:pic>
-      <p:sp>
-        <p:nvSpPr>
-          <p:cNvPr id="4" name="Slide Number Placeholder 3">
-            <a:extLst>
-              <a:ext uri="{FF2B5EF4-FFF2-40B4-BE49-F238E27FC236}">
-                <a16:creationId xmlns:a16="http://schemas.microsoft.com/office/drawing/2014/main" id="{C82CE1B8-1C92-D6D2-444B-652DB90E86D1}"/>
+                <a16:creationId xmlns:a16="http://schemas.microsoft.com/office/drawing/2014/main" id="{65669E74-F8F3-7401-6963-5D405D7FB241}"/>
               </a:ext>
             </a:extLst>
           </p:cNvPr>
@@ -25709,16 +20186,903 @@
             <a:fld id="{48F63A3B-78C7-47BE-AE5E-E10140E04643}" type="slidenum">
               <a:rPr lang="en-US" smtClean="0"/>
               <a:pPr/>
+              <a:t>6</a:t>
+            </a:fld>
+            <a:endParaRPr lang="en-US" dirty="0"/>
+          </a:p>
+        </p:txBody>
+      </p:sp>
+      <p:sp>
+        <p:nvSpPr>
+          <p:cNvPr id="8" name="TextBox 7">
+            <a:extLst>
+              <a:ext uri="{FF2B5EF4-FFF2-40B4-BE49-F238E27FC236}">
+                <a16:creationId xmlns:a16="http://schemas.microsoft.com/office/drawing/2014/main" id="{7DC07151-F368-1BB5-27FA-1197E1FCB2F8}"/>
+              </a:ext>
+            </a:extLst>
+          </p:cNvPr>
+          <p:cNvSpPr txBox="1"/>
+          <p:nvPr/>
+        </p:nvSpPr>
+        <p:spPr>
+          <a:xfrm>
+            <a:off x="167147" y="151308"/>
+            <a:ext cx="5230764" cy="3046988"/>
+          </a:xfrm>
+          <a:prstGeom prst="rect">
+            <a:avLst/>
+          </a:prstGeom>
+          <a:noFill/>
+        </p:spPr>
+        <p:txBody>
+          <a:bodyPr wrap="square">
+            <a:spAutoFit/>
+          </a:bodyPr>
+          <a:lstStyle/>
+          <a:p>
+            <a:pPr marL="347472" lvl="1" algn="just"/>
+            <a:r>
+              <a:rPr lang="en-US" sz="2400" b="1" dirty="0">
+                <a:solidFill>
+                  <a:schemeClr val="accent3"/>
+                </a:solidFill>
+                <a:latin typeface="+mj-lt"/>
+              </a:rPr>
+              <a:t>Task 2: Gender-based Analysis</a:t>
+            </a:r>
+            <a:endParaRPr lang="en-US" b="1" dirty="0">
+              <a:solidFill>
+                <a:schemeClr val="accent3"/>
+              </a:solidFill>
+              <a:latin typeface="+mj-lt"/>
+            </a:endParaRPr>
+          </a:p>
+          <a:p>
+            <a:pPr marL="285750" indent="-285750" algn="just" fontAlgn="base">
+              <a:buFont typeface="Wingdings" panose="05000000000000000000" pitchFamily="2" charset="2"/>
+              <a:buChar char="q"/>
+            </a:pPr>
+            <a:r>
+              <a:rPr lang="en-US" b="1" dirty="0"/>
+              <a:t>Key Insights:</a:t>
+            </a:r>
+            <a:endParaRPr lang="en-US" dirty="0"/>
+          </a:p>
+          <a:p>
+            <a:pPr marL="742950" lvl="1" indent="-285750" algn="just" fontAlgn="base">
+              <a:buFont typeface="Wingdings" panose="05000000000000000000" pitchFamily="2" charset="2"/>
+              <a:buChar char="v"/>
+            </a:pPr>
+            <a:r>
+              <a:rPr lang="en-US" sz="1600" b="1" dirty="0"/>
+              <a:t>Gender Difference:</a:t>
+            </a:r>
+            <a:r>
+              <a:rPr lang="en-US" sz="1600" dirty="0"/>
+              <a:t> Males show a slightly higher preference for Mutual Funds and Equity, suggesting a higher risk appetite. Females show a slightly higher preference for Fixed Deposits and Public Provident Funds, indicating a preference for stability and lower risk.</a:t>
+            </a:r>
+          </a:p>
+          <a:p>
+            <a:pPr marL="742950" lvl="1" indent="-285750" algn="just" fontAlgn="base">
+              <a:buFont typeface="Wingdings" panose="05000000000000000000" pitchFamily="2" charset="2"/>
+              <a:buChar char="v"/>
+            </a:pPr>
+            <a:r>
+              <a:rPr lang="en-US" sz="1600" b="1" dirty="0"/>
+              <a:t>Overall Investment Behavior:</a:t>
+            </a:r>
+            <a:r>
+              <a:rPr lang="en-US" sz="1600" dirty="0"/>
+              <a:t> Mutual Funds are the most popular, followed by Equity. Fixed Deposits and PPF are less popular.</a:t>
+            </a:r>
+          </a:p>
+        </p:txBody>
+      </p:sp>
+      <p:pic>
+        <p:nvPicPr>
+          <p:cNvPr id="10" name="Picture 9">
+            <a:extLst>
+              <a:ext uri="{FF2B5EF4-FFF2-40B4-BE49-F238E27FC236}">
+                <a16:creationId xmlns:a16="http://schemas.microsoft.com/office/drawing/2014/main" id="{1D5101ED-01E2-BFFD-9E88-6EB4DE7E0341}"/>
+              </a:ext>
+            </a:extLst>
+          </p:cNvPr>
+          <p:cNvPicPr>
+            <a:picLocks noChangeAspect="1"/>
+          </p:cNvPicPr>
+          <p:nvPr/>
+        </p:nvPicPr>
+        <p:blipFill>
+          <a:blip r:embed="rId3"/>
+          <a:srcRect t="13928"/>
+          <a:stretch>
+            <a:fillRect/>
+          </a:stretch>
+        </p:blipFill>
+        <p:spPr>
+          <a:xfrm>
+            <a:off x="5397911" y="151308"/>
+            <a:ext cx="6545266" cy="2877027"/>
+          </a:xfrm>
+          <a:prstGeom prst="rect">
+            <a:avLst/>
+          </a:prstGeom>
+        </p:spPr>
+      </p:pic>
+      <p:sp>
+        <p:nvSpPr>
+          <p:cNvPr id="2" name="TextBox 1">
+            <a:extLst>
+              <a:ext uri="{FF2B5EF4-FFF2-40B4-BE49-F238E27FC236}">
+                <a16:creationId xmlns:a16="http://schemas.microsoft.com/office/drawing/2014/main" id="{9BB2042F-505C-5E01-765A-1C4713984CEB}"/>
+              </a:ext>
+            </a:extLst>
+          </p:cNvPr>
+          <p:cNvSpPr txBox="1"/>
+          <p:nvPr/>
+        </p:nvSpPr>
+        <p:spPr>
+          <a:xfrm>
+            <a:off x="167147" y="3659705"/>
+            <a:ext cx="5230764" cy="2000548"/>
+          </a:xfrm>
+          <a:prstGeom prst="rect">
+            <a:avLst/>
+          </a:prstGeom>
+          <a:noFill/>
+        </p:spPr>
+        <p:txBody>
+          <a:bodyPr wrap="square">
+            <a:spAutoFit/>
+          </a:bodyPr>
+          <a:lstStyle/>
+          <a:p>
+            <a:pPr marL="347472" lvl="1" algn="just"/>
+            <a:r>
+              <a:rPr lang="en-US" sz="2400" b="1" dirty="0">
+                <a:solidFill>
+                  <a:schemeClr val="accent3"/>
+                </a:solidFill>
+                <a:latin typeface="+mj-lt"/>
+              </a:rPr>
+              <a:t>Task 3: Objective Analysis</a:t>
+            </a:r>
+          </a:p>
+          <a:p>
+            <a:pPr marL="285750" indent="-285750" algn="just" fontAlgn="base">
+              <a:buFont typeface="Wingdings" panose="05000000000000000000" pitchFamily="2" charset="2"/>
+              <a:buChar char="q"/>
+            </a:pPr>
+            <a:r>
+              <a:rPr lang="en-US" b="1" dirty="0"/>
+              <a:t>Key Findings:</a:t>
+            </a:r>
+          </a:p>
+          <a:p>
+            <a:pPr marL="742950" lvl="1" indent="-285750" algn="just" fontAlgn="base">
+              <a:buFont typeface="Wingdings" panose="05000000000000000000" pitchFamily="2" charset="2"/>
+              <a:buChar char="v"/>
+            </a:pPr>
+            <a:r>
+              <a:rPr lang="en-US" sz="1600" b="1" dirty="0"/>
+              <a:t>Retirement Plan </a:t>
+            </a:r>
+            <a:r>
+              <a:rPr lang="en-US" sz="1600" dirty="0"/>
+              <a:t>is the most common savings objective.</a:t>
+            </a:r>
+          </a:p>
+          <a:p>
+            <a:pPr marL="742950" lvl="1" indent="-285750" algn="just" fontAlgn="base">
+              <a:buFont typeface="Wingdings" panose="05000000000000000000" pitchFamily="2" charset="2"/>
+              <a:buChar char="v"/>
+            </a:pPr>
+            <a:r>
+              <a:rPr lang="en-US" sz="1600" b="1" dirty="0"/>
+              <a:t>Mutual Funds </a:t>
+            </a:r>
+            <a:r>
+              <a:rPr lang="en-US" sz="1600" dirty="0"/>
+              <a:t>are the most preferred avenue across different objectives, followed by Equity.</a:t>
+            </a:r>
+          </a:p>
+          <a:p>
+            <a:pPr marL="742950" lvl="1" indent="-285750" algn="just" fontAlgn="base">
+              <a:buFont typeface="Wingdings" panose="05000000000000000000" pitchFamily="2" charset="2"/>
+              <a:buChar char="v"/>
+            </a:pPr>
+            <a:endParaRPr lang="en-US" dirty="0"/>
+          </a:p>
+        </p:txBody>
+      </p:sp>
+      <p:pic>
+        <p:nvPicPr>
+          <p:cNvPr id="4" name="Picture 3">
+            <a:extLst>
+              <a:ext uri="{FF2B5EF4-FFF2-40B4-BE49-F238E27FC236}">
+                <a16:creationId xmlns:a16="http://schemas.microsoft.com/office/drawing/2014/main" id="{39F6E9A4-A0F7-7B6A-AAE9-5C146D171E3D}"/>
+              </a:ext>
+            </a:extLst>
+          </p:cNvPr>
+          <p:cNvPicPr>
+            <a:picLocks noChangeAspect="1"/>
+          </p:cNvPicPr>
+          <p:nvPr/>
+        </p:nvPicPr>
+        <p:blipFill>
+          <a:blip r:embed="rId4"/>
+          <a:srcRect t="14452" b="619"/>
+          <a:stretch>
+            <a:fillRect/>
+          </a:stretch>
+        </p:blipFill>
+        <p:spPr>
+          <a:xfrm>
+            <a:off x="5397911" y="3109696"/>
+            <a:ext cx="6545266" cy="3636323"/>
+          </a:xfrm>
+          <a:prstGeom prst="rect">
+            <a:avLst/>
+          </a:prstGeom>
+        </p:spPr>
+      </p:pic>
+    </p:spTree>
+    <p:extLst>
+      <p:ext uri="{BB962C8B-B14F-4D97-AF65-F5344CB8AC3E}">
+        <p14:creationId xmlns:p14="http://schemas.microsoft.com/office/powerpoint/2010/main" val="2068344445"/>
+      </p:ext>
+    </p:extLst>
+  </p:cSld>
+  <p:clrMapOvr>
+    <a:masterClrMapping/>
+  </p:clrMapOvr>
+</p:sld>
+</file>
+
+<file path=ppt/slides/slide7.xml><?xml version="1.0" encoding="utf-8"?>
+<p:sld xmlns:a="http://schemas.openxmlformats.org/drawingml/2006/main" xmlns:r="http://schemas.openxmlformats.org/officeDocument/2006/relationships" xmlns:p="http://schemas.openxmlformats.org/presentationml/2006/main">
+  <p:cSld>
+    <p:spTree>
+      <p:nvGrpSpPr>
+        <p:cNvPr id="1" name="">
+          <a:extLst>
+            <a:ext uri="{FF2B5EF4-FFF2-40B4-BE49-F238E27FC236}">
+              <a16:creationId xmlns:a16="http://schemas.microsoft.com/office/drawing/2014/main" id="{A30B73EA-BB8D-204F-FA99-ED005788547C}"/>
+            </a:ext>
+          </a:extLst>
+        </p:cNvPr>
+        <p:cNvGrpSpPr/>
+        <p:nvPr/>
+      </p:nvGrpSpPr>
+      <p:grpSpPr>
+        <a:xfrm>
+          <a:off x="0" y="0"/>
+          <a:ext cx="0" cy="0"/>
+          <a:chOff x="0" y="0"/>
+          <a:chExt cx="0" cy="0"/>
+        </a:xfrm>
+      </p:grpSpPr>
+      <p:sp>
+        <p:nvSpPr>
+          <p:cNvPr id="3" name="Slide Number Placeholder 2">
+            <a:extLst>
+              <a:ext uri="{FF2B5EF4-FFF2-40B4-BE49-F238E27FC236}">
+                <a16:creationId xmlns:a16="http://schemas.microsoft.com/office/drawing/2014/main" id="{8981F26B-24F4-6CDF-D676-BB0092CD6522}"/>
+              </a:ext>
+            </a:extLst>
+          </p:cNvPr>
+          <p:cNvSpPr>
+            <a:spLocks noGrp="1"/>
+          </p:cNvSpPr>
+          <p:nvPr>
+            <p:ph type="sldNum" sz="quarter" idx="10"/>
+          </p:nvPr>
+        </p:nvSpPr>
+        <p:spPr/>
+        <p:txBody>
+          <a:bodyPr/>
+          <a:lstStyle/>
+          <a:p>
+            <a:fld id="{48F63A3B-78C7-47BE-AE5E-E10140E04643}" type="slidenum">
+              <a:rPr lang="en-US" smtClean="0"/>
+              <a:pPr/>
+              <a:t>7</a:t>
+            </a:fld>
+            <a:endParaRPr lang="en-US" dirty="0"/>
+          </a:p>
+        </p:txBody>
+      </p:sp>
+      <p:pic>
+        <p:nvPicPr>
+          <p:cNvPr id="10" name="Picture 9">
+            <a:extLst>
+              <a:ext uri="{FF2B5EF4-FFF2-40B4-BE49-F238E27FC236}">
+                <a16:creationId xmlns:a16="http://schemas.microsoft.com/office/drawing/2014/main" id="{4C84E36D-5B56-0AF8-5B06-BE564CCF9B06}"/>
+              </a:ext>
+            </a:extLst>
+          </p:cNvPr>
+          <p:cNvPicPr>
+            <a:picLocks noChangeAspect="1"/>
+          </p:cNvPicPr>
+          <p:nvPr/>
+        </p:nvPicPr>
+        <p:blipFill>
+          <a:blip r:embed="rId3"/>
+          <a:srcRect t="12974" b="283"/>
+          <a:stretch>
+            <a:fillRect/>
+          </a:stretch>
+        </p:blipFill>
+        <p:spPr>
+          <a:xfrm>
+            <a:off x="5397911" y="141475"/>
+            <a:ext cx="6626942" cy="3208866"/>
+          </a:xfrm>
+          <a:prstGeom prst="rect">
+            <a:avLst/>
+          </a:prstGeom>
+        </p:spPr>
+      </p:pic>
+      <p:sp>
+        <p:nvSpPr>
+          <p:cNvPr id="2" name="TextBox 1">
+            <a:extLst>
+              <a:ext uri="{FF2B5EF4-FFF2-40B4-BE49-F238E27FC236}">
+                <a16:creationId xmlns:a16="http://schemas.microsoft.com/office/drawing/2014/main" id="{40D04F18-2BC2-E920-0281-275D1C339FEF}"/>
+              </a:ext>
+            </a:extLst>
+          </p:cNvPr>
+          <p:cNvSpPr txBox="1"/>
+          <p:nvPr/>
+        </p:nvSpPr>
+        <p:spPr>
+          <a:xfrm>
+            <a:off x="167147" y="3236918"/>
+            <a:ext cx="5230764" cy="3231654"/>
+          </a:xfrm>
+          <a:prstGeom prst="rect">
+            <a:avLst/>
+          </a:prstGeom>
+          <a:noFill/>
+        </p:spPr>
+        <p:txBody>
+          <a:bodyPr wrap="square">
+            <a:spAutoFit/>
+          </a:bodyPr>
+          <a:lstStyle/>
+          <a:p>
+            <a:pPr algn="just" fontAlgn="base"/>
+            <a:r>
+              <a:rPr lang="en-US" sz="2400" b="1" dirty="0">
+                <a:solidFill>
+                  <a:schemeClr val="accent3"/>
+                </a:solidFill>
+              </a:rPr>
+              <a:t>Task 5: Reasons for Investment</a:t>
+            </a:r>
+            <a:endParaRPr lang="en-US" b="1" dirty="0">
+              <a:solidFill>
+                <a:schemeClr val="accent3"/>
+              </a:solidFill>
+            </a:endParaRPr>
+          </a:p>
+          <a:p>
+            <a:pPr marL="285750" indent="-285750" fontAlgn="base">
+              <a:buFont typeface="Wingdings" panose="05000000000000000000" pitchFamily="2" charset="2"/>
+              <a:buChar char="q"/>
+            </a:pPr>
+            <a:r>
+              <a:rPr lang="en-US" b="1" dirty="0"/>
+              <a:t>Key Findings:</a:t>
+            </a:r>
+            <a:endParaRPr lang="en-US" dirty="0"/>
+          </a:p>
+          <a:p>
+            <a:pPr marL="285750" indent="-285750" fontAlgn="base">
+              <a:buFont typeface="Wingdings" panose="05000000000000000000" pitchFamily="2" charset="2"/>
+              <a:buChar char="v"/>
+            </a:pPr>
+            <a:r>
+              <a:rPr lang="en-US" b="1" dirty="0"/>
+              <a:t>Equity Investment Reasons:</a:t>
+            </a:r>
+            <a:r>
+              <a:rPr lang="en-US" dirty="0"/>
+              <a:t> Capital Appreciation (75%), Better Returns (60%).</a:t>
+            </a:r>
+          </a:p>
+          <a:p>
+            <a:pPr marL="285750" indent="-285750" fontAlgn="base">
+              <a:buFont typeface="Wingdings" panose="05000000000000000000" pitchFamily="2" charset="2"/>
+              <a:buChar char="v"/>
+            </a:pPr>
+            <a:r>
+              <a:rPr lang="en-US" b="1" dirty="0"/>
+              <a:t>Mutual Fund Investment Reasons:</a:t>
+            </a:r>
+            <a:r>
+              <a:rPr lang="en-US" dirty="0"/>
+              <a:t> Fund Diversification (32.5%), Dividend (20%).</a:t>
+            </a:r>
+          </a:p>
+          <a:p>
+            <a:pPr marL="285750" indent="-285750" fontAlgn="base">
+              <a:buFont typeface="Wingdings" panose="05000000000000000000" pitchFamily="2" charset="2"/>
+              <a:buChar char="v"/>
+            </a:pPr>
+            <a:r>
+              <a:rPr lang="en-US" b="1" dirty="0"/>
+              <a:t>Fixed Deposit Reasons:</a:t>
+            </a:r>
+            <a:r>
+              <a:rPr lang="en-US" dirty="0"/>
+              <a:t> Assured Returns (65%), High Interest Rates (7.5%).</a:t>
+            </a:r>
+          </a:p>
+          <a:p>
+            <a:pPr marL="285750" indent="-285750" fontAlgn="base">
+              <a:buFont typeface="Wingdings" panose="05000000000000000000" pitchFamily="2" charset="2"/>
+              <a:buChar char="v"/>
+            </a:pPr>
+            <a:r>
+              <a:rPr lang="en-US" b="1" dirty="0"/>
+              <a:t>Bond Investment Reasons:</a:t>
+            </a:r>
+            <a:r>
+              <a:rPr lang="en-US" dirty="0"/>
+              <a:t> Risk Free (47.5%), Fixed Returns (45%).</a:t>
+            </a:r>
+          </a:p>
+          <a:p>
+            <a:pPr marL="742950" lvl="1" indent="-285750" algn="just" fontAlgn="base">
+              <a:buFont typeface="Wingdings" panose="05000000000000000000" pitchFamily="2" charset="2"/>
+              <a:buChar char="v"/>
+            </a:pPr>
+            <a:endParaRPr lang="en-US" dirty="0"/>
+          </a:p>
+        </p:txBody>
+      </p:sp>
+      <p:sp>
+        <p:nvSpPr>
+          <p:cNvPr id="6" name="TextBox 5">
+            <a:extLst>
+              <a:ext uri="{FF2B5EF4-FFF2-40B4-BE49-F238E27FC236}">
+                <a16:creationId xmlns:a16="http://schemas.microsoft.com/office/drawing/2014/main" id="{EB741FBD-AED2-C0EC-8661-EDB0C5E57A74}"/>
+              </a:ext>
+            </a:extLst>
+          </p:cNvPr>
+          <p:cNvSpPr txBox="1"/>
+          <p:nvPr/>
+        </p:nvSpPr>
+        <p:spPr>
+          <a:xfrm>
+            <a:off x="167147" y="220134"/>
+            <a:ext cx="5149088" cy="2492990"/>
+          </a:xfrm>
+          <a:prstGeom prst="rect">
+            <a:avLst/>
+          </a:prstGeom>
+          <a:noFill/>
+        </p:spPr>
+        <p:txBody>
+          <a:bodyPr wrap="square">
+            <a:spAutoFit/>
+          </a:bodyPr>
+          <a:lstStyle/>
+          <a:p>
+            <a:r>
+              <a:rPr lang="en-US" sz="2400" b="1" i="0" u="none" strike="noStrike" dirty="0">
+                <a:solidFill>
+                  <a:schemeClr val="accent3"/>
+                </a:solidFill>
+                <a:effectLst/>
+                <a:latin typeface="+mj-lt"/>
+              </a:rPr>
+              <a:t>Task 4: Investment Duration and Frequency</a:t>
+            </a:r>
+          </a:p>
+          <a:p>
+            <a:pPr marL="285750" indent="-285750" algn="just" fontAlgn="base">
+              <a:buFont typeface="Wingdings" panose="05000000000000000000" pitchFamily="2" charset="2"/>
+              <a:buChar char="q"/>
+            </a:pPr>
+            <a:r>
+              <a:rPr lang="en-US" b="1" dirty="0"/>
+              <a:t>Key Findings:</a:t>
+            </a:r>
+            <a:endParaRPr lang="en-US" dirty="0"/>
+          </a:p>
+          <a:p>
+            <a:pPr marL="742950" lvl="1" indent="-285750" algn="just" fontAlgn="base">
+              <a:buFont typeface="Wingdings" panose="05000000000000000000" pitchFamily="2" charset="2"/>
+              <a:buChar char="v"/>
+            </a:pPr>
+            <a:r>
+              <a:rPr lang="en-US" dirty="0"/>
+              <a:t>Most investments fall into the '1-3 years' and '3-5 years' duration categories.</a:t>
+            </a:r>
+          </a:p>
+          <a:p>
+            <a:pPr marL="742950" lvl="1" indent="-285750" algn="just" fontAlgn="base">
+              <a:buFont typeface="Wingdings" panose="05000000000000000000" pitchFamily="2" charset="2"/>
+              <a:buChar char="v"/>
+            </a:pPr>
+            <a:r>
+              <a:rPr lang="en-US" dirty="0"/>
+              <a:t>Monthly monitoring is the most common frequency (72.5%), followed by Weekly (17.5%) and Daily (10%).</a:t>
+            </a:r>
+          </a:p>
+        </p:txBody>
+      </p:sp>
+      <p:pic>
+        <p:nvPicPr>
+          <p:cNvPr id="9" name="Picture 8">
+            <a:extLst>
+              <a:ext uri="{FF2B5EF4-FFF2-40B4-BE49-F238E27FC236}">
+                <a16:creationId xmlns:a16="http://schemas.microsoft.com/office/drawing/2014/main" id="{C5417666-CCFF-51C8-662B-8D898FD5DF68}"/>
+              </a:ext>
+            </a:extLst>
+          </p:cNvPr>
+          <p:cNvPicPr>
+            <a:picLocks noChangeAspect="1"/>
+          </p:cNvPicPr>
+          <p:nvPr/>
+        </p:nvPicPr>
+        <p:blipFill>
+          <a:blip r:embed="rId4"/>
+          <a:srcRect t="12330"/>
+          <a:stretch>
+            <a:fillRect/>
+          </a:stretch>
+        </p:blipFill>
+        <p:spPr>
+          <a:xfrm>
+            <a:off x="5397911" y="3421536"/>
+            <a:ext cx="6656736" cy="3314653"/>
+          </a:xfrm>
+          <a:prstGeom prst="rect">
+            <a:avLst/>
+          </a:prstGeom>
+        </p:spPr>
+      </p:pic>
+    </p:spTree>
+    <p:extLst>
+      <p:ext uri="{BB962C8B-B14F-4D97-AF65-F5344CB8AC3E}">
+        <p14:creationId xmlns:p14="http://schemas.microsoft.com/office/powerpoint/2010/main" val="1603261865"/>
+      </p:ext>
+    </p:extLst>
+  </p:cSld>
+  <p:clrMapOvr>
+    <a:masterClrMapping/>
+  </p:clrMapOvr>
+</p:sld>
+</file>
+
+<file path=ppt/slides/slide8.xml><?xml version="1.0" encoding="utf-8"?>
+<p:sld xmlns:a="http://schemas.openxmlformats.org/drawingml/2006/main" xmlns:r="http://schemas.openxmlformats.org/officeDocument/2006/relationships" xmlns:p="http://schemas.openxmlformats.org/presentationml/2006/main">
+  <p:cSld>
+    <p:spTree>
+      <p:nvGrpSpPr>
+        <p:cNvPr id="1" name="">
+          <a:extLst>
+            <a:ext uri="{FF2B5EF4-FFF2-40B4-BE49-F238E27FC236}">
+              <a16:creationId xmlns:a16="http://schemas.microsoft.com/office/drawing/2014/main" id="{86D68B9E-128D-A184-E3AC-2FC53833D621}"/>
+            </a:ext>
+          </a:extLst>
+        </p:cNvPr>
+        <p:cNvGrpSpPr/>
+        <p:nvPr/>
+      </p:nvGrpSpPr>
+      <p:grpSpPr>
+        <a:xfrm>
+          <a:off x="0" y="0"/>
+          <a:ext cx="0" cy="0"/>
+          <a:chOff x="0" y="0"/>
+          <a:chExt cx="0" cy="0"/>
+        </a:xfrm>
+      </p:grpSpPr>
+      <p:sp>
+        <p:nvSpPr>
+          <p:cNvPr id="3" name="Slide Number Placeholder 2">
+            <a:extLst>
+              <a:ext uri="{FF2B5EF4-FFF2-40B4-BE49-F238E27FC236}">
+                <a16:creationId xmlns:a16="http://schemas.microsoft.com/office/drawing/2014/main" id="{8F684D22-9DD1-1AC5-6891-9552F645C1A1}"/>
+              </a:ext>
+            </a:extLst>
+          </p:cNvPr>
+          <p:cNvSpPr>
+            <a:spLocks noGrp="1"/>
+          </p:cNvSpPr>
+          <p:nvPr>
+            <p:ph type="sldNum" sz="quarter" idx="10"/>
+          </p:nvPr>
+        </p:nvSpPr>
+        <p:spPr/>
+        <p:txBody>
+          <a:bodyPr/>
+          <a:lstStyle/>
+          <a:p>
+            <a:fld id="{48F63A3B-78C7-47BE-AE5E-E10140E04643}" type="slidenum">
+              <a:rPr lang="en-US" smtClean="0"/>
+              <a:pPr/>
               <a:t>8</a:t>
             </a:fld>
             <a:endParaRPr lang="en-US" dirty="0"/>
+          </a:p>
+        </p:txBody>
+      </p:sp>
+      <p:sp>
+        <p:nvSpPr>
+          <p:cNvPr id="4" name="TextBox 3">
+            <a:extLst>
+              <a:ext uri="{FF2B5EF4-FFF2-40B4-BE49-F238E27FC236}">
+                <a16:creationId xmlns:a16="http://schemas.microsoft.com/office/drawing/2014/main" id="{16F50B7F-2B26-428E-EA46-38281EF1FCC7}"/>
+              </a:ext>
+            </a:extLst>
+          </p:cNvPr>
+          <p:cNvSpPr txBox="1"/>
+          <p:nvPr/>
+        </p:nvSpPr>
+        <p:spPr>
+          <a:xfrm>
+            <a:off x="1501876" y="3331244"/>
+            <a:ext cx="4073013" cy="400110"/>
+          </a:xfrm>
+          <a:prstGeom prst="rect">
+            <a:avLst/>
+          </a:prstGeom>
+          <a:noFill/>
+        </p:spPr>
+        <p:txBody>
+          <a:bodyPr wrap="square">
+            <a:spAutoFit/>
+          </a:bodyPr>
+          <a:lstStyle/>
+          <a:p>
+            <a:pPr algn="ctr" fontAlgn="base"/>
+            <a:r>
+              <a:rPr lang="en-US" sz="2000" b="1" dirty="0"/>
+              <a:t>Task 5: Government Bond Reason</a:t>
+            </a:r>
+          </a:p>
+        </p:txBody>
+      </p:sp>
+      <p:pic>
+        <p:nvPicPr>
+          <p:cNvPr id="7" name="Picture 6">
+            <a:extLst>
+              <a:ext uri="{FF2B5EF4-FFF2-40B4-BE49-F238E27FC236}">
+                <a16:creationId xmlns:a16="http://schemas.microsoft.com/office/drawing/2014/main" id="{F8E82EFB-E944-FCDA-E74B-927C794D52F6}"/>
+              </a:ext>
+            </a:extLst>
+          </p:cNvPr>
+          <p:cNvPicPr>
+            <a:picLocks noChangeAspect="1"/>
+          </p:cNvPicPr>
+          <p:nvPr/>
+        </p:nvPicPr>
+        <p:blipFill>
+          <a:blip r:embed="rId3"/>
+          <a:srcRect t="12043"/>
+          <a:stretch>
+            <a:fillRect/>
+          </a:stretch>
+        </p:blipFill>
+        <p:spPr>
+          <a:xfrm>
+            <a:off x="77437" y="477646"/>
+            <a:ext cx="6105832" cy="2853598"/>
+          </a:xfrm>
+          <a:prstGeom prst="rect">
+            <a:avLst/>
+          </a:prstGeom>
+        </p:spPr>
+      </p:pic>
+      <p:pic>
+        <p:nvPicPr>
+          <p:cNvPr id="11" name="Picture 10">
+            <a:extLst>
+              <a:ext uri="{FF2B5EF4-FFF2-40B4-BE49-F238E27FC236}">
+                <a16:creationId xmlns:a16="http://schemas.microsoft.com/office/drawing/2014/main" id="{B82A1D7F-E71E-E10A-C181-8E6377C4A0D0}"/>
+              </a:ext>
+            </a:extLst>
+          </p:cNvPr>
+          <p:cNvPicPr>
+            <a:picLocks noChangeAspect="1"/>
+          </p:cNvPicPr>
+          <p:nvPr/>
+        </p:nvPicPr>
+        <p:blipFill>
+          <a:blip r:embed="rId4"/>
+          <a:srcRect t="12043"/>
+          <a:stretch>
+            <a:fillRect/>
+          </a:stretch>
+        </p:blipFill>
+        <p:spPr>
+          <a:xfrm>
+            <a:off x="77436" y="3736258"/>
+            <a:ext cx="6105833" cy="3121742"/>
+          </a:xfrm>
+          <a:prstGeom prst="rect">
+            <a:avLst/>
+          </a:prstGeom>
+        </p:spPr>
+      </p:pic>
+      <p:pic>
+        <p:nvPicPr>
+          <p:cNvPr id="13" name="Picture 12">
+            <a:extLst>
+              <a:ext uri="{FF2B5EF4-FFF2-40B4-BE49-F238E27FC236}">
+                <a16:creationId xmlns:a16="http://schemas.microsoft.com/office/drawing/2014/main" id="{2705F99A-61C1-30A6-4B1E-D49872ADE6BD}"/>
+              </a:ext>
+            </a:extLst>
+          </p:cNvPr>
+          <p:cNvPicPr>
+            <a:picLocks noChangeAspect="1"/>
+          </p:cNvPicPr>
+          <p:nvPr/>
+        </p:nvPicPr>
+        <p:blipFill>
+          <a:blip r:embed="rId5"/>
+          <a:srcRect t="12043"/>
+          <a:stretch>
+            <a:fillRect/>
+          </a:stretch>
+        </p:blipFill>
+        <p:spPr>
+          <a:xfrm>
+            <a:off x="6292674" y="3720707"/>
+            <a:ext cx="5756758" cy="3121742"/>
+          </a:xfrm>
+          <a:prstGeom prst="rect">
+            <a:avLst/>
+          </a:prstGeom>
+        </p:spPr>
+      </p:pic>
+      <p:pic>
+        <p:nvPicPr>
+          <p:cNvPr id="15" name="Picture 14">
+            <a:extLst>
+              <a:ext uri="{FF2B5EF4-FFF2-40B4-BE49-F238E27FC236}">
+                <a16:creationId xmlns:a16="http://schemas.microsoft.com/office/drawing/2014/main" id="{07EF5597-2D49-76E9-6462-E8D9E6DF3FA5}"/>
+              </a:ext>
+            </a:extLst>
+          </p:cNvPr>
+          <p:cNvPicPr>
+            <a:picLocks noChangeAspect="1"/>
+          </p:cNvPicPr>
+          <p:nvPr/>
+        </p:nvPicPr>
+        <p:blipFill>
+          <a:blip r:embed="rId6"/>
+          <a:srcRect t="12043"/>
+          <a:stretch>
+            <a:fillRect/>
+          </a:stretch>
+        </p:blipFill>
+        <p:spPr>
+          <a:xfrm>
+            <a:off x="6292674" y="457199"/>
+            <a:ext cx="5756758" cy="2853598"/>
+          </a:xfrm>
+          <a:prstGeom prst="rect">
+            <a:avLst/>
+          </a:prstGeom>
+        </p:spPr>
+      </p:pic>
+      <p:sp>
+        <p:nvSpPr>
+          <p:cNvPr id="16" name="TextBox 15">
+            <a:extLst>
+              <a:ext uri="{FF2B5EF4-FFF2-40B4-BE49-F238E27FC236}">
+                <a16:creationId xmlns:a16="http://schemas.microsoft.com/office/drawing/2014/main" id="{44836C4D-7572-EE62-B577-18C569B23029}"/>
+              </a:ext>
+            </a:extLst>
+          </p:cNvPr>
+          <p:cNvSpPr txBox="1"/>
+          <p:nvPr/>
+        </p:nvSpPr>
+        <p:spPr>
+          <a:xfrm>
+            <a:off x="1501877" y="44244"/>
+            <a:ext cx="3640394" cy="400110"/>
+          </a:xfrm>
+          <a:prstGeom prst="rect">
+            <a:avLst/>
+          </a:prstGeom>
+          <a:noFill/>
+        </p:spPr>
+        <p:txBody>
+          <a:bodyPr wrap="square">
+            <a:spAutoFit/>
+          </a:bodyPr>
+          <a:lstStyle/>
+          <a:p>
+            <a:pPr algn="ctr" fontAlgn="base"/>
+            <a:r>
+              <a:rPr lang="en-US" sz="2000" b="1" dirty="0"/>
+              <a:t>Task 5: Mutual Fund Reason</a:t>
+            </a:r>
+          </a:p>
+        </p:txBody>
+      </p:sp>
+      <p:sp>
+        <p:nvSpPr>
+          <p:cNvPr id="17" name="TextBox 16">
+            <a:extLst>
+              <a:ext uri="{FF2B5EF4-FFF2-40B4-BE49-F238E27FC236}">
+                <a16:creationId xmlns:a16="http://schemas.microsoft.com/office/drawing/2014/main" id="{99D34544-B81F-8B9A-3EC7-3CA061A4B2D6}"/>
+              </a:ext>
+            </a:extLst>
+          </p:cNvPr>
+          <p:cNvSpPr txBox="1"/>
+          <p:nvPr/>
+        </p:nvSpPr>
+        <p:spPr>
+          <a:xfrm>
+            <a:off x="7350856" y="0"/>
+            <a:ext cx="3640394" cy="400110"/>
+          </a:xfrm>
+          <a:prstGeom prst="rect">
+            <a:avLst/>
+          </a:prstGeom>
+          <a:noFill/>
+        </p:spPr>
+        <p:txBody>
+          <a:bodyPr wrap="square">
+            <a:spAutoFit/>
+          </a:bodyPr>
+          <a:lstStyle/>
+          <a:p>
+            <a:pPr algn="ctr" fontAlgn="base"/>
+            <a:r>
+              <a:rPr lang="en-US" sz="2000" b="1" dirty="0"/>
+              <a:t>Task 5: Fixed Deposit Reason</a:t>
+            </a:r>
+          </a:p>
+        </p:txBody>
+      </p:sp>
+      <p:sp>
+        <p:nvSpPr>
+          <p:cNvPr id="18" name="TextBox 17">
+            <a:extLst>
+              <a:ext uri="{FF2B5EF4-FFF2-40B4-BE49-F238E27FC236}">
+                <a16:creationId xmlns:a16="http://schemas.microsoft.com/office/drawing/2014/main" id="{98FD31E0-8E28-F71F-A469-34D2BD7B0D92}"/>
+              </a:ext>
+            </a:extLst>
+          </p:cNvPr>
+          <p:cNvSpPr txBox="1"/>
+          <p:nvPr/>
+        </p:nvSpPr>
+        <p:spPr>
+          <a:xfrm>
+            <a:off x="7350856" y="3331244"/>
+            <a:ext cx="3640394" cy="400110"/>
+          </a:xfrm>
+          <a:prstGeom prst="rect">
+            <a:avLst/>
+          </a:prstGeom>
+          <a:noFill/>
+        </p:spPr>
+        <p:txBody>
+          <a:bodyPr wrap="square">
+            <a:spAutoFit/>
+          </a:bodyPr>
+          <a:lstStyle/>
+          <a:p>
+            <a:pPr algn="ctr" fontAlgn="base"/>
+            <a:r>
+              <a:rPr lang="en-US" sz="2000" b="1" dirty="0"/>
+              <a:t>Task 5: Equity Reason</a:t>
+            </a:r>
           </a:p>
         </p:txBody>
       </p:sp>
     </p:spTree>
     <p:extLst>
       <p:ext uri="{BB962C8B-B14F-4D97-AF65-F5344CB8AC3E}">
-        <p14:creationId xmlns:p14="http://schemas.microsoft.com/office/powerpoint/2010/main" val="1941619646"/>
+        <p14:creationId xmlns:p14="http://schemas.microsoft.com/office/powerpoint/2010/main" val="3542849499"/>
       </p:ext>
     </p:extLst>
   </p:cSld>
@@ -25733,7 +21097,13 @@
   <p:cSld>
     <p:spTree>
       <p:nvGrpSpPr>
-        <p:cNvPr id="1" name=""/>
+        <p:cNvPr id="1" name="">
+          <a:extLst>
+            <a:ext uri="{FF2B5EF4-FFF2-40B4-BE49-F238E27FC236}">
+              <a16:creationId xmlns:a16="http://schemas.microsoft.com/office/drawing/2014/main" id="{EEFBE358-0C5F-6562-CB73-75FE1927B16E}"/>
+            </a:ext>
+          </a:extLst>
+        </p:cNvPr>
         <p:cNvGrpSpPr/>
         <p:nvPr/>
       </p:nvGrpSpPr>
@@ -25747,106 +21117,10 @@
       </p:grpSpPr>
       <p:sp>
         <p:nvSpPr>
-          <p:cNvPr id="3" name="Title 2">
+          <p:cNvPr id="3" name="Slide Number Placeholder 2">
             <a:extLst>
               <a:ext uri="{FF2B5EF4-FFF2-40B4-BE49-F238E27FC236}">
-                <a16:creationId xmlns:a16="http://schemas.microsoft.com/office/drawing/2014/main" id="{9443EC8A-1733-CCF7-081F-EB4667CB3285}"/>
-              </a:ext>
-            </a:extLst>
-          </p:cNvPr>
-          <p:cNvSpPr>
-            <a:spLocks noGrp="1"/>
-          </p:cNvSpPr>
-          <p:nvPr>
-            <p:ph type="title"/>
-          </p:nvPr>
-        </p:nvSpPr>
-        <p:spPr/>
-        <p:txBody>
-          <a:bodyPr/>
-          <a:lstStyle/>
-          <a:p>
-            <a:r>
-              <a:rPr lang="en-US" dirty="0"/>
-              <a:t>Speaking impact</a:t>
-            </a:r>
-          </a:p>
-        </p:txBody>
-      </p:sp>
-      <p:sp>
-        <p:nvSpPr>
-          <p:cNvPr id="4" name="Content Placeholder 3">
-            <a:extLst>
-              <a:ext uri="{FF2B5EF4-FFF2-40B4-BE49-F238E27FC236}">
-                <a16:creationId xmlns:a16="http://schemas.microsoft.com/office/drawing/2014/main" id="{ACE55D3D-AA24-CF53-6679-29B3C83F7646}"/>
-              </a:ext>
-            </a:extLst>
-          </p:cNvPr>
-          <p:cNvSpPr>
-            <a:spLocks noGrp="1"/>
-          </p:cNvSpPr>
-          <p:nvPr>
-            <p:ph idx="13"/>
-          </p:nvPr>
-        </p:nvSpPr>
-        <p:spPr/>
-        <p:txBody>
-          <a:bodyPr/>
-          <a:lstStyle/>
-          <a:p>
-            <a:r>
-              <a:rPr lang="en-US" dirty="0"/>
-              <a:t>Your ability to communicate effectively will leave a lasting impact on your audience</a:t>
-            </a:r>
-          </a:p>
-          <a:p>
-            <a:endParaRPr lang="en-US" dirty="0"/>
-          </a:p>
-          <a:p>
-            <a:r>
-              <a:rPr lang="en-US" dirty="0"/>
-              <a:t>Effectively communicating involves not only delivering a message but also resonating with the experiences, values, and emotions of those listening </a:t>
-            </a:r>
-          </a:p>
-        </p:txBody>
-      </p:sp>
-      <p:pic>
-        <p:nvPicPr>
-          <p:cNvPr id="7" name="Picture Placeholder 6" descr="A person wearing glasses and a blue shirt">
-            <a:extLst>
-              <a:ext uri="{FF2B5EF4-FFF2-40B4-BE49-F238E27FC236}">
-                <a16:creationId xmlns:a16="http://schemas.microsoft.com/office/drawing/2014/main" id="{C570EB79-053B-0283-9D2D-6266701EEDDD}"/>
-              </a:ext>
-            </a:extLst>
-          </p:cNvPr>
-          <p:cNvPicPr>
-            <a:picLocks noGrp="1" noChangeAspect="1"/>
-          </p:cNvPicPr>
-          <p:nvPr>
-            <p:ph type="pic" sz="quarter" idx="14"/>
-          </p:nvPr>
-        </p:nvPicPr>
-        <p:blipFill rotWithShape="1">
-          <a:blip r:embed="rId3">
-            <a:duotone>
-              <a:prstClr val="black"/>
-              <a:schemeClr val="accent4">
-                <a:tint val="45000"/>
-                <a:satMod val="400000"/>
-              </a:schemeClr>
-            </a:duotone>
-          </a:blip>
-          <a:srcRect l="19088" r="19088"/>
-          <a:stretch/>
-        </p:blipFill>
-        <p:spPr/>
-      </p:pic>
-      <p:sp>
-        <p:nvSpPr>
-          <p:cNvPr id="2" name="Slide Number Placeholder 1">
-            <a:extLst>
-              <a:ext uri="{FF2B5EF4-FFF2-40B4-BE49-F238E27FC236}">
-                <a16:creationId xmlns:a16="http://schemas.microsoft.com/office/drawing/2014/main" id="{AB69D854-FB65-0E93-CFE2-041F7C41DD24}"/>
+                <a16:creationId xmlns:a16="http://schemas.microsoft.com/office/drawing/2014/main" id="{1D1CD87D-9DF6-0F30-1C95-608A9760A711}"/>
               </a:ext>
             </a:extLst>
           </p:cNvPr>
@@ -25871,10 +21145,289 @@
           </a:p>
         </p:txBody>
       </p:sp>
+      <p:pic>
+        <p:nvPicPr>
+          <p:cNvPr id="10" name="Picture 9">
+            <a:extLst>
+              <a:ext uri="{FF2B5EF4-FFF2-40B4-BE49-F238E27FC236}">
+                <a16:creationId xmlns:a16="http://schemas.microsoft.com/office/drawing/2014/main" id="{1EB53221-0DEE-B7F6-8531-249348CDDE31}"/>
+              </a:ext>
+            </a:extLst>
+          </p:cNvPr>
+          <p:cNvPicPr>
+            <a:picLocks noChangeAspect="1"/>
+          </p:cNvPicPr>
+          <p:nvPr/>
+        </p:nvPicPr>
+        <p:blipFill>
+          <a:blip r:embed="rId3"/>
+          <a:srcRect t="11416" b="23826"/>
+          <a:stretch>
+            <a:fillRect/>
+          </a:stretch>
+        </p:blipFill>
+        <p:spPr>
+          <a:xfrm>
+            <a:off x="6567948" y="108151"/>
+            <a:ext cx="5535565" cy="3189631"/>
+          </a:xfrm>
+          <a:prstGeom prst="rect">
+            <a:avLst/>
+          </a:prstGeom>
+        </p:spPr>
+      </p:pic>
+      <p:sp>
+        <p:nvSpPr>
+          <p:cNvPr id="6" name="TextBox 5">
+            <a:extLst>
+              <a:ext uri="{FF2B5EF4-FFF2-40B4-BE49-F238E27FC236}">
+                <a16:creationId xmlns:a16="http://schemas.microsoft.com/office/drawing/2014/main" id="{B6AD9970-3F17-07E4-9075-07CB802051E5}"/>
+              </a:ext>
+            </a:extLst>
+          </p:cNvPr>
+          <p:cNvSpPr txBox="1"/>
+          <p:nvPr/>
+        </p:nvSpPr>
+        <p:spPr>
+          <a:xfrm>
+            <a:off x="88487" y="96138"/>
+            <a:ext cx="6479461" cy="3046988"/>
+          </a:xfrm>
+          <a:prstGeom prst="rect">
+            <a:avLst/>
+          </a:prstGeom>
+          <a:noFill/>
+        </p:spPr>
+        <p:txBody>
+          <a:bodyPr wrap="square">
+            <a:spAutoFit/>
+          </a:bodyPr>
+          <a:lstStyle/>
+          <a:p>
+            <a:r>
+              <a:rPr lang="en-US" sz="2400" b="1" i="0" u="none" strike="noStrike" dirty="0">
+                <a:solidFill>
+                  <a:schemeClr val="accent3"/>
+                </a:solidFill>
+                <a:effectLst/>
+                <a:latin typeface="+mj-lt"/>
+              </a:rPr>
+              <a:t>Task 6: Source of Information</a:t>
+            </a:r>
+          </a:p>
+          <a:p>
+            <a:r>
+              <a:rPr lang="en-US" b="1" dirty="0"/>
+              <a:t>Key Findings:</a:t>
+            </a:r>
+            <a:endParaRPr lang="en-US" dirty="0"/>
+          </a:p>
+          <a:p>
+            <a:pPr marL="742950" lvl="1" indent="-285750" algn="just" fontAlgn="base">
+              <a:buFont typeface="Wingdings" panose="05000000000000000000" pitchFamily="2" charset="2"/>
+              <a:buChar char="v"/>
+            </a:pPr>
+            <a:r>
+              <a:rPr lang="en-US" sz="1500" b="1" dirty="0"/>
+              <a:t>Mutual Fund Investors: </a:t>
+            </a:r>
+            <a:r>
+              <a:rPr lang="en-US" sz="1500" dirty="0"/>
+              <a:t>Primarily rely on Financial Consultants (50%), then Newspapers (33%), Internet (11%), Television (6%).</a:t>
+            </a:r>
+          </a:p>
+          <a:p>
+            <a:pPr marL="742950" lvl="1" indent="-285750" algn="just" fontAlgn="base">
+              <a:buFont typeface="Wingdings" panose="05000000000000000000" pitchFamily="2" charset="2"/>
+              <a:buChar char="v"/>
+            </a:pPr>
+            <a:r>
+              <a:rPr lang="en-US" sz="1500" b="1" dirty="0"/>
+              <a:t>Equity Investors: </a:t>
+            </a:r>
+            <a:r>
+              <a:rPr lang="en-US" sz="1500" dirty="0"/>
+              <a:t>Higher reliance on Newspapers (40%), then Television (30%), Internet (20%), Financial Consultants (10%).</a:t>
+            </a:r>
+          </a:p>
+          <a:p>
+            <a:pPr marL="742950" lvl="1" indent="-285750" algn="just" fontAlgn="base">
+              <a:buFont typeface="Wingdings" panose="05000000000000000000" pitchFamily="2" charset="2"/>
+              <a:buChar char="v"/>
+            </a:pPr>
+            <a:r>
+              <a:rPr lang="en-US" sz="1500" b="1" dirty="0"/>
+              <a:t>Fixed Deposit Investors: </a:t>
+            </a:r>
+            <a:r>
+              <a:rPr lang="en-US" sz="1500" dirty="0"/>
+              <a:t>Strongest preference for Financial Consultants (44%), followed by Newspapers (33%), Television (22%).</a:t>
+            </a:r>
+          </a:p>
+          <a:p>
+            <a:pPr marL="742950" lvl="1" indent="-285750" algn="just" fontAlgn="base">
+              <a:buFont typeface="Wingdings" panose="05000000000000000000" pitchFamily="2" charset="2"/>
+              <a:buChar char="v"/>
+            </a:pPr>
+            <a:r>
+              <a:rPr lang="en-US" sz="1500" b="1" dirty="0"/>
+              <a:t>PPF Investors: </a:t>
+            </a:r>
+            <a:r>
+              <a:rPr lang="en-US" sz="1500" dirty="0"/>
+              <a:t>Heavily dependent on Financial Consultants (67%), then Newspapers (33%).</a:t>
+            </a:r>
+          </a:p>
+          <a:p>
+            <a:pPr marL="742950" lvl="1" indent="-285750" algn="just" fontAlgn="base">
+              <a:buFont typeface="Wingdings" panose="05000000000000000000" pitchFamily="2" charset="2"/>
+              <a:buChar char="v"/>
+            </a:pPr>
+            <a:r>
+              <a:rPr lang="en-US" sz="1500" dirty="0"/>
+              <a:t>The more complex the investment avenue, the more likely investors are to seek professional guidance.</a:t>
+            </a:r>
+          </a:p>
+        </p:txBody>
+      </p:sp>
+      <p:pic>
+        <p:nvPicPr>
+          <p:cNvPr id="5" name="Picture 4">
+            <a:extLst>
+              <a:ext uri="{FF2B5EF4-FFF2-40B4-BE49-F238E27FC236}">
+                <a16:creationId xmlns:a16="http://schemas.microsoft.com/office/drawing/2014/main" id="{E0B5B913-87A8-FC71-9A7B-624EC96CD8B9}"/>
+              </a:ext>
+            </a:extLst>
+          </p:cNvPr>
+          <p:cNvPicPr>
+            <a:picLocks noChangeAspect="1"/>
+          </p:cNvPicPr>
+          <p:nvPr/>
+        </p:nvPicPr>
+        <p:blipFill>
+          <a:blip r:embed="rId4"/>
+          <a:srcRect t="11899" b="25305"/>
+          <a:stretch>
+            <a:fillRect/>
+          </a:stretch>
+        </p:blipFill>
+        <p:spPr>
+          <a:xfrm>
+            <a:off x="6174658" y="3662519"/>
+            <a:ext cx="5928854" cy="3099343"/>
+          </a:xfrm>
+          <a:prstGeom prst="rect">
+            <a:avLst/>
+          </a:prstGeom>
+        </p:spPr>
+      </p:pic>
+      <p:pic>
+        <p:nvPicPr>
+          <p:cNvPr id="8" name="Picture 7">
+            <a:extLst>
+              <a:ext uri="{FF2B5EF4-FFF2-40B4-BE49-F238E27FC236}">
+                <a16:creationId xmlns:a16="http://schemas.microsoft.com/office/drawing/2014/main" id="{E3BAB697-C7E9-F178-33CF-2AD197760A83}"/>
+              </a:ext>
+            </a:extLst>
+          </p:cNvPr>
+          <p:cNvPicPr>
+            <a:picLocks noChangeAspect="1"/>
+          </p:cNvPicPr>
+          <p:nvPr/>
+        </p:nvPicPr>
+        <p:blipFill>
+          <a:blip r:embed="rId5"/>
+          <a:srcRect t="11898" b="24169"/>
+          <a:stretch>
+            <a:fillRect/>
+          </a:stretch>
+        </p:blipFill>
+        <p:spPr>
+          <a:xfrm>
+            <a:off x="88487" y="3662518"/>
+            <a:ext cx="6007512" cy="3099344"/>
+          </a:xfrm>
+          <a:prstGeom prst="rect">
+            <a:avLst/>
+          </a:prstGeom>
+        </p:spPr>
+      </p:pic>
+      <p:sp>
+        <p:nvSpPr>
+          <p:cNvPr id="11" name="TextBox 10">
+            <a:extLst>
+              <a:ext uri="{FF2B5EF4-FFF2-40B4-BE49-F238E27FC236}">
+                <a16:creationId xmlns:a16="http://schemas.microsoft.com/office/drawing/2014/main" id="{43803D17-D548-3744-621C-73344B90046C}"/>
+              </a:ext>
+            </a:extLst>
+          </p:cNvPr>
+          <p:cNvSpPr txBox="1"/>
+          <p:nvPr/>
+        </p:nvSpPr>
+        <p:spPr>
+          <a:xfrm>
+            <a:off x="1501876" y="3232935"/>
+            <a:ext cx="4073013" cy="400110"/>
+          </a:xfrm>
+          <a:prstGeom prst="rect">
+            <a:avLst/>
+          </a:prstGeom>
+          <a:noFill/>
+        </p:spPr>
+        <p:txBody>
+          <a:bodyPr wrap="square">
+            <a:spAutoFit/>
+          </a:bodyPr>
+          <a:lstStyle/>
+          <a:p>
+            <a:pPr algn="ctr" fontAlgn="base"/>
+            <a:r>
+              <a:rPr lang="en-US" sz="2000" b="1" dirty="0"/>
+              <a:t>Investment Avenue </a:t>
+            </a:r>
+          </a:p>
+        </p:txBody>
+      </p:sp>
+      <p:sp>
+        <p:nvSpPr>
+          <p:cNvPr id="12" name="TextBox 11">
+            <a:extLst>
+              <a:ext uri="{FF2B5EF4-FFF2-40B4-BE49-F238E27FC236}">
+                <a16:creationId xmlns:a16="http://schemas.microsoft.com/office/drawing/2014/main" id="{A609A737-D4DF-F730-D6FD-0049F97A9BD8}"/>
+              </a:ext>
+            </a:extLst>
+          </p:cNvPr>
+          <p:cNvSpPr txBox="1"/>
+          <p:nvPr/>
+        </p:nvSpPr>
+        <p:spPr>
+          <a:xfrm>
+            <a:off x="7012856" y="3228959"/>
+            <a:ext cx="4073013" cy="400110"/>
+          </a:xfrm>
+          <a:prstGeom prst="rect">
+            <a:avLst/>
+          </a:prstGeom>
+          <a:noFill/>
+        </p:spPr>
+        <p:txBody>
+          <a:bodyPr wrap="square">
+            <a:spAutoFit/>
+          </a:bodyPr>
+          <a:lstStyle/>
+          <a:p>
+            <a:pPr algn="ctr" fontAlgn="base"/>
+            <a:r>
+              <a:rPr lang="en-US" sz="2000" b="1" dirty="0"/>
+              <a:t>Demographic Analysis</a:t>
+            </a:r>
+          </a:p>
+        </p:txBody>
+      </p:sp>
     </p:spTree>
     <p:extLst>
       <p:ext uri="{BB962C8B-B14F-4D97-AF65-F5344CB8AC3E}">
-        <p14:creationId xmlns:p14="http://schemas.microsoft.com/office/powerpoint/2010/main" val="4072101725"/>
+        <p14:creationId xmlns:p14="http://schemas.microsoft.com/office/powerpoint/2010/main" val="3696058719"/>
       </p:ext>
     </p:extLst>
   </p:cSld>
@@ -26672,6 +22225,15 @@
 </file>
 
 <file path=customXml/item1.xml><?xml version="1.0" encoding="utf-8"?>
+<?mso-contentType ?>
+<FormTemplates xmlns="http://schemas.microsoft.com/sharepoint/v3/contenttype/forms">
+  <Display>DocumentLibraryForm</Display>
+  <Edit>DocumentLibraryForm</Edit>
+  <New>DocumentLibraryForm</New>
+</FormTemplates>
+</file>
+
+<file path=customXml/item2.xml><?xml version="1.0" encoding="utf-8"?>
 <p:properties xmlns:p="http://schemas.microsoft.com/office/2006/metadata/properties" xmlns:xsi="http://www.w3.org/2001/XMLSchema-instance" xmlns:pc="http://schemas.microsoft.com/office/infopath/2007/PartnerControls">
   <documentManagement>
     <_ip_UnifiedCompliancePolicyUIAction xmlns="http://schemas.microsoft.com/sharepoint/v3" xsi:nil="true"/>
@@ -26689,15 +22251,6 @@
     <MediaServiceKeyPoints xmlns="71af3243-3dd4-4a8d-8c0d-dd76da1f02a5" xsi:nil="true"/>
   </documentManagement>
 </p:properties>
-</file>
-
-<file path=customXml/item2.xml><?xml version="1.0" encoding="utf-8"?>
-<?mso-contentType ?>
-<FormTemplates xmlns="http://schemas.microsoft.com/sharepoint/v3/contenttype/forms">
-  <Display>DocumentLibraryForm</Display>
-  <Edit>DocumentLibraryForm</Edit>
-  <New>DocumentLibraryForm</New>
-</FormTemplates>
 </file>
 
 <file path=customXml/item3.xml><?xml version="1.0" encoding="utf-8"?>
@@ -27013,6 +22566,14 @@
 </file>
 
 <file path=customXml/itemProps1.xml><?xml version="1.0" encoding="utf-8"?>
+<ds:datastoreItem xmlns:ds="http://schemas.openxmlformats.org/officeDocument/2006/customXml" ds:itemID="{16DBB56F-4362-4386-A1A1-3DF898896616}">
+  <ds:schemaRefs>
+    <ds:schemaRef ds:uri="http://schemas.microsoft.com/sharepoint/v3/contenttype/forms"/>
+  </ds:schemaRefs>
+</ds:datastoreItem>
+</file>
+
+<file path=customXml/itemProps2.xml><?xml version="1.0" encoding="utf-8"?>
 <ds:datastoreItem xmlns:ds="http://schemas.openxmlformats.org/officeDocument/2006/customXml" ds:itemID="{BA719FA4-954C-4FA8-82CB-206659C3B826}">
   <ds:schemaRefs>
     <ds:schemaRef ds:uri="http://schemas.microsoft.com/office/2006/metadata/properties"/>
@@ -27020,14 +22581,6 @@
     <ds:schemaRef ds:uri="http://schemas.microsoft.com/sharepoint/v3"/>
     <ds:schemaRef ds:uri="71af3243-3dd4-4a8d-8c0d-dd76da1f02a5"/>
     <ds:schemaRef ds:uri="230e9df3-be65-4c73-a93b-d1236ebd677e"/>
-  </ds:schemaRefs>
-</ds:datastoreItem>
-</file>
-
-<file path=customXml/itemProps2.xml><?xml version="1.0" encoding="utf-8"?>
-<ds:datastoreItem xmlns:ds="http://schemas.openxmlformats.org/officeDocument/2006/customXml" ds:itemID="{16DBB56F-4362-4386-A1A1-3DF898896616}">
-  <ds:schemaRefs>
-    <ds:schemaRef ds:uri="http://schemas.microsoft.com/sharepoint/v3/contenttype/forms"/>
   </ds:schemaRefs>
 </ds:datastoreItem>
 </file>
